--- a/Presentations/EXO1.pptx
+++ b/Presentations/EXO1.pptx
@@ -6,6 +6,10 @@
   </p:sldMasterIdLst>
   <p:sldIdLst>
     <p:sldId id="256" r:id="rId2"/>
+    <p:sldId id="258" r:id="rId3"/>
+    <p:sldId id="260" r:id="rId4"/>
+    <p:sldId id="259" r:id="rId5"/>
+    <p:sldId id="257" r:id="rId6"/>
   </p:sldIdLst>
   <p:sldSz cx="12192000" cy="6858000"/>
   <p:notesSz cx="6858000" cy="9144000"/>
@@ -104,6 +108,11 @@
       </a:defRPr>
     </a:lvl9pPr>
   </p:defaultTextStyle>
+  <p:extLst>
+    <p:ext uri="{EFAFB233-063F-42B5-8137-9DF3F51BA10A}">
+      <p15:sldGuideLst xmlns:p15="http://schemas.microsoft.com/office/powerpoint/2012/main"/>
+    </p:ext>
+  </p:extLst>
 </p:presentation>
 </file>
 
@@ -3392,7 +3401,7 @@
           <a:bodyPr/>
           <a:lstStyle/>
           <a:p>
-            <a:endParaRPr lang="sv-SE"/>
+            <a:endParaRPr lang="sv-SE" dirty="0"/>
           </a:p>
         </p:txBody>
       </p:sp>
@@ -3400,6 +3409,380 @@
     <p:extLst>
       <p:ext uri="{BB962C8B-B14F-4D97-AF65-F5344CB8AC3E}">
         <p14:creationId xmlns:p14="http://schemas.microsoft.com/office/powerpoint/2010/main" val="1992779227"/>
+      </p:ext>
+    </p:extLst>
+  </p:cSld>
+  <p:clrMapOvr>
+    <a:masterClrMapping/>
+  </p:clrMapOvr>
+</p:sld>
+</file>
+
+<file path=ppt/slides/slide2.xml><?xml version="1.0" encoding="utf-8"?>
+<p:sld xmlns:a="http://schemas.openxmlformats.org/drawingml/2006/main" xmlns:r="http://schemas.openxmlformats.org/officeDocument/2006/relationships" xmlns:p="http://schemas.openxmlformats.org/presentationml/2006/main">
+  <p:cSld>
+    <p:spTree>
+      <p:nvGrpSpPr>
+        <p:cNvPr id="1" name=""/>
+        <p:cNvGrpSpPr/>
+        <p:nvPr/>
+      </p:nvGrpSpPr>
+      <p:grpSpPr>
+        <a:xfrm>
+          <a:off x="0" y="0"/>
+          <a:ext cx="0" cy="0"/>
+          <a:chOff x="0" y="0"/>
+          <a:chExt cx="0" cy="0"/>
+        </a:xfrm>
+      </p:grpSpPr>
+      <p:sp>
+        <p:nvSpPr>
+          <p:cNvPr id="2" name="Title 1">
+            <a:extLst>
+              <a:ext uri="{FF2B5EF4-FFF2-40B4-BE49-F238E27FC236}">
+                <a16:creationId xmlns:a16="http://schemas.microsoft.com/office/drawing/2014/main" id="{920CC99F-8A7E-96E1-08B6-122D4DA4140E}"/>
+              </a:ext>
+            </a:extLst>
+          </p:cNvPr>
+          <p:cNvSpPr>
+            <a:spLocks noGrp="1"/>
+          </p:cNvSpPr>
+          <p:nvPr>
+            <p:ph type="title"/>
+          </p:nvPr>
+        </p:nvSpPr>
+        <p:spPr/>
+        <p:txBody>
+          <a:bodyPr/>
+          <a:lstStyle/>
+          <a:p>
+            <a:r>
+              <a:rPr lang="en-US" dirty="0"/>
+              <a:t>Static Struggles</a:t>
+            </a:r>
+            <a:endParaRPr lang="sv-SE" dirty="0"/>
+          </a:p>
+        </p:txBody>
+      </p:sp>
+      <p:sp>
+        <p:nvSpPr>
+          <p:cNvPr id="3" name="Content Placeholder 2">
+            <a:extLst>
+              <a:ext uri="{FF2B5EF4-FFF2-40B4-BE49-F238E27FC236}">
+                <a16:creationId xmlns:a16="http://schemas.microsoft.com/office/drawing/2014/main" id="{A6F63E42-D07B-1C40-E563-7D8B4C57173E}"/>
+              </a:ext>
+            </a:extLst>
+          </p:cNvPr>
+          <p:cNvSpPr>
+            <a:spLocks noGrp="1"/>
+          </p:cNvSpPr>
+          <p:nvPr>
+            <p:ph idx="1"/>
+          </p:nvPr>
+        </p:nvSpPr>
+        <p:spPr/>
+        <p:txBody>
+          <a:bodyPr/>
+          <a:lstStyle/>
+          <a:p>
+            <a:r>
+              <a:rPr lang="en-US" dirty="0"/>
+              <a:t>Operations</a:t>
+            </a:r>
+          </a:p>
+          <a:p>
+            <a:r>
+              <a:rPr lang="en-US" dirty="0"/>
+              <a:t>Assembly Work</a:t>
+            </a:r>
+          </a:p>
+          <a:p>
+            <a:r>
+              <a:rPr lang="en-US" dirty="0"/>
+              <a:t>Fruit Gathering</a:t>
+            </a:r>
+            <a:endParaRPr lang="sv-SE" dirty="0"/>
+          </a:p>
+        </p:txBody>
+      </p:sp>
+    </p:spTree>
+    <p:extLst>
+      <p:ext uri="{BB962C8B-B14F-4D97-AF65-F5344CB8AC3E}">
+        <p14:creationId xmlns:p14="http://schemas.microsoft.com/office/powerpoint/2010/main" val="2074167219"/>
+      </p:ext>
+    </p:extLst>
+  </p:cSld>
+  <p:clrMapOvr>
+    <a:masterClrMapping/>
+  </p:clrMapOvr>
+</p:sld>
+</file>
+
+<file path=ppt/slides/slide3.xml><?xml version="1.0" encoding="utf-8"?>
+<p:sld xmlns:a="http://schemas.openxmlformats.org/drawingml/2006/main" xmlns:r="http://schemas.openxmlformats.org/officeDocument/2006/relationships" xmlns:p="http://schemas.openxmlformats.org/presentationml/2006/main">
+  <p:cSld>
+    <p:spTree>
+      <p:nvGrpSpPr>
+        <p:cNvPr id="1" name=""/>
+        <p:cNvGrpSpPr/>
+        <p:nvPr/>
+      </p:nvGrpSpPr>
+      <p:grpSpPr>
+        <a:xfrm>
+          <a:off x="0" y="0"/>
+          <a:ext cx="0" cy="0"/>
+          <a:chOff x="0" y="0"/>
+          <a:chExt cx="0" cy="0"/>
+        </a:xfrm>
+      </p:grpSpPr>
+      <p:sp>
+        <p:nvSpPr>
+          <p:cNvPr id="2" name="Title 1">
+            <a:extLst>
+              <a:ext uri="{FF2B5EF4-FFF2-40B4-BE49-F238E27FC236}">
+                <a16:creationId xmlns:a16="http://schemas.microsoft.com/office/drawing/2014/main" id="{EDC5447C-7530-2027-447C-601948E7BA62}"/>
+              </a:ext>
+            </a:extLst>
+          </p:cNvPr>
+          <p:cNvSpPr>
+            <a:spLocks noGrp="1"/>
+          </p:cNvSpPr>
+          <p:nvPr>
+            <p:ph type="title"/>
+          </p:nvPr>
+        </p:nvSpPr>
+        <p:spPr/>
+        <p:txBody>
+          <a:bodyPr/>
+          <a:lstStyle/>
+          <a:p>
+            <a:r>
+              <a:rPr lang="en-US" dirty="0"/>
+              <a:t>What do we have to work with?</a:t>
+            </a:r>
+            <a:endParaRPr lang="sv-SE" dirty="0"/>
+          </a:p>
+        </p:txBody>
+      </p:sp>
+      <p:sp>
+        <p:nvSpPr>
+          <p:cNvPr id="3" name="Content Placeholder 2">
+            <a:extLst>
+              <a:ext uri="{FF2B5EF4-FFF2-40B4-BE49-F238E27FC236}">
+                <a16:creationId xmlns:a16="http://schemas.microsoft.com/office/drawing/2014/main" id="{F81AFDA0-9FE4-4F58-534C-51B35CF5AF83}"/>
+              </a:ext>
+            </a:extLst>
+          </p:cNvPr>
+          <p:cNvSpPr>
+            <a:spLocks noGrp="1"/>
+          </p:cNvSpPr>
+          <p:nvPr>
+            <p:ph idx="1"/>
+          </p:nvPr>
+        </p:nvSpPr>
+        <p:spPr/>
+        <p:txBody>
+          <a:bodyPr/>
+          <a:lstStyle/>
+          <a:p>
+            <a:endParaRPr lang="sv-SE"/>
+          </a:p>
+        </p:txBody>
+      </p:sp>
+    </p:spTree>
+    <p:extLst>
+      <p:ext uri="{BB962C8B-B14F-4D97-AF65-F5344CB8AC3E}">
+        <p14:creationId xmlns:p14="http://schemas.microsoft.com/office/powerpoint/2010/main" val="1570380145"/>
+      </p:ext>
+    </p:extLst>
+  </p:cSld>
+  <p:clrMapOvr>
+    <a:masterClrMapping/>
+  </p:clrMapOvr>
+</p:sld>
+</file>
+
+<file path=ppt/slides/slide4.xml><?xml version="1.0" encoding="utf-8"?>
+<p:sld xmlns:a="http://schemas.openxmlformats.org/drawingml/2006/main" xmlns:r="http://schemas.openxmlformats.org/officeDocument/2006/relationships" xmlns:p="http://schemas.openxmlformats.org/presentationml/2006/main">
+  <p:cSld>
+    <p:spTree>
+      <p:nvGrpSpPr>
+        <p:cNvPr id="1" name=""/>
+        <p:cNvGrpSpPr/>
+        <p:nvPr/>
+      </p:nvGrpSpPr>
+      <p:grpSpPr>
+        <a:xfrm>
+          <a:off x="0" y="0"/>
+          <a:ext cx="0" cy="0"/>
+          <a:chOff x="0" y="0"/>
+          <a:chExt cx="0" cy="0"/>
+        </a:xfrm>
+      </p:grpSpPr>
+      <p:sp>
+        <p:nvSpPr>
+          <p:cNvPr id="2" name="Title 1">
+            <a:extLst>
+              <a:ext uri="{FF2B5EF4-FFF2-40B4-BE49-F238E27FC236}">
+                <a16:creationId xmlns:a16="http://schemas.microsoft.com/office/drawing/2014/main" id="{41BDAD05-1E0B-6DB4-A6AA-727E2ECB5528}"/>
+              </a:ext>
+            </a:extLst>
+          </p:cNvPr>
+          <p:cNvSpPr>
+            <a:spLocks noGrp="1"/>
+          </p:cNvSpPr>
+          <p:nvPr>
+            <p:ph type="title"/>
+          </p:nvPr>
+        </p:nvSpPr>
+        <p:spPr/>
+        <p:txBody>
+          <a:bodyPr/>
+          <a:lstStyle/>
+          <a:p>
+            <a:r>
+              <a:rPr lang="en-US" dirty="0"/>
+              <a:t>Background</a:t>
+            </a:r>
+            <a:endParaRPr lang="sv-SE" dirty="0"/>
+          </a:p>
+        </p:txBody>
+      </p:sp>
+      <p:sp>
+        <p:nvSpPr>
+          <p:cNvPr id="3" name="Content Placeholder 2">
+            <a:extLst>
+              <a:ext uri="{FF2B5EF4-FFF2-40B4-BE49-F238E27FC236}">
+                <a16:creationId xmlns:a16="http://schemas.microsoft.com/office/drawing/2014/main" id="{56A95D5E-05FC-E9C4-460B-0E40497733A2}"/>
+              </a:ext>
+            </a:extLst>
+          </p:cNvPr>
+          <p:cNvSpPr>
+            <a:spLocks noGrp="1"/>
+          </p:cNvSpPr>
+          <p:nvPr>
+            <p:ph idx="1"/>
+          </p:nvPr>
+        </p:nvSpPr>
+        <p:spPr/>
+        <p:txBody>
+          <a:bodyPr/>
+          <a:lstStyle/>
+          <a:p>
+            <a:endParaRPr lang="sv-SE"/>
+          </a:p>
+        </p:txBody>
+      </p:sp>
+    </p:spTree>
+    <p:extLst>
+      <p:ext uri="{BB962C8B-B14F-4D97-AF65-F5344CB8AC3E}">
+        <p14:creationId xmlns:p14="http://schemas.microsoft.com/office/powerpoint/2010/main" val="534588424"/>
+      </p:ext>
+    </p:extLst>
+  </p:cSld>
+  <p:clrMapOvr>
+    <a:masterClrMapping/>
+  </p:clrMapOvr>
+</p:sld>
+</file>
+
+<file path=ppt/slides/slide5.xml><?xml version="1.0" encoding="utf-8"?>
+<p:sld xmlns:a="http://schemas.openxmlformats.org/drawingml/2006/main" xmlns:r="http://schemas.openxmlformats.org/officeDocument/2006/relationships" xmlns:p="http://schemas.openxmlformats.org/presentationml/2006/main">
+  <p:cSld>
+    <p:spTree>
+      <p:nvGrpSpPr>
+        <p:cNvPr id="1" name=""/>
+        <p:cNvGrpSpPr/>
+        <p:nvPr/>
+      </p:nvGrpSpPr>
+      <p:grpSpPr>
+        <a:xfrm>
+          <a:off x="0" y="0"/>
+          <a:ext cx="0" cy="0"/>
+          <a:chOff x="0" y="0"/>
+          <a:chExt cx="0" cy="0"/>
+        </a:xfrm>
+      </p:grpSpPr>
+      <p:sp>
+        <p:nvSpPr>
+          <p:cNvPr id="2" name="Title 1">
+            <a:extLst>
+              <a:ext uri="{FF2B5EF4-FFF2-40B4-BE49-F238E27FC236}">
+                <a16:creationId xmlns:a16="http://schemas.microsoft.com/office/drawing/2014/main" id="{B9A06D55-A465-C93F-B526-2EAA0C6BDA28}"/>
+              </a:ext>
+            </a:extLst>
+          </p:cNvPr>
+          <p:cNvSpPr>
+            <a:spLocks noGrp="1"/>
+          </p:cNvSpPr>
+          <p:nvPr>
+            <p:ph type="title"/>
+          </p:nvPr>
+        </p:nvSpPr>
+        <p:spPr/>
+        <p:txBody>
+          <a:bodyPr/>
+          <a:lstStyle/>
+          <a:p>
+            <a:r>
+              <a:rPr lang="en-US" dirty="0"/>
+              <a:t>Research Questions</a:t>
+            </a:r>
+            <a:endParaRPr lang="sv-SE" dirty="0"/>
+          </a:p>
+        </p:txBody>
+      </p:sp>
+      <p:sp>
+        <p:nvSpPr>
+          <p:cNvPr id="3" name="Content Placeholder 2">
+            <a:extLst>
+              <a:ext uri="{FF2B5EF4-FFF2-40B4-BE49-F238E27FC236}">
+                <a16:creationId xmlns:a16="http://schemas.microsoft.com/office/drawing/2014/main" id="{1139C13A-F384-5706-84B7-6FC41ACA84C1}"/>
+              </a:ext>
+            </a:extLst>
+          </p:cNvPr>
+          <p:cNvSpPr>
+            <a:spLocks noGrp="1"/>
+          </p:cNvSpPr>
+          <p:nvPr>
+            <p:ph idx="1"/>
+          </p:nvPr>
+        </p:nvSpPr>
+        <p:spPr/>
+        <p:txBody>
+          <a:bodyPr/>
+          <a:lstStyle/>
+          <a:p>
+            <a:r>
+              <a:rPr lang="en-US" dirty="0"/>
+              <a:t>Can we make it attached to arm? </a:t>
+            </a:r>
+          </a:p>
+          <a:p>
+            <a:r>
+              <a:rPr lang="en-US" dirty="0"/>
+              <a:t>Can we make it run with less lag? </a:t>
+            </a:r>
+          </a:p>
+          <a:p>
+            <a:r>
+              <a:rPr lang="en-US" dirty="0"/>
+              <a:t>Can we go both backwards, forwards and rest? </a:t>
+            </a:r>
+          </a:p>
+          <a:p>
+            <a:r>
+              <a:rPr lang="en-US" dirty="0"/>
+              <a:t>Can we make it go at variable speeds?</a:t>
+            </a:r>
+            <a:endParaRPr lang="sv-SE" dirty="0"/>
+          </a:p>
+        </p:txBody>
+      </p:sp>
+    </p:spTree>
+    <p:extLst>
+      <p:ext uri="{BB962C8B-B14F-4D97-AF65-F5344CB8AC3E}">
+        <p14:creationId xmlns:p14="http://schemas.microsoft.com/office/powerpoint/2010/main" val="264222137"/>
       </p:ext>
     </p:extLst>
   </p:cSld>

--- a/Presentations/EXO1.pptx
+++ b/Presentations/EXO1.pptx
@@ -265,7 +265,7 @@
           <a:p>
             <a:fld id="{C20A0960-0C9D-404F-B4E5-3B1CEEC36D7F}" type="datetimeFigureOut">
               <a:rPr lang="sv-SE" smtClean="0"/>
-              <a:t>2024-04-10</a:t>
+              <a:t>2024-04-11</a:t>
             </a:fld>
             <a:endParaRPr lang="sv-SE"/>
           </a:p>
@@ -465,7 +465,7 @@
           <a:p>
             <a:fld id="{C20A0960-0C9D-404F-B4E5-3B1CEEC36D7F}" type="datetimeFigureOut">
               <a:rPr lang="sv-SE" smtClean="0"/>
-              <a:t>2024-04-10</a:t>
+              <a:t>2024-04-11</a:t>
             </a:fld>
             <a:endParaRPr lang="sv-SE"/>
           </a:p>
@@ -675,7 +675,7 @@
           <a:p>
             <a:fld id="{C20A0960-0C9D-404F-B4E5-3B1CEEC36D7F}" type="datetimeFigureOut">
               <a:rPr lang="sv-SE" smtClean="0"/>
-              <a:t>2024-04-10</a:t>
+              <a:t>2024-04-11</a:t>
             </a:fld>
             <a:endParaRPr lang="sv-SE"/>
           </a:p>
@@ -875,7 +875,7 @@
           <a:p>
             <a:fld id="{C20A0960-0C9D-404F-B4E5-3B1CEEC36D7F}" type="datetimeFigureOut">
               <a:rPr lang="sv-SE" smtClean="0"/>
-              <a:t>2024-04-10</a:t>
+              <a:t>2024-04-11</a:t>
             </a:fld>
             <a:endParaRPr lang="sv-SE"/>
           </a:p>
@@ -1151,7 +1151,7 @@
           <a:p>
             <a:fld id="{C20A0960-0C9D-404F-B4E5-3B1CEEC36D7F}" type="datetimeFigureOut">
               <a:rPr lang="sv-SE" smtClean="0"/>
-              <a:t>2024-04-10</a:t>
+              <a:t>2024-04-11</a:t>
             </a:fld>
             <a:endParaRPr lang="sv-SE"/>
           </a:p>
@@ -1419,7 +1419,7 @@
           <a:p>
             <a:fld id="{C20A0960-0C9D-404F-B4E5-3B1CEEC36D7F}" type="datetimeFigureOut">
               <a:rPr lang="sv-SE" smtClean="0"/>
-              <a:t>2024-04-10</a:t>
+              <a:t>2024-04-11</a:t>
             </a:fld>
             <a:endParaRPr lang="sv-SE"/>
           </a:p>
@@ -1834,7 +1834,7 @@
           <a:p>
             <a:fld id="{C20A0960-0C9D-404F-B4E5-3B1CEEC36D7F}" type="datetimeFigureOut">
               <a:rPr lang="sv-SE" smtClean="0"/>
-              <a:t>2024-04-10</a:t>
+              <a:t>2024-04-11</a:t>
             </a:fld>
             <a:endParaRPr lang="sv-SE"/>
           </a:p>
@@ -1976,7 +1976,7 @@
           <a:p>
             <a:fld id="{C20A0960-0C9D-404F-B4E5-3B1CEEC36D7F}" type="datetimeFigureOut">
               <a:rPr lang="sv-SE" smtClean="0"/>
-              <a:t>2024-04-10</a:t>
+              <a:t>2024-04-11</a:t>
             </a:fld>
             <a:endParaRPr lang="sv-SE"/>
           </a:p>
@@ -2089,7 +2089,7 @@
           <a:p>
             <a:fld id="{C20A0960-0C9D-404F-B4E5-3B1CEEC36D7F}" type="datetimeFigureOut">
               <a:rPr lang="sv-SE" smtClean="0"/>
-              <a:t>2024-04-10</a:t>
+              <a:t>2024-04-11</a:t>
             </a:fld>
             <a:endParaRPr lang="sv-SE"/>
           </a:p>
@@ -2402,7 +2402,7 @@
           <a:p>
             <a:fld id="{C20A0960-0C9D-404F-B4E5-3B1CEEC36D7F}" type="datetimeFigureOut">
               <a:rPr lang="sv-SE" smtClean="0"/>
-              <a:t>2024-04-10</a:t>
+              <a:t>2024-04-11</a:t>
             </a:fld>
             <a:endParaRPr lang="sv-SE"/>
           </a:p>
@@ -2691,7 +2691,7 @@
           <a:p>
             <a:fld id="{C20A0960-0C9D-404F-B4E5-3B1CEEC36D7F}" type="datetimeFigureOut">
               <a:rPr lang="sv-SE" smtClean="0"/>
-              <a:t>2024-04-10</a:t>
+              <a:t>2024-04-11</a:t>
             </a:fld>
             <a:endParaRPr lang="sv-SE"/>
           </a:p>
@@ -2934,7 +2934,7 @@
           <a:p>
             <a:fld id="{C20A0960-0C9D-404F-B4E5-3B1CEEC36D7F}" type="datetimeFigureOut">
               <a:rPr lang="sv-SE" smtClean="0"/>
-              <a:t>2024-04-10</a:t>
+              <a:t>2024-04-11</a:t>
             </a:fld>
             <a:endParaRPr lang="sv-SE"/>
           </a:p>
@@ -3401,6 +3401,14 @@
           <a:bodyPr/>
           <a:lstStyle/>
           <a:p>
+            <a:r>
+              <a:rPr lang="en-US" dirty="0" err="1"/>
+              <a:t>Hej</a:t>
+            </a:r>
+            <a:r>
+              <a:rPr lang="en-US"/>
+              <a:t> hej</a:t>
+            </a:r>
             <a:endParaRPr lang="sv-SE" dirty="0"/>
           </a:p>
         </p:txBody>

--- a/Presentations/EXO1.pptx
+++ b/Presentations/EXO1.pptx
@@ -3401,14 +3401,6 @@
           <a:bodyPr/>
           <a:lstStyle/>
           <a:p>
-            <a:r>
-              <a:rPr lang="en-US" dirty="0" err="1"/>
-              <a:t>Hej</a:t>
-            </a:r>
-            <a:r>
-              <a:rPr lang="en-US"/>
-              <a:t> hej</a:t>
-            </a:r>
             <a:endParaRPr lang="sv-SE" dirty="0"/>
           </a:p>
         </p:txBody>

--- a/Presentations/EXO1.pptx
+++ b/Presentations/EXO1.pptx
@@ -6,10 +6,11 @@
   </p:sldMasterIdLst>
   <p:sldIdLst>
     <p:sldId id="256" r:id="rId2"/>
-    <p:sldId id="258" r:id="rId3"/>
-    <p:sldId id="260" r:id="rId4"/>
+    <p:sldId id="261" r:id="rId3"/>
+    <p:sldId id="258" r:id="rId4"/>
     <p:sldId id="259" r:id="rId5"/>
-    <p:sldId id="257" r:id="rId6"/>
+    <p:sldId id="260" r:id="rId6"/>
+    <p:sldId id="257" r:id="rId7"/>
   </p:sldIdLst>
   <p:sldSz cx="12192000" cy="6858000"/>
   <p:notesSz cx="6858000" cy="9144000"/>
@@ -3437,10 +3438,10 @@
       </p:grpSpPr>
       <p:sp>
         <p:nvSpPr>
-          <p:cNvPr id="2" name="Title 1">
-            <a:extLst>
-              <a:ext uri="{FF2B5EF4-FFF2-40B4-BE49-F238E27FC236}">
-                <a16:creationId xmlns:a16="http://schemas.microsoft.com/office/drawing/2014/main" id="{920CC99F-8A7E-96E1-08B6-122D4DA4140E}"/>
+          <p:cNvPr id="2" name="Rubrik 1">
+            <a:extLst>
+              <a:ext uri="{FF2B5EF4-FFF2-40B4-BE49-F238E27FC236}">
+                <a16:creationId xmlns:a16="http://schemas.microsoft.com/office/drawing/2014/main" id="{60C6CD51-D1E0-DD92-13F5-F23724D13EDB}"/>
               </a:ext>
             </a:extLst>
           </p:cNvPr>
@@ -3457,19 +3458,22 @@
           <a:lstStyle/>
           <a:p>
             <a:r>
-              <a:rPr lang="en-US" dirty="0"/>
-              <a:t>Static Struggles</a:t>
-            </a:r>
-            <a:endParaRPr lang="sv-SE" dirty="0"/>
-          </a:p>
-        </p:txBody>
-      </p:sp>
-      <p:sp>
-        <p:nvSpPr>
-          <p:cNvPr id="3" name="Content Placeholder 2">
-            <a:extLst>
-              <a:ext uri="{FF2B5EF4-FFF2-40B4-BE49-F238E27FC236}">
-                <a16:creationId xmlns:a16="http://schemas.microsoft.com/office/drawing/2014/main" id="{A6F63E42-D07B-1C40-E563-7D8B4C57173E}"/>
+              <a:rPr lang="sv-SE" dirty="0" err="1"/>
+              <a:t>Introduction</a:t>
+            </a:r>
+            <a:r>
+              <a:rPr lang="sv-SE" dirty="0"/>
+              <a:t>/Main Points</a:t>
+            </a:r>
+          </a:p>
+        </p:txBody>
+      </p:sp>
+      <p:sp>
+        <p:nvSpPr>
+          <p:cNvPr id="3" name="Platshållare för innehåll 2">
+            <a:extLst>
+              <a:ext uri="{FF2B5EF4-FFF2-40B4-BE49-F238E27FC236}">
+                <a16:creationId xmlns:a16="http://schemas.microsoft.com/office/drawing/2014/main" id="{EC4ECB90-9DD9-7B6C-C91D-A15468FCE0A1}"/>
               </a:ext>
             </a:extLst>
           </p:cNvPr>
@@ -3486,29 +3490,78 @@
           <a:lstStyle/>
           <a:p>
             <a:r>
-              <a:rPr lang="en-US" dirty="0"/>
-              <a:t>Operations</a:t>
-            </a:r>
-          </a:p>
-          <a:p>
-            <a:r>
-              <a:rPr lang="en-US" dirty="0"/>
-              <a:t>Assembly Work</a:t>
-            </a:r>
-          </a:p>
-          <a:p>
-            <a:r>
-              <a:rPr lang="en-US" dirty="0"/>
-              <a:t>Fruit Gathering</a:t>
-            </a:r>
-            <a:endParaRPr lang="sv-SE" dirty="0"/>
+              <a:rPr lang="sv-SE" dirty="0" err="1"/>
+              <a:t>What</a:t>
+            </a:r>
+            <a:r>
+              <a:rPr lang="sv-SE" dirty="0"/>
+              <a:t> is </a:t>
+            </a:r>
+            <a:r>
+              <a:rPr lang="sv-SE" dirty="0" err="1"/>
+              <a:t>our</a:t>
+            </a:r>
+            <a:r>
+              <a:rPr lang="sv-SE" dirty="0"/>
+              <a:t> </a:t>
+            </a:r>
+            <a:r>
+              <a:rPr lang="sv-SE" dirty="0" err="1"/>
+              <a:t>main</a:t>
+            </a:r>
+            <a:r>
+              <a:rPr lang="sv-SE" dirty="0"/>
+              <a:t> focus for the projekt?</a:t>
+            </a:r>
+          </a:p>
+          <a:p>
+            <a:r>
+              <a:rPr lang="sv-SE" dirty="0" err="1"/>
+              <a:t>What</a:t>
+            </a:r>
+            <a:r>
+              <a:rPr lang="sv-SE" dirty="0"/>
+              <a:t> do </a:t>
+            </a:r>
+            <a:r>
+              <a:rPr lang="sv-SE" dirty="0" err="1"/>
+              <a:t>we</a:t>
+            </a:r>
+            <a:r>
+              <a:rPr lang="sv-SE" dirty="0"/>
+              <a:t> </a:t>
+            </a:r>
+            <a:r>
+              <a:rPr lang="sv-SE" dirty="0" err="1"/>
+              <a:t>want</a:t>
+            </a:r>
+            <a:r>
+              <a:rPr lang="sv-SE" dirty="0"/>
+              <a:t> to </a:t>
+            </a:r>
+            <a:r>
+              <a:rPr lang="sv-SE" dirty="0" err="1"/>
+              <a:t>implement</a:t>
+            </a:r>
+            <a:r>
+              <a:rPr lang="sv-SE" dirty="0"/>
+              <a:t> and </a:t>
+            </a:r>
+            <a:r>
+              <a:rPr lang="sv-SE" dirty="0" err="1"/>
+              <a:t>improve</a:t>
+            </a:r>
+            <a:r>
+              <a:rPr lang="sv-SE" dirty="0"/>
+              <a:t> on?</a:t>
+            </a:r>
           </a:p>
         </p:txBody>
       </p:sp>
     </p:spTree>
     <p:extLst>
       <p:ext uri="{BB962C8B-B14F-4D97-AF65-F5344CB8AC3E}">
-        <p14:creationId xmlns:p14="http://schemas.microsoft.com/office/powerpoint/2010/main" val="2074167219"/>
+        <p14:creationId xmlns:p14="http://schemas.microsoft.com/office/powerpoint/2010/main" val="2038149837"/>
       </p:ext>
     </p:extLst>
   </p:cSld>
@@ -3540,7 +3593,7 @@
           <p:cNvPr id="2" name="Title 1">
             <a:extLst>
               <a:ext uri="{FF2B5EF4-FFF2-40B4-BE49-F238E27FC236}">
-                <a16:creationId xmlns:a16="http://schemas.microsoft.com/office/drawing/2014/main" id="{EDC5447C-7530-2027-447C-601948E7BA62}"/>
+                <a16:creationId xmlns:a16="http://schemas.microsoft.com/office/drawing/2014/main" id="{920CC99F-8A7E-96E1-08B6-122D4DA4140E}"/>
               </a:ext>
             </a:extLst>
           </p:cNvPr>
@@ -3558,7 +3611,7 @@
           <a:p>
             <a:r>
               <a:rPr lang="en-US" dirty="0"/>
-              <a:t>What do we have to work with?</a:t>
+              <a:t>Static Struggles/Introduction</a:t>
             </a:r>
             <a:endParaRPr lang="sv-SE" dirty="0"/>
           </a:p>
@@ -3569,7 +3622,7 @@
           <p:cNvPr id="3" name="Content Placeholder 2">
             <a:extLst>
               <a:ext uri="{FF2B5EF4-FFF2-40B4-BE49-F238E27FC236}">
-                <a16:creationId xmlns:a16="http://schemas.microsoft.com/office/drawing/2014/main" id="{F81AFDA0-9FE4-4F58-534C-51B35CF5AF83}"/>
+                <a16:creationId xmlns:a16="http://schemas.microsoft.com/office/drawing/2014/main" id="{A6F63E42-D07B-1C40-E563-7D8B4C57173E}"/>
               </a:ext>
             </a:extLst>
           </p:cNvPr>
@@ -3585,14 +3638,30 @@
           <a:bodyPr/>
           <a:lstStyle/>
           <a:p>
-            <a:endParaRPr lang="sv-SE"/>
+            <a:r>
+              <a:rPr lang="en-US" dirty="0"/>
+              <a:t>Operations</a:t>
+            </a:r>
+          </a:p>
+          <a:p>
+            <a:r>
+              <a:rPr lang="en-US" dirty="0"/>
+              <a:t>Assembly Work</a:t>
+            </a:r>
+          </a:p>
+          <a:p>
+            <a:r>
+              <a:rPr lang="en-US" dirty="0"/>
+              <a:t>Fruit Gathering</a:t>
+            </a:r>
+            <a:endParaRPr lang="sv-SE" dirty="0"/>
           </a:p>
         </p:txBody>
       </p:sp>
     </p:spTree>
     <p:extLst>
       <p:ext uri="{BB962C8B-B14F-4D97-AF65-F5344CB8AC3E}">
-        <p14:creationId xmlns:p14="http://schemas.microsoft.com/office/powerpoint/2010/main" val="1570380145"/>
+        <p14:creationId xmlns:p14="http://schemas.microsoft.com/office/powerpoint/2010/main" val="2074167219"/>
       </p:ext>
     </p:extLst>
   </p:cSld>
@@ -3669,7 +3738,33 @@
           <a:bodyPr/>
           <a:lstStyle/>
           <a:p>
-            <a:endParaRPr lang="sv-SE"/>
+            <a:r>
+              <a:rPr lang="sv-SE" dirty="0"/>
+              <a:t>Reading material </a:t>
+            </a:r>
+          </a:p>
+          <a:p>
+            <a:r>
+              <a:rPr lang="sv-SE" dirty="0"/>
+              <a:t>Hardware</a:t>
+            </a:r>
+          </a:p>
+          <a:p>
+            <a:r>
+              <a:rPr lang="sv-SE" dirty="0"/>
+              <a:t>Software</a:t>
+            </a:r>
+          </a:p>
+          <a:p>
+            <a:r>
+              <a:rPr lang="sv-SE" dirty="0"/>
+              <a:t>Text and </a:t>
+            </a:r>
+            <a:r>
+              <a:rPr lang="sv-SE" dirty="0" err="1"/>
+              <a:t>reports</a:t>
+            </a:r>
+            <a:endParaRPr lang="sv-SE" dirty="0"/>
           </a:p>
         </p:txBody>
       </p:sp>
@@ -3708,6 +3803,184 @@
           <p:cNvPr id="2" name="Title 1">
             <a:extLst>
               <a:ext uri="{FF2B5EF4-FFF2-40B4-BE49-F238E27FC236}">
+                <a16:creationId xmlns:a16="http://schemas.microsoft.com/office/drawing/2014/main" id="{EDC5447C-7530-2027-447C-601948E7BA62}"/>
+              </a:ext>
+            </a:extLst>
+          </p:cNvPr>
+          <p:cNvSpPr>
+            <a:spLocks noGrp="1"/>
+          </p:cNvSpPr>
+          <p:nvPr>
+            <p:ph type="title"/>
+          </p:nvPr>
+        </p:nvSpPr>
+        <p:spPr/>
+        <p:txBody>
+          <a:bodyPr/>
+          <a:lstStyle/>
+          <a:p>
+            <a:r>
+              <a:rPr lang="en-US" dirty="0"/>
+              <a:t>What do we have to work with?/Background</a:t>
+            </a:r>
+            <a:endParaRPr lang="sv-SE" dirty="0"/>
+          </a:p>
+        </p:txBody>
+      </p:sp>
+      <p:sp>
+        <p:nvSpPr>
+          <p:cNvPr id="3" name="Content Placeholder 2">
+            <a:extLst>
+              <a:ext uri="{FF2B5EF4-FFF2-40B4-BE49-F238E27FC236}">
+                <a16:creationId xmlns:a16="http://schemas.microsoft.com/office/drawing/2014/main" id="{F81AFDA0-9FE4-4F58-534C-51B35CF5AF83}"/>
+              </a:ext>
+            </a:extLst>
+          </p:cNvPr>
+          <p:cNvSpPr>
+            <a:spLocks noGrp="1"/>
+          </p:cNvSpPr>
+          <p:nvPr>
+            <p:ph idx="1"/>
+          </p:nvPr>
+        </p:nvSpPr>
+        <p:spPr/>
+        <p:txBody>
+          <a:bodyPr/>
+          <a:lstStyle/>
+          <a:p>
+            <a:r>
+              <a:rPr lang="sv-SE" dirty="0" err="1"/>
+              <a:t>What</a:t>
+            </a:r>
+            <a:r>
+              <a:rPr lang="sv-SE" dirty="0"/>
+              <a:t> is </a:t>
+            </a:r>
+            <a:r>
+              <a:rPr lang="sv-SE" dirty="0" err="1"/>
+              <a:t>already</a:t>
+            </a:r>
+            <a:r>
+              <a:rPr lang="sv-SE" dirty="0"/>
+              <a:t> </a:t>
+            </a:r>
+            <a:r>
+              <a:rPr lang="sv-SE" dirty="0" err="1"/>
+              <a:t>done</a:t>
+            </a:r>
+            <a:r>
+              <a:rPr lang="sv-SE" dirty="0"/>
+              <a:t>?</a:t>
+            </a:r>
+          </a:p>
+          <a:p>
+            <a:r>
+              <a:rPr lang="sv-SE" dirty="0" err="1"/>
+              <a:t>What</a:t>
+            </a:r>
+            <a:r>
+              <a:rPr lang="sv-SE" dirty="0"/>
+              <a:t> kind </a:t>
+            </a:r>
+            <a:r>
+              <a:rPr lang="sv-SE" dirty="0" err="1"/>
+              <a:t>of</a:t>
+            </a:r>
+            <a:r>
+              <a:rPr lang="sv-SE" dirty="0"/>
+              <a:t> </a:t>
+            </a:r>
+            <a:r>
+              <a:rPr lang="sv-SE" dirty="0" err="1"/>
+              <a:t>resources</a:t>
+            </a:r>
+            <a:r>
+              <a:rPr lang="sv-SE" dirty="0"/>
+              <a:t>/material </a:t>
+            </a:r>
+            <a:r>
+              <a:rPr lang="sv-SE" dirty="0" err="1"/>
+              <a:t>are</a:t>
+            </a:r>
+            <a:r>
+              <a:rPr lang="sv-SE" dirty="0"/>
+              <a:t> </a:t>
+            </a:r>
+            <a:r>
+              <a:rPr lang="sv-SE" dirty="0" err="1"/>
+              <a:t>we</a:t>
+            </a:r>
+            <a:r>
+              <a:rPr lang="sv-SE" dirty="0"/>
+              <a:t> </a:t>
+            </a:r>
+            <a:r>
+              <a:rPr lang="sv-SE" dirty="0" err="1"/>
+              <a:t>working</a:t>
+            </a:r>
+            <a:r>
+              <a:rPr lang="sv-SE" dirty="0"/>
+              <a:t> </a:t>
+            </a:r>
+            <a:r>
+              <a:rPr lang="sv-SE" dirty="0" err="1"/>
+              <a:t>with</a:t>
+            </a:r>
+            <a:r>
+              <a:rPr lang="sv-SE" dirty="0"/>
+              <a:t>?</a:t>
+            </a:r>
+          </a:p>
+          <a:p>
+            <a:r>
+              <a:rPr lang="sv-SE" dirty="0" err="1"/>
+              <a:t>Reports</a:t>
+            </a:r>
+            <a:r>
+              <a:rPr lang="sv-SE" dirty="0"/>
+              <a:t> and information?</a:t>
+            </a:r>
+          </a:p>
+          <a:p>
+            <a:endParaRPr lang="sv-SE" dirty="0"/>
+          </a:p>
+        </p:txBody>
+      </p:sp>
+    </p:spTree>
+    <p:extLst>
+      <p:ext uri="{BB962C8B-B14F-4D97-AF65-F5344CB8AC3E}">
+        <p14:creationId xmlns:p14="http://schemas.microsoft.com/office/powerpoint/2010/main" val="1570380145"/>
+      </p:ext>
+    </p:extLst>
+  </p:cSld>
+  <p:clrMapOvr>
+    <a:masterClrMapping/>
+  </p:clrMapOvr>
+</p:sld>
+</file>
+
+<file path=ppt/slides/slide6.xml><?xml version="1.0" encoding="utf-8"?>
+<p:sld xmlns:a="http://schemas.openxmlformats.org/drawingml/2006/main" xmlns:r="http://schemas.openxmlformats.org/officeDocument/2006/relationships" xmlns:p="http://schemas.openxmlformats.org/presentationml/2006/main">
+  <p:cSld>
+    <p:spTree>
+      <p:nvGrpSpPr>
+        <p:cNvPr id="1" name=""/>
+        <p:cNvGrpSpPr/>
+        <p:nvPr/>
+      </p:nvGrpSpPr>
+      <p:grpSpPr>
+        <a:xfrm>
+          <a:off x="0" y="0"/>
+          <a:ext cx="0" cy="0"/>
+          <a:chOff x="0" y="0"/>
+          <a:chExt cx="0" cy="0"/>
+        </a:xfrm>
+      </p:grpSpPr>
+      <p:sp>
+        <p:nvSpPr>
+          <p:cNvPr id="2" name="Title 1">
+            <a:extLst>
+              <a:ext uri="{FF2B5EF4-FFF2-40B4-BE49-F238E27FC236}">
                 <a16:creationId xmlns:a16="http://schemas.microsoft.com/office/drawing/2014/main" id="{B9A06D55-A465-C93F-B526-2EAA0C6BDA28}"/>
               </a:ext>
             </a:extLst>
@@ -3726,7 +3999,7 @@
           <a:p>
             <a:r>
               <a:rPr lang="en-US" dirty="0"/>
-              <a:t>Research Questions</a:t>
+              <a:t>Research Questions / Plan for future</a:t>
             </a:r>
             <a:endParaRPr lang="sv-SE" dirty="0"/>
           </a:p>

--- a/Presentations/EXO1.pptx
+++ b/Presentations/EXO1.pptx
@@ -3511,7 +3511,15 @@
             </a:r>
             <a:r>
               <a:rPr lang="sv-SE" dirty="0"/>
-              <a:t> focus for the projekt?</a:t>
+              <a:t> focus for the </a:t>
+            </a:r>
+            <a:r>
+              <a:rPr lang="sv-SE" dirty="0" err="1"/>
+              <a:t>project</a:t>
+            </a:r>
+            <a:r>
+              <a:rPr lang="sv-SE" dirty="0"/>
+              <a:t>?</a:t>
             </a:r>
           </a:p>
           <a:p>

--- a/Presentations/EXO1.pptx
+++ b/Presentations/EXO1.pptx
@@ -2,23 +2,24 @@
 <file path=ppt/presentation.xml><?xml version="1.0" encoding="utf-8"?>
 <p:presentation xmlns:a="http://schemas.openxmlformats.org/drawingml/2006/main" xmlns:r="http://schemas.openxmlformats.org/officeDocument/2006/relationships" xmlns:p="http://schemas.openxmlformats.org/presentationml/2006/main" saveSubsetFonts="1">
   <p:sldMasterIdLst>
-    <p:sldMasterId id="2147483648" r:id="rId1"/>
+    <p:sldMasterId id="2147483733" r:id="rId1"/>
   </p:sldMasterIdLst>
   <p:sldIdLst>
     <p:sldId id="256" r:id="rId2"/>
     <p:sldId id="261" r:id="rId3"/>
-    <p:sldId id="258" r:id="rId4"/>
-    <p:sldId id="259" r:id="rId5"/>
-    <p:sldId id="260" r:id="rId6"/>
-    <p:sldId id="257" r:id="rId7"/>
+    <p:sldId id="262" r:id="rId4"/>
+    <p:sldId id="258" r:id="rId5"/>
+    <p:sldId id="259" r:id="rId6"/>
+    <p:sldId id="260" r:id="rId7"/>
+    <p:sldId id="257" r:id="rId8"/>
   </p:sldIdLst>
   <p:sldSz cx="12192000" cy="6858000"/>
   <p:notesSz cx="6858000" cy="9144000"/>
   <p:defaultTextStyle>
     <a:defPPr>
-      <a:defRPr lang="sv-SE"/>
+      <a:defRPr lang="en-US"/>
     </a:defPPr>
-    <a:lvl1pPr marL="0" algn="l" defTabSz="914400" rtl="0" eaLnBrk="1" latinLnBrk="0" hangingPunct="1">
+    <a:lvl1pPr marL="0" algn="l" defTabSz="457200" rtl="0" eaLnBrk="1" latinLnBrk="0" hangingPunct="1">
       <a:defRPr sz="1800" kern="1200">
         <a:solidFill>
           <a:schemeClr val="tx1"/>
@@ -28,7 +29,7 @@
         <a:cs typeface="+mn-cs"/>
       </a:defRPr>
     </a:lvl1pPr>
-    <a:lvl2pPr marL="457200" algn="l" defTabSz="914400" rtl="0" eaLnBrk="1" latinLnBrk="0" hangingPunct="1">
+    <a:lvl2pPr marL="457200" algn="l" defTabSz="457200" rtl="0" eaLnBrk="1" latinLnBrk="0" hangingPunct="1">
       <a:defRPr sz="1800" kern="1200">
         <a:solidFill>
           <a:schemeClr val="tx1"/>
@@ -38,7 +39,7 @@
         <a:cs typeface="+mn-cs"/>
       </a:defRPr>
     </a:lvl2pPr>
-    <a:lvl3pPr marL="914400" algn="l" defTabSz="914400" rtl="0" eaLnBrk="1" latinLnBrk="0" hangingPunct="1">
+    <a:lvl3pPr marL="914400" algn="l" defTabSz="457200" rtl="0" eaLnBrk="1" latinLnBrk="0" hangingPunct="1">
       <a:defRPr sz="1800" kern="1200">
         <a:solidFill>
           <a:schemeClr val="tx1"/>
@@ -48,7 +49,7 @@
         <a:cs typeface="+mn-cs"/>
       </a:defRPr>
     </a:lvl3pPr>
-    <a:lvl4pPr marL="1371600" algn="l" defTabSz="914400" rtl="0" eaLnBrk="1" latinLnBrk="0" hangingPunct="1">
+    <a:lvl4pPr marL="1371600" algn="l" defTabSz="457200" rtl="0" eaLnBrk="1" latinLnBrk="0" hangingPunct="1">
       <a:defRPr sz="1800" kern="1200">
         <a:solidFill>
           <a:schemeClr val="tx1"/>
@@ -58,7 +59,7 @@
         <a:cs typeface="+mn-cs"/>
       </a:defRPr>
     </a:lvl4pPr>
-    <a:lvl5pPr marL="1828800" algn="l" defTabSz="914400" rtl="0" eaLnBrk="1" latinLnBrk="0" hangingPunct="1">
+    <a:lvl5pPr marL="1828800" algn="l" defTabSz="457200" rtl="0" eaLnBrk="1" latinLnBrk="0" hangingPunct="1">
       <a:defRPr sz="1800" kern="1200">
         <a:solidFill>
           <a:schemeClr val="tx1"/>
@@ -68,7 +69,7 @@
         <a:cs typeface="+mn-cs"/>
       </a:defRPr>
     </a:lvl5pPr>
-    <a:lvl6pPr marL="2286000" algn="l" defTabSz="914400" rtl="0" eaLnBrk="1" latinLnBrk="0" hangingPunct="1">
+    <a:lvl6pPr marL="2286000" algn="l" defTabSz="457200" rtl="0" eaLnBrk="1" latinLnBrk="0" hangingPunct="1">
       <a:defRPr sz="1800" kern="1200">
         <a:solidFill>
           <a:schemeClr val="tx1"/>
@@ -78,7 +79,7 @@
         <a:cs typeface="+mn-cs"/>
       </a:defRPr>
     </a:lvl6pPr>
-    <a:lvl7pPr marL="2743200" algn="l" defTabSz="914400" rtl="0" eaLnBrk="1" latinLnBrk="0" hangingPunct="1">
+    <a:lvl7pPr marL="2743200" algn="l" defTabSz="457200" rtl="0" eaLnBrk="1" latinLnBrk="0" hangingPunct="1">
       <a:defRPr sz="1800" kern="1200">
         <a:solidFill>
           <a:schemeClr val="tx1"/>
@@ -88,7 +89,7 @@
         <a:cs typeface="+mn-cs"/>
       </a:defRPr>
     </a:lvl7pPr>
-    <a:lvl8pPr marL="3200400" algn="l" defTabSz="914400" rtl="0" eaLnBrk="1" latinLnBrk="0" hangingPunct="1">
+    <a:lvl8pPr marL="3200400" algn="l" defTabSz="457200" rtl="0" eaLnBrk="1" latinLnBrk="0" hangingPunct="1">
       <a:defRPr sz="1800" kern="1200">
         <a:solidFill>
           <a:schemeClr val="tx1"/>
@@ -98,7 +99,7 @@
         <a:cs typeface="+mn-cs"/>
       </a:defRPr>
     </a:lvl8pPr>
-    <a:lvl9pPr marL="3657600" algn="l" defTabSz="914400" rtl="0" eaLnBrk="1" latinLnBrk="0" hangingPunct="1">
+    <a:lvl9pPr marL="3657600" algn="l" defTabSz="457200" rtl="0" eaLnBrk="1" latinLnBrk="0" hangingPunct="1">
       <a:defRPr sz="1800" kern="1200">
         <a:solidFill>
           <a:schemeClr val="tx1"/>
@@ -118,8 +119,8 @@
 </file>
 
 <file path=ppt/slideLayouts/slideLayout1.xml><?xml version="1.0" encoding="utf-8"?>
-<p:sldLayout xmlns:a="http://schemas.openxmlformats.org/drawingml/2006/main" xmlns:r="http://schemas.openxmlformats.org/officeDocument/2006/relationships" xmlns:p="http://schemas.openxmlformats.org/presentationml/2006/main" type="title" preserve="1">
-  <p:cSld name="Title Slide">
+<p:sldLayout xmlns:a="http://schemas.openxmlformats.org/drawingml/2006/main" xmlns:r="http://schemas.openxmlformats.org/officeDocument/2006/relationships" xmlns:p="http://schemas.openxmlformats.org/presentationml/2006/main" showMasterSp="0" type="title" preserve="1">
+  <p:cSld name="Rubrikbild">
     <p:spTree>
       <p:nvGrpSpPr>
         <p:cNvPr id="1" name=""/>
@@ -136,51 +137,305 @@
       </p:grpSpPr>
       <p:sp>
         <p:nvSpPr>
-          <p:cNvPr id="2" name="Title 1">
-            <a:extLst>
-              <a:ext uri="{FF2B5EF4-FFF2-40B4-BE49-F238E27FC236}">
-                <a16:creationId xmlns:a16="http://schemas.microsoft.com/office/drawing/2014/main" id="{47886BB8-8791-4A14-7732-ECF7071A7E46}"/>
-              </a:ext>
-            </a:extLst>
-          </p:cNvPr>
-          <p:cNvSpPr>
-            <a:spLocks noGrp="1"/>
-          </p:cNvSpPr>
-          <p:nvPr>
-            <p:ph type="ctrTitle"/>
-          </p:nvPr>
+          <p:cNvPr id="7" name="Rectangle 6"/>
+          <p:cNvSpPr/>
+          <p:nvPr/>
         </p:nvSpPr>
         <p:spPr>
           <a:xfrm>
-            <a:off x="1524000" y="1122363"/>
-            <a:ext cx="9144000" cy="2387600"/>
+            <a:off x="920834" y="1346946"/>
+            <a:ext cx="10222992" cy="80683"/>
+          </a:xfrm>
+          <a:prstGeom prst="rect">
+            <a:avLst/>
+          </a:prstGeom>
+          <a:blipFill dpi="0" rotWithShape="1">
+            <a:blip r:embed="rId2">
+              <a:alphaModFix amt="85000"/>
+              <a:lum bright="70000" contrast="-70000"/>
+              <a:extLst>
+                <a:ext uri="{BEBA8EAE-BF5A-486C-A8C5-ECC9F3942E4B}">
+                  <a14:imgProps xmlns:a14="http://schemas.microsoft.com/office/drawing/2010/main">
+                    <a14:imgLayer r:embed="rId3">
+                      <a14:imgEffect>
+                        <a14:sharpenSoften amount="61000"/>
+                      </a14:imgEffect>
+                    </a14:imgLayer>
+                  </a14:imgProps>
+                </a:ext>
+                <a:ext uri="{28A0092B-C50C-407E-A947-70E740481C1C}">
+                  <a14:useLocalDpi xmlns:a14="http://schemas.microsoft.com/office/drawing/2010/main" val="0"/>
+                </a:ext>
+              </a:extLst>
+            </a:blip>
+            <a:srcRect/>
+            <a:tile tx="0" ty="-762000" sx="92000" sy="89000" flip="xy" algn="ctr"/>
+          </a:blipFill>
+          <a:ln>
+            <a:noFill/>
+          </a:ln>
+        </p:spPr>
+        <p:style>
+          <a:lnRef idx="2">
+            <a:schemeClr val="accent1">
+              <a:shade val="50000"/>
+            </a:schemeClr>
+          </a:lnRef>
+          <a:fillRef idx="1">
+            <a:schemeClr val="accent1"/>
+          </a:fillRef>
+          <a:effectRef idx="0">
+            <a:schemeClr val="accent1"/>
+          </a:effectRef>
+          <a:fontRef idx="minor">
+            <a:schemeClr val="lt1"/>
+          </a:fontRef>
+        </p:style>
+      </p:sp>
+      <p:sp>
+        <p:nvSpPr>
+          <p:cNvPr id="8" name="Rectangle 7"/>
+          <p:cNvSpPr/>
+          <p:nvPr/>
+        </p:nvSpPr>
+        <p:spPr>
+          <a:xfrm>
+            <a:off x="920834" y="4299696"/>
+            <a:ext cx="10222992" cy="80683"/>
+          </a:xfrm>
+          <a:prstGeom prst="rect">
+            <a:avLst/>
+          </a:prstGeom>
+          <a:blipFill dpi="0" rotWithShape="1">
+            <a:blip r:embed="rId2">
+              <a:alphaModFix amt="85000"/>
+              <a:lum bright="70000" contrast="-70000"/>
+              <a:extLst>
+                <a:ext uri="{BEBA8EAE-BF5A-486C-A8C5-ECC9F3942E4B}">
+                  <a14:imgProps xmlns:a14="http://schemas.microsoft.com/office/drawing/2010/main">
+                    <a14:imgLayer r:embed="rId3">
+                      <a14:imgEffect>
+                        <a14:sharpenSoften amount="61000"/>
+                      </a14:imgEffect>
+                    </a14:imgLayer>
+                  </a14:imgProps>
+                </a:ext>
+                <a:ext uri="{28A0092B-C50C-407E-A947-70E740481C1C}">
+                  <a14:useLocalDpi xmlns:a14="http://schemas.microsoft.com/office/drawing/2010/main" val="0"/>
+                </a:ext>
+              </a:extLst>
+            </a:blip>
+            <a:srcRect/>
+            <a:tile tx="0" ty="-717550" sx="92000" sy="89000" flip="xy" algn="ctr"/>
+          </a:blipFill>
+          <a:ln>
+            <a:noFill/>
+          </a:ln>
+        </p:spPr>
+        <p:style>
+          <a:lnRef idx="2">
+            <a:schemeClr val="accent1">
+              <a:shade val="50000"/>
+            </a:schemeClr>
+          </a:lnRef>
+          <a:fillRef idx="1">
+            <a:schemeClr val="accent1"/>
+          </a:fillRef>
+          <a:effectRef idx="0">
+            <a:schemeClr val="accent1"/>
+          </a:effectRef>
+          <a:fontRef idx="minor">
+            <a:schemeClr val="lt1"/>
+          </a:fontRef>
+        </p:style>
+      </p:sp>
+      <p:sp>
+        <p:nvSpPr>
+          <p:cNvPr id="9" name="Rectangle 8"/>
+          <p:cNvSpPr/>
+          <p:nvPr/>
+        </p:nvSpPr>
+        <p:spPr>
+          <a:xfrm>
+            <a:off x="920834" y="1484779"/>
+            <a:ext cx="10222992" cy="2743200"/>
+          </a:xfrm>
+          <a:prstGeom prst="rect">
+            <a:avLst/>
+          </a:prstGeom>
+          <a:blipFill dpi="0" rotWithShape="1">
+            <a:blip r:embed="rId2">
+              <a:alphaModFix amt="85000"/>
+              <a:lum bright="70000" contrast="-70000"/>
+              <a:extLst>
+                <a:ext uri="{BEBA8EAE-BF5A-486C-A8C5-ECC9F3942E4B}">
+                  <a14:imgProps xmlns:a14="http://schemas.microsoft.com/office/drawing/2010/main">
+                    <a14:imgLayer r:embed="rId3">
+                      <a14:imgEffect>
+                        <a14:sharpenSoften amount="61000"/>
+                      </a14:imgEffect>
+                    </a14:imgLayer>
+                  </a14:imgProps>
+                </a:ext>
+                <a:ext uri="{28A0092B-C50C-407E-A947-70E740481C1C}">
+                  <a14:useLocalDpi xmlns:a14="http://schemas.microsoft.com/office/drawing/2010/main" val="0"/>
+                </a:ext>
+              </a:extLst>
+            </a:blip>
+            <a:srcRect/>
+            <a:tile tx="0" ty="-704850" sx="92000" sy="89000" flip="xy" algn="ctr"/>
+          </a:blipFill>
+          <a:ln>
+            <a:noFill/>
+          </a:ln>
+        </p:spPr>
+        <p:style>
+          <a:lnRef idx="2">
+            <a:schemeClr val="accent1">
+              <a:shade val="50000"/>
+            </a:schemeClr>
+          </a:lnRef>
+          <a:fillRef idx="1">
+            <a:schemeClr val="accent1"/>
+          </a:fillRef>
+          <a:effectRef idx="0">
+            <a:schemeClr val="accent1"/>
+          </a:effectRef>
+          <a:fontRef idx="minor">
+            <a:schemeClr val="lt1"/>
+          </a:fontRef>
+        </p:style>
+      </p:sp>
+      <p:grpSp>
+        <p:nvGrpSpPr>
+          <p:cNvPr id="10" name="Group 9"/>
+          <p:cNvGrpSpPr/>
+          <p:nvPr/>
+        </p:nvGrpSpPr>
+        <p:grpSpPr>
+          <a:xfrm>
+            <a:off x="9649215" y="4068923"/>
+            <a:ext cx="1080904" cy="1080902"/>
+            <a:chOff x="9685338" y="4460675"/>
+            <a:chExt cx="1080904" cy="1080902"/>
+          </a:xfrm>
+        </p:grpSpPr>
+        <p:sp>
+          <p:nvSpPr>
+            <p:cNvPr id="11" name="Oval 10"/>
+            <p:cNvSpPr/>
+            <p:nvPr/>
+          </p:nvSpPr>
+          <p:spPr>
+            <a:xfrm>
+              <a:off x="9685338" y="4460675"/>
+              <a:ext cx="1080904" cy="1080902"/>
+            </a:xfrm>
+            <a:prstGeom prst="ellipse">
+              <a:avLst/>
+            </a:prstGeom>
+            <a:blipFill dpi="0" rotWithShape="1">
+              <a:blip r:embed="rId4">
+                <a:duotone>
+                  <a:schemeClr val="accent1">
+                    <a:shade val="45000"/>
+                    <a:satMod val="135000"/>
+                  </a:schemeClr>
+                  <a:prstClr val="white"/>
+                </a:duotone>
+                <a:extLst>
+                  <a:ext uri="{BEBA8EAE-BF5A-486C-A8C5-ECC9F3942E4B}">
+                    <a14:imgProps xmlns:a14="http://schemas.microsoft.com/office/drawing/2010/main">
+                      <a14:imgLayer r:embed="rId5">
+                        <a14:imgEffect>
+                          <a14:saturation sat="95000"/>
+                        </a14:imgEffect>
+                      </a14:imgLayer>
+                    </a14:imgProps>
+                  </a:ext>
+                </a:extLst>
+              </a:blip>
+              <a:srcRect/>
+              <a:tile tx="0" ty="0" sx="85000" sy="85000" flip="none" algn="tl"/>
+            </a:blipFill>
+            <a:ln w="25400" cap="flat" cmpd="sng" algn="ctr">
+              <a:noFill/>
+              <a:prstDash val="solid"/>
+            </a:ln>
+            <a:effectLst/>
+          </p:spPr>
+        </p:sp>
+        <p:sp>
+          <p:nvSpPr>
+            <p:cNvPr id="12" name="Oval 11"/>
+            <p:cNvSpPr/>
+            <p:nvPr/>
+          </p:nvSpPr>
+          <p:spPr>
+            <a:xfrm>
+              <a:off x="9793429" y="4568765"/>
+              <a:ext cx="864723" cy="864722"/>
+            </a:xfrm>
+            <a:prstGeom prst="ellipse">
+              <a:avLst/>
+            </a:prstGeom>
+            <a:noFill/>
+            <a:ln w="25400" cap="flat" cmpd="sng" algn="ctr">
+              <a:solidFill>
+                <a:sysClr val="window" lastClr="FFFFFF"/>
+              </a:solidFill>
+              <a:prstDash val="solid"/>
+            </a:ln>
+            <a:effectLst/>
+          </p:spPr>
+        </p:sp>
+      </p:grpSp>
+      <p:sp>
+        <p:nvSpPr>
+          <p:cNvPr id="2" name="Title 1"/>
+          <p:cNvSpPr>
+            <a:spLocks noGrp="1"/>
+          </p:cNvSpPr>
+          <p:nvPr>
+            <p:ph type="ctrTitle"/>
+          </p:nvPr>
+        </p:nvSpPr>
+        <p:spPr>
+          <a:xfrm>
+            <a:off x="1051560" y="1432223"/>
+            <a:ext cx="9966960" cy="3035808"/>
           </a:xfrm>
         </p:spPr>
         <p:txBody>
-          <a:bodyPr anchor="b"/>
+          <a:bodyPr anchor="ctr">
+            <a:noAutofit/>
+          </a:bodyPr>
           <a:lstStyle>
-            <a:lvl1pPr algn="ctr">
-              <a:defRPr sz="6000"/>
+            <a:lvl1pPr algn="l">
+              <a:lnSpc>
+                <a:spcPct val="80000"/>
+              </a:lnSpc>
+              <a:defRPr sz="9600" cap="all" baseline="0">
+                <a:blipFill dpi="0" rotWithShape="1">
+                  <a:blip r:embed="rId4"/>
+                  <a:srcRect/>
+                  <a:tile tx="6350" ty="-127000" sx="65000" sy="64000" flip="none" algn="tl"/>
+                </a:blipFill>
+              </a:defRPr>
             </a:lvl1pPr>
           </a:lstStyle>
           <a:p>
             <a:r>
-              <a:rPr lang="en-US"/>
-              <a:t>Click to edit Master title style</a:t>
-            </a:r>
-            <a:endParaRPr lang="sv-SE"/>
-          </a:p>
-        </p:txBody>
-      </p:sp>
-      <p:sp>
-        <p:nvSpPr>
-          <p:cNvPr id="3" name="Subtitle 2">
-            <a:extLst>
-              <a:ext uri="{FF2B5EF4-FFF2-40B4-BE49-F238E27FC236}">
-                <a16:creationId xmlns:a16="http://schemas.microsoft.com/office/drawing/2014/main" id="{5D5AACB7-359A-0B46-3155-7F226E4CAECA}"/>
-              </a:ext>
-            </a:extLst>
-          </p:cNvPr>
+              <a:rPr lang="sv-SE"/>
+              <a:t>Klicka här för att ändra mall för rubrikformat</a:t>
+            </a:r>
+            <a:endParaRPr lang="en-US" dirty="0"/>
+          </a:p>
+        </p:txBody>
+      </p:sp>
+      <p:sp>
+        <p:nvSpPr>
+          <p:cNvPr id="3" name="Subtitle 2"/>
           <p:cNvSpPr>
             <a:spLocks noGrp="1"/>
           </p:cNvSpPr>
@@ -190,133 +445,130 @@
         </p:nvSpPr>
         <p:spPr>
           <a:xfrm>
-            <a:off x="1524000" y="3602038"/>
-            <a:ext cx="9144000" cy="1655762"/>
+            <a:off x="1069848" y="4389120"/>
+            <a:ext cx="7891272" cy="1069848"/>
           </a:xfrm>
         </p:spPr>
         <p:txBody>
+          <a:bodyPr>
+            <a:normAutofit/>
+          </a:bodyPr>
+          <a:lstStyle>
+            <a:lvl1pPr marL="0" indent="0" algn="l">
+              <a:buNone/>
+              <a:defRPr sz="2200">
+                <a:solidFill>
+                  <a:schemeClr val="tx1"/>
+                </a:solidFill>
+              </a:defRPr>
+            </a:lvl1pPr>
+            <a:lvl2pPr marL="457200" indent="0" algn="ctr">
+              <a:buNone/>
+              <a:defRPr sz="2200"/>
+            </a:lvl2pPr>
+            <a:lvl3pPr marL="914400" indent="0" algn="ctr">
+              <a:buNone/>
+              <a:defRPr sz="2200"/>
+            </a:lvl3pPr>
+            <a:lvl4pPr marL="1371600" indent="0" algn="ctr">
+              <a:buNone/>
+              <a:defRPr sz="2000"/>
+            </a:lvl4pPr>
+            <a:lvl5pPr marL="1828800" indent="0" algn="ctr">
+              <a:buNone/>
+              <a:defRPr sz="2000"/>
+            </a:lvl5pPr>
+            <a:lvl6pPr marL="2286000" indent="0" algn="ctr">
+              <a:buNone/>
+              <a:defRPr sz="2000"/>
+            </a:lvl6pPr>
+            <a:lvl7pPr marL="2743200" indent="0" algn="ctr">
+              <a:buNone/>
+              <a:defRPr sz="2000"/>
+            </a:lvl7pPr>
+            <a:lvl8pPr marL="3200400" indent="0" algn="ctr">
+              <a:buNone/>
+              <a:defRPr sz="2000"/>
+            </a:lvl8pPr>
+            <a:lvl9pPr marL="3657600" indent="0" algn="ctr">
+              <a:buNone/>
+              <a:defRPr sz="2000"/>
+            </a:lvl9pPr>
+          </a:lstStyle>
+          <a:p>
+            <a:r>
+              <a:rPr lang="sv-SE"/>
+              <a:t>Klicka här för att ändra mall för underrubrikformat</a:t>
+            </a:r>
+            <a:endParaRPr lang="en-US" dirty="0"/>
+          </a:p>
+        </p:txBody>
+      </p:sp>
+      <p:sp>
+        <p:nvSpPr>
+          <p:cNvPr id="4" name="Date Placeholder 3"/>
+          <p:cNvSpPr>
+            <a:spLocks noGrp="1"/>
+          </p:cNvSpPr>
+          <p:nvPr>
+            <p:ph type="dt" sz="half" idx="10"/>
+          </p:nvPr>
+        </p:nvSpPr>
+        <p:spPr/>
+        <p:txBody>
+          <a:bodyPr/>
+          <a:lstStyle/>
+          <a:p>
+            <a:fld id="{C20A0960-0C9D-404F-B4E5-3B1CEEC36D7F}" type="datetimeFigureOut">
+              <a:rPr lang="sv-SE" smtClean="0"/>
+              <a:t>2024-04-12</a:t>
+            </a:fld>
+            <a:endParaRPr lang="sv-SE"/>
+          </a:p>
+        </p:txBody>
+      </p:sp>
+      <p:sp>
+        <p:nvSpPr>
+          <p:cNvPr id="5" name="Footer Placeholder 4"/>
+          <p:cNvSpPr>
+            <a:spLocks noGrp="1"/>
+          </p:cNvSpPr>
+          <p:nvPr>
+            <p:ph type="ftr" sz="quarter" idx="11"/>
+          </p:nvPr>
+        </p:nvSpPr>
+        <p:spPr/>
+        <p:txBody>
+          <a:bodyPr/>
+          <a:lstStyle/>
+          <a:p>
+            <a:endParaRPr lang="sv-SE"/>
+          </a:p>
+        </p:txBody>
+      </p:sp>
+      <p:sp>
+        <p:nvSpPr>
+          <p:cNvPr id="6" name="Slide Number Placeholder 5"/>
+          <p:cNvSpPr>
+            <a:spLocks noGrp="1"/>
+          </p:cNvSpPr>
+          <p:nvPr>
+            <p:ph type="sldNum" sz="quarter" idx="12"/>
+          </p:nvPr>
+        </p:nvSpPr>
+        <p:spPr>
+          <a:xfrm>
+            <a:off x="9592733" y="4289334"/>
+            <a:ext cx="1193868" cy="640080"/>
+          </a:xfrm>
+        </p:spPr>
+        <p:txBody>
           <a:bodyPr/>
           <a:lstStyle>
-            <a:lvl1pPr marL="0" indent="0" algn="ctr">
-              <a:buNone/>
-              <a:defRPr sz="2400"/>
+            <a:lvl1pPr>
+              <a:defRPr sz="2800"/>
             </a:lvl1pPr>
-            <a:lvl2pPr marL="457200" indent="0" algn="ctr">
-              <a:buNone/>
-              <a:defRPr sz="2000"/>
-            </a:lvl2pPr>
-            <a:lvl3pPr marL="914400" indent="0" algn="ctr">
-              <a:buNone/>
-              <a:defRPr sz="1800"/>
-            </a:lvl3pPr>
-            <a:lvl4pPr marL="1371600" indent="0" algn="ctr">
-              <a:buNone/>
-              <a:defRPr sz="1600"/>
-            </a:lvl4pPr>
-            <a:lvl5pPr marL="1828800" indent="0" algn="ctr">
-              <a:buNone/>
-              <a:defRPr sz="1600"/>
-            </a:lvl5pPr>
-            <a:lvl6pPr marL="2286000" indent="0" algn="ctr">
-              <a:buNone/>
-              <a:defRPr sz="1600"/>
-            </a:lvl6pPr>
-            <a:lvl7pPr marL="2743200" indent="0" algn="ctr">
-              <a:buNone/>
-              <a:defRPr sz="1600"/>
-            </a:lvl7pPr>
-            <a:lvl8pPr marL="3200400" indent="0" algn="ctr">
-              <a:buNone/>
-              <a:defRPr sz="1600"/>
-            </a:lvl8pPr>
-            <a:lvl9pPr marL="3657600" indent="0" algn="ctr">
-              <a:buNone/>
-              <a:defRPr sz="1600"/>
-            </a:lvl9pPr>
           </a:lstStyle>
-          <a:p>
-            <a:r>
-              <a:rPr lang="en-US"/>
-              <a:t>Click to edit Master subtitle style</a:t>
-            </a:r>
-            <a:endParaRPr lang="sv-SE"/>
-          </a:p>
-        </p:txBody>
-      </p:sp>
-      <p:sp>
-        <p:nvSpPr>
-          <p:cNvPr id="4" name="Date Placeholder 3">
-            <a:extLst>
-              <a:ext uri="{FF2B5EF4-FFF2-40B4-BE49-F238E27FC236}">
-                <a16:creationId xmlns:a16="http://schemas.microsoft.com/office/drawing/2014/main" id="{5D720BF8-3717-5E1F-8A88-802A90568863}"/>
-              </a:ext>
-            </a:extLst>
-          </p:cNvPr>
-          <p:cNvSpPr>
-            <a:spLocks noGrp="1"/>
-          </p:cNvSpPr>
-          <p:nvPr>
-            <p:ph type="dt" sz="half" idx="10"/>
-          </p:nvPr>
-        </p:nvSpPr>
-        <p:spPr/>
-        <p:txBody>
-          <a:bodyPr/>
-          <a:lstStyle/>
-          <a:p>
-            <a:fld id="{C20A0960-0C9D-404F-B4E5-3B1CEEC36D7F}" type="datetimeFigureOut">
-              <a:rPr lang="sv-SE" smtClean="0"/>
-              <a:t>2024-04-11</a:t>
-            </a:fld>
-            <a:endParaRPr lang="sv-SE"/>
-          </a:p>
-        </p:txBody>
-      </p:sp>
-      <p:sp>
-        <p:nvSpPr>
-          <p:cNvPr id="5" name="Footer Placeholder 4">
-            <a:extLst>
-              <a:ext uri="{FF2B5EF4-FFF2-40B4-BE49-F238E27FC236}">
-                <a16:creationId xmlns:a16="http://schemas.microsoft.com/office/drawing/2014/main" id="{7F85F299-2C06-5056-94B2-414015639366}"/>
-              </a:ext>
-            </a:extLst>
-          </p:cNvPr>
-          <p:cNvSpPr>
-            <a:spLocks noGrp="1"/>
-          </p:cNvSpPr>
-          <p:nvPr>
-            <p:ph type="ftr" sz="quarter" idx="11"/>
-          </p:nvPr>
-        </p:nvSpPr>
-        <p:spPr/>
-        <p:txBody>
-          <a:bodyPr/>
-          <a:lstStyle/>
-          <a:p>
-            <a:endParaRPr lang="sv-SE"/>
-          </a:p>
-        </p:txBody>
-      </p:sp>
-      <p:sp>
-        <p:nvSpPr>
-          <p:cNvPr id="6" name="Slide Number Placeholder 5">
-            <a:extLst>
-              <a:ext uri="{FF2B5EF4-FFF2-40B4-BE49-F238E27FC236}">
-                <a16:creationId xmlns:a16="http://schemas.microsoft.com/office/drawing/2014/main" id="{BA73BF09-2BE9-BD8A-B4E9-DDC0C721D134}"/>
-              </a:ext>
-            </a:extLst>
-          </p:cNvPr>
-          <p:cNvSpPr>
-            <a:spLocks noGrp="1"/>
-          </p:cNvSpPr>
-          <p:nvPr>
-            <p:ph type="sldNum" sz="quarter" idx="12"/>
-          </p:nvPr>
-        </p:nvSpPr>
-        <p:spPr/>
-        <p:txBody>
-          <a:bodyPr/>
-          <a:lstStyle/>
           <a:p>
             <a:fld id="{B497A941-4893-4568-9641-8C2DC62ED1BF}" type="slidenum">
               <a:rPr lang="sv-SE" smtClean="0"/>
@@ -329,7 +581,7 @@
     </p:spTree>
     <p:extLst>
       <p:ext uri="{BB962C8B-B14F-4D97-AF65-F5344CB8AC3E}">
-        <p14:creationId xmlns:p14="http://schemas.microsoft.com/office/powerpoint/2010/main" val="2086821088"/>
+        <p14:creationId xmlns:p14="http://schemas.microsoft.com/office/powerpoint/2010/main" val="3210070178"/>
       </p:ext>
     </p:extLst>
   </p:cSld>
@@ -341,7 +593,7 @@
 
 <file path=ppt/slideLayouts/slideLayout10.xml><?xml version="1.0" encoding="utf-8"?>
 <p:sldLayout xmlns:a="http://schemas.openxmlformats.org/drawingml/2006/main" xmlns:r="http://schemas.openxmlformats.org/officeDocument/2006/relationships" xmlns:p="http://schemas.openxmlformats.org/presentationml/2006/main" type="vertTx" preserve="1">
-  <p:cSld name="Title and Vertical Text">
+  <p:cSld name="Rubrik och lodrät text">
     <p:spTree>
       <p:nvGrpSpPr>
         <p:cNvPr id="1" name=""/>
@@ -358,13 +610,7 @@
       </p:grpSpPr>
       <p:sp>
         <p:nvSpPr>
-          <p:cNvPr id="2" name="Title 1">
-            <a:extLst>
-              <a:ext uri="{FF2B5EF4-FFF2-40B4-BE49-F238E27FC236}">
-                <a16:creationId xmlns:a16="http://schemas.microsoft.com/office/drawing/2014/main" id="{CD992BDA-54D2-D0EA-7859-5DBB82FC2AC3}"/>
-              </a:ext>
-            </a:extLst>
-          </p:cNvPr>
+          <p:cNvPr id="2" name="Title 1"/>
           <p:cNvSpPr>
             <a:spLocks noGrp="1"/>
           </p:cNvSpPr>
@@ -378,22 +624,16 @@
           <a:lstStyle/>
           <a:p>
             <a:r>
-              <a:rPr lang="en-US"/>
-              <a:t>Click to edit Master title style</a:t>
-            </a:r>
-            <a:endParaRPr lang="sv-SE"/>
-          </a:p>
-        </p:txBody>
-      </p:sp>
-      <p:sp>
-        <p:nvSpPr>
-          <p:cNvPr id="3" name="Vertical Text Placeholder 2">
-            <a:extLst>
-              <a:ext uri="{FF2B5EF4-FFF2-40B4-BE49-F238E27FC236}">
-                <a16:creationId xmlns:a16="http://schemas.microsoft.com/office/drawing/2014/main" id="{23940AC8-D50E-666A-AACB-1B59E16E7695}"/>
-              </a:ext>
-            </a:extLst>
-          </p:cNvPr>
+              <a:rPr lang="sv-SE"/>
+              <a:t>Klicka här för att ändra mall för rubrikformat</a:t>
+            </a:r>
+            <a:endParaRPr lang="en-US" dirty="0"/>
+          </a:p>
+        </p:txBody>
+      </p:sp>
+      <p:sp>
+        <p:nvSpPr>
+          <p:cNvPr id="3" name="Vertical Text Placeholder 2"/>
           <p:cNvSpPr>
             <a:spLocks noGrp="1"/>
           </p:cNvSpPr>
@@ -408,50 +648,44 @@
           <a:p>
             <a:pPr lvl="0"/>
             <a:r>
-              <a:rPr lang="en-US"/>
-              <a:t>Click to edit Master text styles</a:t>
+              <a:rPr lang="sv-SE"/>
+              <a:t>Klicka här för att ändra format på bakgrundstexten</a:t>
             </a:r>
           </a:p>
           <a:p>
             <a:pPr lvl="1"/>
             <a:r>
-              <a:rPr lang="en-US"/>
-              <a:t>Second level</a:t>
+              <a:rPr lang="sv-SE"/>
+              <a:t>Nivå två</a:t>
             </a:r>
           </a:p>
           <a:p>
             <a:pPr lvl="2"/>
             <a:r>
-              <a:rPr lang="en-US"/>
-              <a:t>Third level</a:t>
+              <a:rPr lang="sv-SE"/>
+              <a:t>Nivå tre</a:t>
             </a:r>
           </a:p>
           <a:p>
             <a:pPr lvl="3"/>
             <a:r>
-              <a:rPr lang="en-US"/>
-              <a:t>Fourth level</a:t>
+              <a:rPr lang="sv-SE"/>
+              <a:t>Nivå fyra</a:t>
             </a:r>
           </a:p>
           <a:p>
             <a:pPr lvl="4"/>
             <a:r>
-              <a:rPr lang="en-US"/>
-              <a:t>Fifth level</a:t>
-            </a:r>
-            <a:endParaRPr lang="sv-SE"/>
-          </a:p>
-        </p:txBody>
-      </p:sp>
-      <p:sp>
-        <p:nvSpPr>
-          <p:cNvPr id="4" name="Date Placeholder 3">
-            <a:extLst>
-              <a:ext uri="{FF2B5EF4-FFF2-40B4-BE49-F238E27FC236}">
-                <a16:creationId xmlns:a16="http://schemas.microsoft.com/office/drawing/2014/main" id="{5535C0C2-D7AC-78E4-C712-D86E4B442B1E}"/>
-              </a:ext>
-            </a:extLst>
-          </p:cNvPr>
+              <a:rPr lang="sv-SE"/>
+              <a:t>Nivå fem</a:t>
+            </a:r>
+            <a:endParaRPr lang="en-US" dirty="0"/>
+          </a:p>
+        </p:txBody>
+      </p:sp>
+      <p:sp>
+        <p:nvSpPr>
+          <p:cNvPr id="4" name="Date Placeholder 3"/>
           <p:cNvSpPr>
             <a:spLocks noGrp="1"/>
           </p:cNvSpPr>
@@ -466,7 +700,7 @@
           <a:p>
             <a:fld id="{C20A0960-0C9D-404F-B4E5-3B1CEEC36D7F}" type="datetimeFigureOut">
               <a:rPr lang="sv-SE" smtClean="0"/>
-              <a:t>2024-04-11</a:t>
+              <a:t>2024-04-12</a:t>
             </a:fld>
             <a:endParaRPr lang="sv-SE"/>
           </a:p>
@@ -474,13 +708,7 @@
       </p:sp>
       <p:sp>
         <p:nvSpPr>
-          <p:cNvPr id="5" name="Footer Placeholder 4">
-            <a:extLst>
-              <a:ext uri="{FF2B5EF4-FFF2-40B4-BE49-F238E27FC236}">
-                <a16:creationId xmlns:a16="http://schemas.microsoft.com/office/drawing/2014/main" id="{1BDF6296-FBE6-2483-3849-1D01F23A6718}"/>
-              </a:ext>
-            </a:extLst>
-          </p:cNvPr>
+          <p:cNvPr id="5" name="Footer Placeholder 4"/>
           <p:cNvSpPr>
             <a:spLocks noGrp="1"/>
           </p:cNvSpPr>
@@ -499,13 +727,7 @@
       </p:sp>
       <p:sp>
         <p:nvSpPr>
-          <p:cNvPr id="6" name="Slide Number Placeholder 5">
-            <a:extLst>
-              <a:ext uri="{FF2B5EF4-FFF2-40B4-BE49-F238E27FC236}">
-                <a16:creationId xmlns:a16="http://schemas.microsoft.com/office/drawing/2014/main" id="{1D2C9E6E-177A-DA34-6D5A-151C5E0015AF}"/>
-              </a:ext>
-            </a:extLst>
-          </p:cNvPr>
+          <p:cNvPr id="6" name="Slide Number Placeholder 5"/>
           <p:cNvSpPr>
             <a:spLocks noGrp="1"/>
           </p:cNvSpPr>
@@ -529,7 +751,7 @@
     </p:spTree>
     <p:extLst>
       <p:ext uri="{BB962C8B-B14F-4D97-AF65-F5344CB8AC3E}">
-        <p14:creationId xmlns:p14="http://schemas.microsoft.com/office/powerpoint/2010/main" val="2115435755"/>
+        <p14:creationId xmlns:p14="http://schemas.microsoft.com/office/powerpoint/2010/main" val="693761511"/>
       </p:ext>
     </p:extLst>
   </p:cSld>
@@ -541,7 +763,7 @@
 
 <file path=ppt/slideLayouts/slideLayout11.xml><?xml version="1.0" encoding="utf-8"?>
 <p:sldLayout xmlns:a="http://schemas.openxmlformats.org/drawingml/2006/main" xmlns:r="http://schemas.openxmlformats.org/officeDocument/2006/relationships" xmlns:p="http://schemas.openxmlformats.org/presentationml/2006/main" type="vertTitleAndTx" preserve="1">
-  <p:cSld name="Vertical Title and Text">
+  <p:cSld name="Lodrät rubrik och text">
     <p:spTree>
       <p:nvGrpSpPr>
         <p:cNvPr id="1" name=""/>
@@ -558,13 +780,7 @@
       </p:grpSpPr>
       <p:sp>
         <p:nvSpPr>
-          <p:cNvPr id="2" name="Vertical Title 1">
-            <a:extLst>
-              <a:ext uri="{FF2B5EF4-FFF2-40B4-BE49-F238E27FC236}">
-                <a16:creationId xmlns:a16="http://schemas.microsoft.com/office/drawing/2014/main" id="{A412BC29-2EB7-FCDB-B878-E838F73DB5E4}"/>
-              </a:ext>
-            </a:extLst>
-          </p:cNvPr>
+          <p:cNvPr id="2" name="Vertical Title 1"/>
           <p:cNvSpPr>
             <a:spLocks noGrp="1"/>
           </p:cNvSpPr>
@@ -574,8 +790,8 @@
         </p:nvSpPr>
         <p:spPr>
           <a:xfrm>
-            <a:off x="8724900" y="365125"/>
-            <a:ext cx="2628900" cy="5811838"/>
+            <a:off x="8724900" y="533400"/>
+            <a:ext cx="2552700" cy="5638800"/>
           </a:xfrm>
         </p:spPr>
         <p:txBody>
@@ -583,22 +799,16 @@
           <a:lstStyle/>
           <a:p>
             <a:r>
-              <a:rPr lang="en-US"/>
-              <a:t>Click to edit Master title style</a:t>
-            </a:r>
-            <a:endParaRPr lang="sv-SE"/>
-          </a:p>
-        </p:txBody>
-      </p:sp>
-      <p:sp>
-        <p:nvSpPr>
-          <p:cNvPr id="3" name="Vertical Text Placeholder 2">
-            <a:extLst>
-              <a:ext uri="{FF2B5EF4-FFF2-40B4-BE49-F238E27FC236}">
-                <a16:creationId xmlns:a16="http://schemas.microsoft.com/office/drawing/2014/main" id="{5739EF15-63D0-C3C6-1B67-E7DFA2E7EEC7}"/>
-              </a:ext>
-            </a:extLst>
-          </p:cNvPr>
+              <a:rPr lang="sv-SE"/>
+              <a:t>Klicka här för att ändra mall för rubrikformat</a:t>
+            </a:r>
+            <a:endParaRPr lang="en-US" dirty="0"/>
+          </a:p>
+        </p:txBody>
+      </p:sp>
+      <p:sp>
+        <p:nvSpPr>
+          <p:cNvPr id="3" name="Vertical Text Placeholder 2"/>
           <p:cNvSpPr>
             <a:spLocks noGrp="1"/>
           </p:cNvSpPr>
@@ -608,8 +818,8 @@
         </p:nvSpPr>
         <p:spPr>
           <a:xfrm>
-            <a:off x="838200" y="365125"/>
-            <a:ext cx="7734300" cy="5811838"/>
+            <a:off x="1066800" y="533400"/>
+            <a:ext cx="7505700" cy="5638800"/>
           </a:xfrm>
         </p:spPr>
         <p:txBody>
@@ -618,50 +828,44 @@
           <a:p>
             <a:pPr lvl="0"/>
             <a:r>
-              <a:rPr lang="en-US"/>
-              <a:t>Click to edit Master text styles</a:t>
+              <a:rPr lang="sv-SE"/>
+              <a:t>Klicka här för att ändra format på bakgrundstexten</a:t>
             </a:r>
           </a:p>
           <a:p>
             <a:pPr lvl="1"/>
             <a:r>
-              <a:rPr lang="en-US"/>
-              <a:t>Second level</a:t>
+              <a:rPr lang="sv-SE"/>
+              <a:t>Nivå två</a:t>
             </a:r>
           </a:p>
           <a:p>
             <a:pPr lvl="2"/>
             <a:r>
-              <a:rPr lang="en-US"/>
-              <a:t>Third level</a:t>
+              <a:rPr lang="sv-SE"/>
+              <a:t>Nivå tre</a:t>
             </a:r>
           </a:p>
           <a:p>
             <a:pPr lvl="3"/>
             <a:r>
-              <a:rPr lang="en-US"/>
-              <a:t>Fourth level</a:t>
+              <a:rPr lang="sv-SE"/>
+              <a:t>Nivå fyra</a:t>
             </a:r>
           </a:p>
           <a:p>
             <a:pPr lvl="4"/>
             <a:r>
-              <a:rPr lang="en-US"/>
-              <a:t>Fifth level</a:t>
-            </a:r>
-            <a:endParaRPr lang="sv-SE"/>
-          </a:p>
-        </p:txBody>
-      </p:sp>
-      <p:sp>
-        <p:nvSpPr>
-          <p:cNvPr id="4" name="Date Placeholder 3">
-            <a:extLst>
-              <a:ext uri="{FF2B5EF4-FFF2-40B4-BE49-F238E27FC236}">
-                <a16:creationId xmlns:a16="http://schemas.microsoft.com/office/drawing/2014/main" id="{40C50D65-F042-FA25-14AF-BDE0564189E9}"/>
-              </a:ext>
-            </a:extLst>
-          </p:cNvPr>
+              <a:rPr lang="sv-SE"/>
+              <a:t>Nivå fem</a:t>
+            </a:r>
+            <a:endParaRPr lang="en-US" dirty="0"/>
+          </a:p>
+        </p:txBody>
+      </p:sp>
+      <p:sp>
+        <p:nvSpPr>
+          <p:cNvPr id="4" name="Date Placeholder 3"/>
           <p:cNvSpPr>
             <a:spLocks noGrp="1"/>
           </p:cNvSpPr>
@@ -676,7 +880,7 @@
           <a:p>
             <a:fld id="{C20A0960-0C9D-404F-B4E5-3B1CEEC36D7F}" type="datetimeFigureOut">
               <a:rPr lang="sv-SE" smtClean="0"/>
-              <a:t>2024-04-11</a:t>
+              <a:t>2024-04-12</a:t>
             </a:fld>
             <a:endParaRPr lang="sv-SE"/>
           </a:p>
@@ -684,13 +888,7 @@
       </p:sp>
       <p:sp>
         <p:nvSpPr>
-          <p:cNvPr id="5" name="Footer Placeholder 4">
-            <a:extLst>
-              <a:ext uri="{FF2B5EF4-FFF2-40B4-BE49-F238E27FC236}">
-                <a16:creationId xmlns:a16="http://schemas.microsoft.com/office/drawing/2014/main" id="{00128FC2-F0EB-2EF9-F99C-FCFFD53765F3}"/>
-              </a:ext>
-            </a:extLst>
-          </p:cNvPr>
+          <p:cNvPr id="5" name="Footer Placeholder 4"/>
           <p:cNvSpPr>
             <a:spLocks noGrp="1"/>
           </p:cNvSpPr>
@@ -709,13 +907,7 @@
       </p:sp>
       <p:sp>
         <p:nvSpPr>
-          <p:cNvPr id="6" name="Slide Number Placeholder 5">
-            <a:extLst>
-              <a:ext uri="{FF2B5EF4-FFF2-40B4-BE49-F238E27FC236}">
-                <a16:creationId xmlns:a16="http://schemas.microsoft.com/office/drawing/2014/main" id="{44D60902-803B-A497-4FEB-99308721D873}"/>
-              </a:ext>
-            </a:extLst>
-          </p:cNvPr>
+          <p:cNvPr id="6" name="Slide Number Placeholder 5"/>
           <p:cNvSpPr>
             <a:spLocks noGrp="1"/>
           </p:cNvSpPr>
@@ -739,7 +931,7 @@
     </p:spTree>
     <p:extLst>
       <p:ext uri="{BB962C8B-B14F-4D97-AF65-F5344CB8AC3E}">
-        <p14:creationId xmlns:p14="http://schemas.microsoft.com/office/powerpoint/2010/main" val="3543801343"/>
+        <p14:creationId xmlns:p14="http://schemas.microsoft.com/office/powerpoint/2010/main" val="704088997"/>
       </p:ext>
     </p:extLst>
   </p:cSld>
@@ -751,7 +943,7 @@
 
 <file path=ppt/slideLayouts/slideLayout2.xml><?xml version="1.0" encoding="utf-8"?>
 <p:sldLayout xmlns:a="http://schemas.openxmlformats.org/drawingml/2006/main" xmlns:r="http://schemas.openxmlformats.org/officeDocument/2006/relationships" xmlns:p="http://schemas.openxmlformats.org/presentationml/2006/main" type="obj" preserve="1">
-  <p:cSld name="Title and Content">
+  <p:cSld name="Rubrik och innehåll">
     <p:spTree>
       <p:nvGrpSpPr>
         <p:cNvPr id="1" name=""/>
@@ -768,13 +960,7 @@
       </p:grpSpPr>
       <p:sp>
         <p:nvSpPr>
-          <p:cNvPr id="2" name="Title 1">
-            <a:extLst>
-              <a:ext uri="{FF2B5EF4-FFF2-40B4-BE49-F238E27FC236}">
-                <a16:creationId xmlns:a16="http://schemas.microsoft.com/office/drawing/2014/main" id="{56042CD1-EC19-5FB5-4B3C-27B2A2A1DEE0}"/>
-              </a:ext>
-            </a:extLst>
-          </p:cNvPr>
+          <p:cNvPr id="2" name="Title 1"/>
           <p:cNvSpPr>
             <a:spLocks noGrp="1"/>
           </p:cNvSpPr>
@@ -788,22 +974,16 @@
           <a:lstStyle/>
           <a:p>
             <a:r>
-              <a:rPr lang="en-US"/>
-              <a:t>Click to edit Master title style</a:t>
-            </a:r>
-            <a:endParaRPr lang="sv-SE"/>
-          </a:p>
-        </p:txBody>
-      </p:sp>
-      <p:sp>
-        <p:nvSpPr>
-          <p:cNvPr id="3" name="Content Placeholder 2">
-            <a:extLst>
-              <a:ext uri="{FF2B5EF4-FFF2-40B4-BE49-F238E27FC236}">
-                <a16:creationId xmlns:a16="http://schemas.microsoft.com/office/drawing/2014/main" id="{2989173C-FBEC-545E-5AA7-E8757DBE873B}"/>
-              </a:ext>
-            </a:extLst>
-          </p:cNvPr>
+              <a:rPr lang="sv-SE"/>
+              <a:t>Klicka här för att ändra mall för rubrikformat</a:t>
+            </a:r>
+            <a:endParaRPr lang="en-US" dirty="0"/>
+          </a:p>
+        </p:txBody>
+      </p:sp>
+      <p:sp>
+        <p:nvSpPr>
+          <p:cNvPr id="3" name="Content Placeholder 2"/>
           <p:cNvSpPr>
             <a:spLocks noGrp="1"/>
           </p:cNvSpPr>
@@ -818,50 +998,44 @@
           <a:p>
             <a:pPr lvl="0"/>
             <a:r>
-              <a:rPr lang="en-US"/>
-              <a:t>Click to edit Master text styles</a:t>
+              <a:rPr lang="sv-SE"/>
+              <a:t>Klicka här för att ändra format på bakgrundstexten</a:t>
             </a:r>
           </a:p>
           <a:p>
             <a:pPr lvl="1"/>
             <a:r>
-              <a:rPr lang="en-US"/>
-              <a:t>Second level</a:t>
+              <a:rPr lang="sv-SE"/>
+              <a:t>Nivå två</a:t>
             </a:r>
           </a:p>
           <a:p>
             <a:pPr lvl="2"/>
             <a:r>
-              <a:rPr lang="en-US"/>
-              <a:t>Third level</a:t>
+              <a:rPr lang="sv-SE"/>
+              <a:t>Nivå tre</a:t>
             </a:r>
           </a:p>
           <a:p>
             <a:pPr lvl="3"/>
             <a:r>
-              <a:rPr lang="en-US"/>
-              <a:t>Fourth level</a:t>
+              <a:rPr lang="sv-SE"/>
+              <a:t>Nivå fyra</a:t>
             </a:r>
           </a:p>
           <a:p>
             <a:pPr lvl="4"/>
             <a:r>
-              <a:rPr lang="en-US"/>
-              <a:t>Fifth level</a:t>
-            </a:r>
-            <a:endParaRPr lang="sv-SE"/>
-          </a:p>
-        </p:txBody>
-      </p:sp>
-      <p:sp>
-        <p:nvSpPr>
-          <p:cNvPr id="4" name="Date Placeholder 3">
-            <a:extLst>
-              <a:ext uri="{FF2B5EF4-FFF2-40B4-BE49-F238E27FC236}">
-                <a16:creationId xmlns:a16="http://schemas.microsoft.com/office/drawing/2014/main" id="{541F3792-5383-5C64-78D4-041477834665}"/>
-              </a:ext>
-            </a:extLst>
-          </p:cNvPr>
+              <a:rPr lang="sv-SE"/>
+              <a:t>Nivå fem</a:t>
+            </a:r>
+            <a:endParaRPr lang="en-US" dirty="0"/>
+          </a:p>
+        </p:txBody>
+      </p:sp>
+      <p:sp>
+        <p:nvSpPr>
+          <p:cNvPr id="4" name="Date Placeholder 3"/>
           <p:cNvSpPr>
             <a:spLocks noGrp="1"/>
           </p:cNvSpPr>
@@ -876,7 +1050,7 @@
           <a:p>
             <a:fld id="{C20A0960-0C9D-404F-B4E5-3B1CEEC36D7F}" type="datetimeFigureOut">
               <a:rPr lang="sv-SE" smtClean="0"/>
-              <a:t>2024-04-11</a:t>
+              <a:t>2024-04-12</a:t>
             </a:fld>
             <a:endParaRPr lang="sv-SE"/>
           </a:p>
@@ -884,13 +1058,7 @@
       </p:sp>
       <p:sp>
         <p:nvSpPr>
-          <p:cNvPr id="5" name="Footer Placeholder 4">
-            <a:extLst>
-              <a:ext uri="{FF2B5EF4-FFF2-40B4-BE49-F238E27FC236}">
-                <a16:creationId xmlns:a16="http://schemas.microsoft.com/office/drawing/2014/main" id="{18C3AAA4-4F9A-750C-D2FA-A3AC770FED28}"/>
-              </a:ext>
-            </a:extLst>
-          </p:cNvPr>
+          <p:cNvPr id="5" name="Footer Placeholder 4"/>
           <p:cNvSpPr>
             <a:spLocks noGrp="1"/>
           </p:cNvSpPr>
@@ -909,13 +1077,7 @@
       </p:sp>
       <p:sp>
         <p:nvSpPr>
-          <p:cNvPr id="6" name="Slide Number Placeholder 5">
-            <a:extLst>
-              <a:ext uri="{FF2B5EF4-FFF2-40B4-BE49-F238E27FC236}">
-                <a16:creationId xmlns:a16="http://schemas.microsoft.com/office/drawing/2014/main" id="{4D63BF77-3A6F-0009-F6B9-94F251D3F85E}"/>
-              </a:ext>
-            </a:extLst>
-          </p:cNvPr>
+          <p:cNvPr id="6" name="Slide Number Placeholder 5"/>
           <p:cNvSpPr>
             <a:spLocks noGrp="1"/>
           </p:cNvSpPr>
@@ -939,7 +1101,7 @@
     </p:spTree>
     <p:extLst>
       <p:ext uri="{BB962C8B-B14F-4D97-AF65-F5344CB8AC3E}">
-        <p14:creationId xmlns:p14="http://schemas.microsoft.com/office/powerpoint/2010/main" val="1828950258"/>
+        <p14:creationId xmlns:p14="http://schemas.microsoft.com/office/powerpoint/2010/main" val="2182680301"/>
       </p:ext>
     </p:extLst>
   </p:cSld>
@@ -950,8 +1112,8 @@
 </file>
 
 <file path=ppt/slideLayouts/slideLayout3.xml><?xml version="1.0" encoding="utf-8"?>
-<p:sldLayout xmlns:a="http://schemas.openxmlformats.org/drawingml/2006/main" xmlns:r="http://schemas.openxmlformats.org/officeDocument/2006/relationships" xmlns:p="http://schemas.openxmlformats.org/presentationml/2006/main" type="secHead" preserve="1">
-  <p:cSld name="Section Header">
+<p:sldLayout xmlns:a="http://schemas.openxmlformats.org/drawingml/2006/main" xmlns:r="http://schemas.openxmlformats.org/officeDocument/2006/relationships" xmlns:p="http://schemas.openxmlformats.org/presentationml/2006/main" showMasterSp="0" type="secHead" preserve="1">
+  <p:cSld name="Avsnittsrubrik">
     <p:spTree>
       <p:nvGrpSpPr>
         <p:cNvPr id="1" name=""/>
@@ -968,51 +1130,101 @@
       </p:grpSpPr>
       <p:sp>
         <p:nvSpPr>
-          <p:cNvPr id="2" name="Title 1">
-            <a:extLst>
-              <a:ext uri="{FF2B5EF4-FFF2-40B4-BE49-F238E27FC236}">
-                <a16:creationId xmlns:a16="http://schemas.microsoft.com/office/drawing/2014/main" id="{67C42155-4CCD-067F-99B9-94D51361FB38}"/>
-              </a:ext>
-            </a:extLst>
-          </p:cNvPr>
-          <p:cNvSpPr>
-            <a:spLocks noGrp="1"/>
-          </p:cNvSpPr>
-          <p:nvPr>
-            <p:ph type="title"/>
-          </p:nvPr>
+          <p:cNvPr id="7" name="Rectangle 6"/>
+          <p:cNvSpPr/>
+          <p:nvPr/>
         </p:nvSpPr>
         <p:spPr>
           <a:xfrm>
-            <a:off x="831850" y="1709738"/>
-            <a:ext cx="10515600" cy="2852737"/>
+            <a:off x="0" y="4917989"/>
+            <a:ext cx="12192000" cy="1940010"/>
+          </a:xfrm>
+          <a:prstGeom prst="rect">
+            <a:avLst/>
+          </a:prstGeom>
+          <a:blipFill dpi="0" rotWithShape="1">
+            <a:blip r:embed="rId2">
+              <a:alphaModFix amt="85000"/>
+              <a:lum bright="70000" contrast="-70000"/>
+              <a:extLst>
+                <a:ext uri="{BEBA8EAE-BF5A-486C-A8C5-ECC9F3942E4B}">
+                  <a14:imgProps xmlns:a14="http://schemas.microsoft.com/office/drawing/2010/main">
+                    <a14:imgLayer r:embed="rId3">
+                      <a14:imgEffect>
+                        <a14:sharpenSoften amount="61000"/>
+                      </a14:imgEffect>
+                    </a14:imgLayer>
+                  </a14:imgProps>
+                </a:ext>
+                <a:ext uri="{28A0092B-C50C-407E-A947-70E740481C1C}">
+                  <a14:useLocalDpi xmlns:a14="http://schemas.microsoft.com/office/drawing/2010/main" val="0"/>
+                </a:ext>
+              </a:extLst>
+            </a:blip>
+            <a:srcRect/>
+            <a:tile tx="0" ty="-704850" sx="92000" sy="89000" flip="xy" algn="ctr"/>
+          </a:blipFill>
+          <a:ln>
+            <a:noFill/>
+          </a:ln>
+        </p:spPr>
+        <p:style>
+          <a:lnRef idx="2">
+            <a:schemeClr val="accent1">
+              <a:shade val="50000"/>
+            </a:schemeClr>
+          </a:lnRef>
+          <a:fillRef idx="1">
+            <a:schemeClr val="accent1"/>
+          </a:fillRef>
+          <a:effectRef idx="0">
+            <a:schemeClr val="accent1"/>
+          </a:effectRef>
+          <a:fontRef idx="minor">
+            <a:schemeClr val="lt1"/>
+          </a:fontRef>
+        </p:style>
+      </p:sp>
+      <p:sp>
+        <p:nvSpPr>
+          <p:cNvPr id="2" name="Title 1"/>
+          <p:cNvSpPr>
+            <a:spLocks noGrp="1"/>
+          </p:cNvSpPr>
+          <p:nvPr>
+            <p:ph type="title"/>
+          </p:nvPr>
+        </p:nvSpPr>
+        <p:spPr>
+          <a:xfrm>
+            <a:off x="2167128" y="1225296"/>
+            <a:ext cx="9281160" cy="3520440"/>
           </a:xfrm>
         </p:spPr>
         <p:txBody>
-          <a:bodyPr anchor="b"/>
+          <a:bodyPr anchor="ctr">
+            <a:normAutofit/>
+          </a:bodyPr>
           <a:lstStyle>
             <a:lvl1pPr>
-              <a:defRPr sz="6000"/>
+              <a:lnSpc>
+                <a:spcPct val="80000"/>
+              </a:lnSpc>
+              <a:defRPr sz="8000" b="0"/>
             </a:lvl1pPr>
           </a:lstStyle>
           <a:p>
             <a:r>
-              <a:rPr lang="en-US"/>
-              <a:t>Click to edit Master title style</a:t>
-            </a:r>
-            <a:endParaRPr lang="sv-SE"/>
-          </a:p>
-        </p:txBody>
-      </p:sp>
-      <p:sp>
-        <p:nvSpPr>
-          <p:cNvPr id="3" name="Text Placeholder 2">
-            <a:extLst>
-              <a:ext uri="{FF2B5EF4-FFF2-40B4-BE49-F238E27FC236}">
-                <a16:creationId xmlns:a16="http://schemas.microsoft.com/office/drawing/2014/main" id="{122D1A03-07BC-46B8-2241-B7C551E88BB3}"/>
-              </a:ext>
-            </a:extLst>
-          </p:cNvPr>
+              <a:rPr lang="sv-SE"/>
+              <a:t>Klicka här för att ändra mall för rubrikformat</a:t>
+            </a:r>
+            <a:endParaRPr lang="en-US" dirty="0"/>
+          </a:p>
+        </p:txBody>
+      </p:sp>
+      <p:sp>
+        <p:nvSpPr>
+          <p:cNvPr id="3" name="Text Placeholder 2"/>
           <p:cNvSpPr>
             <a:spLocks noGrp="1"/>
           </p:cNvSpPr>
@@ -1022,99 +1234,99 @@
         </p:nvSpPr>
         <p:spPr>
           <a:xfrm>
-            <a:off x="831850" y="4589463"/>
-            <a:ext cx="10515600" cy="1500187"/>
+            <a:off x="2165774" y="5020056"/>
+            <a:ext cx="9052560" cy="1066800"/>
           </a:xfrm>
         </p:spPr>
         <p:txBody>
-          <a:bodyPr/>
+          <a:bodyPr anchor="t">
+            <a:normAutofit/>
+          </a:bodyPr>
           <a:lstStyle>
             <a:lvl1pPr marL="0" indent="0">
               <a:buNone/>
-              <a:defRPr sz="2400">
+              <a:defRPr sz="2000">
                 <a:solidFill>
-                  <a:schemeClr val="tx1">
-                    <a:tint val="82000"/>
-                  </a:schemeClr>
+                  <a:schemeClr val="tx1"/>
                 </a:solidFill>
               </a:defRPr>
             </a:lvl1pPr>
             <a:lvl2pPr marL="457200" indent="0">
               <a:buNone/>
-              <a:defRPr sz="2000">
+              <a:defRPr sz="1800">
                 <a:solidFill>
                   <a:schemeClr val="tx1">
-                    <a:tint val="82000"/>
+                    <a:tint val="75000"/>
                   </a:schemeClr>
                 </a:solidFill>
               </a:defRPr>
             </a:lvl2pPr>
             <a:lvl3pPr marL="914400" indent="0">
               <a:buNone/>
-              <a:defRPr sz="1800">
+              <a:defRPr sz="1600">
                 <a:solidFill>
                   <a:schemeClr val="tx1">
-                    <a:tint val="82000"/>
+                    <a:tint val="75000"/>
                   </a:schemeClr>
                 </a:solidFill>
               </a:defRPr>
             </a:lvl3pPr>
             <a:lvl4pPr marL="1371600" indent="0">
               <a:buNone/>
-              <a:defRPr sz="1600">
+              <a:defRPr sz="1400">
                 <a:solidFill>
                   <a:schemeClr val="tx1">
-                    <a:tint val="82000"/>
+                    <a:tint val="75000"/>
                   </a:schemeClr>
                 </a:solidFill>
               </a:defRPr>
             </a:lvl4pPr>
             <a:lvl5pPr marL="1828800" indent="0">
               <a:buNone/>
-              <a:defRPr sz="1600">
+              <a:defRPr sz="1400">
                 <a:solidFill>
                   <a:schemeClr val="tx1">
-                    <a:tint val="82000"/>
+                    <a:tint val="75000"/>
                   </a:schemeClr>
                 </a:solidFill>
               </a:defRPr>
             </a:lvl5pPr>
             <a:lvl6pPr marL="2286000" indent="0">
               <a:buNone/>
-              <a:defRPr sz="1600">
+              <a:defRPr sz="1400">
                 <a:solidFill>
                   <a:schemeClr val="tx1">
-                    <a:tint val="82000"/>
+                    <a:tint val="75000"/>
                   </a:schemeClr>
                 </a:solidFill>
               </a:defRPr>
             </a:lvl6pPr>
             <a:lvl7pPr marL="2743200" indent="0">
               <a:buNone/>
-              <a:defRPr sz="1600">
+              <a:defRPr sz="1400">
                 <a:solidFill>
                   <a:schemeClr val="tx1">
-                    <a:tint val="82000"/>
+                    <a:tint val="75000"/>
                   </a:schemeClr>
                 </a:solidFill>
               </a:defRPr>
             </a:lvl7pPr>
             <a:lvl8pPr marL="3200400" indent="0">
               <a:buNone/>
-              <a:defRPr sz="1600">
+              <a:defRPr sz="1400">
                 <a:solidFill>
                   <a:schemeClr val="tx1">
-                    <a:tint val="82000"/>
+                    <a:tint val="75000"/>
                   </a:schemeClr>
                 </a:solidFill>
               </a:defRPr>
             </a:lvl8pPr>
             <a:lvl9pPr marL="3657600" indent="0">
               <a:buNone/>
-              <a:defRPr sz="1600">
+              <a:defRPr sz="1400">
                 <a:solidFill>
                   <a:schemeClr val="tx1">
-                    <a:tint val="82000"/>
+                    <a:tint val="75000"/>
                   </a:schemeClr>
                 </a:solidFill>
               </a:defRPr>
@@ -1123,21 +1335,15 @@
           <a:p>
             <a:pPr lvl="0"/>
             <a:r>
-              <a:rPr lang="en-US"/>
-              <a:t>Click to edit Master text styles</a:t>
-            </a:r>
-          </a:p>
-        </p:txBody>
-      </p:sp>
-      <p:sp>
-        <p:nvSpPr>
-          <p:cNvPr id="4" name="Date Placeholder 3">
-            <a:extLst>
-              <a:ext uri="{FF2B5EF4-FFF2-40B4-BE49-F238E27FC236}">
-                <a16:creationId xmlns:a16="http://schemas.microsoft.com/office/drawing/2014/main" id="{467F24FD-BF61-5EBD-317D-B67DB73F6FE0}"/>
-              </a:ext>
-            </a:extLst>
-          </p:cNvPr>
+              <a:rPr lang="sv-SE"/>
+              <a:t>Klicka här för att ändra format på bakgrundstexten</a:t>
+            </a:r>
+          </a:p>
+        </p:txBody>
+      </p:sp>
+      <p:sp>
+        <p:nvSpPr>
+          <p:cNvPr id="4" name="Date Placeholder 3"/>
           <p:cNvSpPr>
             <a:spLocks noGrp="1"/>
           </p:cNvSpPr>
@@ -1145,14 +1351,19 @@
             <p:ph type="dt" sz="half" idx="10"/>
           </p:nvPr>
         </p:nvSpPr>
-        <p:spPr/>
+        <p:spPr>
+          <a:xfrm>
+            <a:off x="8593667" y="6272784"/>
+            <a:ext cx="2644309" cy="365125"/>
+          </a:xfrm>
+        </p:spPr>
         <p:txBody>
           <a:bodyPr/>
           <a:lstStyle/>
           <a:p>
             <a:fld id="{C20A0960-0C9D-404F-B4E5-3B1CEEC36D7F}" type="datetimeFigureOut">
               <a:rPr lang="sv-SE" smtClean="0"/>
-              <a:t>2024-04-11</a:t>
+              <a:t>2024-04-12</a:t>
             </a:fld>
             <a:endParaRPr lang="sv-SE"/>
           </a:p>
@@ -1160,13 +1371,7 @@
       </p:sp>
       <p:sp>
         <p:nvSpPr>
-          <p:cNvPr id="5" name="Footer Placeholder 4">
-            <a:extLst>
-              <a:ext uri="{FF2B5EF4-FFF2-40B4-BE49-F238E27FC236}">
-                <a16:creationId xmlns:a16="http://schemas.microsoft.com/office/drawing/2014/main" id="{1742904D-05DF-6AEB-5FB0-7561F53EB6DE}"/>
-              </a:ext>
-            </a:extLst>
-          </p:cNvPr>
+          <p:cNvPr id="5" name="Footer Placeholder 4"/>
           <p:cNvSpPr>
             <a:spLocks noGrp="1"/>
           </p:cNvSpPr>
@@ -1174,7 +1379,12 @@
             <p:ph type="ftr" sz="quarter" idx="11"/>
           </p:nvPr>
         </p:nvSpPr>
-        <p:spPr/>
+        <p:spPr>
+          <a:xfrm>
+            <a:off x="2182708" y="6272784"/>
+            <a:ext cx="6327648" cy="365125"/>
+          </a:xfrm>
+        </p:spPr>
         <p:txBody>
           <a:bodyPr/>
           <a:lstStyle/>
@@ -1183,15 +1393,93 @@
           </a:p>
         </p:txBody>
       </p:sp>
-      <p:sp>
-        <p:nvSpPr>
-          <p:cNvPr id="6" name="Slide Number Placeholder 5">
-            <a:extLst>
-              <a:ext uri="{FF2B5EF4-FFF2-40B4-BE49-F238E27FC236}">
-                <a16:creationId xmlns:a16="http://schemas.microsoft.com/office/drawing/2014/main" id="{492ECF73-2D2A-1139-E135-FFB8925BAEEA}"/>
-              </a:ext>
-            </a:extLst>
-          </p:cNvPr>
+      <p:grpSp>
+        <p:nvGrpSpPr>
+          <p:cNvPr id="8" name="Group 7"/>
+          <p:cNvGrpSpPr/>
+          <p:nvPr/>
+        </p:nvGrpSpPr>
+        <p:grpSpPr>
+          <a:xfrm>
+            <a:off x="897399" y="2325848"/>
+            <a:ext cx="1080904" cy="1080902"/>
+            <a:chOff x="9685338" y="4460675"/>
+            <a:chExt cx="1080904" cy="1080902"/>
+          </a:xfrm>
+        </p:grpSpPr>
+        <p:sp>
+          <p:nvSpPr>
+            <p:cNvPr id="9" name="Oval 8"/>
+            <p:cNvSpPr/>
+            <p:nvPr/>
+          </p:nvSpPr>
+          <p:spPr>
+            <a:xfrm>
+              <a:off x="9685338" y="4460675"/>
+              <a:ext cx="1080904" cy="1080902"/>
+            </a:xfrm>
+            <a:prstGeom prst="ellipse">
+              <a:avLst/>
+            </a:prstGeom>
+            <a:blipFill dpi="0" rotWithShape="1">
+              <a:blip r:embed="rId4">
+                <a:duotone>
+                  <a:schemeClr val="accent1">
+                    <a:shade val="45000"/>
+                    <a:satMod val="135000"/>
+                  </a:schemeClr>
+                  <a:prstClr val="white"/>
+                </a:duotone>
+                <a:extLst>
+                  <a:ext uri="{BEBA8EAE-BF5A-486C-A8C5-ECC9F3942E4B}">
+                    <a14:imgProps xmlns:a14="http://schemas.microsoft.com/office/drawing/2010/main">
+                      <a14:imgLayer r:embed="rId5">
+                        <a14:imgEffect>
+                          <a14:saturation sat="95000"/>
+                        </a14:imgEffect>
+                      </a14:imgLayer>
+                    </a14:imgProps>
+                  </a:ext>
+                </a:extLst>
+              </a:blip>
+              <a:srcRect/>
+              <a:tile tx="0" ty="0" sx="85000" sy="85000" flip="none" algn="tl"/>
+            </a:blipFill>
+            <a:ln w="25400" cap="flat" cmpd="sng" algn="ctr">
+              <a:noFill/>
+              <a:prstDash val="solid"/>
+            </a:ln>
+            <a:effectLst/>
+          </p:spPr>
+        </p:sp>
+        <p:sp>
+          <p:nvSpPr>
+            <p:cNvPr id="10" name="Oval 9"/>
+            <p:cNvSpPr/>
+            <p:nvPr/>
+          </p:nvSpPr>
+          <p:spPr>
+            <a:xfrm>
+              <a:off x="9793429" y="4568765"/>
+              <a:ext cx="864723" cy="864722"/>
+            </a:xfrm>
+            <a:prstGeom prst="ellipse">
+              <a:avLst/>
+            </a:prstGeom>
+            <a:noFill/>
+            <a:ln w="25400" cap="flat" cmpd="sng" algn="ctr">
+              <a:solidFill>
+                <a:sysClr val="window" lastClr="FFFFFF"/>
+              </a:solidFill>
+              <a:prstDash val="solid"/>
+            </a:ln>
+            <a:effectLst/>
+          </p:spPr>
+        </p:sp>
+      </p:grpSp>
+      <p:sp>
+        <p:nvSpPr>
+          <p:cNvPr id="6" name="Slide Number Placeholder 5"/>
           <p:cNvSpPr>
             <a:spLocks noGrp="1"/>
           </p:cNvSpPr>
@@ -1199,10 +1487,19 @@
             <p:ph type="sldNum" sz="quarter" idx="12"/>
           </p:nvPr>
         </p:nvSpPr>
-        <p:spPr/>
+        <p:spPr>
+          <a:xfrm>
+            <a:off x="843702" y="2506133"/>
+            <a:ext cx="1188298" cy="720332"/>
+          </a:xfrm>
+        </p:spPr>
         <p:txBody>
           <a:bodyPr/>
-          <a:lstStyle/>
+          <a:lstStyle>
+            <a:lvl1pPr>
+              <a:defRPr sz="2800"/>
+            </a:lvl1pPr>
+          </a:lstStyle>
           <a:p>
             <a:fld id="{B497A941-4893-4568-9641-8C2DC62ED1BF}" type="slidenum">
               <a:rPr lang="sv-SE" smtClean="0"/>
@@ -1215,7 +1512,7 @@
     </p:spTree>
     <p:extLst>
       <p:ext uri="{BB962C8B-B14F-4D97-AF65-F5344CB8AC3E}">
-        <p14:creationId xmlns:p14="http://schemas.microsoft.com/office/powerpoint/2010/main" val="3035353237"/>
+        <p14:creationId xmlns:p14="http://schemas.microsoft.com/office/powerpoint/2010/main" val="271267233"/>
       </p:ext>
     </p:extLst>
   </p:cSld>
@@ -1227,7 +1524,7 @@
 
 <file path=ppt/slideLayouts/slideLayout4.xml><?xml version="1.0" encoding="utf-8"?>
 <p:sldLayout xmlns:a="http://schemas.openxmlformats.org/drawingml/2006/main" xmlns:r="http://schemas.openxmlformats.org/officeDocument/2006/relationships" xmlns:p="http://schemas.openxmlformats.org/presentationml/2006/main" type="twoObj" preserve="1">
-  <p:cSld name="Two Content">
+  <p:cSld name="Två delar">
     <p:spTree>
       <p:nvGrpSpPr>
         <p:cNvPr id="1" name=""/>
@@ -1244,13 +1541,7 @@
       </p:grpSpPr>
       <p:sp>
         <p:nvSpPr>
-          <p:cNvPr id="2" name="Title 1">
-            <a:extLst>
-              <a:ext uri="{FF2B5EF4-FFF2-40B4-BE49-F238E27FC236}">
-                <a16:creationId xmlns:a16="http://schemas.microsoft.com/office/drawing/2014/main" id="{B988A5C8-5D70-663C-0826-8B4ED8CEE806}"/>
-              </a:ext>
-            </a:extLst>
-          </p:cNvPr>
+          <p:cNvPr id="2" name="Title 1"/>
           <p:cNvSpPr>
             <a:spLocks noGrp="1"/>
           </p:cNvSpPr>
@@ -1264,22 +1555,16 @@
           <a:lstStyle/>
           <a:p>
             <a:r>
-              <a:rPr lang="en-US"/>
-              <a:t>Click to edit Master title style</a:t>
-            </a:r>
-            <a:endParaRPr lang="sv-SE"/>
-          </a:p>
-        </p:txBody>
-      </p:sp>
-      <p:sp>
-        <p:nvSpPr>
-          <p:cNvPr id="3" name="Content Placeholder 2">
-            <a:extLst>
-              <a:ext uri="{FF2B5EF4-FFF2-40B4-BE49-F238E27FC236}">
-                <a16:creationId xmlns:a16="http://schemas.microsoft.com/office/drawing/2014/main" id="{51EA42EB-44F5-F3B2-8228-9C7194EC5FBD}"/>
-              </a:ext>
-            </a:extLst>
-          </p:cNvPr>
+              <a:rPr lang="sv-SE"/>
+              <a:t>Klicka här för att ändra mall för rubrikformat</a:t>
+            </a:r>
+            <a:endParaRPr lang="en-US" dirty="0"/>
+          </a:p>
+        </p:txBody>
+      </p:sp>
+      <p:sp>
+        <p:nvSpPr>
+          <p:cNvPr id="3" name="Content Placeholder 2"/>
           <p:cNvSpPr>
             <a:spLocks noGrp="1"/>
           </p:cNvSpPr>
@@ -1289,60 +1574,82 @@
         </p:nvSpPr>
         <p:spPr>
           <a:xfrm>
-            <a:off x="838200" y="1825625"/>
-            <a:ext cx="5181600" cy="4351338"/>
+            <a:off x="1069848" y="2194560"/>
+            <a:ext cx="4754880" cy="3977640"/>
           </a:xfrm>
         </p:spPr>
         <p:txBody>
           <a:bodyPr/>
-          <a:lstStyle/>
+          <a:lstStyle>
+            <a:lvl1pPr>
+              <a:defRPr sz="2000"/>
+            </a:lvl1pPr>
+            <a:lvl2pPr>
+              <a:defRPr sz="1800"/>
+            </a:lvl2pPr>
+            <a:lvl3pPr>
+              <a:defRPr sz="1600"/>
+            </a:lvl3pPr>
+            <a:lvl4pPr>
+              <a:defRPr sz="1600"/>
+            </a:lvl4pPr>
+            <a:lvl5pPr>
+              <a:defRPr sz="1600"/>
+            </a:lvl5pPr>
+            <a:lvl6pPr>
+              <a:defRPr sz="1600"/>
+            </a:lvl6pPr>
+            <a:lvl7pPr>
+              <a:defRPr sz="1600"/>
+            </a:lvl7pPr>
+            <a:lvl8pPr>
+              <a:defRPr sz="1600"/>
+            </a:lvl8pPr>
+            <a:lvl9pPr>
+              <a:defRPr sz="1600"/>
+            </a:lvl9pPr>
+          </a:lstStyle>
           <a:p>
             <a:pPr lvl="0"/>
             <a:r>
-              <a:rPr lang="en-US"/>
-              <a:t>Click to edit Master text styles</a:t>
+              <a:rPr lang="sv-SE"/>
+              <a:t>Klicka här för att ändra format på bakgrundstexten</a:t>
             </a:r>
           </a:p>
           <a:p>
             <a:pPr lvl="1"/>
             <a:r>
-              <a:rPr lang="en-US"/>
-              <a:t>Second level</a:t>
+              <a:rPr lang="sv-SE"/>
+              <a:t>Nivå två</a:t>
             </a:r>
           </a:p>
           <a:p>
             <a:pPr lvl="2"/>
             <a:r>
-              <a:rPr lang="en-US"/>
-              <a:t>Third level</a:t>
+              <a:rPr lang="sv-SE"/>
+              <a:t>Nivå tre</a:t>
             </a:r>
           </a:p>
           <a:p>
             <a:pPr lvl="3"/>
             <a:r>
-              <a:rPr lang="en-US"/>
-              <a:t>Fourth level</a:t>
+              <a:rPr lang="sv-SE"/>
+              <a:t>Nivå fyra</a:t>
             </a:r>
           </a:p>
           <a:p>
             <a:pPr lvl="4"/>
             <a:r>
-              <a:rPr lang="en-US"/>
-              <a:t>Fifth level</a:t>
-            </a:r>
-            <a:endParaRPr lang="sv-SE"/>
-          </a:p>
-        </p:txBody>
-      </p:sp>
-      <p:sp>
-        <p:nvSpPr>
-          <p:cNvPr id="4" name="Content Placeholder 3">
-            <a:extLst>
-              <a:ext uri="{FF2B5EF4-FFF2-40B4-BE49-F238E27FC236}">
-                <a16:creationId xmlns:a16="http://schemas.microsoft.com/office/drawing/2014/main" id="{DA19B132-8129-90E4-50FA-4AF40715F7CA}"/>
-              </a:ext>
-            </a:extLst>
-          </p:cNvPr>
+              <a:rPr lang="sv-SE"/>
+              <a:t>Nivå fem</a:t>
+            </a:r>
+            <a:endParaRPr lang="en-US" dirty="0"/>
+          </a:p>
+        </p:txBody>
+      </p:sp>
+      <p:sp>
+        <p:nvSpPr>
+          <p:cNvPr id="4" name="Content Placeholder 3"/>
           <p:cNvSpPr>
             <a:spLocks noGrp="1"/>
           </p:cNvSpPr>
@@ -1352,60 +1659,82 @@
         </p:nvSpPr>
         <p:spPr>
           <a:xfrm>
-            <a:off x="6172200" y="1825625"/>
-            <a:ext cx="5181600" cy="4351338"/>
+            <a:off x="6364224" y="2194560"/>
+            <a:ext cx="4754880" cy="3977640"/>
           </a:xfrm>
         </p:spPr>
         <p:txBody>
           <a:bodyPr/>
-          <a:lstStyle/>
+          <a:lstStyle>
+            <a:lvl1pPr>
+              <a:defRPr sz="2000"/>
+            </a:lvl1pPr>
+            <a:lvl2pPr>
+              <a:defRPr sz="1800"/>
+            </a:lvl2pPr>
+            <a:lvl3pPr>
+              <a:defRPr sz="1600"/>
+            </a:lvl3pPr>
+            <a:lvl4pPr>
+              <a:defRPr sz="1600"/>
+            </a:lvl4pPr>
+            <a:lvl5pPr>
+              <a:defRPr sz="1600"/>
+            </a:lvl5pPr>
+            <a:lvl6pPr>
+              <a:defRPr sz="1600"/>
+            </a:lvl6pPr>
+            <a:lvl7pPr>
+              <a:defRPr sz="1600"/>
+            </a:lvl7pPr>
+            <a:lvl8pPr>
+              <a:defRPr sz="1600"/>
+            </a:lvl8pPr>
+            <a:lvl9pPr>
+              <a:defRPr sz="1600"/>
+            </a:lvl9pPr>
+          </a:lstStyle>
           <a:p>
             <a:pPr lvl="0"/>
             <a:r>
-              <a:rPr lang="en-US"/>
-              <a:t>Click to edit Master text styles</a:t>
+              <a:rPr lang="sv-SE"/>
+              <a:t>Klicka här för att ändra format på bakgrundstexten</a:t>
             </a:r>
           </a:p>
           <a:p>
             <a:pPr lvl="1"/>
             <a:r>
-              <a:rPr lang="en-US"/>
-              <a:t>Second level</a:t>
+              <a:rPr lang="sv-SE"/>
+              <a:t>Nivå två</a:t>
             </a:r>
           </a:p>
           <a:p>
             <a:pPr lvl="2"/>
             <a:r>
-              <a:rPr lang="en-US"/>
-              <a:t>Third level</a:t>
+              <a:rPr lang="sv-SE"/>
+              <a:t>Nivå tre</a:t>
             </a:r>
           </a:p>
           <a:p>
             <a:pPr lvl="3"/>
             <a:r>
-              <a:rPr lang="en-US"/>
-              <a:t>Fourth level</a:t>
+              <a:rPr lang="sv-SE"/>
+              <a:t>Nivå fyra</a:t>
             </a:r>
           </a:p>
           <a:p>
             <a:pPr lvl="4"/>
             <a:r>
-              <a:rPr lang="en-US"/>
-              <a:t>Fifth level</a:t>
-            </a:r>
-            <a:endParaRPr lang="sv-SE"/>
-          </a:p>
-        </p:txBody>
-      </p:sp>
-      <p:sp>
-        <p:nvSpPr>
-          <p:cNvPr id="5" name="Date Placeholder 4">
-            <a:extLst>
-              <a:ext uri="{FF2B5EF4-FFF2-40B4-BE49-F238E27FC236}">
-                <a16:creationId xmlns:a16="http://schemas.microsoft.com/office/drawing/2014/main" id="{C98E4ACE-6C4B-2304-45C8-FAFB9C83397E}"/>
-              </a:ext>
-            </a:extLst>
-          </p:cNvPr>
+              <a:rPr lang="sv-SE"/>
+              <a:t>Nivå fem</a:t>
+            </a:r>
+            <a:endParaRPr lang="en-US" dirty="0"/>
+          </a:p>
+        </p:txBody>
+      </p:sp>
+      <p:sp>
+        <p:nvSpPr>
+          <p:cNvPr id="5" name="Date Placeholder 4"/>
           <p:cNvSpPr>
             <a:spLocks noGrp="1"/>
           </p:cNvSpPr>
@@ -1420,7 +1749,7 @@
           <a:p>
             <a:fld id="{C20A0960-0C9D-404F-B4E5-3B1CEEC36D7F}" type="datetimeFigureOut">
               <a:rPr lang="sv-SE" smtClean="0"/>
-              <a:t>2024-04-11</a:t>
+              <a:t>2024-04-12</a:t>
             </a:fld>
             <a:endParaRPr lang="sv-SE"/>
           </a:p>
@@ -1428,13 +1757,7 @@
       </p:sp>
       <p:sp>
         <p:nvSpPr>
-          <p:cNvPr id="6" name="Footer Placeholder 5">
-            <a:extLst>
-              <a:ext uri="{FF2B5EF4-FFF2-40B4-BE49-F238E27FC236}">
-                <a16:creationId xmlns:a16="http://schemas.microsoft.com/office/drawing/2014/main" id="{283304B0-55EE-CC18-D956-D25530B7F9E7}"/>
-              </a:ext>
-            </a:extLst>
-          </p:cNvPr>
+          <p:cNvPr id="6" name="Footer Placeholder 5"/>
           <p:cNvSpPr>
             <a:spLocks noGrp="1"/>
           </p:cNvSpPr>
@@ -1453,13 +1776,7 @@
       </p:sp>
       <p:sp>
         <p:nvSpPr>
-          <p:cNvPr id="7" name="Slide Number Placeholder 6">
-            <a:extLst>
-              <a:ext uri="{FF2B5EF4-FFF2-40B4-BE49-F238E27FC236}">
-                <a16:creationId xmlns:a16="http://schemas.microsoft.com/office/drawing/2014/main" id="{D536ABCE-D4BC-9597-C616-78C3236C1EC5}"/>
-              </a:ext>
-            </a:extLst>
-          </p:cNvPr>
+          <p:cNvPr id="7" name="Slide Number Placeholder 6"/>
           <p:cNvSpPr>
             <a:spLocks noGrp="1"/>
           </p:cNvSpPr>
@@ -1483,7 +1800,7 @@
     </p:spTree>
     <p:extLst>
       <p:ext uri="{BB962C8B-B14F-4D97-AF65-F5344CB8AC3E}">
-        <p14:creationId xmlns:p14="http://schemas.microsoft.com/office/powerpoint/2010/main" val="1068039237"/>
+        <p14:creationId xmlns:p14="http://schemas.microsoft.com/office/powerpoint/2010/main" val="1108158513"/>
       </p:ext>
     </p:extLst>
   </p:cSld>
@@ -1495,7 +1812,7 @@
 
 <file path=ppt/slideLayouts/slideLayout5.xml><?xml version="1.0" encoding="utf-8"?>
 <p:sldLayout xmlns:a="http://schemas.openxmlformats.org/drawingml/2006/main" xmlns:r="http://schemas.openxmlformats.org/officeDocument/2006/relationships" xmlns:p="http://schemas.openxmlformats.org/presentationml/2006/main" type="twoTxTwoObj" preserve="1">
-  <p:cSld name="Comparison">
+  <p:cSld name="Jämförelse">
     <p:spTree>
       <p:nvGrpSpPr>
         <p:cNvPr id="1" name=""/>
@@ -1512,66 +1829,57 @@
       </p:grpSpPr>
       <p:sp>
         <p:nvSpPr>
-          <p:cNvPr id="2" name="Title 1">
-            <a:extLst>
-              <a:ext uri="{FF2B5EF4-FFF2-40B4-BE49-F238E27FC236}">
-                <a16:creationId xmlns:a16="http://schemas.microsoft.com/office/drawing/2014/main" id="{9434999A-5230-3331-3A96-C192B244BECF}"/>
-              </a:ext>
-            </a:extLst>
-          </p:cNvPr>
+          <p:cNvPr id="10" name="Title 9"/>
           <p:cNvSpPr>
             <a:spLocks noGrp="1"/>
           </p:cNvSpPr>
           <p:nvPr>
             <p:ph type="title"/>
+          </p:nvPr>
+        </p:nvSpPr>
+        <p:spPr/>
+        <p:txBody>
+          <a:bodyPr/>
+          <a:lstStyle/>
+          <a:p>
+            <a:r>
+              <a:rPr lang="sv-SE"/>
+              <a:t>Klicka här för att ändra mall för rubrikformat</a:t>
+            </a:r>
+            <a:endParaRPr lang="en-US" dirty="0"/>
+          </a:p>
+        </p:txBody>
+      </p:sp>
+      <p:sp>
+        <p:nvSpPr>
+          <p:cNvPr id="3" name="Text Placeholder 2"/>
+          <p:cNvSpPr>
+            <a:spLocks noGrp="1"/>
+          </p:cNvSpPr>
+          <p:nvPr>
+            <p:ph type="body" idx="1"/>
           </p:nvPr>
         </p:nvSpPr>
         <p:spPr>
           <a:xfrm>
-            <a:off x="839788" y="365125"/>
-            <a:ext cx="10515600" cy="1325563"/>
+            <a:off x="1066800" y="2048256"/>
+            <a:ext cx="4754880" cy="640080"/>
           </a:xfrm>
         </p:spPr>
         <p:txBody>
-          <a:bodyPr/>
-          <a:lstStyle/>
-          <a:p>
-            <a:r>
-              <a:rPr lang="en-US"/>
-              <a:t>Click to edit Master title style</a:t>
-            </a:r>
-            <a:endParaRPr lang="sv-SE"/>
-          </a:p>
-        </p:txBody>
-      </p:sp>
-      <p:sp>
-        <p:nvSpPr>
-          <p:cNvPr id="3" name="Text Placeholder 2">
-            <a:extLst>
-              <a:ext uri="{FF2B5EF4-FFF2-40B4-BE49-F238E27FC236}">
-                <a16:creationId xmlns:a16="http://schemas.microsoft.com/office/drawing/2014/main" id="{69CBC0BC-24AC-A586-31ED-DA3880E6FCF8}"/>
-              </a:ext>
-            </a:extLst>
-          </p:cNvPr>
-          <p:cNvSpPr>
-            <a:spLocks noGrp="1"/>
-          </p:cNvSpPr>
-          <p:nvPr>
-            <p:ph type="body" idx="1"/>
-          </p:nvPr>
-        </p:nvSpPr>
-        <p:spPr>
-          <a:xfrm>
-            <a:off x="839788" y="1681163"/>
-            <a:ext cx="5157787" cy="823912"/>
-          </a:xfrm>
-        </p:spPr>
-        <p:txBody>
-          <a:bodyPr anchor="b"/>
+          <a:bodyPr anchor="ctr">
+            <a:normAutofit/>
+          </a:bodyPr>
           <a:lstStyle>
             <a:lvl1pPr marL="0" indent="0">
               <a:buNone/>
-              <a:defRPr sz="2400" b="1"/>
+              <a:defRPr sz="2000" b="1">
+                <a:solidFill>
+                  <a:schemeClr val="accent1">
+                    <a:lumMod val="75000"/>
+                  </a:schemeClr>
+                </a:solidFill>
+              </a:defRPr>
             </a:lvl1pPr>
             <a:lvl2pPr marL="457200" indent="0">
               <a:buNone/>
@@ -1609,21 +1917,15 @@
           <a:p>
             <a:pPr lvl="0"/>
             <a:r>
-              <a:rPr lang="en-US"/>
-              <a:t>Click to edit Master text styles</a:t>
-            </a:r>
-          </a:p>
-        </p:txBody>
-      </p:sp>
-      <p:sp>
-        <p:nvSpPr>
-          <p:cNvPr id="4" name="Content Placeholder 3">
-            <a:extLst>
-              <a:ext uri="{FF2B5EF4-FFF2-40B4-BE49-F238E27FC236}">
-                <a16:creationId xmlns:a16="http://schemas.microsoft.com/office/drawing/2014/main" id="{933CABF7-9DC1-A3AE-4A06-80E8F38857E3}"/>
-              </a:ext>
-            </a:extLst>
-          </p:cNvPr>
+              <a:rPr lang="sv-SE"/>
+              <a:t>Klicka här för att ändra format på bakgrundstexten</a:t>
+            </a:r>
+          </a:p>
+        </p:txBody>
+      </p:sp>
+      <p:sp>
+        <p:nvSpPr>
+          <p:cNvPr id="4" name="Content Placeholder 3"/>
           <p:cNvSpPr>
             <a:spLocks noGrp="1"/>
           </p:cNvSpPr>
@@ -1633,60 +1935,82 @@
         </p:nvSpPr>
         <p:spPr>
           <a:xfrm>
-            <a:off x="839788" y="2505075"/>
-            <a:ext cx="5157787" cy="3684588"/>
+            <a:off x="1069848" y="2743200"/>
+            <a:ext cx="4754880" cy="3291840"/>
           </a:xfrm>
         </p:spPr>
         <p:txBody>
           <a:bodyPr/>
-          <a:lstStyle/>
+          <a:lstStyle>
+            <a:lvl1pPr>
+              <a:defRPr sz="2000"/>
+            </a:lvl1pPr>
+            <a:lvl2pPr>
+              <a:defRPr sz="1800"/>
+            </a:lvl2pPr>
+            <a:lvl3pPr>
+              <a:defRPr sz="1600"/>
+            </a:lvl3pPr>
+            <a:lvl4pPr>
+              <a:defRPr sz="1600"/>
+            </a:lvl4pPr>
+            <a:lvl5pPr>
+              <a:defRPr sz="1600"/>
+            </a:lvl5pPr>
+            <a:lvl6pPr>
+              <a:defRPr sz="1600"/>
+            </a:lvl6pPr>
+            <a:lvl7pPr>
+              <a:defRPr sz="1600"/>
+            </a:lvl7pPr>
+            <a:lvl8pPr>
+              <a:defRPr sz="1600"/>
+            </a:lvl8pPr>
+            <a:lvl9pPr>
+              <a:defRPr sz="1600"/>
+            </a:lvl9pPr>
+          </a:lstStyle>
           <a:p>
             <a:pPr lvl="0"/>
             <a:r>
-              <a:rPr lang="en-US"/>
-              <a:t>Click to edit Master text styles</a:t>
+              <a:rPr lang="sv-SE"/>
+              <a:t>Klicka här för att ändra format på bakgrundstexten</a:t>
             </a:r>
           </a:p>
           <a:p>
             <a:pPr lvl="1"/>
             <a:r>
-              <a:rPr lang="en-US"/>
-              <a:t>Second level</a:t>
+              <a:rPr lang="sv-SE"/>
+              <a:t>Nivå två</a:t>
             </a:r>
           </a:p>
           <a:p>
             <a:pPr lvl="2"/>
             <a:r>
-              <a:rPr lang="en-US"/>
-              <a:t>Third level</a:t>
+              <a:rPr lang="sv-SE"/>
+              <a:t>Nivå tre</a:t>
             </a:r>
           </a:p>
           <a:p>
             <a:pPr lvl="3"/>
             <a:r>
-              <a:rPr lang="en-US"/>
-              <a:t>Fourth level</a:t>
+              <a:rPr lang="sv-SE"/>
+              <a:t>Nivå fyra</a:t>
             </a:r>
           </a:p>
           <a:p>
             <a:pPr lvl="4"/>
             <a:r>
-              <a:rPr lang="en-US"/>
-              <a:t>Fifth level</a:t>
-            </a:r>
-            <a:endParaRPr lang="sv-SE"/>
-          </a:p>
-        </p:txBody>
-      </p:sp>
-      <p:sp>
-        <p:nvSpPr>
-          <p:cNvPr id="5" name="Text Placeholder 4">
-            <a:extLst>
-              <a:ext uri="{FF2B5EF4-FFF2-40B4-BE49-F238E27FC236}">
-                <a16:creationId xmlns:a16="http://schemas.microsoft.com/office/drawing/2014/main" id="{FCC9622D-992B-5FFB-506C-D514C1C7E64C}"/>
-              </a:ext>
-            </a:extLst>
-          </p:cNvPr>
+              <a:rPr lang="sv-SE"/>
+              <a:t>Nivå fem</a:t>
+            </a:r>
+            <a:endParaRPr lang="en-US" dirty="0"/>
+          </a:p>
+        </p:txBody>
+      </p:sp>
+      <p:sp>
+        <p:nvSpPr>
+          <p:cNvPr id="5" name="Text Placeholder 4"/>
           <p:cNvSpPr>
             <a:spLocks noGrp="1"/>
           </p:cNvSpPr>
@@ -1696,16 +2020,24 @@
         </p:nvSpPr>
         <p:spPr>
           <a:xfrm>
-            <a:off x="6172200" y="1681163"/>
-            <a:ext cx="5183188" cy="823912"/>
+            <a:off x="6364224" y="2048256"/>
+            <a:ext cx="4754880" cy="640080"/>
           </a:xfrm>
         </p:spPr>
         <p:txBody>
-          <a:bodyPr anchor="b"/>
+          <a:bodyPr anchor="ctr">
+            <a:normAutofit/>
+          </a:bodyPr>
           <a:lstStyle>
             <a:lvl1pPr marL="0" indent="0">
               <a:buNone/>
-              <a:defRPr sz="2400" b="1"/>
+              <a:defRPr sz="2000" b="1">
+                <a:solidFill>
+                  <a:schemeClr val="accent1">
+                    <a:lumMod val="75000"/>
+                  </a:schemeClr>
+                </a:solidFill>
+              </a:defRPr>
             </a:lvl1pPr>
             <a:lvl2pPr marL="457200" indent="0">
               <a:buNone/>
@@ -1743,21 +2075,15 @@
           <a:p>
             <a:pPr lvl="0"/>
             <a:r>
-              <a:rPr lang="en-US"/>
-              <a:t>Click to edit Master text styles</a:t>
-            </a:r>
-          </a:p>
-        </p:txBody>
-      </p:sp>
-      <p:sp>
-        <p:nvSpPr>
-          <p:cNvPr id="6" name="Content Placeholder 5">
-            <a:extLst>
-              <a:ext uri="{FF2B5EF4-FFF2-40B4-BE49-F238E27FC236}">
-                <a16:creationId xmlns:a16="http://schemas.microsoft.com/office/drawing/2014/main" id="{E5140B85-71E5-0C5E-5604-55B8800B48E7}"/>
-              </a:ext>
-            </a:extLst>
-          </p:cNvPr>
+              <a:rPr lang="sv-SE"/>
+              <a:t>Klicka här för att ändra format på bakgrundstexten</a:t>
+            </a:r>
+          </a:p>
+        </p:txBody>
+      </p:sp>
+      <p:sp>
+        <p:nvSpPr>
+          <p:cNvPr id="6" name="Content Placeholder 5"/>
           <p:cNvSpPr>
             <a:spLocks noGrp="1"/>
           </p:cNvSpPr>
@@ -1767,60 +2093,82 @@
         </p:nvSpPr>
         <p:spPr>
           <a:xfrm>
-            <a:off x="6172200" y="2505075"/>
-            <a:ext cx="5183188" cy="3684588"/>
+            <a:off x="6364224" y="2743200"/>
+            <a:ext cx="4754880" cy="3291840"/>
           </a:xfrm>
         </p:spPr>
         <p:txBody>
           <a:bodyPr/>
-          <a:lstStyle/>
+          <a:lstStyle>
+            <a:lvl1pPr>
+              <a:defRPr sz="2000"/>
+            </a:lvl1pPr>
+            <a:lvl2pPr>
+              <a:defRPr sz="1800"/>
+            </a:lvl2pPr>
+            <a:lvl3pPr>
+              <a:defRPr sz="1600"/>
+            </a:lvl3pPr>
+            <a:lvl4pPr>
+              <a:defRPr sz="1600"/>
+            </a:lvl4pPr>
+            <a:lvl5pPr>
+              <a:defRPr sz="1600"/>
+            </a:lvl5pPr>
+            <a:lvl6pPr>
+              <a:defRPr sz="1600"/>
+            </a:lvl6pPr>
+            <a:lvl7pPr>
+              <a:defRPr sz="1600"/>
+            </a:lvl7pPr>
+            <a:lvl8pPr>
+              <a:defRPr sz="1600"/>
+            </a:lvl8pPr>
+            <a:lvl9pPr>
+              <a:defRPr sz="1600"/>
+            </a:lvl9pPr>
+          </a:lstStyle>
           <a:p>
             <a:pPr lvl="0"/>
             <a:r>
-              <a:rPr lang="en-US"/>
-              <a:t>Click to edit Master text styles</a:t>
+              <a:rPr lang="sv-SE"/>
+              <a:t>Klicka här för att ändra format på bakgrundstexten</a:t>
             </a:r>
           </a:p>
           <a:p>
             <a:pPr lvl="1"/>
             <a:r>
-              <a:rPr lang="en-US"/>
-              <a:t>Second level</a:t>
+              <a:rPr lang="sv-SE"/>
+              <a:t>Nivå två</a:t>
             </a:r>
           </a:p>
           <a:p>
             <a:pPr lvl="2"/>
             <a:r>
-              <a:rPr lang="en-US"/>
-              <a:t>Third level</a:t>
+              <a:rPr lang="sv-SE"/>
+              <a:t>Nivå tre</a:t>
             </a:r>
           </a:p>
           <a:p>
             <a:pPr lvl="3"/>
             <a:r>
-              <a:rPr lang="en-US"/>
-              <a:t>Fourth level</a:t>
+              <a:rPr lang="sv-SE"/>
+              <a:t>Nivå fyra</a:t>
             </a:r>
           </a:p>
           <a:p>
             <a:pPr lvl="4"/>
             <a:r>
-              <a:rPr lang="en-US"/>
-              <a:t>Fifth level</a:t>
-            </a:r>
-            <a:endParaRPr lang="sv-SE"/>
-          </a:p>
-        </p:txBody>
-      </p:sp>
-      <p:sp>
-        <p:nvSpPr>
-          <p:cNvPr id="7" name="Date Placeholder 6">
-            <a:extLst>
-              <a:ext uri="{FF2B5EF4-FFF2-40B4-BE49-F238E27FC236}">
-                <a16:creationId xmlns:a16="http://schemas.microsoft.com/office/drawing/2014/main" id="{BAE5D2BA-8A6E-3C0E-3093-AC8796145CBF}"/>
-              </a:ext>
-            </a:extLst>
-          </p:cNvPr>
+              <a:rPr lang="sv-SE"/>
+              <a:t>Nivå fem</a:t>
+            </a:r>
+            <a:endParaRPr lang="en-US" dirty="0"/>
+          </a:p>
+        </p:txBody>
+      </p:sp>
+      <p:sp>
+        <p:nvSpPr>
+          <p:cNvPr id="7" name="Date Placeholder 6"/>
           <p:cNvSpPr>
             <a:spLocks noGrp="1"/>
           </p:cNvSpPr>
@@ -1835,7 +2183,7 @@
           <a:p>
             <a:fld id="{C20A0960-0C9D-404F-B4E5-3B1CEEC36D7F}" type="datetimeFigureOut">
               <a:rPr lang="sv-SE" smtClean="0"/>
-              <a:t>2024-04-11</a:t>
+              <a:t>2024-04-12</a:t>
             </a:fld>
             <a:endParaRPr lang="sv-SE"/>
           </a:p>
@@ -1843,13 +2191,7 @@
       </p:sp>
       <p:sp>
         <p:nvSpPr>
-          <p:cNvPr id="8" name="Footer Placeholder 7">
-            <a:extLst>
-              <a:ext uri="{FF2B5EF4-FFF2-40B4-BE49-F238E27FC236}">
-                <a16:creationId xmlns:a16="http://schemas.microsoft.com/office/drawing/2014/main" id="{8F31FAF3-B682-3B2B-B9CD-D021F6F08FED}"/>
-              </a:ext>
-            </a:extLst>
-          </p:cNvPr>
+          <p:cNvPr id="8" name="Footer Placeholder 7"/>
           <p:cNvSpPr>
             <a:spLocks noGrp="1"/>
           </p:cNvSpPr>
@@ -1868,13 +2210,7 @@
       </p:sp>
       <p:sp>
         <p:nvSpPr>
-          <p:cNvPr id="9" name="Slide Number Placeholder 8">
-            <a:extLst>
-              <a:ext uri="{FF2B5EF4-FFF2-40B4-BE49-F238E27FC236}">
-                <a16:creationId xmlns:a16="http://schemas.microsoft.com/office/drawing/2014/main" id="{58042F5C-E616-25F7-02F0-DA7A91E42AF8}"/>
-              </a:ext>
-            </a:extLst>
-          </p:cNvPr>
+          <p:cNvPr id="9" name="Slide Number Placeholder 8"/>
           <p:cNvSpPr>
             <a:spLocks noGrp="1"/>
           </p:cNvSpPr>
@@ -1898,7 +2234,7 @@
     </p:spTree>
     <p:extLst>
       <p:ext uri="{BB962C8B-B14F-4D97-AF65-F5344CB8AC3E}">
-        <p14:creationId xmlns:p14="http://schemas.microsoft.com/office/powerpoint/2010/main" val="4209318594"/>
+        <p14:creationId xmlns:p14="http://schemas.microsoft.com/office/powerpoint/2010/main" val="621436644"/>
       </p:ext>
     </p:extLst>
   </p:cSld>
@@ -1910,7 +2246,7 @@
 
 <file path=ppt/slideLayouts/slideLayout6.xml><?xml version="1.0" encoding="utf-8"?>
 <p:sldLayout xmlns:a="http://schemas.openxmlformats.org/drawingml/2006/main" xmlns:r="http://schemas.openxmlformats.org/officeDocument/2006/relationships" xmlns:p="http://schemas.openxmlformats.org/presentationml/2006/main" type="titleOnly" preserve="1">
-  <p:cSld name="Title Only">
+  <p:cSld name="Endast rubrik">
     <p:spTree>
       <p:nvGrpSpPr>
         <p:cNvPr id="1" name=""/>
@@ -1927,13 +2263,7 @@
       </p:grpSpPr>
       <p:sp>
         <p:nvSpPr>
-          <p:cNvPr id="2" name="Title 1">
-            <a:extLst>
-              <a:ext uri="{FF2B5EF4-FFF2-40B4-BE49-F238E27FC236}">
-                <a16:creationId xmlns:a16="http://schemas.microsoft.com/office/drawing/2014/main" id="{686FDDF3-83A4-FE68-28D0-B6F7617DDE8A}"/>
-              </a:ext>
-            </a:extLst>
-          </p:cNvPr>
+          <p:cNvPr id="6" name="Title 5"/>
           <p:cNvSpPr>
             <a:spLocks noGrp="1"/>
           </p:cNvSpPr>
@@ -1947,22 +2277,16 @@
           <a:lstStyle/>
           <a:p>
             <a:r>
-              <a:rPr lang="en-US"/>
-              <a:t>Click to edit Master title style</a:t>
-            </a:r>
-            <a:endParaRPr lang="sv-SE"/>
-          </a:p>
-        </p:txBody>
-      </p:sp>
-      <p:sp>
-        <p:nvSpPr>
-          <p:cNvPr id="3" name="Date Placeholder 2">
-            <a:extLst>
-              <a:ext uri="{FF2B5EF4-FFF2-40B4-BE49-F238E27FC236}">
-                <a16:creationId xmlns:a16="http://schemas.microsoft.com/office/drawing/2014/main" id="{4FFFF5E3-D4A5-F7AC-2F4F-4A88C87B367B}"/>
-              </a:ext>
-            </a:extLst>
-          </p:cNvPr>
+              <a:rPr lang="sv-SE"/>
+              <a:t>Klicka här för att ändra mall för rubrikformat</a:t>
+            </a:r>
+            <a:endParaRPr lang="en-US" dirty="0"/>
+          </a:p>
+        </p:txBody>
+      </p:sp>
+      <p:sp>
+        <p:nvSpPr>
+          <p:cNvPr id="3" name="Date Placeholder 2"/>
           <p:cNvSpPr>
             <a:spLocks noGrp="1"/>
           </p:cNvSpPr>
@@ -1977,7 +2301,7 @@
           <a:p>
             <a:fld id="{C20A0960-0C9D-404F-B4E5-3B1CEEC36D7F}" type="datetimeFigureOut">
               <a:rPr lang="sv-SE" smtClean="0"/>
-              <a:t>2024-04-11</a:t>
+              <a:t>2024-04-12</a:t>
             </a:fld>
             <a:endParaRPr lang="sv-SE"/>
           </a:p>
@@ -1985,13 +2309,7 @@
       </p:sp>
       <p:sp>
         <p:nvSpPr>
-          <p:cNvPr id="4" name="Footer Placeholder 3">
-            <a:extLst>
-              <a:ext uri="{FF2B5EF4-FFF2-40B4-BE49-F238E27FC236}">
-                <a16:creationId xmlns:a16="http://schemas.microsoft.com/office/drawing/2014/main" id="{50BB3AF7-D039-746D-4EB8-DD789200A601}"/>
-              </a:ext>
-            </a:extLst>
-          </p:cNvPr>
+          <p:cNvPr id="4" name="Footer Placeholder 3"/>
           <p:cNvSpPr>
             <a:spLocks noGrp="1"/>
           </p:cNvSpPr>
@@ -2010,13 +2328,7 @@
       </p:sp>
       <p:sp>
         <p:nvSpPr>
-          <p:cNvPr id="5" name="Slide Number Placeholder 4">
-            <a:extLst>
-              <a:ext uri="{FF2B5EF4-FFF2-40B4-BE49-F238E27FC236}">
-                <a16:creationId xmlns:a16="http://schemas.microsoft.com/office/drawing/2014/main" id="{947BD42C-3D9D-9BB7-EFD6-82D58D360D8C}"/>
-              </a:ext>
-            </a:extLst>
-          </p:cNvPr>
+          <p:cNvPr id="5" name="Slide Number Placeholder 4"/>
           <p:cNvSpPr>
             <a:spLocks noGrp="1"/>
           </p:cNvSpPr>
@@ -2040,7 +2352,7 @@
     </p:spTree>
     <p:extLst>
       <p:ext uri="{BB962C8B-B14F-4D97-AF65-F5344CB8AC3E}">
-        <p14:creationId xmlns:p14="http://schemas.microsoft.com/office/powerpoint/2010/main" val="3288858444"/>
+        <p14:creationId xmlns:p14="http://schemas.microsoft.com/office/powerpoint/2010/main" val="696198895"/>
       </p:ext>
     </p:extLst>
   </p:cSld>
@@ -2052,7 +2364,7 @@
 
 <file path=ppt/slideLayouts/slideLayout7.xml><?xml version="1.0" encoding="utf-8"?>
 <p:sldLayout xmlns:a="http://schemas.openxmlformats.org/drawingml/2006/main" xmlns:r="http://schemas.openxmlformats.org/officeDocument/2006/relationships" xmlns:p="http://schemas.openxmlformats.org/presentationml/2006/main" type="blank" preserve="1">
-  <p:cSld name="Blank">
+  <p:cSld name="Tom">
     <p:spTree>
       <p:nvGrpSpPr>
         <p:cNvPr id="1" name=""/>
@@ -2069,13 +2381,7 @@
       </p:grpSpPr>
       <p:sp>
         <p:nvSpPr>
-          <p:cNvPr id="2" name="Date Placeholder 1">
-            <a:extLst>
-              <a:ext uri="{FF2B5EF4-FFF2-40B4-BE49-F238E27FC236}">
-                <a16:creationId xmlns:a16="http://schemas.microsoft.com/office/drawing/2014/main" id="{1B68D9E0-06E4-B66B-8E73-E306327F6775}"/>
-              </a:ext>
-            </a:extLst>
-          </p:cNvPr>
+          <p:cNvPr id="2" name="Date Placeholder 1"/>
           <p:cNvSpPr>
             <a:spLocks noGrp="1"/>
           </p:cNvSpPr>
@@ -2090,7 +2396,7 @@
           <a:p>
             <a:fld id="{C20A0960-0C9D-404F-B4E5-3B1CEEC36D7F}" type="datetimeFigureOut">
               <a:rPr lang="sv-SE" smtClean="0"/>
-              <a:t>2024-04-11</a:t>
+              <a:t>2024-04-12</a:t>
             </a:fld>
             <a:endParaRPr lang="sv-SE"/>
           </a:p>
@@ -2098,13 +2404,7 @@
       </p:sp>
       <p:sp>
         <p:nvSpPr>
-          <p:cNvPr id="3" name="Footer Placeholder 2">
-            <a:extLst>
-              <a:ext uri="{FF2B5EF4-FFF2-40B4-BE49-F238E27FC236}">
-                <a16:creationId xmlns:a16="http://schemas.microsoft.com/office/drawing/2014/main" id="{8E656E01-649B-B509-B780-7E9281C73BD9}"/>
-              </a:ext>
-            </a:extLst>
-          </p:cNvPr>
+          <p:cNvPr id="3" name="Footer Placeholder 2"/>
           <p:cNvSpPr>
             <a:spLocks noGrp="1"/>
           </p:cNvSpPr>
@@ -2123,13 +2423,7 @@
       </p:sp>
       <p:sp>
         <p:nvSpPr>
-          <p:cNvPr id="4" name="Slide Number Placeholder 3">
-            <a:extLst>
-              <a:ext uri="{FF2B5EF4-FFF2-40B4-BE49-F238E27FC236}">
-                <a16:creationId xmlns:a16="http://schemas.microsoft.com/office/drawing/2014/main" id="{7386C32B-2F3E-609B-4679-86C8031857D7}"/>
-              </a:ext>
-            </a:extLst>
-          </p:cNvPr>
+          <p:cNvPr id="4" name="Slide Number Placeholder 3"/>
           <p:cNvSpPr>
             <a:spLocks noGrp="1"/>
           </p:cNvSpPr>
@@ -2153,7 +2447,7 @@
     </p:spTree>
     <p:extLst>
       <p:ext uri="{BB962C8B-B14F-4D97-AF65-F5344CB8AC3E}">
-        <p14:creationId xmlns:p14="http://schemas.microsoft.com/office/powerpoint/2010/main" val="1735244533"/>
+        <p14:creationId xmlns:p14="http://schemas.microsoft.com/office/powerpoint/2010/main" val="4046583814"/>
       </p:ext>
     </p:extLst>
   </p:cSld>
@@ -2164,8 +2458,8 @@
 </file>
 
 <file path=ppt/slideLayouts/slideLayout8.xml><?xml version="1.0" encoding="utf-8"?>
-<p:sldLayout xmlns:a="http://schemas.openxmlformats.org/drawingml/2006/main" xmlns:r="http://schemas.openxmlformats.org/officeDocument/2006/relationships" xmlns:p="http://schemas.openxmlformats.org/presentationml/2006/main" type="objTx" preserve="1">
-  <p:cSld name="Content with Caption">
+<p:sldLayout xmlns:a="http://schemas.openxmlformats.org/drawingml/2006/main" xmlns:r="http://schemas.openxmlformats.org/officeDocument/2006/relationships" xmlns:p="http://schemas.openxmlformats.org/presentationml/2006/main" showMasterSp="0" type="objTx" preserve="1">
+  <p:cSld name="Text med bildtext">
     <p:spTree>
       <p:nvGrpSpPr>
         <p:cNvPr id="1" name=""/>
@@ -2182,51 +2476,98 @@
       </p:grpSpPr>
       <p:sp>
         <p:nvSpPr>
-          <p:cNvPr id="2" name="Title 1">
-            <a:extLst>
-              <a:ext uri="{FF2B5EF4-FFF2-40B4-BE49-F238E27FC236}">
-                <a16:creationId xmlns:a16="http://schemas.microsoft.com/office/drawing/2014/main" id="{A3D44661-E6F9-8FE6-F6C4-D7E8CA53489A}"/>
-              </a:ext>
-            </a:extLst>
-          </p:cNvPr>
-          <p:cNvSpPr>
-            <a:spLocks noGrp="1"/>
-          </p:cNvSpPr>
-          <p:nvPr>
-            <p:ph type="title"/>
-          </p:nvPr>
+          <p:cNvPr id="8" name="Rectangle 7"/>
+          <p:cNvSpPr/>
+          <p:nvPr/>
         </p:nvSpPr>
         <p:spPr>
           <a:xfrm>
-            <a:off x="839788" y="457200"/>
-            <a:ext cx="3932237" cy="1600200"/>
+            <a:off x="8303740" y="0"/>
+            <a:ext cx="3888259" cy="6857999"/>
+          </a:xfrm>
+          <a:prstGeom prst="rect">
+            <a:avLst/>
+          </a:prstGeom>
+          <a:blipFill dpi="0" rotWithShape="1">
+            <a:blip r:embed="rId2">
+              <a:alphaModFix amt="60000"/>
+              <a:lum bright="70000" contrast="-70000"/>
+              <a:extLst>
+                <a:ext uri="{BEBA8EAE-BF5A-486C-A8C5-ECC9F3942E4B}">
+                  <a14:imgProps xmlns:a14="http://schemas.microsoft.com/office/drawing/2010/main">
+                    <a14:imgLayer r:embed="rId3">
+                      <a14:imgEffect>
+                        <a14:sharpenSoften amount="61000"/>
+                      </a14:imgEffect>
+                    </a14:imgLayer>
+                  </a14:imgProps>
+                </a:ext>
+                <a:ext uri="{28A0092B-C50C-407E-A947-70E740481C1C}">
+                  <a14:useLocalDpi xmlns:a14="http://schemas.microsoft.com/office/drawing/2010/main" val="0"/>
+                </a:ext>
+              </a:extLst>
+            </a:blip>
+            <a:srcRect/>
+            <a:tile tx="0" ty="-704850" sx="92000" sy="89000" flip="xy" algn="ctr"/>
+          </a:blipFill>
+          <a:ln>
+            <a:noFill/>
+          </a:ln>
+        </p:spPr>
+        <p:style>
+          <a:lnRef idx="2">
+            <a:schemeClr val="accent1">
+              <a:shade val="50000"/>
+            </a:schemeClr>
+          </a:lnRef>
+          <a:fillRef idx="1">
+            <a:schemeClr val="accent1"/>
+          </a:fillRef>
+          <a:effectRef idx="0">
+            <a:schemeClr val="accent1"/>
+          </a:effectRef>
+          <a:fontRef idx="minor">
+            <a:schemeClr val="lt1"/>
+          </a:fontRef>
+        </p:style>
+      </p:sp>
+      <p:sp>
+        <p:nvSpPr>
+          <p:cNvPr id="2" name="Title 1"/>
+          <p:cNvSpPr>
+            <a:spLocks noGrp="1"/>
+          </p:cNvSpPr>
+          <p:nvPr>
+            <p:ph type="title"/>
+          </p:nvPr>
+        </p:nvSpPr>
+        <p:spPr>
+          <a:xfrm>
+            <a:off x="8549640" y="685800"/>
+            <a:ext cx="3200400" cy="1737360"/>
           </a:xfrm>
         </p:spPr>
         <p:txBody>
-          <a:bodyPr anchor="b"/>
+          <a:bodyPr anchor="b">
+            <a:normAutofit/>
+          </a:bodyPr>
           <a:lstStyle>
             <a:lvl1pPr>
-              <a:defRPr sz="3200"/>
+              <a:defRPr sz="3200" b="1"/>
             </a:lvl1pPr>
           </a:lstStyle>
           <a:p>
             <a:r>
-              <a:rPr lang="en-US"/>
-              <a:t>Click to edit Master title style</a:t>
-            </a:r>
-            <a:endParaRPr lang="sv-SE"/>
-          </a:p>
-        </p:txBody>
-      </p:sp>
-      <p:sp>
-        <p:nvSpPr>
-          <p:cNvPr id="3" name="Content Placeholder 2">
-            <a:extLst>
-              <a:ext uri="{FF2B5EF4-FFF2-40B4-BE49-F238E27FC236}">
-                <a16:creationId xmlns:a16="http://schemas.microsoft.com/office/drawing/2014/main" id="{56110328-86CC-EFD2-C845-58001D1A5C27}"/>
-              </a:ext>
-            </a:extLst>
-          </p:cNvPr>
+              <a:rPr lang="sv-SE"/>
+              <a:t>Klicka här för att ändra mall för rubrikformat</a:t>
+            </a:r>
+            <a:endParaRPr lang="en-US" dirty="0"/>
+          </a:p>
+        </p:txBody>
+      </p:sp>
+      <p:sp>
+        <p:nvSpPr>
+          <p:cNvPr id="3" name="Content Placeholder 2"/>
           <p:cNvSpPr>
             <a:spLocks noGrp="1"/>
           </p:cNvSpPr>
@@ -2236,88 +2577,82 @@
         </p:nvSpPr>
         <p:spPr>
           <a:xfrm>
-            <a:off x="5183188" y="987425"/>
-            <a:ext cx="6172200" cy="4873625"/>
+            <a:off x="838200" y="685800"/>
+            <a:ext cx="6711696" cy="5020056"/>
           </a:xfrm>
         </p:spPr>
         <p:txBody>
           <a:bodyPr/>
           <a:lstStyle>
             <a:lvl1pPr>
-              <a:defRPr sz="3200"/>
+              <a:defRPr sz="2000"/>
             </a:lvl1pPr>
             <a:lvl2pPr>
-              <a:defRPr sz="2800"/>
+              <a:defRPr sz="1800"/>
             </a:lvl2pPr>
             <a:lvl3pPr>
-              <a:defRPr sz="2400"/>
+              <a:defRPr sz="1600"/>
             </a:lvl3pPr>
             <a:lvl4pPr>
-              <a:defRPr sz="2000"/>
+              <a:defRPr sz="1600"/>
             </a:lvl4pPr>
             <a:lvl5pPr>
-              <a:defRPr sz="2000"/>
+              <a:defRPr sz="1600"/>
             </a:lvl5pPr>
             <a:lvl6pPr>
-              <a:defRPr sz="2000"/>
+              <a:defRPr sz="1600"/>
             </a:lvl6pPr>
             <a:lvl7pPr>
-              <a:defRPr sz="2000"/>
+              <a:defRPr sz="1600"/>
             </a:lvl7pPr>
             <a:lvl8pPr>
-              <a:defRPr sz="2000"/>
+              <a:defRPr sz="1600"/>
             </a:lvl8pPr>
             <a:lvl9pPr>
-              <a:defRPr sz="2000"/>
+              <a:defRPr sz="1600"/>
             </a:lvl9pPr>
           </a:lstStyle>
           <a:p>
             <a:pPr lvl="0"/>
             <a:r>
-              <a:rPr lang="en-US"/>
-              <a:t>Click to edit Master text styles</a:t>
+              <a:rPr lang="sv-SE"/>
+              <a:t>Klicka här för att ändra format på bakgrundstexten</a:t>
             </a:r>
           </a:p>
           <a:p>
             <a:pPr lvl="1"/>
             <a:r>
-              <a:rPr lang="en-US"/>
-              <a:t>Second level</a:t>
+              <a:rPr lang="sv-SE"/>
+              <a:t>Nivå två</a:t>
             </a:r>
           </a:p>
           <a:p>
             <a:pPr lvl="2"/>
             <a:r>
-              <a:rPr lang="en-US"/>
-              <a:t>Third level</a:t>
+              <a:rPr lang="sv-SE"/>
+              <a:t>Nivå tre</a:t>
             </a:r>
           </a:p>
           <a:p>
             <a:pPr lvl="3"/>
             <a:r>
-              <a:rPr lang="en-US"/>
-              <a:t>Fourth level</a:t>
+              <a:rPr lang="sv-SE"/>
+              <a:t>Nivå fyra</a:t>
             </a:r>
           </a:p>
           <a:p>
             <a:pPr lvl="4"/>
             <a:r>
-              <a:rPr lang="en-US"/>
-              <a:t>Fifth level</a:t>
-            </a:r>
-            <a:endParaRPr lang="sv-SE"/>
-          </a:p>
-        </p:txBody>
-      </p:sp>
-      <p:sp>
-        <p:nvSpPr>
-          <p:cNvPr id="4" name="Text Placeholder 3">
-            <a:extLst>
-              <a:ext uri="{FF2B5EF4-FFF2-40B4-BE49-F238E27FC236}">
-                <a16:creationId xmlns:a16="http://schemas.microsoft.com/office/drawing/2014/main" id="{CE3346D7-5A92-A106-A608-1DAB75511207}"/>
-              </a:ext>
-            </a:extLst>
-          </p:cNvPr>
+              <a:rPr lang="sv-SE"/>
+              <a:t>Nivå fem</a:t>
+            </a:r>
+            <a:endParaRPr lang="en-US" dirty="0"/>
+          </a:p>
+        </p:txBody>
+      </p:sp>
+      <p:sp>
+        <p:nvSpPr>
+          <p:cNvPr id="4" name="Text Placeholder 3"/>
           <p:cNvSpPr>
             <a:spLocks noGrp="1"/>
           </p:cNvSpPr>
@@ -2327,68 +2662,76 @@
         </p:nvSpPr>
         <p:spPr>
           <a:xfrm>
-            <a:off x="839788" y="2057400"/>
-            <a:ext cx="3932237" cy="3811588"/>
+            <a:off x="8549640" y="2423160"/>
+            <a:ext cx="3200400" cy="3291840"/>
           </a:xfrm>
         </p:spPr>
         <p:txBody>
-          <a:bodyPr/>
+          <a:bodyPr>
+            <a:normAutofit/>
+          </a:bodyPr>
           <a:lstStyle>
             <a:lvl1pPr marL="0" indent="0">
-              <a:buNone/>
-              <a:defRPr sz="1600"/>
+              <a:lnSpc>
+                <a:spcPct val="100000"/>
+              </a:lnSpc>
+              <a:spcBef>
+                <a:spcPts val="1000"/>
+              </a:spcBef>
+              <a:buNone/>
+              <a:defRPr sz="1400">
+                <a:solidFill>
+                  <a:schemeClr val="accent1">
+                    <a:lumMod val="75000"/>
+                  </a:schemeClr>
+                </a:solidFill>
+              </a:defRPr>
             </a:lvl1pPr>
             <a:lvl2pPr marL="457200" indent="0">
               <a:buNone/>
-              <a:defRPr sz="1400"/>
+              <a:defRPr sz="1200"/>
             </a:lvl2pPr>
             <a:lvl3pPr marL="914400" indent="0">
               <a:buNone/>
-              <a:defRPr sz="1200"/>
+              <a:defRPr sz="1000"/>
             </a:lvl3pPr>
             <a:lvl4pPr marL="1371600" indent="0">
               <a:buNone/>
-              <a:defRPr sz="1000"/>
+              <a:defRPr sz="900"/>
             </a:lvl4pPr>
             <a:lvl5pPr marL="1828800" indent="0">
               <a:buNone/>
-              <a:defRPr sz="1000"/>
+              <a:defRPr sz="900"/>
             </a:lvl5pPr>
             <a:lvl6pPr marL="2286000" indent="0">
               <a:buNone/>
-              <a:defRPr sz="1000"/>
+              <a:defRPr sz="900"/>
             </a:lvl6pPr>
             <a:lvl7pPr marL="2743200" indent="0">
               <a:buNone/>
-              <a:defRPr sz="1000"/>
+              <a:defRPr sz="900"/>
             </a:lvl7pPr>
             <a:lvl8pPr marL="3200400" indent="0">
               <a:buNone/>
-              <a:defRPr sz="1000"/>
+              <a:defRPr sz="900"/>
             </a:lvl8pPr>
             <a:lvl9pPr marL="3657600" indent="0">
               <a:buNone/>
-              <a:defRPr sz="1000"/>
+              <a:defRPr sz="900"/>
             </a:lvl9pPr>
           </a:lstStyle>
           <a:p>
             <a:pPr lvl="0"/>
             <a:r>
-              <a:rPr lang="en-US"/>
-              <a:t>Click to edit Master text styles</a:t>
-            </a:r>
-          </a:p>
-        </p:txBody>
-      </p:sp>
-      <p:sp>
-        <p:nvSpPr>
-          <p:cNvPr id="5" name="Date Placeholder 4">
-            <a:extLst>
-              <a:ext uri="{FF2B5EF4-FFF2-40B4-BE49-F238E27FC236}">
-                <a16:creationId xmlns:a16="http://schemas.microsoft.com/office/drawing/2014/main" id="{168469BA-ADA2-917D-ECD7-1B4801A4511E}"/>
-              </a:ext>
-            </a:extLst>
-          </p:cNvPr>
+              <a:rPr lang="sv-SE"/>
+              <a:t>Klicka här för att ändra format på bakgrundstexten</a:t>
+            </a:r>
+          </a:p>
+        </p:txBody>
+      </p:sp>
+      <p:sp>
+        <p:nvSpPr>
+          <p:cNvPr id="5" name="Date Placeholder 4"/>
           <p:cNvSpPr>
             <a:spLocks noGrp="1"/>
           </p:cNvSpPr>
@@ -2403,7 +2746,7 @@
           <a:p>
             <a:fld id="{C20A0960-0C9D-404F-B4E5-3B1CEEC36D7F}" type="datetimeFigureOut">
               <a:rPr lang="sv-SE" smtClean="0"/>
-              <a:t>2024-04-11</a:t>
+              <a:t>2024-04-12</a:t>
             </a:fld>
             <a:endParaRPr lang="sv-SE"/>
           </a:p>
@@ -2411,13 +2754,7 @@
       </p:sp>
       <p:sp>
         <p:nvSpPr>
-          <p:cNvPr id="6" name="Footer Placeholder 5">
-            <a:extLst>
-              <a:ext uri="{FF2B5EF4-FFF2-40B4-BE49-F238E27FC236}">
-                <a16:creationId xmlns:a16="http://schemas.microsoft.com/office/drawing/2014/main" id="{9696673F-21DA-F13B-9A7D-5FB78FF92B31}"/>
-              </a:ext>
-            </a:extLst>
-          </p:cNvPr>
+          <p:cNvPr id="6" name="Footer Placeholder 5"/>
           <p:cNvSpPr>
             <a:spLocks noGrp="1"/>
           </p:cNvSpPr>
@@ -2434,15 +2771,98 @@
           </a:p>
         </p:txBody>
       </p:sp>
-      <p:sp>
-        <p:nvSpPr>
-          <p:cNvPr id="7" name="Slide Number Placeholder 6">
-            <a:extLst>
-              <a:ext uri="{FF2B5EF4-FFF2-40B4-BE49-F238E27FC236}">
-                <a16:creationId xmlns:a16="http://schemas.microsoft.com/office/drawing/2014/main" id="{5FD0AAC5-82E1-037D-3D90-2CD3799A7308}"/>
-              </a:ext>
-            </a:extLst>
-          </p:cNvPr>
+      <p:grpSp>
+        <p:nvGrpSpPr>
+          <p:cNvPr id="9" name="Group 8"/>
+          <p:cNvGrpSpPr>
+            <a:grpSpLocks noChangeAspect="1"/>
+          </p:cNvGrpSpPr>
+          <p:nvPr/>
+        </p:nvGrpSpPr>
+        <p:grpSpPr>
+          <a:xfrm>
+            <a:off x="11401725" y="6229681"/>
+            <a:ext cx="457200" cy="457200"/>
+            <a:chOff x="11361456" y="6195813"/>
+            <a:chExt cx="548640" cy="548640"/>
+          </a:xfrm>
+        </p:grpSpPr>
+        <p:sp>
+          <p:nvSpPr>
+            <p:cNvPr id="10" name="Oval 9"/>
+            <p:cNvSpPr/>
+            <p:nvPr/>
+          </p:nvSpPr>
+          <p:spPr>
+            <a:xfrm>
+              <a:off x="11361456" y="6195813"/>
+              <a:ext cx="548640" cy="548640"/>
+            </a:xfrm>
+            <a:prstGeom prst="ellipse">
+              <a:avLst/>
+            </a:prstGeom>
+            <a:blipFill dpi="0" rotWithShape="1">
+              <a:blip r:embed="rId4">
+                <a:duotone>
+                  <a:schemeClr val="accent1">
+                    <a:shade val="45000"/>
+                    <a:satMod val="135000"/>
+                  </a:schemeClr>
+                  <a:prstClr val="white"/>
+                </a:duotone>
+                <a:extLst>
+                  <a:ext uri="{BEBA8EAE-BF5A-486C-A8C5-ECC9F3942E4B}">
+                    <a14:imgProps xmlns:a14="http://schemas.microsoft.com/office/drawing/2010/main">
+                      <a14:imgLayer r:embed="rId5">
+                        <a14:imgEffect>
+                          <a14:saturation sat="95000"/>
+                        </a14:imgEffect>
+                        <a14:imgEffect>
+                          <a14:brightnessContrast bright="-40000" contrast="20000"/>
+                        </a14:imgEffect>
+                      </a14:imgLayer>
+                    </a14:imgProps>
+                  </a:ext>
+                </a:extLst>
+              </a:blip>
+              <a:srcRect/>
+              <a:tile tx="50800" ty="0" sx="85000" sy="85000" flip="none" algn="tl"/>
+            </a:blipFill>
+            <a:ln w="25400" cap="flat" cmpd="sng" algn="ctr">
+              <a:noFill/>
+              <a:prstDash val="solid"/>
+            </a:ln>
+            <a:effectLst/>
+          </p:spPr>
+        </p:sp>
+        <p:sp>
+          <p:nvSpPr>
+            <p:cNvPr id="11" name="Oval 10"/>
+            <p:cNvSpPr/>
+            <p:nvPr/>
+          </p:nvSpPr>
+          <p:spPr>
+            <a:xfrm>
+              <a:off x="11396488" y="6230844"/>
+              <a:ext cx="478576" cy="478578"/>
+            </a:xfrm>
+            <a:prstGeom prst="ellipse">
+              <a:avLst/>
+            </a:prstGeom>
+            <a:noFill/>
+            <a:ln w="12700" cap="flat" cmpd="sng" algn="ctr">
+              <a:solidFill>
+                <a:sysClr val="window" lastClr="FFFFFF"/>
+              </a:solidFill>
+              <a:prstDash val="solid"/>
+            </a:ln>
+            <a:effectLst/>
+          </p:spPr>
+        </p:sp>
+      </p:grpSp>
+      <p:sp>
+        <p:nvSpPr>
+          <p:cNvPr id="7" name="Slide Number Placeholder 6"/>
           <p:cNvSpPr>
             <a:spLocks noGrp="1"/>
           </p:cNvSpPr>
@@ -2466,7 +2886,7 @@
     </p:spTree>
     <p:extLst>
       <p:ext uri="{BB962C8B-B14F-4D97-AF65-F5344CB8AC3E}">
-        <p14:creationId xmlns:p14="http://schemas.microsoft.com/office/powerpoint/2010/main" val="1237645914"/>
+        <p14:creationId xmlns:p14="http://schemas.microsoft.com/office/powerpoint/2010/main" val="2535976764"/>
       </p:ext>
     </p:extLst>
   </p:cSld>
@@ -2477,8 +2897,8 @@
 </file>
 
 <file path=ppt/slideLayouts/slideLayout9.xml><?xml version="1.0" encoding="utf-8"?>
-<p:sldLayout xmlns:a="http://schemas.openxmlformats.org/drawingml/2006/main" xmlns:r="http://schemas.openxmlformats.org/officeDocument/2006/relationships" xmlns:p="http://schemas.openxmlformats.org/presentationml/2006/main" type="picTx" preserve="1">
-  <p:cSld name="Picture with Caption">
+<p:sldLayout xmlns:a="http://schemas.openxmlformats.org/drawingml/2006/main" xmlns:r="http://schemas.openxmlformats.org/officeDocument/2006/relationships" xmlns:p="http://schemas.openxmlformats.org/presentationml/2006/main" showMasterSp="0" type="picTx" preserve="1">
+  <p:cSld name="Bild med bildtext">
     <p:spTree>
       <p:nvGrpSpPr>
         <p:cNvPr id="1" name=""/>
@@ -2495,53 +2915,100 @@
       </p:grpSpPr>
       <p:sp>
         <p:nvSpPr>
-          <p:cNvPr id="2" name="Title 1">
-            <a:extLst>
-              <a:ext uri="{FF2B5EF4-FFF2-40B4-BE49-F238E27FC236}">
-                <a16:creationId xmlns:a16="http://schemas.microsoft.com/office/drawing/2014/main" id="{919BE72A-D125-8785-366B-5050B5542CE0}"/>
-              </a:ext>
-            </a:extLst>
-          </p:cNvPr>
-          <p:cNvSpPr>
-            <a:spLocks noGrp="1"/>
-          </p:cNvSpPr>
-          <p:nvPr>
-            <p:ph type="title"/>
-          </p:nvPr>
+          <p:cNvPr id="11" name="Rectangle 10"/>
+          <p:cNvSpPr/>
+          <p:nvPr/>
         </p:nvSpPr>
         <p:spPr>
           <a:xfrm>
-            <a:off x="839788" y="457200"/>
-            <a:ext cx="3932237" cy="1600200"/>
+            <a:off x="8303740" y="0"/>
+            <a:ext cx="3888259" cy="6857999"/>
+          </a:xfrm>
+          <a:prstGeom prst="rect">
+            <a:avLst/>
+          </a:prstGeom>
+          <a:blipFill dpi="0" rotWithShape="1">
+            <a:blip r:embed="rId2">
+              <a:alphaModFix amt="60000"/>
+              <a:lum bright="70000" contrast="-70000"/>
+              <a:extLst>
+                <a:ext uri="{BEBA8EAE-BF5A-486C-A8C5-ECC9F3942E4B}">
+                  <a14:imgProps xmlns:a14="http://schemas.microsoft.com/office/drawing/2010/main">
+                    <a14:imgLayer r:embed="rId3">
+                      <a14:imgEffect>
+                        <a14:sharpenSoften amount="61000"/>
+                      </a14:imgEffect>
+                    </a14:imgLayer>
+                  </a14:imgProps>
+                </a:ext>
+                <a:ext uri="{28A0092B-C50C-407E-A947-70E740481C1C}">
+                  <a14:useLocalDpi xmlns:a14="http://schemas.microsoft.com/office/drawing/2010/main" val="0"/>
+                </a:ext>
+              </a:extLst>
+            </a:blip>
+            <a:srcRect/>
+            <a:tile tx="0" ty="-704850" sx="92000" sy="89000" flip="xy" algn="ctr"/>
+          </a:blipFill>
+          <a:ln>
+            <a:noFill/>
+          </a:ln>
+        </p:spPr>
+        <p:style>
+          <a:lnRef idx="2">
+            <a:schemeClr val="accent1">
+              <a:shade val="50000"/>
+            </a:schemeClr>
+          </a:lnRef>
+          <a:fillRef idx="1">
+            <a:schemeClr val="accent1"/>
+          </a:fillRef>
+          <a:effectRef idx="0">
+            <a:schemeClr val="accent1"/>
+          </a:effectRef>
+          <a:fontRef idx="minor">
+            <a:schemeClr val="lt1"/>
+          </a:fontRef>
+        </p:style>
+      </p:sp>
+      <p:sp>
+        <p:nvSpPr>
+          <p:cNvPr id="2" name="Title 1"/>
+          <p:cNvSpPr>
+            <a:spLocks noGrp="1"/>
+          </p:cNvSpPr>
+          <p:nvPr>
+            <p:ph type="title"/>
+          </p:nvPr>
+        </p:nvSpPr>
+        <p:spPr>
+          <a:xfrm>
+            <a:off x="8549640" y="685800"/>
+            <a:ext cx="3200400" cy="1737360"/>
           </a:xfrm>
         </p:spPr>
         <p:txBody>
-          <a:bodyPr anchor="b"/>
+          <a:bodyPr anchor="b">
+            <a:normAutofit/>
+          </a:bodyPr>
           <a:lstStyle>
             <a:lvl1pPr>
-              <a:defRPr sz="3200"/>
+              <a:defRPr sz="3200" b="1"/>
             </a:lvl1pPr>
           </a:lstStyle>
           <a:p>
             <a:r>
-              <a:rPr lang="en-US"/>
-              <a:t>Click to edit Master title style</a:t>
-            </a:r>
-            <a:endParaRPr lang="sv-SE"/>
-          </a:p>
-        </p:txBody>
-      </p:sp>
-      <p:sp>
-        <p:nvSpPr>
-          <p:cNvPr id="3" name="Picture Placeholder 2">
-            <a:extLst>
-              <a:ext uri="{FF2B5EF4-FFF2-40B4-BE49-F238E27FC236}">
-                <a16:creationId xmlns:a16="http://schemas.microsoft.com/office/drawing/2014/main" id="{3DBF3453-0826-DE6D-CE4A-C6D8B4C14065}"/>
-              </a:ext>
-            </a:extLst>
-          </p:cNvPr>
-          <p:cNvSpPr>
-            <a:spLocks noGrp="1"/>
+              <a:rPr lang="sv-SE"/>
+              <a:t>Klicka här för att ändra mall för rubrikformat</a:t>
+            </a:r>
+            <a:endParaRPr lang="en-US" dirty="0"/>
+          </a:p>
+        </p:txBody>
+      </p:sp>
+      <p:sp>
+        <p:nvSpPr>
+          <p:cNvPr id="3" name="Picture Placeholder 2"/>
+          <p:cNvSpPr>
+            <a:spLocks noGrp="1" noChangeAspect="1"/>
           </p:cNvSpPr>
           <p:nvPr>
             <p:ph type="pic" idx="1"/>
@@ -2549,12 +3016,18 @@
         </p:nvSpPr>
         <p:spPr>
           <a:xfrm>
-            <a:off x="5183188" y="987425"/>
-            <a:ext cx="6172200" cy="4873625"/>
+            <a:off x="0" y="0"/>
+            <a:ext cx="8303740" cy="6858000"/>
           </a:xfrm>
+          <a:solidFill>
+            <a:schemeClr val="tx2">
+              <a:lumMod val="20000"/>
+              <a:lumOff val="80000"/>
+            </a:schemeClr>
+          </a:solidFill>
         </p:spPr>
         <p:txBody>
-          <a:bodyPr/>
+          <a:bodyPr anchor="t"/>
           <a:lstStyle>
             <a:lvl1pPr marL="0" indent="0">
               <a:buNone/>
@@ -2594,19 +3067,17 @@
             </a:lvl9pPr>
           </a:lstStyle>
           <a:p>
-            <a:endParaRPr lang="sv-SE"/>
-          </a:p>
-        </p:txBody>
-      </p:sp>
-      <p:sp>
-        <p:nvSpPr>
-          <p:cNvPr id="4" name="Text Placeholder 3">
-            <a:extLst>
-              <a:ext uri="{FF2B5EF4-FFF2-40B4-BE49-F238E27FC236}">
-                <a16:creationId xmlns:a16="http://schemas.microsoft.com/office/drawing/2014/main" id="{A90ABFDA-5C40-2796-0588-02D7171848CD}"/>
-              </a:ext>
-            </a:extLst>
-          </p:cNvPr>
+            <a:r>
+              <a:rPr lang="sv-SE"/>
+              <a:t>Klicka på ikonen för att lägga till en bild</a:t>
+            </a:r>
+            <a:endParaRPr lang="en-US" dirty="0"/>
+          </a:p>
+        </p:txBody>
+      </p:sp>
+      <p:sp>
+        <p:nvSpPr>
+          <p:cNvPr id="4" name="Text Placeholder 3"/>
           <p:cNvSpPr>
             <a:spLocks noGrp="1"/>
           </p:cNvSpPr>
@@ -2616,68 +3087,76 @@
         </p:nvSpPr>
         <p:spPr>
           <a:xfrm>
-            <a:off x="839788" y="2057400"/>
-            <a:ext cx="3932237" cy="3811588"/>
+            <a:off x="8549640" y="2423160"/>
+            <a:ext cx="3200400" cy="3291840"/>
           </a:xfrm>
         </p:spPr>
         <p:txBody>
-          <a:bodyPr/>
+          <a:bodyPr>
+            <a:normAutofit/>
+          </a:bodyPr>
           <a:lstStyle>
             <a:lvl1pPr marL="0" indent="0">
-              <a:buNone/>
-              <a:defRPr sz="1600"/>
+              <a:lnSpc>
+                <a:spcPct val="100000"/>
+              </a:lnSpc>
+              <a:spcBef>
+                <a:spcPts val="1000"/>
+              </a:spcBef>
+              <a:buNone/>
+              <a:defRPr sz="1400">
+                <a:solidFill>
+                  <a:schemeClr val="accent1">
+                    <a:lumMod val="75000"/>
+                  </a:schemeClr>
+                </a:solidFill>
+              </a:defRPr>
             </a:lvl1pPr>
             <a:lvl2pPr marL="457200" indent="0">
               <a:buNone/>
-              <a:defRPr sz="1400"/>
+              <a:defRPr sz="1200"/>
             </a:lvl2pPr>
             <a:lvl3pPr marL="914400" indent="0">
               <a:buNone/>
-              <a:defRPr sz="1200"/>
+              <a:defRPr sz="1000"/>
             </a:lvl3pPr>
             <a:lvl4pPr marL="1371600" indent="0">
               <a:buNone/>
-              <a:defRPr sz="1000"/>
+              <a:defRPr sz="900"/>
             </a:lvl4pPr>
             <a:lvl5pPr marL="1828800" indent="0">
               <a:buNone/>
-              <a:defRPr sz="1000"/>
+              <a:defRPr sz="900"/>
             </a:lvl5pPr>
             <a:lvl6pPr marL="2286000" indent="0">
               <a:buNone/>
-              <a:defRPr sz="1000"/>
+              <a:defRPr sz="900"/>
             </a:lvl6pPr>
             <a:lvl7pPr marL="2743200" indent="0">
               <a:buNone/>
-              <a:defRPr sz="1000"/>
+              <a:defRPr sz="900"/>
             </a:lvl7pPr>
             <a:lvl8pPr marL="3200400" indent="0">
               <a:buNone/>
-              <a:defRPr sz="1000"/>
+              <a:defRPr sz="900"/>
             </a:lvl8pPr>
             <a:lvl9pPr marL="3657600" indent="0">
               <a:buNone/>
-              <a:defRPr sz="1000"/>
+              <a:defRPr sz="900"/>
             </a:lvl9pPr>
           </a:lstStyle>
           <a:p>
             <a:pPr lvl="0"/>
             <a:r>
-              <a:rPr lang="en-US"/>
-              <a:t>Click to edit Master text styles</a:t>
-            </a:r>
-          </a:p>
-        </p:txBody>
-      </p:sp>
-      <p:sp>
-        <p:nvSpPr>
-          <p:cNvPr id="5" name="Date Placeholder 4">
-            <a:extLst>
-              <a:ext uri="{FF2B5EF4-FFF2-40B4-BE49-F238E27FC236}">
-                <a16:creationId xmlns:a16="http://schemas.microsoft.com/office/drawing/2014/main" id="{33CA79E2-6946-2714-3FB1-2628664459D0}"/>
-              </a:ext>
-            </a:extLst>
-          </p:cNvPr>
+              <a:rPr lang="sv-SE"/>
+              <a:t>Klicka här för att ändra format på bakgrundstexten</a:t>
+            </a:r>
+          </a:p>
+        </p:txBody>
+      </p:sp>
+      <p:sp>
+        <p:nvSpPr>
+          <p:cNvPr id="5" name="Date Placeholder 4"/>
           <p:cNvSpPr>
             <a:spLocks noGrp="1"/>
           </p:cNvSpPr>
@@ -2692,46 +3171,104 @@
           <a:p>
             <a:fld id="{C20A0960-0C9D-404F-B4E5-3B1CEEC36D7F}" type="datetimeFigureOut">
               <a:rPr lang="sv-SE" smtClean="0"/>
-              <a:t>2024-04-11</a:t>
+              <a:t>2024-04-12</a:t>
             </a:fld>
             <a:endParaRPr lang="sv-SE"/>
           </a:p>
         </p:txBody>
       </p:sp>
-      <p:sp>
-        <p:nvSpPr>
-          <p:cNvPr id="6" name="Footer Placeholder 5">
-            <a:extLst>
-              <a:ext uri="{FF2B5EF4-FFF2-40B4-BE49-F238E27FC236}">
-                <a16:creationId xmlns:a16="http://schemas.microsoft.com/office/drawing/2014/main" id="{44C13788-8192-AC8F-A31A-17F14CBD0199}"/>
-              </a:ext>
-            </a:extLst>
-          </p:cNvPr>
-          <p:cNvSpPr>
-            <a:spLocks noGrp="1"/>
-          </p:cNvSpPr>
-          <p:nvPr>
-            <p:ph type="ftr" sz="quarter" idx="11"/>
-          </p:nvPr>
-        </p:nvSpPr>
-        <p:spPr/>
-        <p:txBody>
-          <a:bodyPr/>
-          <a:lstStyle/>
-          <a:p>
-            <a:endParaRPr lang="sv-SE"/>
-          </a:p>
-        </p:txBody>
-      </p:sp>
-      <p:sp>
-        <p:nvSpPr>
-          <p:cNvPr id="7" name="Slide Number Placeholder 6">
-            <a:extLst>
-              <a:ext uri="{FF2B5EF4-FFF2-40B4-BE49-F238E27FC236}">
-                <a16:creationId xmlns:a16="http://schemas.microsoft.com/office/drawing/2014/main" id="{A80D0896-9F1E-93EE-CA36-4DA7931869D5}"/>
-              </a:ext>
-            </a:extLst>
-          </p:cNvPr>
+      <p:grpSp>
+        <p:nvGrpSpPr>
+          <p:cNvPr id="8" name="Group 7"/>
+          <p:cNvGrpSpPr>
+            <a:grpSpLocks noChangeAspect="1"/>
+          </p:cNvGrpSpPr>
+          <p:nvPr/>
+        </p:nvGrpSpPr>
+        <p:grpSpPr>
+          <a:xfrm>
+            <a:off x="11401725" y="6229681"/>
+            <a:ext cx="457200" cy="457200"/>
+            <a:chOff x="11361456" y="6195813"/>
+            <a:chExt cx="548640" cy="548640"/>
+          </a:xfrm>
+        </p:grpSpPr>
+        <p:sp>
+          <p:nvSpPr>
+            <p:cNvPr id="9" name="Oval 8"/>
+            <p:cNvSpPr/>
+            <p:nvPr/>
+          </p:nvSpPr>
+          <p:spPr>
+            <a:xfrm>
+              <a:off x="11361456" y="6195813"/>
+              <a:ext cx="548640" cy="548640"/>
+            </a:xfrm>
+            <a:prstGeom prst="ellipse">
+              <a:avLst/>
+            </a:prstGeom>
+            <a:blipFill dpi="0" rotWithShape="1">
+              <a:blip r:embed="rId4">
+                <a:duotone>
+                  <a:schemeClr val="accent1">
+                    <a:shade val="45000"/>
+                    <a:satMod val="135000"/>
+                  </a:schemeClr>
+                  <a:prstClr val="white"/>
+                </a:duotone>
+                <a:extLst>
+                  <a:ext uri="{BEBA8EAE-BF5A-486C-A8C5-ECC9F3942E4B}">
+                    <a14:imgProps xmlns:a14="http://schemas.microsoft.com/office/drawing/2010/main">
+                      <a14:imgLayer r:embed="rId5">
+                        <a14:imgEffect>
+                          <a14:saturation sat="95000"/>
+                        </a14:imgEffect>
+                        <a14:imgEffect>
+                          <a14:brightnessContrast bright="-40000" contrast="20000"/>
+                        </a14:imgEffect>
+                      </a14:imgLayer>
+                    </a14:imgProps>
+                  </a:ext>
+                </a:extLst>
+              </a:blip>
+              <a:srcRect/>
+              <a:tile tx="50800" ty="0" sx="85000" sy="85000" flip="none" algn="tl"/>
+            </a:blipFill>
+            <a:ln w="25400" cap="flat" cmpd="sng" algn="ctr">
+              <a:noFill/>
+              <a:prstDash val="solid"/>
+            </a:ln>
+            <a:effectLst/>
+          </p:spPr>
+        </p:sp>
+        <p:sp>
+          <p:nvSpPr>
+            <p:cNvPr id="10" name="Oval 9"/>
+            <p:cNvSpPr/>
+            <p:nvPr/>
+          </p:nvSpPr>
+          <p:spPr>
+            <a:xfrm>
+              <a:off x="11396488" y="6230844"/>
+              <a:ext cx="478576" cy="478578"/>
+            </a:xfrm>
+            <a:prstGeom prst="ellipse">
+              <a:avLst/>
+            </a:prstGeom>
+            <a:noFill/>
+            <a:ln w="12700" cap="flat" cmpd="sng" algn="ctr">
+              <a:solidFill>
+                <a:sysClr val="window" lastClr="FFFFFF"/>
+              </a:solidFill>
+              <a:prstDash val="solid"/>
+            </a:ln>
+            <a:effectLst/>
+          </p:spPr>
+        </p:sp>
+      </p:grpSp>
+      <p:sp>
+        <p:nvSpPr>
+          <p:cNvPr id="7" name="Slide Number Placeholder 6"/>
           <p:cNvSpPr>
             <a:spLocks noGrp="1"/>
           </p:cNvSpPr>
@@ -2755,7 +3292,7 @@
     </p:spTree>
     <p:extLst>
       <p:ext uri="{BB962C8B-B14F-4D97-AF65-F5344CB8AC3E}">
-        <p14:creationId xmlns:p14="http://schemas.microsoft.com/office/powerpoint/2010/main" val="640920648"/>
+        <p14:creationId xmlns:p14="http://schemas.microsoft.com/office/powerpoint/2010/main" val="1439114947"/>
       </p:ext>
     </p:extLst>
   </p:cSld>
@@ -2789,13 +3326,7 @@
       </p:grpSpPr>
       <p:sp>
         <p:nvSpPr>
-          <p:cNvPr id="2" name="Title Placeholder 1">
-            <a:extLst>
-              <a:ext uri="{FF2B5EF4-FFF2-40B4-BE49-F238E27FC236}">
-                <a16:creationId xmlns:a16="http://schemas.microsoft.com/office/drawing/2014/main" id="{6179CA0E-A901-C7EF-F562-9C031FB0DBD0}"/>
-              </a:ext>
-            </a:extLst>
-          </p:cNvPr>
+          <p:cNvPr id="2" name="Title Placeholder 1"/>
           <p:cNvSpPr>
             <a:spLocks noGrp="1"/>
           </p:cNvSpPr>
@@ -2805,8 +3336,8 @@
         </p:nvSpPr>
         <p:spPr>
           <a:xfrm>
-            <a:off x="838200" y="365125"/>
-            <a:ext cx="10515600" cy="1325563"/>
+            <a:off x="1069848" y="484632"/>
+            <a:ext cx="10058400" cy="1609344"/>
           </a:xfrm>
           <a:prstGeom prst="rect">
             <a:avLst/>
@@ -2819,22 +3350,16 @@
           <a:lstStyle/>
           <a:p>
             <a:r>
-              <a:rPr lang="en-US"/>
-              <a:t>Click to edit Master title style</a:t>
-            </a:r>
-            <a:endParaRPr lang="sv-SE"/>
-          </a:p>
-        </p:txBody>
-      </p:sp>
-      <p:sp>
-        <p:nvSpPr>
-          <p:cNvPr id="3" name="Text Placeholder 2">
-            <a:extLst>
-              <a:ext uri="{FF2B5EF4-FFF2-40B4-BE49-F238E27FC236}">
-                <a16:creationId xmlns:a16="http://schemas.microsoft.com/office/drawing/2014/main" id="{827D5392-2BC2-8028-1835-5A4114472F12}"/>
-              </a:ext>
-            </a:extLst>
-          </p:cNvPr>
+              <a:rPr lang="sv-SE"/>
+              <a:t>Klicka här för att ändra mall för rubrikformat</a:t>
+            </a:r>
+            <a:endParaRPr lang="en-US" dirty="0"/>
+          </a:p>
+        </p:txBody>
+      </p:sp>
+      <p:sp>
+        <p:nvSpPr>
+          <p:cNvPr id="3" name="Text Placeholder 2"/>
           <p:cNvSpPr>
             <a:spLocks noGrp="1"/>
           </p:cNvSpPr>
@@ -2844,8 +3369,8 @@
         </p:nvSpPr>
         <p:spPr>
           <a:xfrm>
-            <a:off x="838200" y="1825625"/>
-            <a:ext cx="10515600" cy="4351338"/>
+            <a:off x="1069848" y="2121408"/>
+            <a:ext cx="10058400" cy="4050792"/>
           </a:xfrm>
           <a:prstGeom prst="rect">
             <a:avLst/>
@@ -2859,50 +3384,44 @@
           <a:p>
             <a:pPr lvl="0"/>
             <a:r>
-              <a:rPr lang="en-US"/>
-              <a:t>Click to edit Master text styles</a:t>
+              <a:rPr lang="sv-SE"/>
+              <a:t>Klicka här för att ändra format på bakgrundstexten</a:t>
             </a:r>
           </a:p>
           <a:p>
             <a:pPr lvl="1"/>
             <a:r>
-              <a:rPr lang="en-US"/>
-              <a:t>Second level</a:t>
+              <a:rPr lang="sv-SE"/>
+              <a:t>Nivå två</a:t>
             </a:r>
           </a:p>
           <a:p>
             <a:pPr lvl="2"/>
             <a:r>
-              <a:rPr lang="en-US"/>
-              <a:t>Third level</a:t>
+              <a:rPr lang="sv-SE"/>
+              <a:t>Nivå tre</a:t>
             </a:r>
           </a:p>
           <a:p>
             <a:pPr lvl="3"/>
             <a:r>
-              <a:rPr lang="en-US"/>
-              <a:t>Fourth level</a:t>
+              <a:rPr lang="sv-SE"/>
+              <a:t>Nivå fyra</a:t>
             </a:r>
           </a:p>
           <a:p>
             <a:pPr lvl="4"/>
             <a:r>
-              <a:rPr lang="en-US"/>
-              <a:t>Fifth level</a:t>
-            </a:r>
-            <a:endParaRPr lang="sv-SE"/>
-          </a:p>
-        </p:txBody>
-      </p:sp>
-      <p:sp>
-        <p:nvSpPr>
-          <p:cNvPr id="4" name="Date Placeholder 3">
-            <a:extLst>
-              <a:ext uri="{FF2B5EF4-FFF2-40B4-BE49-F238E27FC236}">
-                <a16:creationId xmlns:a16="http://schemas.microsoft.com/office/drawing/2014/main" id="{B2D8164A-AA7C-407C-857B-CFFE84226F66}"/>
-              </a:ext>
-            </a:extLst>
-          </p:cNvPr>
+              <a:rPr lang="sv-SE"/>
+              <a:t>Nivå fem</a:t>
+            </a:r>
+            <a:endParaRPr lang="en-US" dirty="0"/>
+          </a:p>
+        </p:txBody>
+      </p:sp>
+      <p:sp>
+        <p:nvSpPr>
+          <p:cNvPr id="4" name="Date Placeholder 3"/>
           <p:cNvSpPr>
             <a:spLocks noGrp="1"/>
           </p:cNvSpPr>
@@ -2912,8 +3431,8 @@
         </p:nvSpPr>
         <p:spPr>
           <a:xfrm>
-            <a:off x="838200" y="6356350"/>
-            <a:ext cx="2743200" cy="365125"/>
+            <a:off x="7964424" y="6272784"/>
+            <a:ext cx="3273552" cy="365125"/>
           </a:xfrm>
           <a:prstGeom prst="rect">
             <a:avLst/>
@@ -2922,12 +3441,10 @@
         <p:txBody>
           <a:bodyPr vert="horz" lIns="91440" tIns="45720" rIns="91440" bIns="45720" rtlCol="0" anchor="ctr"/>
           <a:lstStyle>
-            <a:lvl1pPr algn="l">
-              <a:defRPr sz="1200">
+            <a:lvl1pPr algn="r">
+              <a:defRPr sz="1100">
                 <a:solidFill>
-                  <a:schemeClr val="tx1">
-                    <a:tint val="82000"/>
-                  </a:schemeClr>
+                  <a:schemeClr val="tx2"/>
                 </a:solidFill>
               </a:defRPr>
             </a:lvl1pPr>
@@ -2935,7 +3452,7 @@
           <a:p>
             <a:fld id="{C20A0960-0C9D-404F-B4E5-3B1CEEC36D7F}" type="datetimeFigureOut">
               <a:rPr lang="sv-SE" smtClean="0"/>
-              <a:t>2024-04-11</a:t>
+              <a:t>2024-04-12</a:t>
             </a:fld>
             <a:endParaRPr lang="sv-SE"/>
           </a:p>
@@ -2943,13 +3460,7 @@
       </p:sp>
       <p:sp>
         <p:nvSpPr>
-          <p:cNvPr id="5" name="Footer Placeholder 4">
-            <a:extLst>
-              <a:ext uri="{FF2B5EF4-FFF2-40B4-BE49-F238E27FC236}">
-                <a16:creationId xmlns:a16="http://schemas.microsoft.com/office/drawing/2014/main" id="{8D704CBD-5E7D-223E-F432-6A93252CE9F2}"/>
-              </a:ext>
-            </a:extLst>
-          </p:cNvPr>
+          <p:cNvPr id="5" name="Footer Placeholder 4"/>
           <p:cNvSpPr>
             <a:spLocks noGrp="1"/>
           </p:cNvSpPr>
@@ -2959,8 +3470,8 @@
         </p:nvSpPr>
         <p:spPr>
           <a:xfrm>
-            <a:off x="4038600" y="6356350"/>
-            <a:ext cx="4114800" cy="365125"/>
+            <a:off x="1088136" y="6272784"/>
+            <a:ext cx="6327648" cy="365125"/>
           </a:xfrm>
           <a:prstGeom prst="rect">
             <a:avLst/>
@@ -2969,12 +3480,10 @@
         <p:txBody>
           <a:bodyPr vert="horz" lIns="91440" tIns="45720" rIns="91440" bIns="45720" rtlCol="0" anchor="ctr"/>
           <a:lstStyle>
-            <a:lvl1pPr algn="ctr">
-              <a:defRPr sz="1200">
+            <a:lvl1pPr algn="l">
+              <a:defRPr sz="1100">
                 <a:solidFill>
-                  <a:schemeClr val="tx1">
-                    <a:tint val="82000"/>
-                  </a:schemeClr>
+                  <a:schemeClr val="tx2"/>
                 </a:solidFill>
               </a:defRPr>
             </a:lvl1pPr>
@@ -2984,15 +3493,98 @@
           </a:p>
         </p:txBody>
       </p:sp>
-      <p:sp>
-        <p:nvSpPr>
-          <p:cNvPr id="6" name="Slide Number Placeholder 5">
-            <a:extLst>
-              <a:ext uri="{FF2B5EF4-FFF2-40B4-BE49-F238E27FC236}">
-                <a16:creationId xmlns:a16="http://schemas.microsoft.com/office/drawing/2014/main" id="{696092D0-1B2A-3079-9691-7CF25DCD9603}"/>
-              </a:ext>
-            </a:extLst>
-          </p:cNvPr>
+      <p:grpSp>
+        <p:nvGrpSpPr>
+          <p:cNvPr id="7" name="Group 6"/>
+          <p:cNvGrpSpPr>
+            <a:grpSpLocks noChangeAspect="1"/>
+          </p:cNvGrpSpPr>
+          <p:nvPr/>
+        </p:nvGrpSpPr>
+        <p:grpSpPr>
+          <a:xfrm>
+            <a:off x="11401725" y="6229681"/>
+            <a:ext cx="457200" cy="457200"/>
+            <a:chOff x="11361456" y="6195813"/>
+            <a:chExt cx="548640" cy="548640"/>
+          </a:xfrm>
+        </p:grpSpPr>
+        <p:sp>
+          <p:nvSpPr>
+            <p:cNvPr id="8" name="Oval 7"/>
+            <p:cNvSpPr/>
+            <p:nvPr/>
+          </p:nvSpPr>
+          <p:spPr>
+            <a:xfrm>
+              <a:off x="11361456" y="6195813"/>
+              <a:ext cx="548640" cy="548640"/>
+            </a:xfrm>
+            <a:prstGeom prst="ellipse">
+              <a:avLst/>
+            </a:prstGeom>
+            <a:blipFill dpi="0" rotWithShape="1">
+              <a:blip r:embed="rId13">
+                <a:duotone>
+                  <a:schemeClr val="accent1">
+                    <a:shade val="45000"/>
+                    <a:satMod val="135000"/>
+                  </a:schemeClr>
+                  <a:prstClr val="white"/>
+                </a:duotone>
+                <a:extLst>
+                  <a:ext uri="{BEBA8EAE-BF5A-486C-A8C5-ECC9F3942E4B}">
+                    <a14:imgProps xmlns:a14="http://schemas.microsoft.com/office/drawing/2010/main">
+                      <a14:imgLayer r:embed="rId14">
+                        <a14:imgEffect>
+                          <a14:saturation sat="95000"/>
+                        </a14:imgEffect>
+                        <a14:imgEffect>
+                          <a14:brightnessContrast bright="-40000" contrast="20000"/>
+                        </a14:imgEffect>
+                      </a14:imgLayer>
+                    </a14:imgProps>
+                  </a:ext>
+                </a:extLst>
+              </a:blip>
+              <a:srcRect/>
+              <a:tile tx="50800" ty="0" sx="85000" sy="85000" flip="none" algn="tl"/>
+            </a:blipFill>
+            <a:ln w="25400" cap="flat" cmpd="sng" algn="ctr">
+              <a:noFill/>
+              <a:prstDash val="solid"/>
+            </a:ln>
+            <a:effectLst/>
+          </p:spPr>
+        </p:sp>
+        <p:sp>
+          <p:nvSpPr>
+            <p:cNvPr id="9" name="Oval 8"/>
+            <p:cNvSpPr/>
+            <p:nvPr/>
+          </p:nvSpPr>
+          <p:spPr>
+            <a:xfrm>
+              <a:off x="11396488" y="6230844"/>
+              <a:ext cx="478576" cy="478578"/>
+            </a:xfrm>
+            <a:prstGeom prst="ellipse">
+              <a:avLst/>
+            </a:prstGeom>
+            <a:noFill/>
+            <a:ln w="12700" cap="flat" cmpd="sng" algn="ctr">
+              <a:solidFill>
+                <a:srgbClr val="FFFFFF"/>
+              </a:solidFill>
+              <a:prstDash val="solid"/>
+            </a:ln>
+            <a:effectLst/>
+          </p:spPr>
+        </p:sp>
+      </p:grpSp>
+      <p:sp>
+        <p:nvSpPr>
+          <p:cNvPr id="6" name="Slide Number Placeholder 5"/>
           <p:cNvSpPr>
             <a:spLocks noGrp="1"/>
           </p:cNvSpPr>
@@ -3002,8 +3594,8 @@
         </p:nvSpPr>
         <p:spPr>
           <a:xfrm>
-            <a:off x="8610600" y="6356350"/>
-            <a:ext cx="2743200" cy="365125"/>
+            <a:off x="11311128" y="6272784"/>
+            <a:ext cx="640080" cy="365125"/>
           </a:xfrm>
           <a:prstGeom prst="rect">
             <a:avLst/>
@@ -3012,13 +3604,12 @@
         <p:txBody>
           <a:bodyPr vert="horz" lIns="91440" tIns="45720" rIns="91440" bIns="45720" rtlCol="0" anchor="ctr"/>
           <a:lstStyle>
-            <a:lvl1pPr algn="r">
-              <a:defRPr sz="1200">
+            <a:lvl1pPr algn="ctr">
+              <a:defRPr sz="1400" b="1">
                 <a:solidFill>
-                  <a:schemeClr val="tx1">
-                    <a:tint val="82000"/>
-                  </a:schemeClr>
+                  <a:srgbClr val="FFFFFF"/>
                 </a:solidFill>
+                <a:latin typeface="+mj-lt"/>
               </a:defRPr>
             </a:lvl1pPr>
           </a:lstStyle>
@@ -3034,23 +3625,23 @@
     </p:spTree>
     <p:extLst>
       <p:ext uri="{BB962C8B-B14F-4D97-AF65-F5344CB8AC3E}">
-        <p14:creationId xmlns:p14="http://schemas.microsoft.com/office/powerpoint/2010/main" val="3439939311"/>
+        <p14:creationId xmlns:p14="http://schemas.microsoft.com/office/powerpoint/2010/main" val="2756964985"/>
       </p:ext>
     </p:extLst>
   </p:cSld>
   <p:clrMap bg1="lt1" tx1="dk1" bg2="lt2" tx2="dk2" accent1="accent1" accent2="accent2" accent3="accent3" accent4="accent4" accent5="accent5" accent6="accent6" hlink="hlink" folHlink="folHlink"/>
   <p:sldLayoutIdLst>
-    <p:sldLayoutId id="2147483649" r:id="rId1"/>
-    <p:sldLayoutId id="2147483650" r:id="rId2"/>
-    <p:sldLayoutId id="2147483651" r:id="rId3"/>
-    <p:sldLayoutId id="2147483652" r:id="rId4"/>
-    <p:sldLayoutId id="2147483653" r:id="rId5"/>
-    <p:sldLayoutId id="2147483654" r:id="rId6"/>
-    <p:sldLayoutId id="2147483655" r:id="rId7"/>
-    <p:sldLayoutId id="2147483656" r:id="rId8"/>
-    <p:sldLayoutId id="2147483657" r:id="rId9"/>
-    <p:sldLayoutId id="2147483658" r:id="rId10"/>
-    <p:sldLayoutId id="2147483659" r:id="rId11"/>
+    <p:sldLayoutId id="2147483734" r:id="rId1"/>
+    <p:sldLayoutId id="2147483735" r:id="rId2"/>
+    <p:sldLayoutId id="2147483736" r:id="rId3"/>
+    <p:sldLayoutId id="2147483737" r:id="rId4"/>
+    <p:sldLayoutId id="2147483738" r:id="rId5"/>
+    <p:sldLayoutId id="2147483739" r:id="rId6"/>
+    <p:sldLayoutId id="2147483740" r:id="rId7"/>
+    <p:sldLayoutId id="2147483741" r:id="rId8"/>
+    <p:sldLayoutId id="2147483742" r:id="rId9"/>
+    <p:sldLayoutId id="2147483743" r:id="rId10"/>
+    <p:sldLayoutId id="2147483744" r:id="rId11"/>
   </p:sldLayoutIdLst>
   <p:txStyles>
     <p:titleStyle>
@@ -3062,10 +3653,17 @@
           <a:spcPct val="0"/>
         </a:spcBef>
         <a:buNone/>
-        <a:defRPr sz="4400" kern="1200">
-          <a:solidFill>
-            <a:schemeClr val="tx1"/>
-          </a:solidFill>
+        <a:defRPr sz="5400" kern="1200" cap="all" baseline="0">
+          <a:blipFill>
+            <a:blip r:embed="rId15">
+              <a:extLst>
+                <a:ext uri="{28A0092B-C50C-407E-A947-70E740481C1C}">
+                  <a14:useLocalDpi xmlns:a14="http://schemas.microsoft.com/office/drawing/2010/main" val="0"/>
+                </a:ext>
+              </a:extLst>
+            </a:blip>
+            <a:tile tx="6350" ty="-127000" sx="65000" sy="64000" flip="none" algn="tl"/>
+          </a:blipFill>
           <a:latin typeface="+mj-lt"/>
           <a:ea typeface="+mj-ea"/>
           <a:cs typeface="+mj-cs"/>
@@ -3073,16 +3671,22 @@
       </a:lvl1pPr>
     </p:titleStyle>
     <p:bodyStyle>
-      <a:lvl1pPr marL="228600" indent="-228600" algn="l" defTabSz="914400" rtl="0" eaLnBrk="1" latinLnBrk="0" hangingPunct="1">
+      <a:lvl1pPr marL="182880" indent="-182880" algn="l" defTabSz="914400" rtl="0" eaLnBrk="1" latinLnBrk="0" hangingPunct="1">
         <a:lnSpc>
           <a:spcPct val="90000"/>
         </a:lnSpc>
         <a:spcBef>
-          <a:spcPts val="1000"/>
+          <a:spcPts val="1200"/>
         </a:spcBef>
-        <a:buFont typeface="Arial" panose="020B0604020202020204" pitchFamily="34" charset="0"/>
-        <a:buChar char="•"/>
-        <a:defRPr sz="2800" kern="1200">
+        <a:buClr>
+          <a:schemeClr val="accent1">
+            <a:lumMod val="75000"/>
+          </a:schemeClr>
+        </a:buClr>
+        <a:buSzPct val="85000"/>
+        <a:buFont typeface="Wingdings" pitchFamily="2" charset="2"/>
+        <a:buChar char="§"/>
+        <a:defRPr sz="2000" kern="1200">
           <a:solidFill>
             <a:schemeClr val="tx1"/>
           </a:solidFill>
@@ -3091,16 +3695,25 @@
           <a:cs typeface="+mn-cs"/>
         </a:defRPr>
       </a:lvl1pPr>
-      <a:lvl2pPr marL="685800" indent="-228600" algn="l" defTabSz="914400" rtl="0" eaLnBrk="1" latinLnBrk="0" hangingPunct="1">
+      <a:lvl2pPr marL="457200" indent="-182880" algn="l" defTabSz="914400" rtl="0" eaLnBrk="1" latinLnBrk="0" hangingPunct="1">
         <a:lnSpc>
           <a:spcPct val="90000"/>
         </a:lnSpc>
         <a:spcBef>
-          <a:spcPts val="500"/>
+          <a:spcPts val="400"/>
         </a:spcBef>
-        <a:buFont typeface="Arial" panose="020B0604020202020204" pitchFamily="34" charset="0"/>
-        <a:buChar char="•"/>
-        <a:defRPr sz="2400" kern="1200">
+        <a:spcAft>
+          <a:spcPts val="200"/>
+        </a:spcAft>
+        <a:buClr>
+          <a:schemeClr val="accent1">
+            <a:lumMod val="75000"/>
+          </a:schemeClr>
+        </a:buClr>
+        <a:buSzPct val="85000"/>
+        <a:buFont typeface="Wingdings" pitchFamily="2" charset="2"/>
+        <a:buChar char="§"/>
+        <a:defRPr sz="1800" kern="1200">
           <a:solidFill>
             <a:schemeClr val="tx1"/>
           </a:solidFill>
@@ -3109,16 +3722,25 @@
           <a:cs typeface="+mn-cs"/>
         </a:defRPr>
       </a:lvl2pPr>
-      <a:lvl3pPr marL="1143000" indent="-228600" algn="l" defTabSz="914400" rtl="0" eaLnBrk="1" latinLnBrk="0" hangingPunct="1">
+      <a:lvl3pPr marL="731520" indent="-182880" algn="l" defTabSz="914400" rtl="0" eaLnBrk="1" latinLnBrk="0" hangingPunct="1">
         <a:lnSpc>
           <a:spcPct val="90000"/>
         </a:lnSpc>
         <a:spcBef>
-          <a:spcPts val="500"/>
+          <a:spcPts val="400"/>
         </a:spcBef>
-        <a:buFont typeface="Arial" panose="020B0604020202020204" pitchFamily="34" charset="0"/>
-        <a:buChar char="•"/>
-        <a:defRPr sz="2000" kern="1200">
+        <a:spcAft>
+          <a:spcPts val="200"/>
+        </a:spcAft>
+        <a:buClr>
+          <a:schemeClr val="accent1">
+            <a:lumMod val="75000"/>
+          </a:schemeClr>
+        </a:buClr>
+        <a:buSzPct val="85000"/>
+        <a:buFont typeface="Wingdings" pitchFamily="2" charset="2"/>
+        <a:buChar char="§"/>
+        <a:defRPr sz="1600" kern="1200">
           <a:solidFill>
             <a:schemeClr val="tx1"/>
           </a:solidFill>
@@ -3127,16 +3749,25 @@
           <a:cs typeface="+mn-cs"/>
         </a:defRPr>
       </a:lvl3pPr>
-      <a:lvl4pPr marL="1600200" indent="-228600" algn="l" defTabSz="914400" rtl="0" eaLnBrk="1" latinLnBrk="0" hangingPunct="1">
+      <a:lvl4pPr marL="1005840" indent="-182880" algn="l" defTabSz="914400" rtl="0" eaLnBrk="1" latinLnBrk="0" hangingPunct="1">
         <a:lnSpc>
           <a:spcPct val="90000"/>
         </a:lnSpc>
         <a:spcBef>
-          <a:spcPts val="500"/>
+          <a:spcPts val="400"/>
         </a:spcBef>
-        <a:buFont typeface="Arial" panose="020B0604020202020204" pitchFamily="34" charset="0"/>
-        <a:buChar char="•"/>
-        <a:defRPr sz="1800" kern="1200">
+        <a:spcAft>
+          <a:spcPts val="200"/>
+        </a:spcAft>
+        <a:buClr>
+          <a:schemeClr val="accent1">
+            <a:lumMod val="75000"/>
+          </a:schemeClr>
+        </a:buClr>
+        <a:buSzPct val="85000"/>
+        <a:buFont typeface="Wingdings" pitchFamily="2" charset="2"/>
+        <a:buChar char="§"/>
+        <a:defRPr sz="1600" kern="1200">
           <a:solidFill>
             <a:schemeClr val="tx1"/>
           </a:solidFill>
@@ -3145,16 +3776,25 @@
           <a:cs typeface="+mn-cs"/>
         </a:defRPr>
       </a:lvl4pPr>
-      <a:lvl5pPr marL="2057400" indent="-228600" algn="l" defTabSz="914400" rtl="0" eaLnBrk="1" latinLnBrk="0" hangingPunct="1">
+      <a:lvl5pPr marL="1280160" indent="-182880" algn="l" defTabSz="914400" rtl="0" eaLnBrk="1" latinLnBrk="0" hangingPunct="1">
         <a:lnSpc>
           <a:spcPct val="90000"/>
         </a:lnSpc>
         <a:spcBef>
-          <a:spcPts val="500"/>
+          <a:spcPts val="400"/>
         </a:spcBef>
-        <a:buFont typeface="Arial" panose="020B0604020202020204" pitchFamily="34" charset="0"/>
-        <a:buChar char="•"/>
-        <a:defRPr sz="1800" kern="1200">
+        <a:spcAft>
+          <a:spcPts val="200"/>
+        </a:spcAft>
+        <a:buClr>
+          <a:schemeClr val="accent1">
+            <a:lumMod val="75000"/>
+          </a:schemeClr>
+        </a:buClr>
+        <a:buSzPct val="85000"/>
+        <a:buFont typeface="Wingdings" pitchFamily="2" charset="2"/>
+        <a:buChar char="§"/>
+        <a:defRPr sz="1600" kern="1200">
           <a:solidFill>
             <a:schemeClr val="tx1"/>
           </a:solidFill>
@@ -3163,16 +3803,25 @@
           <a:cs typeface="+mn-cs"/>
         </a:defRPr>
       </a:lvl5pPr>
-      <a:lvl6pPr marL="2514600" indent="-228600" algn="l" defTabSz="914400" rtl="0" eaLnBrk="1" latinLnBrk="0" hangingPunct="1">
+      <a:lvl6pPr marL="1600000" indent="-228600" algn="l" defTabSz="914400" rtl="0" eaLnBrk="1" latinLnBrk="0" hangingPunct="1">
         <a:lnSpc>
           <a:spcPct val="90000"/>
         </a:lnSpc>
         <a:spcBef>
-          <a:spcPts val="500"/>
+          <a:spcPts val="400"/>
         </a:spcBef>
-        <a:buFont typeface="Arial" panose="020B0604020202020204" pitchFamily="34" charset="0"/>
-        <a:buChar char="•"/>
-        <a:defRPr sz="1800" kern="1200">
+        <a:spcAft>
+          <a:spcPts val="200"/>
+        </a:spcAft>
+        <a:buClr>
+          <a:schemeClr val="accent1">
+            <a:lumMod val="75000"/>
+          </a:schemeClr>
+        </a:buClr>
+        <a:buSzPct val="85000"/>
+        <a:buFont typeface="Wingdings" pitchFamily="2" charset="2"/>
+        <a:buChar char="§"/>
+        <a:defRPr sz="1600" kern="1200">
           <a:solidFill>
             <a:schemeClr val="tx1"/>
           </a:solidFill>
@@ -3181,16 +3830,25 @@
           <a:cs typeface="+mn-cs"/>
         </a:defRPr>
       </a:lvl6pPr>
-      <a:lvl7pPr marL="2971800" indent="-228600" algn="l" defTabSz="914400" rtl="0" eaLnBrk="1" latinLnBrk="0" hangingPunct="1">
+      <a:lvl7pPr marL="1900000" indent="-228600" algn="l" defTabSz="914400" rtl="0" eaLnBrk="1" latinLnBrk="0" hangingPunct="1">
         <a:lnSpc>
           <a:spcPct val="90000"/>
         </a:lnSpc>
         <a:spcBef>
-          <a:spcPts val="500"/>
+          <a:spcPts val="400"/>
         </a:spcBef>
-        <a:buFont typeface="Arial" panose="020B0604020202020204" pitchFamily="34" charset="0"/>
-        <a:buChar char="•"/>
-        <a:defRPr sz="1800" kern="1200">
+        <a:spcAft>
+          <a:spcPts val="200"/>
+        </a:spcAft>
+        <a:buClr>
+          <a:schemeClr val="accent1">
+            <a:lumMod val="75000"/>
+          </a:schemeClr>
+        </a:buClr>
+        <a:buSzPct val="85000"/>
+        <a:buFont typeface="Wingdings" pitchFamily="2" charset="2"/>
+        <a:buChar char="§"/>
+        <a:defRPr sz="1600" kern="1200">
           <a:solidFill>
             <a:schemeClr val="tx1"/>
           </a:solidFill>
@@ -3199,16 +3857,25 @@
           <a:cs typeface="+mn-cs"/>
         </a:defRPr>
       </a:lvl7pPr>
-      <a:lvl8pPr marL="3429000" indent="-228600" algn="l" defTabSz="914400" rtl="0" eaLnBrk="1" latinLnBrk="0" hangingPunct="1">
+      <a:lvl8pPr marL="2200000" indent="-228600" algn="l" defTabSz="914400" rtl="0" eaLnBrk="1" latinLnBrk="0" hangingPunct="1">
         <a:lnSpc>
           <a:spcPct val="90000"/>
         </a:lnSpc>
         <a:spcBef>
-          <a:spcPts val="500"/>
+          <a:spcPts val="400"/>
         </a:spcBef>
-        <a:buFont typeface="Arial" panose="020B0604020202020204" pitchFamily="34" charset="0"/>
-        <a:buChar char="•"/>
-        <a:defRPr sz="1800" kern="1200">
+        <a:spcAft>
+          <a:spcPts val="200"/>
+        </a:spcAft>
+        <a:buClr>
+          <a:schemeClr val="accent1">
+            <a:lumMod val="75000"/>
+          </a:schemeClr>
+        </a:buClr>
+        <a:buSzPct val="85000"/>
+        <a:buFont typeface="Wingdings" pitchFamily="2" charset="2"/>
+        <a:buChar char="§"/>
+        <a:defRPr sz="1600" kern="1200">
           <a:solidFill>
             <a:schemeClr val="tx1"/>
           </a:solidFill>
@@ -3217,16 +3884,25 @@
           <a:cs typeface="+mn-cs"/>
         </a:defRPr>
       </a:lvl8pPr>
-      <a:lvl9pPr marL="3886200" indent="-228600" algn="l" defTabSz="914400" rtl="0" eaLnBrk="1" latinLnBrk="0" hangingPunct="1">
+      <a:lvl9pPr marL="2500000" indent="-228600" algn="l" defTabSz="914400" rtl="0" eaLnBrk="1" latinLnBrk="0" hangingPunct="1">
         <a:lnSpc>
           <a:spcPct val="90000"/>
         </a:lnSpc>
         <a:spcBef>
-          <a:spcPts val="500"/>
+          <a:spcPts val="400"/>
         </a:spcBef>
-        <a:buFont typeface="Arial" panose="020B0604020202020204" pitchFamily="34" charset="0"/>
-        <a:buChar char="•"/>
-        <a:defRPr sz="1800" kern="1200">
+        <a:spcAft>
+          <a:spcPts val="200"/>
+        </a:spcAft>
+        <a:buClr>
+          <a:schemeClr val="accent1">
+            <a:lumMod val="75000"/>
+          </a:schemeClr>
+        </a:buClr>
+        <a:buSzPct val="85000"/>
+        <a:buFont typeface="Wingdings" pitchFamily="2" charset="2"/>
+        <a:buChar char="§"/>
+        <a:defRPr sz="1600" kern="1200">
           <a:solidFill>
             <a:schemeClr val="tx1"/>
           </a:solidFill>
@@ -3238,7 +3914,7 @@
     </p:bodyStyle>
     <p:otherStyle>
       <a:defPPr>
-        <a:defRPr lang="sv-SE"/>
+        <a:defRPr lang="en-US"/>
       </a:defPPr>
       <a:lvl1pPr marL="0" algn="l" defTabSz="914400" rtl="0" eaLnBrk="1" latinLnBrk="0" hangingPunct="1">
         <a:defRPr sz="1800" kern="1200">
@@ -3332,6 +4008,11 @@
       </a:lvl9pPr>
     </p:otherStyle>
   </p:txStyles>
+  <p:extLst>
+    <p:ext uri="{27BBF7A9-308A-43DC-89C8-2F10F3537804}">
+      <p15:sldGuideLst xmlns:p15="http://schemas.microsoft.com/office/powerpoint/2012/main"/>
+    </p:ext>
+  </p:extLst>
 </p:sldMaster>
 </file>
 
@@ -3582,6 +4263,27 @@
 <file path=ppt/slides/slide3.xml><?xml version="1.0" encoding="utf-8"?>
 <p:sld xmlns:a="http://schemas.openxmlformats.org/drawingml/2006/main" xmlns:r="http://schemas.openxmlformats.org/officeDocument/2006/relationships" xmlns:p="http://schemas.openxmlformats.org/presentationml/2006/main">
   <p:cSld>
+    <p:bg>
+      <p:bgPr>
+        <a:blipFill rotWithShape="1">
+          <a:blip r:embed="rId2">
+            <a:duotone>
+              <a:schemeClr val="bg1">
+                <a:tint val="75000"/>
+                <a:shade val="58000"/>
+                <a:satMod val="120000"/>
+              </a:schemeClr>
+              <a:schemeClr val="bg1">
+                <a:tint val="50000"/>
+                <a:shade val="96000"/>
+              </a:schemeClr>
+            </a:duotone>
+          </a:blip>
+          <a:tile tx="0" ty="0" sx="100000" sy="100000" flip="none" algn="tl"/>
+        </a:blipFill>
+        <a:effectLst/>
+      </p:bgPr>
+    </p:bg>
     <p:spTree>
       <p:nvGrpSpPr>
         <p:cNvPr id="1" name=""/>
@@ -3596,41 +4298,72 @@
           <a:chExt cx="0" cy="0"/>
         </a:xfrm>
       </p:grpSpPr>
-      <p:sp>
-        <p:nvSpPr>
-          <p:cNvPr id="2" name="Title 1">
+      <p:sp useBgFill="1">
+        <p:nvSpPr>
+          <p:cNvPr id="12" name="Rectangle 11">
             <a:extLst>
               <a:ext uri="{FF2B5EF4-FFF2-40B4-BE49-F238E27FC236}">
-                <a16:creationId xmlns:a16="http://schemas.microsoft.com/office/drawing/2014/main" id="{920CC99F-8A7E-96E1-08B6-122D4DA4140E}"/>
+                <a16:creationId xmlns:a16="http://schemas.microsoft.com/office/drawing/2014/main" id="{2A0E4E09-FC02-4ADC-951A-3FFA90B6FE39}"/>
+              </a:ext>
+              <a:ext uri="{C183D7F6-B498-43B3-948B-1728B52AA6E4}">
+                <adec:decorative xmlns:adec="http://schemas.microsoft.com/office/drawing/2017/decorative" val="1"/>
               </a:ext>
             </a:extLst>
           </p:cNvPr>
           <p:cNvSpPr>
-            <a:spLocks noGrp="1"/>
-          </p:cNvSpPr>
-          <p:nvPr>
-            <p:ph type="title"/>
-          </p:nvPr>
-        </p:nvSpPr>
-        <p:spPr/>
-        <p:txBody>
-          <a:bodyPr/>
+            <a:spLocks noGrp="1" noRot="1" noChangeAspect="1" noMove="1" noResize="1" noEditPoints="1" noAdjustHandles="1" noChangeArrowheads="1" noChangeShapeType="1" noTextEdit="1"/>
+          </p:cNvSpPr>
+          <p:nvPr>
+            <p:extLst>
+              <p:ext uri="{386F3935-93C4-4BCD-93E2-E3B085C9AB24}">
+                <p16:designElem xmlns:p16="http://schemas.microsoft.com/office/powerpoint/2015/main" val="1"/>
+              </p:ext>
+            </p:extLst>
+          </p:nvPr>
+        </p:nvSpPr>
+        <p:spPr>
+          <a:xfrm>
+            <a:off x="0" y="0"/>
+            <a:ext cx="12191695" cy="6858000"/>
+          </a:xfrm>
+          <a:prstGeom prst="rect">
+            <a:avLst/>
+          </a:prstGeom>
+          <a:ln>
+            <a:noFill/>
+          </a:ln>
+        </p:spPr>
+        <p:style>
+          <a:lnRef idx="2">
+            <a:schemeClr val="accent1">
+              <a:shade val="50000"/>
+            </a:schemeClr>
+          </a:lnRef>
+          <a:fillRef idx="1">
+            <a:schemeClr val="accent1"/>
+          </a:fillRef>
+          <a:effectRef idx="0">
+            <a:schemeClr val="accent1"/>
+          </a:effectRef>
+          <a:fontRef idx="minor">
+            <a:schemeClr val="lt1"/>
+          </a:fontRef>
+        </p:style>
+        <p:txBody>
+          <a:bodyPr rtlCol="0" anchor="ctr"/>
           <a:lstStyle/>
           <a:p>
-            <a:r>
-              <a:rPr lang="en-US" dirty="0"/>
-              <a:t>Static Struggles/Introduction</a:t>
-            </a:r>
-            <a:endParaRPr lang="sv-SE" dirty="0"/>
-          </a:p>
-        </p:txBody>
-      </p:sp>
-      <p:sp>
-        <p:nvSpPr>
-          <p:cNvPr id="3" name="Content Placeholder 2">
+            <a:pPr algn="ctr"/>
+            <a:endParaRPr lang="en-US"/>
+          </a:p>
+        </p:txBody>
+      </p:sp>
+      <p:sp>
+        <p:nvSpPr>
+          <p:cNvPr id="2" name="Rubrik 1">
             <a:extLst>
               <a:ext uri="{FF2B5EF4-FFF2-40B4-BE49-F238E27FC236}">
-                <a16:creationId xmlns:a16="http://schemas.microsoft.com/office/drawing/2014/main" id="{A6F63E42-D07B-1C40-E563-7D8B4C57173E}"/>
+                <a16:creationId xmlns:a16="http://schemas.microsoft.com/office/drawing/2014/main" id="{4114B046-5980-694A-4BF0-DC11420FEFE8}"/>
               </a:ext>
             </a:extLst>
           </p:cNvPr>
@@ -3638,43 +4371,529 @@
             <a:spLocks noGrp="1"/>
           </p:cNvSpPr>
           <p:nvPr>
+            <p:ph type="title"/>
+          </p:nvPr>
+        </p:nvSpPr>
+        <p:spPr>
+          <a:xfrm>
+            <a:off x="6386284" y="484632"/>
+            <a:ext cx="4741963" cy="1971964"/>
+          </a:xfrm>
+        </p:spPr>
+        <p:txBody>
+          <a:bodyPr>
+            <a:normAutofit/>
+          </a:bodyPr>
+          <a:lstStyle/>
+          <a:p>
+            <a:r>
+              <a:rPr lang="sv-SE" sz="4800">
+                <a:solidFill>
+                  <a:schemeClr val="tx1"/>
+                </a:solidFill>
+              </a:rPr>
+              <a:t>Exo skeleton</a:t>
+            </a:r>
+          </a:p>
+        </p:txBody>
+      </p:sp>
+      <p:sp>
+        <p:nvSpPr>
+          <p:cNvPr id="14" name="Freeform: Shape 13">
+            <a:extLst>
+              <a:ext uri="{FF2B5EF4-FFF2-40B4-BE49-F238E27FC236}">
+                <a16:creationId xmlns:a16="http://schemas.microsoft.com/office/drawing/2014/main" id="{E5821A2D-F010-4C2B-8819-23281D9C770F}"/>
+              </a:ext>
+              <a:ext uri="{C183D7F6-B498-43B3-948B-1728B52AA6E4}">
+                <adec:decorative xmlns:adec="http://schemas.microsoft.com/office/drawing/2017/decorative" val="1"/>
+              </a:ext>
+            </a:extLst>
+          </p:cNvPr>
+          <p:cNvSpPr>
+            <a:spLocks noGrp="1" noRot="1" noChangeAspect="1" noMove="1" noResize="1" noEditPoints="1" noAdjustHandles="1" noChangeArrowheads="1" noChangeShapeType="1" noTextEdit="1"/>
+          </p:cNvSpPr>
+          <p:nvPr>
+            <p:extLst>
+              <p:ext uri="{386F3935-93C4-4BCD-93E2-E3B085C9AB24}">
+                <p16:designElem xmlns:p16="http://schemas.microsoft.com/office/powerpoint/2015/main" val="1"/>
+              </p:ext>
+            </p:extLst>
+          </p:nvPr>
+        </p:nvSpPr>
+        <p:spPr>
+          <a:xfrm>
+            <a:off x="2" y="3"/>
+            <a:ext cx="6095695" cy="6857997"/>
+          </a:xfrm>
+          <a:custGeom>
+            <a:avLst/>
+            <a:gdLst>
+              <a:gd name="connsiteX0" fmla="*/ 3435036 w 6095695"/>
+              <a:gd name="connsiteY0" fmla="*/ 0 h 6857997"/>
+              <a:gd name="connsiteX1" fmla="*/ 4198562 w 6095695"/>
+              <a:gd name="connsiteY1" fmla="*/ 0 h 6857997"/>
+              <a:gd name="connsiteX2" fmla="*/ 4365987 w 6095695"/>
+              <a:gd name="connsiteY2" fmla="*/ 128761 h 6857997"/>
+              <a:gd name="connsiteX3" fmla="*/ 6095695 w 6095695"/>
+              <a:gd name="connsiteY3" fmla="*/ 3718209 h 6857997"/>
+              <a:gd name="connsiteX4" fmla="*/ 4860911 w 6095695"/>
+              <a:gd name="connsiteY4" fmla="*/ 6845880 h 6857997"/>
+              <a:gd name="connsiteX5" fmla="*/ 4849107 w 6095695"/>
+              <a:gd name="connsiteY5" fmla="*/ 6857997 h 6857997"/>
+              <a:gd name="connsiteX6" fmla="*/ 4253869 w 6095695"/>
+              <a:gd name="connsiteY6" fmla="*/ 6857997 h 6857997"/>
+              <a:gd name="connsiteX7" fmla="*/ 4409441 w 6095695"/>
+              <a:gd name="connsiteY7" fmla="*/ 6719623 h 6857997"/>
+              <a:gd name="connsiteX8" fmla="*/ 5679794 w 6095695"/>
+              <a:gd name="connsiteY8" fmla="*/ 3718209 h 6857997"/>
+              <a:gd name="connsiteX9" fmla="*/ 3591563 w 6095695"/>
+              <a:gd name="connsiteY9" fmla="*/ 88079 h 6857997"/>
+              <a:gd name="connsiteX10" fmla="*/ 0 w 6095695"/>
+              <a:gd name="connsiteY10" fmla="*/ 0 h 6857997"/>
+              <a:gd name="connsiteX11" fmla="*/ 3177466 w 6095695"/>
+              <a:gd name="connsiteY11" fmla="*/ 0 h 6857997"/>
+              <a:gd name="connsiteX12" fmla="*/ 3353291 w 6095695"/>
+              <a:gd name="connsiteY12" fmla="*/ 88129 h 6857997"/>
+              <a:gd name="connsiteX13" fmla="*/ 5560965 w 6095695"/>
+              <a:gd name="connsiteY13" fmla="*/ 3718209 h 6857997"/>
+              <a:gd name="connsiteX14" fmla="*/ 4325417 w 6095695"/>
+              <a:gd name="connsiteY14" fmla="*/ 6637392 h 6857997"/>
+              <a:gd name="connsiteX15" fmla="*/ 4077394 w 6095695"/>
+              <a:gd name="connsiteY15" fmla="*/ 6857997 h 6857997"/>
+              <a:gd name="connsiteX16" fmla="*/ 0 w 6095695"/>
+              <a:gd name="connsiteY16" fmla="*/ 6857997 h 6857997"/>
+            </a:gdLst>
+            <a:ahLst/>
+            <a:cxnLst>
+              <a:cxn ang="0">
+                <a:pos x="connsiteX0" y="connsiteY0"/>
+              </a:cxn>
+              <a:cxn ang="0">
+                <a:pos x="connsiteX1" y="connsiteY1"/>
+              </a:cxn>
+              <a:cxn ang="0">
+                <a:pos x="connsiteX2" y="connsiteY2"/>
+              </a:cxn>
+              <a:cxn ang="0">
+                <a:pos x="connsiteX3" y="connsiteY3"/>
+              </a:cxn>
+              <a:cxn ang="0">
+                <a:pos x="connsiteX4" y="connsiteY4"/>
+              </a:cxn>
+              <a:cxn ang="0">
+                <a:pos x="connsiteX5" y="connsiteY5"/>
+              </a:cxn>
+              <a:cxn ang="0">
+                <a:pos x="connsiteX6" y="connsiteY6"/>
+              </a:cxn>
+              <a:cxn ang="0">
+                <a:pos x="connsiteX7" y="connsiteY7"/>
+              </a:cxn>
+              <a:cxn ang="0">
+                <a:pos x="connsiteX8" y="connsiteY8"/>
+              </a:cxn>
+              <a:cxn ang="0">
+                <a:pos x="connsiteX9" y="connsiteY9"/>
+              </a:cxn>
+              <a:cxn ang="0">
+                <a:pos x="connsiteX10" y="connsiteY10"/>
+              </a:cxn>
+              <a:cxn ang="0">
+                <a:pos x="connsiteX11" y="connsiteY11"/>
+              </a:cxn>
+              <a:cxn ang="0">
+                <a:pos x="connsiteX12" y="connsiteY12"/>
+              </a:cxn>
+              <a:cxn ang="0">
+                <a:pos x="connsiteX13" y="connsiteY13"/>
+              </a:cxn>
+              <a:cxn ang="0">
+                <a:pos x="connsiteX14" y="connsiteY14"/>
+              </a:cxn>
+              <a:cxn ang="0">
+                <a:pos x="connsiteX15" y="connsiteY15"/>
+              </a:cxn>
+              <a:cxn ang="0">
+                <a:pos x="connsiteX16" y="connsiteY16"/>
+              </a:cxn>
+            </a:cxnLst>
+            <a:rect l="l" t="t" r="r" b="b"/>
+            <a:pathLst>
+              <a:path w="6095695" h="6857997">
+                <a:moveTo>
+                  <a:pt x="3435036" y="0"/>
+                </a:moveTo>
+                <a:lnTo>
+                  <a:pt x="4198562" y="0"/>
+                </a:lnTo>
+                <a:lnTo>
+                  <a:pt x="4365987" y="128761"/>
+                </a:lnTo>
+                <a:cubicBezTo>
+                  <a:pt x="5422363" y="981944"/>
+                  <a:pt x="6095695" y="2273123"/>
+                  <a:pt x="6095695" y="3718209"/>
+                </a:cubicBezTo>
+                <a:cubicBezTo>
+                  <a:pt x="6095695" y="4922447"/>
+                  <a:pt x="5628104" y="6019805"/>
+                  <a:pt x="4860911" y="6845880"/>
+                </a:cubicBezTo>
+                <a:lnTo>
+                  <a:pt x="4849107" y="6857997"/>
+                </a:lnTo>
+                <a:lnTo>
+                  <a:pt x="4253869" y="6857997"/>
+                </a:lnTo>
+                <a:lnTo>
+                  <a:pt x="4409441" y="6719623"/>
+                </a:lnTo>
+                <a:cubicBezTo>
+                  <a:pt x="5194330" y="5951494"/>
+                  <a:pt x="5679794" y="4890334"/>
+                  <a:pt x="5679794" y="3718209"/>
+                </a:cubicBezTo>
+                <a:cubicBezTo>
+                  <a:pt x="5679794" y="2179795"/>
+                  <a:pt x="4843506" y="832535"/>
+                  <a:pt x="3591563" y="88079"/>
+                </a:cubicBezTo>
+                <a:close/>
+                <a:moveTo>
+                  <a:pt x="0" y="0"/>
+                </a:moveTo>
+                <a:lnTo>
+                  <a:pt x="3177466" y="0"/>
+                </a:lnTo>
+                <a:lnTo>
+                  <a:pt x="3353291" y="88129"/>
+                </a:lnTo>
+                <a:cubicBezTo>
+                  <a:pt x="4668281" y="787221"/>
+                  <a:pt x="5560965" y="2150692"/>
+                  <a:pt x="5560965" y="3718209"/>
+                </a:cubicBezTo>
+                <a:cubicBezTo>
+                  <a:pt x="5560965" y="4858221"/>
+                  <a:pt x="5088802" y="5890308"/>
+                  <a:pt x="4325417" y="6637392"/>
+                </a:cubicBezTo>
+                <a:lnTo>
+                  <a:pt x="4077394" y="6857997"/>
+                </a:lnTo>
+                <a:lnTo>
+                  <a:pt x="0" y="6857997"/>
+                </a:lnTo>
+                <a:close/>
+              </a:path>
+            </a:pathLst>
+          </a:custGeom>
+          <a:solidFill>
+            <a:schemeClr val="tx1"/>
+          </a:solidFill>
+          <a:ln>
+            <a:noFill/>
+          </a:ln>
+        </p:spPr>
+        <p:style>
+          <a:lnRef idx="2">
+            <a:schemeClr val="accent1">
+              <a:shade val="50000"/>
+            </a:schemeClr>
+          </a:lnRef>
+          <a:fillRef idx="1">
+            <a:schemeClr val="accent1"/>
+          </a:fillRef>
+          <a:effectRef idx="0">
+            <a:schemeClr val="accent1"/>
+          </a:effectRef>
+          <a:fontRef idx="minor">
+            <a:schemeClr val="lt1"/>
+          </a:fontRef>
+        </p:style>
+        <p:txBody>
+          <a:bodyPr wrap="square" rtlCol="0" anchor="ctr">
+            <a:noAutofit/>
+          </a:bodyPr>
+          <a:lstStyle/>
+          <a:p>
+            <a:pPr algn="ctr"/>
+            <a:endParaRPr lang="en-US"/>
+          </a:p>
+        </p:txBody>
+      </p:sp>
+      <p:pic>
+        <p:nvPicPr>
+          <p:cNvPr id="5" name="Platshållare för innehåll 4" descr="En bild som visar lås&#10;&#10;Automatiskt genererad beskrivning">
+            <a:extLst>
+              <a:ext uri="{FF2B5EF4-FFF2-40B4-BE49-F238E27FC236}">
+                <a16:creationId xmlns:a16="http://schemas.microsoft.com/office/drawing/2014/main" id="{D583ABC1-7EB6-0B5F-ECE9-1666ED08BF56}"/>
+              </a:ext>
+            </a:extLst>
+          </p:cNvPr>
+          <p:cNvPicPr>
+            <a:picLocks noChangeAspect="1"/>
+          </p:cNvPicPr>
+          <p:nvPr/>
+        </p:nvPicPr>
+        <p:blipFill>
+          <a:blip r:embed="rId3">
+            <a:extLst>
+              <a:ext uri="{28A0092B-C50C-407E-A947-70E740481C1C}">
+                <a14:useLocalDpi xmlns:a14="http://schemas.microsoft.com/office/drawing/2010/main" val="0"/>
+              </a:ext>
+            </a:extLst>
+          </a:blip>
+          <a:stretch>
+            <a:fillRect/>
+          </a:stretch>
+        </p:blipFill>
+        <p:spPr>
+          <a:xfrm>
+            <a:off x="823396" y="1737568"/>
+            <a:ext cx="3573675" cy="3473789"/>
+          </a:xfrm>
+          <a:prstGeom prst="rect">
+            <a:avLst/>
+          </a:prstGeom>
+        </p:spPr>
+      </p:pic>
+      <p:sp>
+        <p:nvSpPr>
+          <p:cNvPr id="9" name="Content Placeholder 8">
+            <a:extLst>
+              <a:ext uri="{FF2B5EF4-FFF2-40B4-BE49-F238E27FC236}">
+                <a16:creationId xmlns:a16="http://schemas.microsoft.com/office/drawing/2014/main" id="{CFAEE6C1-AFDC-8A7D-53CE-4C6B25C62B88}"/>
+              </a:ext>
+            </a:extLst>
+          </p:cNvPr>
+          <p:cNvSpPr>
+            <a:spLocks noGrp="1"/>
+          </p:cNvSpPr>
+          <p:nvPr>
             <p:ph idx="1"/>
           </p:nvPr>
         </p:nvSpPr>
-        <p:spPr/>
-        <p:txBody>
-          <a:bodyPr/>
+        <p:spPr>
+          <a:xfrm>
+            <a:off x="6386286" y="2456596"/>
+            <a:ext cx="4741962" cy="3715603"/>
+          </a:xfrm>
+        </p:spPr>
+        <p:txBody>
+          <a:bodyPr>
+            <a:normAutofit/>
+          </a:bodyPr>
           <a:lstStyle/>
           <a:p>
             <a:r>
               <a:rPr lang="en-US" dirty="0"/>
-              <a:t>Operations</a:t>
+              <a:t>Current design of the Arm</a:t>
             </a:r>
           </a:p>
           <a:p>
             <a:r>
               <a:rPr lang="en-US" dirty="0"/>
-              <a:t>Assembly Work</a:t>
+              <a:t>Adapted to specific person</a:t>
             </a:r>
           </a:p>
           <a:p>
             <a:r>
               <a:rPr lang="en-US" dirty="0"/>
-              <a:t>Fruit Gathering</a:t>
-            </a:r>
-            <a:endParaRPr lang="sv-SE" dirty="0"/>
-          </a:p>
-        </p:txBody>
-      </p:sp>
+              <a:t>Remotely controlled</a:t>
+            </a:r>
+          </a:p>
+          <a:p>
+            <a:r>
+              <a:rPr lang="en-US" dirty="0"/>
+              <a:t>Old sensor</a:t>
+            </a:r>
+          </a:p>
+          <a:p>
+            <a:r>
+              <a:rPr lang="en-US" dirty="0"/>
+              <a:t>Shimmer 3</a:t>
+            </a:r>
+          </a:p>
+          <a:p>
+            <a:r>
+              <a:rPr lang="en-US" dirty="0"/>
+              <a:t>New Sensor</a:t>
+            </a:r>
+          </a:p>
+          <a:p>
+            <a:r>
+              <a:rPr lang="en-US" dirty="0"/>
+              <a:t>Advancer technology </a:t>
+            </a:r>
+            <a:r>
+              <a:rPr lang="en-US" dirty="0" err="1"/>
+              <a:t>myoware</a:t>
+            </a:r>
+            <a:endParaRPr lang="en-US" dirty="0"/>
+          </a:p>
+          <a:p>
+            <a:endParaRPr lang="en-US" dirty="0"/>
+          </a:p>
+        </p:txBody>
+      </p:sp>
+      <p:grpSp>
+        <p:nvGrpSpPr>
+          <p:cNvPr id="16" name="Group 15">
+            <a:extLst>
+              <a:ext uri="{FF2B5EF4-FFF2-40B4-BE49-F238E27FC236}">
+                <a16:creationId xmlns:a16="http://schemas.microsoft.com/office/drawing/2014/main" id="{D68B9961-F007-40D1-AF51-61B6DE5106CE}"/>
+              </a:ext>
+              <a:ext uri="{C183D7F6-B498-43B3-948B-1728B52AA6E4}">
+                <adec:decorative xmlns:adec="http://schemas.microsoft.com/office/drawing/2017/decorative" val="1"/>
+              </a:ext>
+            </a:extLst>
+          </p:cNvPr>
+          <p:cNvGrpSpPr>
+            <a:grpSpLocks noGrp="1" noUngrp="1" noRot="1" noChangeAspect="1" noMove="1" noResize="1"/>
+          </p:cNvGrpSpPr>
+          <p:nvPr>
+            <p:extLst>
+              <p:ext uri="{386F3935-93C4-4BCD-93E2-E3B085C9AB24}">
+                <p16:designElem xmlns:p16="http://schemas.microsoft.com/office/powerpoint/2015/main" val="1"/>
+              </p:ext>
+            </p:extLst>
+          </p:nvPr>
+        </p:nvGrpSpPr>
+        <p:grpSpPr>
+          <a:xfrm>
+            <a:off x="11401725" y="6229681"/>
+            <a:ext cx="457200" cy="457200"/>
+            <a:chOff x="11361456" y="6195813"/>
+            <a:chExt cx="548640" cy="548640"/>
+          </a:xfrm>
+        </p:grpSpPr>
+        <p:sp>
+          <p:nvSpPr>
+            <p:cNvPr id="7" name="Oval 16">
+              <a:extLst>
+                <a:ext uri="{FF2B5EF4-FFF2-40B4-BE49-F238E27FC236}">
+                  <a16:creationId xmlns:a16="http://schemas.microsoft.com/office/drawing/2014/main" id="{E9FDF494-C7FB-47DF-BD39-1F65FA550811}"/>
+                </a:ext>
+                <a:ext uri="{C183D7F6-B498-43B3-948B-1728B52AA6E4}">
+                  <adec:decorative xmlns:adec="http://schemas.microsoft.com/office/drawing/2017/decorative" val="1"/>
+                </a:ext>
+              </a:extLst>
+            </p:cNvPr>
+            <p:cNvSpPr/>
+            <p:nvPr>
+              <p:extLst>
+                <p:ext uri="{386F3935-93C4-4BCD-93E2-E3B085C9AB24}">
+                  <p16:designElem xmlns:p16="http://schemas.microsoft.com/office/powerpoint/2015/main" val="1"/>
+                </p:ext>
+              </p:extLst>
+            </p:nvPr>
+          </p:nvSpPr>
+          <p:spPr>
+            <a:xfrm>
+              <a:off x="11361456" y="6195813"/>
+              <a:ext cx="548640" cy="548640"/>
+            </a:xfrm>
+            <a:prstGeom prst="ellipse">
+              <a:avLst/>
+            </a:prstGeom>
+            <a:blipFill dpi="0" rotWithShape="1">
+              <a:blip r:embed="rId4">
+                <a:duotone>
+                  <a:schemeClr val="accent1">
+                    <a:shade val="45000"/>
+                    <a:satMod val="135000"/>
+                  </a:schemeClr>
+                  <a:prstClr val="white"/>
+                </a:duotone>
+                <a:extLst>
+                  <a:ext uri="{BEBA8EAE-BF5A-486C-A8C5-ECC9F3942E4B}">
+                    <a14:imgProps xmlns:a14="http://schemas.microsoft.com/office/drawing/2010/main">
+                      <a14:imgLayer r:embed="rId5">
+                        <a14:imgEffect>
+                          <a14:saturation sat="95000"/>
+                        </a14:imgEffect>
+                        <a14:imgEffect>
+                          <a14:brightnessContrast bright="-40000" contrast="20000"/>
+                        </a14:imgEffect>
+                      </a14:imgLayer>
+                    </a14:imgProps>
+                  </a:ext>
+                </a:extLst>
+              </a:blip>
+              <a:srcRect/>
+              <a:tile tx="50800" ty="0" sx="85000" sy="85000" flip="none" algn="tl"/>
+            </a:blipFill>
+            <a:ln w="25400" cap="flat" cmpd="sng" algn="ctr">
+              <a:noFill/>
+              <a:prstDash val="solid"/>
+            </a:ln>
+            <a:effectLst/>
+          </p:spPr>
+          <p:txBody>
+            <a:bodyPr/>
+            <a:lstStyle/>
+            <a:p>
+              <a:endParaRPr lang="sv-SE"/>
+            </a:p>
+          </p:txBody>
+        </p:sp>
+        <p:sp>
+          <p:nvSpPr>
+            <p:cNvPr id="8" name="Oval 17">
+              <a:extLst>
+                <a:ext uri="{FF2B5EF4-FFF2-40B4-BE49-F238E27FC236}">
+                  <a16:creationId xmlns:a16="http://schemas.microsoft.com/office/drawing/2014/main" id="{3A822E1C-4C1A-4BEE-B19C-0FFB2D57BBDF}"/>
+                </a:ext>
+                <a:ext uri="{C183D7F6-B498-43B3-948B-1728B52AA6E4}">
+                  <adec:decorative xmlns:adec="http://schemas.microsoft.com/office/drawing/2017/decorative" val="1"/>
+                </a:ext>
+              </a:extLst>
+            </p:cNvPr>
+            <p:cNvSpPr/>
+            <p:nvPr>
+              <p:extLst>
+                <p:ext uri="{386F3935-93C4-4BCD-93E2-E3B085C9AB24}">
+                  <p16:designElem xmlns:p16="http://schemas.microsoft.com/office/powerpoint/2015/main" val="1"/>
+                </p:ext>
+              </p:extLst>
+            </p:nvPr>
+          </p:nvSpPr>
+          <p:spPr>
+            <a:xfrm>
+              <a:off x="11396488" y="6230844"/>
+              <a:ext cx="478576" cy="478578"/>
+            </a:xfrm>
+            <a:prstGeom prst="ellipse">
+              <a:avLst/>
+            </a:prstGeom>
+            <a:noFill/>
+            <a:ln w="12700" cap="flat" cmpd="sng" algn="ctr">
+              <a:solidFill>
+                <a:srgbClr val="FFFFFF"/>
+              </a:solidFill>
+              <a:prstDash val="solid"/>
+            </a:ln>
+            <a:effectLst/>
+          </p:spPr>
+          <p:txBody>
+            <a:bodyPr/>
+            <a:lstStyle/>
+            <a:p>
+              <a:endParaRPr lang="sv-SE"/>
+            </a:p>
+          </p:txBody>
+        </p:sp>
+      </p:grpSp>
     </p:spTree>
     <p:extLst>
       <p:ext uri="{BB962C8B-B14F-4D97-AF65-F5344CB8AC3E}">
-        <p14:creationId xmlns:p14="http://schemas.microsoft.com/office/powerpoint/2010/main" val="2074167219"/>
+        <p14:creationId xmlns:p14="http://schemas.microsoft.com/office/powerpoint/2010/main" val="2737330501"/>
       </p:ext>
     </p:extLst>
   </p:cSld>
   <p:clrMapOvr>
-    <a:masterClrMapping/>
+    <a:overrideClrMapping bg1="dk1" tx1="lt1" bg2="dk2" tx2="lt2" accent1="accent1" accent2="accent2" accent3="accent3" accent4="accent4" accent5="accent5" accent6="accent6" hlink="hlink" folHlink="folHlink"/>
   </p:clrMapOvr>
 </p:sld>
 </file>
@@ -3701,7 +4920,7 @@
           <p:cNvPr id="2" name="Title 1">
             <a:extLst>
               <a:ext uri="{FF2B5EF4-FFF2-40B4-BE49-F238E27FC236}">
-                <a16:creationId xmlns:a16="http://schemas.microsoft.com/office/drawing/2014/main" id="{41BDAD05-1E0B-6DB4-A6AA-727E2ECB5528}"/>
+                <a16:creationId xmlns:a16="http://schemas.microsoft.com/office/drawing/2014/main" id="{920CC99F-8A7E-96E1-08B6-122D4DA4140E}"/>
               </a:ext>
             </a:extLst>
           </p:cNvPr>
@@ -3718,8 +4937,8 @@
           <a:lstStyle/>
           <a:p>
             <a:r>
-              <a:rPr lang="en-US" dirty="0"/>
-              <a:t>Background</a:t>
+              <a:rPr lang="en-US"/>
+              <a:t>Static Struggles/Introduction</a:t>
             </a:r>
             <a:endParaRPr lang="sv-SE" dirty="0"/>
           </a:p>
@@ -3730,7 +4949,7 @@
           <p:cNvPr id="3" name="Content Placeholder 2">
             <a:extLst>
               <a:ext uri="{FF2B5EF4-FFF2-40B4-BE49-F238E27FC236}">
-                <a16:creationId xmlns:a16="http://schemas.microsoft.com/office/drawing/2014/main" id="{56A95D5E-05FC-E9C4-460B-0E40497733A2}"/>
+                <a16:creationId xmlns:a16="http://schemas.microsoft.com/office/drawing/2014/main" id="{A6F63E42-D07B-1C40-E563-7D8B4C57173E}"/>
               </a:ext>
             </a:extLst>
           </p:cNvPr>
@@ -3747,30 +4966,20 @@
           <a:lstStyle/>
           <a:p>
             <a:r>
-              <a:rPr lang="sv-SE" dirty="0"/>
-              <a:t>Reading material </a:t>
-            </a:r>
-          </a:p>
-          <a:p>
-            <a:r>
-              <a:rPr lang="sv-SE" dirty="0"/>
-              <a:t>Hardware</a:t>
-            </a:r>
-          </a:p>
-          <a:p>
-            <a:r>
-              <a:rPr lang="sv-SE" dirty="0"/>
-              <a:t>Software</a:t>
-            </a:r>
-          </a:p>
-          <a:p>
-            <a:r>
-              <a:rPr lang="sv-SE" dirty="0"/>
-              <a:t>Text and </a:t>
-            </a:r>
-            <a:r>
-              <a:rPr lang="sv-SE" dirty="0" err="1"/>
-              <a:t>reports</a:t>
+              <a:rPr lang="en-US"/>
+              <a:t>Operations</a:t>
+            </a:r>
+          </a:p>
+          <a:p>
+            <a:r>
+              <a:rPr lang="en-US"/>
+              <a:t>Assembly Work</a:t>
+            </a:r>
+          </a:p>
+          <a:p>
+            <a:r>
+              <a:rPr lang="en-US"/>
+              <a:t>Fruit Gathering</a:t>
             </a:r>
             <a:endParaRPr lang="sv-SE" dirty="0"/>
           </a:p>
@@ -3779,7 +4988,7 @@
     </p:spTree>
     <p:extLst>
       <p:ext uri="{BB962C8B-B14F-4D97-AF65-F5344CB8AC3E}">
-        <p14:creationId xmlns:p14="http://schemas.microsoft.com/office/powerpoint/2010/main" val="534588424"/>
+        <p14:creationId xmlns:p14="http://schemas.microsoft.com/office/powerpoint/2010/main" val="2074167219"/>
       </p:ext>
     </p:extLst>
   </p:cSld>
@@ -3811,7 +5020,7 @@
           <p:cNvPr id="2" name="Title 1">
             <a:extLst>
               <a:ext uri="{FF2B5EF4-FFF2-40B4-BE49-F238E27FC236}">
-                <a16:creationId xmlns:a16="http://schemas.microsoft.com/office/drawing/2014/main" id="{EDC5447C-7530-2027-447C-601948E7BA62}"/>
+                <a16:creationId xmlns:a16="http://schemas.microsoft.com/office/drawing/2014/main" id="{41BDAD05-1E0B-6DB4-A6AA-727E2ECB5528}"/>
               </a:ext>
             </a:extLst>
           </p:cNvPr>
@@ -3828,8 +5037,8 @@
           <a:lstStyle/>
           <a:p>
             <a:r>
-              <a:rPr lang="en-US" dirty="0"/>
-              <a:t>What do we have to work with?/Background</a:t>
+              <a:rPr lang="en-US"/>
+              <a:t>Background</a:t>
             </a:r>
             <a:endParaRPr lang="sv-SE" dirty="0"/>
           </a:p>
@@ -3840,7 +5049,7 @@
           <p:cNvPr id="3" name="Content Placeholder 2">
             <a:extLst>
               <a:ext uri="{FF2B5EF4-FFF2-40B4-BE49-F238E27FC236}">
-                <a16:creationId xmlns:a16="http://schemas.microsoft.com/office/drawing/2014/main" id="{F81AFDA0-9FE4-4F58-534C-51B35CF5AF83}"/>
+                <a16:creationId xmlns:a16="http://schemas.microsoft.com/office/drawing/2014/main" id="{56A95D5E-05FC-E9C4-460B-0E40497733A2}"/>
               </a:ext>
             </a:extLst>
           </p:cNvPr>
@@ -3857,99 +5066,27 @@
           <a:lstStyle/>
           <a:p>
             <a:r>
-              <a:rPr lang="sv-SE" dirty="0" err="1"/>
-              <a:t>What</a:t>
-            </a:r>
-            <a:r>
-              <a:rPr lang="sv-SE" dirty="0"/>
-              <a:t> is </a:t>
-            </a:r>
-            <a:r>
-              <a:rPr lang="sv-SE" dirty="0" err="1"/>
-              <a:t>already</a:t>
-            </a:r>
-            <a:r>
-              <a:rPr lang="sv-SE" dirty="0"/>
-              <a:t> </a:t>
-            </a:r>
-            <a:r>
-              <a:rPr lang="sv-SE" dirty="0" err="1"/>
-              <a:t>done</a:t>
-            </a:r>
-            <a:r>
-              <a:rPr lang="sv-SE" dirty="0"/>
-              <a:t>?</a:t>
-            </a:r>
-          </a:p>
-          <a:p>
-            <a:r>
-              <a:rPr lang="sv-SE" dirty="0" err="1"/>
-              <a:t>What</a:t>
-            </a:r>
-            <a:r>
-              <a:rPr lang="sv-SE" dirty="0"/>
-              <a:t> kind </a:t>
-            </a:r>
-            <a:r>
-              <a:rPr lang="sv-SE" dirty="0" err="1"/>
-              <a:t>of</a:t>
-            </a:r>
-            <a:r>
-              <a:rPr lang="sv-SE" dirty="0"/>
-              <a:t> </a:t>
-            </a:r>
-            <a:r>
-              <a:rPr lang="sv-SE" dirty="0" err="1"/>
-              <a:t>resources</a:t>
-            </a:r>
-            <a:r>
-              <a:rPr lang="sv-SE" dirty="0"/>
-              <a:t>/material </a:t>
-            </a:r>
-            <a:r>
-              <a:rPr lang="sv-SE" dirty="0" err="1"/>
-              <a:t>are</a:t>
-            </a:r>
-            <a:r>
-              <a:rPr lang="sv-SE" dirty="0"/>
-              <a:t> </a:t>
-            </a:r>
-            <a:r>
-              <a:rPr lang="sv-SE" dirty="0" err="1"/>
-              <a:t>we</a:t>
-            </a:r>
-            <a:r>
-              <a:rPr lang="sv-SE" dirty="0"/>
-              <a:t> </a:t>
-            </a:r>
-            <a:r>
-              <a:rPr lang="sv-SE" dirty="0" err="1"/>
-              <a:t>working</a:t>
-            </a:r>
-            <a:r>
-              <a:rPr lang="sv-SE" dirty="0"/>
-              <a:t> </a:t>
-            </a:r>
-            <a:r>
-              <a:rPr lang="sv-SE" dirty="0" err="1"/>
-              <a:t>with</a:t>
-            </a:r>
-            <a:r>
-              <a:rPr lang="sv-SE" dirty="0"/>
-              <a:t>?</a:t>
-            </a:r>
-          </a:p>
-          <a:p>
-            <a:r>
-              <a:rPr lang="sv-SE" dirty="0" err="1"/>
-              <a:t>Reports</a:t>
-            </a:r>
-            <a:r>
-              <a:rPr lang="sv-SE" dirty="0"/>
-              <a:t> and information?</a:t>
-            </a:r>
-          </a:p>
-          <a:p>
+              <a:rPr lang="sv-SE"/>
+              <a:t>Reading material </a:t>
+            </a:r>
+          </a:p>
+          <a:p>
+            <a:r>
+              <a:rPr lang="sv-SE"/>
+              <a:t>Hardware</a:t>
+            </a:r>
+          </a:p>
+          <a:p>
+            <a:r>
+              <a:rPr lang="sv-SE"/>
+              <a:t>Software</a:t>
+            </a:r>
+          </a:p>
+          <a:p>
+            <a:r>
+              <a:rPr lang="sv-SE"/>
+              <a:t>Text and reports</a:t>
+            </a:r>
             <a:endParaRPr lang="sv-SE" dirty="0"/>
           </a:p>
         </p:txBody>
@@ -3957,7 +5094,7 @@
     </p:spTree>
     <p:extLst>
       <p:ext uri="{BB962C8B-B14F-4D97-AF65-F5344CB8AC3E}">
-        <p14:creationId xmlns:p14="http://schemas.microsoft.com/office/powerpoint/2010/main" val="1570380145"/>
+        <p14:creationId xmlns:p14="http://schemas.microsoft.com/office/powerpoint/2010/main" val="534588424"/>
       </p:ext>
     </p:extLst>
   </p:cSld>
@@ -3989,6 +5126,186 @@
           <p:cNvPr id="2" name="Title 1">
             <a:extLst>
               <a:ext uri="{FF2B5EF4-FFF2-40B4-BE49-F238E27FC236}">
+                <a16:creationId xmlns:a16="http://schemas.microsoft.com/office/drawing/2014/main" id="{EDC5447C-7530-2027-447C-601948E7BA62}"/>
+              </a:ext>
+            </a:extLst>
+          </p:cNvPr>
+          <p:cNvSpPr>
+            <a:spLocks noGrp="1"/>
+          </p:cNvSpPr>
+          <p:nvPr>
+            <p:ph type="title"/>
+          </p:nvPr>
+        </p:nvSpPr>
+        <p:spPr/>
+        <p:txBody>
+          <a:bodyPr>
+            <a:normAutofit/>
+          </a:bodyPr>
+          <a:lstStyle/>
+          <a:p>
+            <a:r>
+              <a:rPr lang="en-US"/>
+              <a:t>What do we have to work with?/Background</a:t>
+            </a:r>
+            <a:endParaRPr lang="sv-SE" dirty="0"/>
+          </a:p>
+        </p:txBody>
+      </p:sp>
+      <p:sp>
+        <p:nvSpPr>
+          <p:cNvPr id="3" name="Content Placeholder 2">
+            <a:extLst>
+              <a:ext uri="{FF2B5EF4-FFF2-40B4-BE49-F238E27FC236}">
+                <a16:creationId xmlns:a16="http://schemas.microsoft.com/office/drawing/2014/main" id="{F81AFDA0-9FE4-4F58-534C-51B35CF5AF83}"/>
+              </a:ext>
+            </a:extLst>
+          </p:cNvPr>
+          <p:cNvSpPr>
+            <a:spLocks noGrp="1"/>
+          </p:cNvSpPr>
+          <p:nvPr>
+            <p:ph idx="1"/>
+          </p:nvPr>
+        </p:nvSpPr>
+        <p:spPr/>
+        <p:txBody>
+          <a:bodyPr/>
+          <a:lstStyle/>
+          <a:p>
+            <a:r>
+              <a:rPr lang="sv-SE" dirty="0" err="1"/>
+              <a:t>What</a:t>
+            </a:r>
+            <a:r>
+              <a:rPr lang="sv-SE" dirty="0"/>
+              <a:t> is </a:t>
+            </a:r>
+            <a:r>
+              <a:rPr lang="sv-SE" dirty="0" err="1"/>
+              <a:t>already</a:t>
+            </a:r>
+            <a:r>
+              <a:rPr lang="sv-SE" dirty="0"/>
+              <a:t> </a:t>
+            </a:r>
+            <a:r>
+              <a:rPr lang="sv-SE" dirty="0" err="1"/>
+              <a:t>done</a:t>
+            </a:r>
+            <a:r>
+              <a:rPr lang="sv-SE" dirty="0"/>
+              <a:t>?</a:t>
+            </a:r>
+          </a:p>
+          <a:p>
+            <a:r>
+              <a:rPr lang="sv-SE" dirty="0" err="1"/>
+              <a:t>What</a:t>
+            </a:r>
+            <a:r>
+              <a:rPr lang="sv-SE" dirty="0"/>
+              <a:t> kind </a:t>
+            </a:r>
+            <a:r>
+              <a:rPr lang="sv-SE" dirty="0" err="1"/>
+              <a:t>of</a:t>
+            </a:r>
+            <a:r>
+              <a:rPr lang="sv-SE" dirty="0"/>
+              <a:t> </a:t>
+            </a:r>
+            <a:r>
+              <a:rPr lang="sv-SE" dirty="0" err="1"/>
+              <a:t>resources</a:t>
+            </a:r>
+            <a:r>
+              <a:rPr lang="sv-SE" dirty="0"/>
+              <a:t>/material </a:t>
+            </a:r>
+            <a:r>
+              <a:rPr lang="sv-SE" dirty="0" err="1"/>
+              <a:t>are</a:t>
+            </a:r>
+            <a:r>
+              <a:rPr lang="sv-SE" dirty="0"/>
+              <a:t> </a:t>
+            </a:r>
+            <a:r>
+              <a:rPr lang="sv-SE" dirty="0" err="1"/>
+              <a:t>we</a:t>
+            </a:r>
+            <a:r>
+              <a:rPr lang="sv-SE" dirty="0"/>
+              <a:t> </a:t>
+            </a:r>
+            <a:r>
+              <a:rPr lang="sv-SE" dirty="0" err="1"/>
+              <a:t>working</a:t>
+            </a:r>
+            <a:r>
+              <a:rPr lang="sv-SE" dirty="0"/>
+              <a:t> </a:t>
+            </a:r>
+            <a:r>
+              <a:rPr lang="sv-SE" dirty="0" err="1"/>
+              <a:t>with</a:t>
+            </a:r>
+            <a:r>
+              <a:rPr lang="sv-SE" dirty="0"/>
+              <a:t>?</a:t>
+            </a:r>
+          </a:p>
+          <a:p>
+            <a:r>
+              <a:rPr lang="sv-SE" dirty="0" err="1"/>
+              <a:t>Reports</a:t>
+            </a:r>
+            <a:r>
+              <a:rPr lang="sv-SE" dirty="0"/>
+              <a:t> and information?</a:t>
+            </a:r>
+          </a:p>
+          <a:p>
+            <a:endParaRPr lang="sv-SE" dirty="0"/>
+          </a:p>
+        </p:txBody>
+      </p:sp>
+    </p:spTree>
+    <p:extLst>
+      <p:ext uri="{BB962C8B-B14F-4D97-AF65-F5344CB8AC3E}">
+        <p14:creationId xmlns:p14="http://schemas.microsoft.com/office/powerpoint/2010/main" val="1570380145"/>
+      </p:ext>
+    </p:extLst>
+  </p:cSld>
+  <p:clrMapOvr>
+    <a:masterClrMapping/>
+  </p:clrMapOvr>
+</p:sld>
+</file>
+
+<file path=ppt/slides/slide7.xml><?xml version="1.0" encoding="utf-8"?>
+<p:sld xmlns:a="http://schemas.openxmlformats.org/drawingml/2006/main" xmlns:r="http://schemas.openxmlformats.org/officeDocument/2006/relationships" xmlns:p="http://schemas.openxmlformats.org/presentationml/2006/main">
+  <p:cSld>
+    <p:spTree>
+      <p:nvGrpSpPr>
+        <p:cNvPr id="1" name=""/>
+        <p:cNvGrpSpPr/>
+        <p:nvPr/>
+      </p:nvGrpSpPr>
+      <p:grpSpPr>
+        <a:xfrm>
+          <a:off x="0" y="0"/>
+          <a:ext cx="0" cy="0"/>
+          <a:chOff x="0" y="0"/>
+          <a:chExt cx="0" cy="0"/>
+        </a:xfrm>
+      </p:grpSpPr>
+      <p:sp>
+        <p:nvSpPr>
+          <p:cNvPr id="2" name="Title 1">
+            <a:extLst>
+              <a:ext uri="{FF2B5EF4-FFF2-40B4-BE49-F238E27FC236}">
                 <a16:creationId xmlns:a16="http://schemas.microsoft.com/office/drawing/2014/main" id="{B9A06D55-A465-C93F-B526-2EAA0C6BDA28}"/>
               </a:ext>
             </a:extLst>
@@ -4006,7 +5323,7 @@
           <a:lstStyle/>
           <a:p>
             <a:r>
-              <a:rPr lang="en-US" dirty="0"/>
+              <a:rPr lang="en-US"/>
               <a:t>Research Questions / Plan for future</a:t>
             </a:r>
             <a:endParaRPr lang="sv-SE" dirty="0"/>
@@ -4074,9 +5391,9 @@
 </file>
 
 <file path=ppt/theme/theme1.xml><?xml version="1.0" encoding="utf-8"?>
-<a:theme xmlns:a="http://schemas.openxmlformats.org/drawingml/2006/main" name="Office Theme">
+<a:theme xmlns:a="http://schemas.openxmlformats.org/drawingml/2006/main" name="Träslag">
   <a:themeElements>
-    <a:clrScheme name="Office">
+    <a:clrScheme name="Träslag">
       <a:dk1>
         <a:sysClr val="windowText" lastClr="000000"/>
       </a:dk1>
@@ -4084,48 +5401,86 @@
         <a:sysClr val="window" lastClr="FFFFFF"/>
       </a:lt1>
       <a:dk2>
-        <a:srgbClr val="0E2841"/>
+        <a:srgbClr val="696464"/>
       </a:dk2>
       <a:lt2>
-        <a:srgbClr val="E8E8E8"/>
+        <a:srgbClr val="E9E5DC"/>
       </a:lt2>
       <a:accent1>
-        <a:srgbClr val="156082"/>
+        <a:srgbClr val="D34817"/>
       </a:accent1>
       <a:accent2>
-        <a:srgbClr val="E97132"/>
+        <a:srgbClr val="9B2D1F"/>
       </a:accent2>
       <a:accent3>
-        <a:srgbClr val="196B24"/>
+        <a:srgbClr val="A28E6A"/>
       </a:accent3>
       <a:accent4>
-        <a:srgbClr val="0F9ED5"/>
+        <a:srgbClr val="956251"/>
       </a:accent4>
       <a:accent5>
-        <a:srgbClr val="A02B93"/>
+        <a:srgbClr val="918485"/>
       </a:accent5>
       <a:accent6>
-        <a:srgbClr val="4EA72E"/>
+        <a:srgbClr val="855D5D"/>
       </a:accent6>
       <a:hlink>
-        <a:srgbClr val="467886"/>
+        <a:srgbClr val="CC9900"/>
       </a:hlink>
       <a:folHlink>
-        <a:srgbClr val="96607D"/>
+        <a:srgbClr val="96A9A9"/>
       </a:folHlink>
     </a:clrScheme>
-    <a:fontScheme name="Office">
+    <a:fontScheme name="Träslag">
       <a:majorFont>
-        <a:latin typeface="Aptos Display" panose="02110004020202020204"/>
+        <a:latin typeface="Rockwell Condensed" panose="02060603050405020104"/>
         <a:ea typeface=""/>
         <a:cs typeface=""/>
-        <a:font script="Jpan" typeface="游ゴシック Light"/>
-        <a:font script="Hang" typeface="맑은 고딕"/>
-        <a:font script="Hans" typeface="等线 Light"/>
-        <a:font script="Hant" typeface="新細明體"/>
+        <a:font script="Grek" typeface="Cambria"/>
+        <a:font script="Cyrl" typeface="Cambria"/>
+        <a:font script="Jpan" typeface="HG明朝B"/>
+        <a:font script="Hang" typeface="바탕"/>
+        <a:font script="Hans" typeface="方正姚体"/>
+        <a:font script="Hant" typeface="微軟正黑體"/>
         <a:font script="Arab" typeface="Times New Roman"/>
-        <a:font script="Hebr" typeface="Times New Roman"/>
-        <a:font script="Thai" typeface="Angsana New"/>
+        <a:font script="Hebr" typeface="David"/>
+        <a:font script="Thai" typeface="JasmineUPC"/>
+        <a:font script="Ethi" typeface="Nyala"/>
+        <a:font script="Beng" typeface="Vrinda"/>
+        <a:font script="Gujr" typeface="Shruti"/>
+        <a:font script="Khmr" typeface="MoolBoran"/>
+        <a:font script="Knda" typeface="Tunga"/>
+        <a:font script="Guru" typeface="Raavi"/>
+        <a:font script="Cans" typeface="Euphemia"/>
+        <a:font script="Cher" typeface="Plantagenet Cherokee"/>
+        <a:font script="Yiii" typeface="Microsoft Yi Baiti"/>
+        <a:font script="Tibt" typeface="Microsoft Himalaya"/>
+        <a:font script="Thaa" typeface="MV Boli"/>
+        <a:font script="Deva" typeface="Mangal"/>
+        <a:font script="Telu" typeface="Gautami"/>
+        <a:font script="Taml" typeface="Latha"/>
+        <a:font script="Syrc" typeface="Estrangelo Edessa"/>
+        <a:font script="Orya" typeface="Kalinga"/>
+        <a:font script="Mlym" typeface="Kartika"/>
+        <a:font script="Laoo" typeface="DokChampa"/>
+        <a:font script="Sinh" typeface="Iskoola Pota"/>
+        <a:font script="Mong" typeface="Mongolian Baiti"/>
+        <a:font script="Viet" typeface="Arial"/>
+        <a:font script="Uigh" typeface="Microsoft Uighur"/>
+      </a:majorFont>
+      <a:minorFont>
+        <a:latin typeface="Rockwell" panose="02060603020205020403"/>
+        <a:ea typeface=""/>
+        <a:cs typeface=""/>
+        <a:font script="Grek" typeface="Cambria"/>
+        <a:font script="Cyrl" typeface="Cambria"/>
+        <a:font script="Jpan" typeface="HG明朝B"/>
+        <a:font script="Hang" typeface="바탕"/>
+        <a:font script="Hans" typeface="方正姚体"/>
+        <a:font script="Hant" typeface="標楷體"/>
+        <a:font script="Arab" typeface="Times New Roman"/>
+        <a:font script="Hebr" typeface="David"/>
+        <a:font script="Thai" typeface="JasmineUPC"/>
         <a:font script="Ethi" typeface="Nyala"/>
         <a:font script="Beng" typeface="Vrinda"/>
         <a:font script="Gujr" typeface="Shruti"/>
@@ -4148,157 +5503,61 @@
         <a:font script="Mong" typeface="Mongolian Baiti"/>
         <a:font script="Viet" typeface="Times New Roman"/>
         <a:font script="Uigh" typeface="Microsoft Uighur"/>
-        <a:font script="Geor" typeface="Sylfaen"/>
-        <a:font script="Armn" typeface="Arial"/>
-        <a:font script="Bugi" typeface="Leelawadee UI"/>
-        <a:font script="Bopo" typeface="Microsoft JhengHei"/>
-        <a:font script="Java" typeface="Javanese Text"/>
-        <a:font script="Lisu" typeface="Segoe UI"/>
-        <a:font script="Mymr" typeface="Myanmar Text"/>
-        <a:font script="Nkoo" typeface="Ebrima"/>
-        <a:font script="Olck" typeface="Nirmala UI"/>
-        <a:font script="Osma" typeface="Ebrima"/>
-        <a:font script="Phag" typeface="Phagspa"/>
-        <a:font script="Syrn" typeface="Estrangelo Edessa"/>
-        <a:font script="Syrj" typeface="Estrangelo Edessa"/>
-        <a:font script="Syre" typeface="Estrangelo Edessa"/>
-        <a:font script="Sora" typeface="Nirmala UI"/>
-        <a:font script="Tale" typeface="Microsoft Tai Le"/>
-        <a:font script="Talu" typeface="Microsoft New Tai Lue"/>
-        <a:font script="Tfng" typeface="Ebrima"/>
-      </a:majorFont>
-      <a:minorFont>
-        <a:latin typeface="Aptos" panose="02110004020202020204"/>
-        <a:ea typeface=""/>
-        <a:cs typeface=""/>
-        <a:font script="Jpan" typeface="游ゴシック"/>
-        <a:font script="Hang" typeface="맑은 고딕"/>
-        <a:font script="Hans" typeface="等线"/>
-        <a:font script="Hant" typeface="新細明體"/>
-        <a:font script="Arab" typeface="Arial"/>
-        <a:font script="Hebr" typeface="Arial"/>
-        <a:font script="Thai" typeface="Cordia New"/>
-        <a:font script="Ethi" typeface="Nyala"/>
-        <a:font script="Beng" typeface="Vrinda"/>
-        <a:font script="Gujr" typeface="Shruti"/>
-        <a:font script="Khmr" typeface="DaunPenh"/>
-        <a:font script="Knda" typeface="Tunga"/>
-        <a:font script="Guru" typeface="Raavi"/>
-        <a:font script="Cans" typeface="Euphemia"/>
-        <a:font script="Cher" typeface="Plantagenet Cherokee"/>
-        <a:font script="Yiii" typeface="Microsoft Yi Baiti"/>
-        <a:font script="Tibt" typeface="Microsoft Himalaya"/>
-        <a:font script="Thaa" typeface="MV Boli"/>
-        <a:font script="Deva" typeface="Mangal"/>
-        <a:font script="Telu" typeface="Gautami"/>
-        <a:font script="Taml" typeface="Latha"/>
-        <a:font script="Syrc" typeface="Estrangelo Edessa"/>
-        <a:font script="Orya" typeface="Kalinga"/>
-        <a:font script="Mlym" typeface="Kartika"/>
-        <a:font script="Laoo" typeface="DokChampa"/>
-        <a:font script="Sinh" typeface="Iskoola Pota"/>
-        <a:font script="Mong" typeface="Mongolian Baiti"/>
-        <a:font script="Viet" typeface="Arial"/>
-        <a:font script="Uigh" typeface="Microsoft Uighur"/>
-        <a:font script="Geor" typeface="Sylfaen"/>
-        <a:font script="Armn" typeface="Arial"/>
-        <a:font script="Bugi" typeface="Leelawadee UI"/>
-        <a:font script="Bopo" typeface="Microsoft JhengHei"/>
-        <a:font script="Java" typeface="Javanese Text"/>
-        <a:font script="Lisu" typeface="Segoe UI"/>
-        <a:font script="Mymr" typeface="Myanmar Text"/>
-        <a:font script="Nkoo" typeface="Ebrima"/>
-        <a:font script="Olck" typeface="Nirmala UI"/>
-        <a:font script="Osma" typeface="Ebrima"/>
-        <a:font script="Phag" typeface="Phagspa"/>
-        <a:font script="Syrn" typeface="Estrangelo Edessa"/>
-        <a:font script="Syrj" typeface="Estrangelo Edessa"/>
-        <a:font script="Syre" typeface="Estrangelo Edessa"/>
-        <a:font script="Sora" typeface="Nirmala UI"/>
-        <a:font script="Tale" typeface="Microsoft Tai Le"/>
-        <a:font script="Talu" typeface="Microsoft New Tai Lue"/>
-        <a:font script="Tfng" typeface="Ebrima"/>
       </a:minorFont>
     </a:fontScheme>
-    <a:fmtScheme name="Office">
+    <a:fmtScheme name="Träslag">
       <a:fillStyleLst>
         <a:solidFill>
           <a:schemeClr val="phClr"/>
         </a:solidFill>
-        <a:gradFill rotWithShape="1">
-          <a:gsLst>
-            <a:gs pos="0">
+        <a:blipFill rotWithShape="1">
+          <a:blip xmlns:r="http://schemas.openxmlformats.org/officeDocument/2006/relationships" r:embed="rId1">
+            <a:duotone>
               <a:schemeClr val="phClr">
-                <a:lumMod val="110000"/>
-                <a:satMod val="105000"/>
-                <a:tint val="67000"/>
+                <a:tint val="70000"/>
+                <a:shade val="63000"/>
               </a:schemeClr>
-            </a:gs>
-            <a:gs pos="50000">
               <a:schemeClr val="phClr">
-                <a:lumMod val="105000"/>
-                <a:satMod val="103000"/>
-                <a:tint val="73000"/>
+                <a:tint val="10000"/>
+                <a:satMod val="150000"/>
               </a:schemeClr>
-            </a:gs>
-            <a:gs pos="100000">
+            </a:duotone>
+          </a:blip>
+          <a:tile tx="0" ty="0" sx="60000" sy="59000" flip="none" algn="tl"/>
+        </a:blipFill>
+        <a:blipFill rotWithShape="1">
+          <a:blip xmlns:r="http://schemas.openxmlformats.org/officeDocument/2006/relationships" r:embed="rId1">
+            <a:duotone>
               <a:schemeClr val="phClr">
-                <a:lumMod val="105000"/>
-                <a:satMod val="109000"/>
-                <a:tint val="81000"/>
+                <a:shade val="36000"/>
+                <a:satMod val="120000"/>
               </a:schemeClr>
-            </a:gs>
-          </a:gsLst>
-          <a:lin ang="5400000" scaled="0"/>
-        </a:gradFill>
-        <a:gradFill rotWithShape="1">
-          <a:gsLst>
-            <a:gs pos="0">
               <a:schemeClr val="phClr">
-                <a:satMod val="103000"/>
-                <a:lumMod val="102000"/>
-                <a:tint val="94000"/>
+                <a:tint val="40000"/>
               </a:schemeClr>
-            </a:gs>
-            <a:gs pos="50000">
-              <a:schemeClr val="phClr">
-                <a:satMod val="110000"/>
-                <a:lumMod val="100000"/>
-                <a:shade val="100000"/>
-              </a:schemeClr>
-            </a:gs>
-            <a:gs pos="100000">
-              <a:schemeClr val="phClr">
-                <a:lumMod val="99000"/>
-                <a:satMod val="120000"/>
-                <a:shade val="78000"/>
-              </a:schemeClr>
-            </a:gs>
-          </a:gsLst>
-          <a:lin ang="5400000" scaled="0"/>
-        </a:gradFill>
+            </a:duotone>
+          </a:blip>
+          <a:tile tx="0" ty="0" sx="60000" sy="59000" flip="none" algn="tl"/>
+        </a:blipFill>
       </a:fillStyleLst>
       <a:lnStyleLst>
+        <a:ln w="6350" cap="flat" cmpd="sng" algn="ctr">
+          <a:solidFill>
+            <a:schemeClr val="phClr"/>
+          </a:solidFill>
+          <a:prstDash val="solid"/>
+        </a:ln>
         <a:ln w="12700" cap="flat" cmpd="sng" algn="ctr">
           <a:solidFill>
             <a:schemeClr val="phClr"/>
           </a:solidFill>
           <a:prstDash val="solid"/>
-          <a:miter lim="800000"/>
         </a:ln>
         <a:ln w="19050" cap="flat" cmpd="sng" algn="ctr">
           <a:solidFill>
             <a:schemeClr val="phClr"/>
           </a:solidFill>
           <a:prstDash val="solid"/>
-          <a:miter lim="800000"/>
-        </a:ln>
-        <a:ln w="25400" cap="flat" cmpd="sng" algn="ctr">
-          <a:solidFill>
-            <a:schemeClr val="phClr"/>
-          </a:solidFill>
-          <a:prstDash val="solid"/>
-          <a:miter lim="800000"/>
         </a:ln>
       </a:lnStyleLst>
       <a:effectStyleLst>
@@ -4306,15 +5565,18 @@
           <a:effectLst/>
         </a:effectStyle>
         <a:effectStyle>
-          <a:effectLst/>
+          <a:effectLst>
+            <a:softEdge rad="12700"/>
+          </a:effectLst>
         </a:effectStyle>
         <a:effectStyle>
           <a:effectLst>
-            <a:outerShdw blurRad="57150" dist="19050" dir="5400000" algn="ctr" rotWithShape="0">
+            <a:outerShdw blurRad="50800" dist="19050" dir="5400000" algn="tl" rotWithShape="0">
               <a:srgbClr val="000000">
-                <a:alpha val="63000"/>
+                <a:alpha val="60000"/>
               </a:srgbClr>
             </a:outerShdw>
+            <a:softEdge rad="12700"/>
           </a:effectLst>
         </a:effectStyle>
       </a:effectStyleLst>
@@ -4324,65 +5586,34 @@
         </a:solidFill>
         <a:solidFill>
           <a:schemeClr val="phClr">
-            <a:tint val="95000"/>
-            <a:satMod val="170000"/>
+            <a:shade val="97000"/>
+            <a:satMod val="150000"/>
           </a:schemeClr>
         </a:solidFill>
-        <a:gradFill rotWithShape="1">
-          <a:gsLst>
-            <a:gs pos="0">
+        <a:blipFill rotWithShape="1">
+          <a:blip xmlns:r="http://schemas.openxmlformats.org/officeDocument/2006/relationships" r:embed="rId1">
+            <a:duotone>
               <a:schemeClr val="phClr">
-                <a:tint val="93000"/>
-                <a:satMod val="150000"/>
-                <a:shade val="98000"/>
-                <a:lumMod val="102000"/>
-              </a:schemeClr>
-            </a:gs>
-            <a:gs pos="50000">
-              <a:schemeClr val="phClr">
-                <a:tint val="98000"/>
-                <a:satMod val="130000"/>
-                <a:shade val="90000"/>
-                <a:lumMod val="103000"/>
-              </a:schemeClr>
-            </a:gs>
-            <a:gs pos="100000">
-              <a:schemeClr val="phClr">
-                <a:shade val="63000"/>
+                <a:tint val="75000"/>
+                <a:shade val="58000"/>
                 <a:satMod val="120000"/>
               </a:schemeClr>
-            </a:gs>
-          </a:gsLst>
-          <a:lin ang="5400000" scaled="0"/>
-        </a:gradFill>
+              <a:schemeClr val="phClr">
+                <a:tint val="50000"/>
+                <a:shade val="96000"/>
+              </a:schemeClr>
+            </a:duotone>
+          </a:blip>
+          <a:tile tx="0" ty="0" sx="100000" sy="100000" flip="none" algn="tl"/>
+        </a:blipFill>
       </a:bgFillStyleLst>
     </a:fmtScheme>
   </a:themeElements>
-  <a:objectDefaults>
-    <a:lnDef>
-      <a:spPr/>
-      <a:bodyPr/>
-      <a:lstStyle/>
-      <a:style>
-        <a:lnRef idx="2">
-          <a:schemeClr val="accent1"/>
-        </a:lnRef>
-        <a:fillRef idx="0">
-          <a:schemeClr val="accent1"/>
-        </a:fillRef>
-        <a:effectRef idx="1">
-          <a:schemeClr val="accent1"/>
-        </a:effectRef>
-        <a:fontRef idx="minor">
-          <a:schemeClr val="tx1"/>
-        </a:fontRef>
-      </a:style>
-    </a:lnDef>
-  </a:objectDefaults>
+  <a:objectDefaults/>
   <a:extraClrSchemeLst/>
   <a:extLst>
     <a:ext uri="{05A4C25C-085E-4340-85A3-A5531E510DB2}">
-      <thm15:themeFamily xmlns:thm15="http://schemas.microsoft.com/office/thememl/2012/main" name="Office Theme" id="{2E142A2C-CD16-42D6-873A-C26D2A0506FA}" vid="{1BDDFF52-6CD6-40A5-AB3C-68EB2F1E4D0A}"/>
+      <thm15:themeFamily xmlns:thm15="http://schemas.microsoft.com/office/thememl/2012/main" name="Wood Type" id="{7ACABC62-BF99-48CF-A9DC-4DB89C7B13DC}" vid="{142A1326-48AB-42A9-8428-CB14AA30176D}"/>
     </a:ext>
   </a:extLst>
 </a:theme>

--- a/Presentations/EXO1.pptx
+++ b/Presentations/EXO1.pptx
@@ -8,10 +8,13 @@
     <p:sldId id="256" r:id="rId2"/>
     <p:sldId id="261" r:id="rId3"/>
     <p:sldId id="262" r:id="rId4"/>
-    <p:sldId id="258" r:id="rId5"/>
-    <p:sldId id="259" r:id="rId6"/>
-    <p:sldId id="260" r:id="rId7"/>
-    <p:sldId id="257" r:id="rId8"/>
+    <p:sldId id="265" r:id="rId5"/>
+    <p:sldId id="263" r:id="rId6"/>
+    <p:sldId id="264" r:id="rId7"/>
+    <p:sldId id="258" r:id="rId8"/>
+    <p:sldId id="259" r:id="rId9"/>
+    <p:sldId id="260" r:id="rId10"/>
+    <p:sldId id="257" r:id="rId11"/>
   </p:sldIdLst>
   <p:sldSz cx="12192000" cy="6858000"/>
   <p:notesSz cx="6858000" cy="9144000"/>
@@ -116,6 +119,2969 @@
     </p:ext>
   </p:extLst>
 </p:presentation>
+</file>
+
+<file path=ppt/diagrams/colors1.xml><?xml version="1.0" encoding="utf-8"?>
+<dgm:colorsDef xmlns:dgm="http://schemas.openxmlformats.org/drawingml/2006/diagram" xmlns:a="http://schemas.openxmlformats.org/drawingml/2006/main" uniqueId="urn:microsoft.com/office/officeart/2018/5/colors/Iconchunking_neutralicon_colorful1">
+  <dgm:title val=""/>
+  <dgm:desc val=""/>
+  <dgm:catLst>
+    <dgm:cat type="colorful" pri="10100"/>
+  </dgm:catLst>
+  <dgm:styleLbl name="node0">
+    <dgm:fillClrLst meth="repeat">
+      <a:schemeClr val="accent1"/>
+    </dgm:fillClrLst>
+    <dgm:linClrLst meth="repeat">
+      <a:schemeClr val="lt1"/>
+    </dgm:linClrLst>
+    <dgm:effectClrLst/>
+    <dgm:txLinClrLst/>
+    <dgm:txFillClrLst/>
+    <dgm:txEffectClrLst/>
+  </dgm:styleLbl>
+  <dgm:styleLbl name="node1">
+    <dgm:fillClrLst meth="repeat">
+      <a:schemeClr val="bg1"/>
+    </dgm:fillClrLst>
+    <dgm:linClrLst meth="repeat">
+      <a:schemeClr val="lt1">
+        <a:alpha val="0"/>
+      </a:schemeClr>
+    </dgm:linClrLst>
+    <dgm:effectClrLst/>
+    <dgm:txLinClrLst/>
+    <dgm:txFillClrLst meth="repeat">
+      <a:schemeClr val="dk1"/>
+    </dgm:txFillClrLst>
+    <dgm:txEffectClrLst/>
+  </dgm:styleLbl>
+  <dgm:styleLbl name="alignNode1">
+    <dgm:fillClrLst meth="repeat">
+      <a:schemeClr val="accent2"/>
+      <a:schemeClr val="accent3"/>
+      <a:schemeClr val="accent4"/>
+      <a:schemeClr val="accent5"/>
+      <a:schemeClr val="accent6"/>
+    </dgm:fillClrLst>
+    <dgm:linClrLst meth="repeat">
+      <a:schemeClr val="accent2"/>
+      <a:schemeClr val="accent3"/>
+      <a:schemeClr val="accent4"/>
+      <a:schemeClr val="accent5"/>
+      <a:schemeClr val="accent6"/>
+    </dgm:linClrLst>
+    <dgm:effectClrLst/>
+    <dgm:txLinClrLst/>
+    <dgm:txFillClrLst/>
+    <dgm:txEffectClrLst/>
+  </dgm:styleLbl>
+  <dgm:styleLbl name="lnNode1">
+    <dgm:fillClrLst meth="repeat">
+      <a:schemeClr val="accent2"/>
+      <a:schemeClr val="accent3"/>
+      <a:schemeClr val="accent4"/>
+      <a:schemeClr val="accent5"/>
+      <a:schemeClr val="accent6"/>
+    </dgm:fillClrLst>
+    <dgm:linClrLst meth="repeat">
+      <a:schemeClr val="lt1"/>
+    </dgm:linClrLst>
+    <dgm:effectClrLst/>
+    <dgm:txLinClrLst/>
+    <dgm:txFillClrLst/>
+    <dgm:txEffectClrLst/>
+  </dgm:styleLbl>
+  <dgm:styleLbl name="vennNode1">
+    <dgm:fillClrLst meth="repeat">
+      <a:schemeClr val="accent2">
+        <a:alpha val="50000"/>
+      </a:schemeClr>
+      <a:schemeClr val="accent3">
+        <a:alpha val="50000"/>
+      </a:schemeClr>
+      <a:schemeClr val="accent4">
+        <a:alpha val="50000"/>
+      </a:schemeClr>
+      <a:schemeClr val="accent5">
+        <a:alpha val="50000"/>
+      </a:schemeClr>
+      <a:schemeClr val="accent6">
+        <a:alpha val="50000"/>
+      </a:schemeClr>
+    </dgm:fillClrLst>
+    <dgm:linClrLst meth="repeat">
+      <a:schemeClr val="lt1"/>
+    </dgm:linClrLst>
+    <dgm:effectClrLst/>
+    <dgm:txLinClrLst/>
+    <dgm:txFillClrLst/>
+    <dgm:txEffectClrLst/>
+  </dgm:styleLbl>
+  <dgm:styleLbl name="node2">
+    <dgm:fillClrLst>
+      <a:schemeClr val="accent2"/>
+    </dgm:fillClrLst>
+    <dgm:linClrLst meth="repeat">
+      <a:schemeClr val="lt1"/>
+    </dgm:linClrLst>
+    <dgm:effectClrLst/>
+    <dgm:txLinClrLst/>
+    <dgm:txFillClrLst/>
+    <dgm:txEffectClrLst/>
+  </dgm:styleLbl>
+  <dgm:styleLbl name="node3">
+    <dgm:fillClrLst>
+      <a:schemeClr val="accent3"/>
+    </dgm:fillClrLst>
+    <dgm:linClrLst meth="repeat">
+      <a:schemeClr val="lt1"/>
+    </dgm:linClrLst>
+    <dgm:effectClrLst/>
+    <dgm:txLinClrLst/>
+    <dgm:txFillClrLst/>
+    <dgm:txEffectClrLst/>
+  </dgm:styleLbl>
+  <dgm:styleLbl name="node4">
+    <dgm:fillClrLst>
+      <a:schemeClr val="accent4"/>
+    </dgm:fillClrLst>
+    <dgm:linClrLst meth="repeat">
+      <a:schemeClr val="lt1"/>
+    </dgm:linClrLst>
+    <dgm:effectClrLst/>
+    <dgm:txLinClrLst/>
+    <dgm:txFillClrLst/>
+    <dgm:txEffectClrLst/>
+  </dgm:styleLbl>
+  <dgm:styleLbl name="fgImgPlace1">
+    <dgm:fillClrLst meth="repeat">
+      <a:schemeClr val="accent2">
+        <a:tint val="50000"/>
+      </a:schemeClr>
+      <a:schemeClr val="accent3">
+        <a:tint val="50000"/>
+      </a:schemeClr>
+      <a:schemeClr val="accent4">
+        <a:tint val="50000"/>
+      </a:schemeClr>
+      <a:schemeClr val="accent5">
+        <a:tint val="50000"/>
+      </a:schemeClr>
+      <a:schemeClr val="accent6">
+        <a:tint val="50000"/>
+      </a:schemeClr>
+    </dgm:fillClrLst>
+    <dgm:linClrLst meth="repeat">
+      <a:schemeClr val="lt1"/>
+    </dgm:linClrLst>
+    <dgm:effectClrLst/>
+    <dgm:txLinClrLst/>
+    <dgm:txFillClrLst meth="repeat">
+      <a:schemeClr val="lt1"/>
+    </dgm:txFillClrLst>
+    <dgm:txEffectClrLst/>
+  </dgm:styleLbl>
+  <dgm:styleLbl name="alignImgPlace1">
+    <dgm:fillClrLst>
+      <a:schemeClr val="accent1">
+        <a:tint val="50000"/>
+      </a:schemeClr>
+      <a:schemeClr val="accent2">
+        <a:tint val="20000"/>
+      </a:schemeClr>
+    </dgm:fillClrLst>
+    <dgm:linClrLst meth="repeat">
+      <a:schemeClr val="lt1"/>
+    </dgm:linClrLst>
+    <dgm:effectClrLst/>
+    <dgm:txLinClrLst/>
+    <dgm:txFillClrLst meth="repeat">
+      <a:schemeClr val="lt1"/>
+    </dgm:txFillClrLst>
+    <dgm:txEffectClrLst/>
+  </dgm:styleLbl>
+  <dgm:styleLbl name="bgImgPlace1">
+    <dgm:fillClrLst>
+      <a:schemeClr val="accent1">
+        <a:tint val="50000"/>
+      </a:schemeClr>
+      <a:schemeClr val="accent2">
+        <a:tint val="20000"/>
+      </a:schemeClr>
+    </dgm:fillClrLst>
+    <dgm:linClrLst meth="repeat">
+      <a:schemeClr val="lt1"/>
+    </dgm:linClrLst>
+    <dgm:effectClrLst/>
+    <dgm:txLinClrLst/>
+    <dgm:txFillClrLst meth="repeat">
+      <a:schemeClr val="lt1"/>
+    </dgm:txFillClrLst>
+    <dgm:txEffectClrLst/>
+  </dgm:styleLbl>
+  <dgm:styleLbl name="sibTrans2D1">
+    <dgm:fillClrLst meth="repeat">
+      <a:schemeClr val="accent2"/>
+      <a:schemeClr val="accent3"/>
+      <a:schemeClr val="accent4"/>
+      <a:schemeClr val="accent5"/>
+      <a:schemeClr val="accent6"/>
+    </dgm:fillClrLst>
+    <dgm:linClrLst meth="cycle">
+      <a:schemeClr val="lt1"/>
+    </dgm:linClrLst>
+    <dgm:effectClrLst/>
+    <dgm:txLinClrLst/>
+    <dgm:txFillClrLst/>
+    <dgm:txEffectClrLst/>
+  </dgm:styleLbl>
+  <dgm:styleLbl name="fgSibTrans2D1">
+    <dgm:fillClrLst meth="repeat">
+      <a:schemeClr val="accent2"/>
+      <a:schemeClr val="accent3"/>
+      <a:schemeClr val="accent4"/>
+      <a:schemeClr val="accent5"/>
+      <a:schemeClr val="accent6"/>
+    </dgm:fillClrLst>
+    <dgm:linClrLst meth="cycle">
+      <a:schemeClr val="lt1"/>
+    </dgm:linClrLst>
+    <dgm:effectClrLst/>
+    <dgm:txLinClrLst/>
+    <dgm:txFillClrLst meth="repeat">
+      <a:schemeClr val="lt1"/>
+    </dgm:txFillClrLst>
+    <dgm:txEffectClrLst/>
+  </dgm:styleLbl>
+  <dgm:styleLbl name="bgSibTrans2D1">
+    <dgm:fillClrLst meth="repeat">
+      <a:schemeClr val="accent2"/>
+      <a:schemeClr val="accent3"/>
+      <a:schemeClr val="accent4"/>
+      <a:schemeClr val="accent5"/>
+      <a:schemeClr val="accent6"/>
+    </dgm:fillClrLst>
+    <dgm:linClrLst meth="cycle">
+      <a:schemeClr val="lt1"/>
+    </dgm:linClrLst>
+    <dgm:effectClrLst/>
+    <dgm:txLinClrLst/>
+    <dgm:txFillClrLst meth="repeat">
+      <a:schemeClr val="lt1"/>
+    </dgm:txFillClrLst>
+    <dgm:txEffectClrLst/>
+  </dgm:styleLbl>
+  <dgm:styleLbl name="sibTrans1D1">
+    <dgm:fillClrLst meth="repeat">
+      <a:schemeClr val="accent2"/>
+      <a:schemeClr val="accent3"/>
+      <a:schemeClr val="accent4"/>
+      <a:schemeClr val="accent5"/>
+      <a:schemeClr val="accent6"/>
+    </dgm:fillClrLst>
+    <dgm:linClrLst meth="repeat">
+      <a:schemeClr val="accent2"/>
+      <a:schemeClr val="accent3"/>
+      <a:schemeClr val="accent4"/>
+      <a:schemeClr val="accent5"/>
+      <a:schemeClr val="accent6"/>
+    </dgm:linClrLst>
+    <dgm:effectClrLst/>
+    <dgm:txLinClrLst/>
+    <dgm:txFillClrLst meth="repeat">
+      <a:schemeClr val="tx1"/>
+    </dgm:txFillClrLst>
+    <dgm:txEffectClrLst/>
+  </dgm:styleLbl>
+  <dgm:styleLbl name="callout">
+    <dgm:fillClrLst meth="repeat">
+      <a:schemeClr val="accent2"/>
+    </dgm:fillClrLst>
+    <dgm:linClrLst meth="repeat">
+      <a:schemeClr val="accent2">
+        <a:tint val="50000"/>
+      </a:schemeClr>
+    </dgm:linClrLst>
+    <dgm:effectClrLst/>
+    <dgm:txLinClrLst/>
+    <dgm:txFillClrLst meth="repeat">
+      <a:schemeClr val="tx1"/>
+    </dgm:txFillClrLst>
+    <dgm:txEffectClrLst/>
+  </dgm:styleLbl>
+  <dgm:styleLbl name="asst0">
+    <dgm:fillClrLst meth="repeat">
+      <a:schemeClr val="accent1"/>
+    </dgm:fillClrLst>
+    <dgm:linClrLst meth="repeat">
+      <a:schemeClr val="lt1"/>
+    </dgm:linClrLst>
+    <dgm:effectClrLst/>
+    <dgm:txLinClrLst/>
+    <dgm:txFillClrLst/>
+    <dgm:txEffectClrLst/>
+  </dgm:styleLbl>
+  <dgm:styleLbl name="asst1">
+    <dgm:fillClrLst meth="repeat">
+      <a:schemeClr val="accent2"/>
+    </dgm:fillClrLst>
+    <dgm:linClrLst meth="repeat">
+      <a:schemeClr val="lt1"/>
+    </dgm:linClrLst>
+    <dgm:effectClrLst/>
+    <dgm:txLinClrLst/>
+    <dgm:txFillClrLst/>
+    <dgm:txEffectClrLst/>
+  </dgm:styleLbl>
+  <dgm:styleLbl name="asst2">
+    <dgm:fillClrLst>
+      <a:schemeClr val="accent3"/>
+    </dgm:fillClrLst>
+    <dgm:linClrLst meth="repeat">
+      <a:schemeClr val="lt1"/>
+    </dgm:linClrLst>
+    <dgm:effectClrLst/>
+    <dgm:txLinClrLst/>
+    <dgm:txFillClrLst/>
+    <dgm:txEffectClrLst/>
+  </dgm:styleLbl>
+  <dgm:styleLbl name="asst3">
+    <dgm:fillClrLst>
+      <a:schemeClr val="accent4"/>
+    </dgm:fillClrLst>
+    <dgm:linClrLst meth="repeat">
+      <a:schemeClr val="lt1"/>
+    </dgm:linClrLst>
+    <dgm:effectClrLst/>
+    <dgm:txLinClrLst/>
+    <dgm:txFillClrLst/>
+    <dgm:txEffectClrLst/>
+  </dgm:styleLbl>
+  <dgm:styleLbl name="asst4">
+    <dgm:fillClrLst>
+      <a:schemeClr val="accent5"/>
+    </dgm:fillClrLst>
+    <dgm:linClrLst meth="repeat">
+      <a:schemeClr val="lt1"/>
+    </dgm:linClrLst>
+    <dgm:effectClrLst/>
+    <dgm:txLinClrLst/>
+    <dgm:txFillClrLst/>
+    <dgm:txEffectClrLst/>
+  </dgm:styleLbl>
+  <dgm:styleLbl name="parChTrans2D1">
+    <dgm:fillClrLst meth="repeat">
+      <a:schemeClr val="accent2"/>
+    </dgm:fillClrLst>
+    <dgm:linClrLst meth="repeat">
+      <a:schemeClr val="lt1"/>
+    </dgm:linClrLst>
+    <dgm:effectClrLst/>
+    <dgm:txLinClrLst/>
+    <dgm:txFillClrLst meth="repeat">
+      <a:schemeClr val="lt1"/>
+    </dgm:txFillClrLst>
+    <dgm:txEffectClrLst/>
+  </dgm:styleLbl>
+  <dgm:styleLbl name="parChTrans2D2">
+    <dgm:fillClrLst meth="repeat">
+      <a:schemeClr val="accent3"/>
+    </dgm:fillClrLst>
+    <dgm:linClrLst meth="repeat">
+      <a:schemeClr val="lt1"/>
+    </dgm:linClrLst>
+    <dgm:effectClrLst/>
+    <dgm:txLinClrLst/>
+    <dgm:txFillClrLst/>
+    <dgm:txEffectClrLst/>
+  </dgm:styleLbl>
+  <dgm:styleLbl name="parChTrans2D3">
+    <dgm:fillClrLst meth="repeat">
+      <a:schemeClr val="accent4"/>
+    </dgm:fillClrLst>
+    <dgm:linClrLst meth="repeat">
+      <a:schemeClr val="lt1"/>
+    </dgm:linClrLst>
+    <dgm:effectClrLst/>
+    <dgm:txLinClrLst/>
+    <dgm:txFillClrLst/>
+    <dgm:txEffectClrLst/>
+  </dgm:styleLbl>
+  <dgm:styleLbl name="parChTrans2D4">
+    <dgm:fillClrLst meth="repeat">
+      <a:schemeClr val="accent5"/>
+    </dgm:fillClrLst>
+    <dgm:linClrLst meth="repeat">
+      <a:schemeClr val="lt1"/>
+    </dgm:linClrLst>
+    <dgm:effectClrLst/>
+    <dgm:txLinClrLst/>
+    <dgm:txFillClrLst meth="repeat">
+      <a:schemeClr val="lt1"/>
+    </dgm:txFillClrLst>
+    <dgm:txEffectClrLst/>
+  </dgm:styleLbl>
+  <dgm:styleLbl name="parChTrans1D1">
+    <dgm:fillClrLst meth="repeat">
+      <a:schemeClr val="accent2"/>
+    </dgm:fillClrLst>
+    <dgm:linClrLst meth="repeat">
+      <a:schemeClr val="accent1"/>
+    </dgm:linClrLst>
+    <dgm:effectClrLst/>
+    <dgm:txLinClrLst/>
+    <dgm:txFillClrLst meth="repeat">
+      <a:schemeClr val="tx1"/>
+    </dgm:txFillClrLst>
+    <dgm:txEffectClrLst/>
+  </dgm:styleLbl>
+  <dgm:styleLbl name="parChTrans1D2">
+    <dgm:fillClrLst meth="repeat">
+      <a:schemeClr val="accent3">
+        <a:tint val="90000"/>
+      </a:schemeClr>
+    </dgm:fillClrLst>
+    <dgm:linClrLst meth="repeat">
+      <a:schemeClr val="accent2"/>
+    </dgm:linClrLst>
+    <dgm:effectClrLst/>
+    <dgm:txLinClrLst/>
+    <dgm:txFillClrLst meth="repeat">
+      <a:schemeClr val="tx1"/>
+    </dgm:txFillClrLst>
+    <dgm:txEffectClrLst/>
+  </dgm:styleLbl>
+  <dgm:styleLbl name="parChTrans1D3">
+    <dgm:fillClrLst meth="repeat">
+      <a:schemeClr val="accent4">
+        <a:tint val="70000"/>
+      </a:schemeClr>
+    </dgm:fillClrLst>
+    <dgm:linClrLst meth="repeat">
+      <a:schemeClr val="accent3"/>
+    </dgm:linClrLst>
+    <dgm:effectClrLst/>
+    <dgm:txLinClrLst/>
+    <dgm:txFillClrLst meth="repeat">
+      <a:schemeClr val="tx1"/>
+    </dgm:txFillClrLst>
+    <dgm:txEffectClrLst/>
+  </dgm:styleLbl>
+  <dgm:styleLbl name="parChTrans1D4">
+    <dgm:fillClrLst meth="repeat">
+      <a:schemeClr val="accent5">
+        <a:tint val="50000"/>
+      </a:schemeClr>
+    </dgm:fillClrLst>
+    <dgm:linClrLst meth="repeat">
+      <a:schemeClr val="accent4"/>
+    </dgm:linClrLst>
+    <dgm:effectClrLst/>
+    <dgm:txLinClrLst/>
+    <dgm:txFillClrLst meth="repeat">
+      <a:schemeClr val="tx1"/>
+    </dgm:txFillClrLst>
+    <dgm:txEffectClrLst/>
+  </dgm:styleLbl>
+  <dgm:styleLbl name="fgAcc1">
+    <dgm:fillClrLst meth="repeat">
+      <a:schemeClr val="lt1">
+        <a:alpha val="90000"/>
+      </a:schemeClr>
+    </dgm:fillClrLst>
+    <dgm:linClrLst meth="repeat">
+      <a:schemeClr val="accent2"/>
+      <a:schemeClr val="accent3"/>
+      <a:schemeClr val="accent4"/>
+      <a:schemeClr val="accent5"/>
+      <a:schemeClr val="accent6"/>
+    </dgm:linClrLst>
+    <dgm:effectClrLst/>
+    <dgm:txLinClrLst/>
+    <dgm:txFillClrLst meth="repeat">
+      <a:schemeClr val="dk1"/>
+    </dgm:txFillClrLst>
+    <dgm:txEffectClrLst/>
+  </dgm:styleLbl>
+  <dgm:styleLbl name="conFgAcc1">
+    <dgm:fillClrLst meth="repeat">
+      <a:schemeClr val="lt1">
+        <a:alpha val="90000"/>
+      </a:schemeClr>
+    </dgm:fillClrLst>
+    <dgm:linClrLst meth="repeat">
+      <a:schemeClr val="accent2"/>
+      <a:schemeClr val="accent3"/>
+      <a:schemeClr val="accent4"/>
+      <a:schemeClr val="accent5"/>
+      <a:schemeClr val="accent6"/>
+    </dgm:linClrLst>
+    <dgm:effectClrLst/>
+    <dgm:txLinClrLst/>
+    <dgm:txFillClrLst meth="repeat">
+      <a:schemeClr val="dk1"/>
+    </dgm:txFillClrLst>
+    <dgm:txEffectClrLst/>
+  </dgm:styleLbl>
+  <dgm:styleLbl name="alignAcc1">
+    <dgm:fillClrLst meth="repeat">
+      <a:schemeClr val="lt1">
+        <a:alpha val="90000"/>
+      </a:schemeClr>
+    </dgm:fillClrLst>
+    <dgm:linClrLst meth="repeat">
+      <a:schemeClr val="accent2"/>
+      <a:schemeClr val="accent3"/>
+      <a:schemeClr val="accent4"/>
+      <a:schemeClr val="accent5"/>
+      <a:schemeClr val="accent6"/>
+    </dgm:linClrLst>
+    <dgm:effectClrLst/>
+    <dgm:txLinClrLst/>
+    <dgm:txFillClrLst meth="repeat">
+      <a:schemeClr val="dk1"/>
+    </dgm:txFillClrLst>
+    <dgm:txEffectClrLst/>
+  </dgm:styleLbl>
+  <dgm:styleLbl name="trAlignAcc1">
+    <dgm:fillClrLst meth="repeat">
+      <a:schemeClr val="lt1">
+        <a:alpha val="40000"/>
+      </a:schemeClr>
+    </dgm:fillClrLst>
+    <dgm:linClrLst meth="repeat">
+      <a:schemeClr val="accent1"/>
+    </dgm:linClrLst>
+    <dgm:effectClrLst/>
+    <dgm:txLinClrLst/>
+    <dgm:txFillClrLst meth="repeat">
+      <a:schemeClr val="dk1"/>
+    </dgm:txFillClrLst>
+    <dgm:txEffectClrLst/>
+  </dgm:styleLbl>
+  <dgm:styleLbl name="bgAcc1">
+    <dgm:fillClrLst meth="repeat">
+      <a:schemeClr val="lt1">
+        <a:alpha val="90000"/>
+      </a:schemeClr>
+    </dgm:fillClrLst>
+    <dgm:linClrLst meth="repeat">
+      <a:schemeClr val="accent2"/>
+      <a:schemeClr val="accent3"/>
+      <a:schemeClr val="accent4"/>
+      <a:schemeClr val="accent5"/>
+      <a:schemeClr val="accent6"/>
+    </dgm:linClrLst>
+    <dgm:effectClrLst/>
+    <dgm:txLinClrLst/>
+    <dgm:txFillClrLst meth="repeat">
+      <a:schemeClr val="dk1"/>
+    </dgm:txFillClrLst>
+    <dgm:txEffectClrLst/>
+  </dgm:styleLbl>
+  <dgm:styleLbl name="solidFgAcc1">
+    <dgm:fillClrLst meth="repeat">
+      <a:schemeClr val="lt1"/>
+    </dgm:fillClrLst>
+    <dgm:linClrLst meth="repeat">
+      <a:schemeClr val="accent2"/>
+      <a:schemeClr val="accent3"/>
+      <a:schemeClr val="accent4"/>
+      <a:schemeClr val="accent5"/>
+      <a:schemeClr val="accent6"/>
+    </dgm:linClrLst>
+    <dgm:effectClrLst/>
+    <dgm:txLinClrLst/>
+    <dgm:txFillClrLst meth="repeat">
+      <a:schemeClr val="dk1"/>
+    </dgm:txFillClrLst>
+    <dgm:txEffectClrLst/>
+  </dgm:styleLbl>
+  <dgm:styleLbl name="solidAlignAcc1">
+    <dgm:fillClrLst meth="repeat">
+      <a:schemeClr val="lt1"/>
+    </dgm:fillClrLst>
+    <dgm:linClrLst meth="repeat">
+      <a:schemeClr val="accent2"/>
+      <a:schemeClr val="accent3"/>
+      <a:schemeClr val="accent4"/>
+      <a:schemeClr val="accent5"/>
+      <a:schemeClr val="accent6"/>
+    </dgm:linClrLst>
+    <dgm:effectClrLst/>
+    <dgm:txLinClrLst/>
+    <dgm:txFillClrLst meth="repeat">
+      <a:schemeClr val="dk1"/>
+    </dgm:txFillClrLst>
+    <dgm:txEffectClrLst/>
+  </dgm:styleLbl>
+  <dgm:styleLbl name="solidBgAcc1">
+    <dgm:fillClrLst meth="repeat">
+      <a:schemeClr val="lt1"/>
+    </dgm:fillClrLst>
+    <dgm:linClrLst meth="repeat">
+      <a:schemeClr val="accent2"/>
+      <a:schemeClr val="accent3"/>
+      <a:schemeClr val="accent4"/>
+      <a:schemeClr val="accent5"/>
+      <a:schemeClr val="accent6"/>
+    </dgm:linClrLst>
+    <dgm:effectClrLst/>
+    <dgm:txLinClrLst/>
+    <dgm:txFillClrLst meth="repeat">
+      <a:schemeClr val="dk1"/>
+    </dgm:txFillClrLst>
+    <dgm:txEffectClrLst/>
+  </dgm:styleLbl>
+  <dgm:styleLbl name="fgAccFollowNode1">
+    <dgm:fillClrLst meth="repeat">
+      <a:schemeClr val="accent2">
+        <a:tint val="40000"/>
+        <a:alpha val="90000"/>
+      </a:schemeClr>
+      <a:schemeClr val="accent3">
+        <a:tint val="40000"/>
+        <a:alpha val="90000"/>
+      </a:schemeClr>
+      <a:schemeClr val="accent4">
+        <a:tint val="40000"/>
+        <a:alpha val="90000"/>
+      </a:schemeClr>
+      <a:schemeClr val="accent5">
+        <a:tint val="40000"/>
+        <a:alpha val="90000"/>
+      </a:schemeClr>
+      <a:schemeClr val="accent6">
+        <a:tint val="40000"/>
+        <a:alpha val="90000"/>
+      </a:schemeClr>
+    </dgm:fillClrLst>
+    <dgm:linClrLst meth="repeat">
+      <a:schemeClr val="accent2">
+        <a:tint val="40000"/>
+        <a:alpha val="90000"/>
+      </a:schemeClr>
+      <a:schemeClr val="accent3">
+        <a:tint val="40000"/>
+        <a:alpha val="90000"/>
+      </a:schemeClr>
+      <a:schemeClr val="accent4">
+        <a:tint val="40000"/>
+        <a:alpha val="90000"/>
+      </a:schemeClr>
+      <a:schemeClr val="accent5">
+        <a:tint val="40000"/>
+        <a:alpha val="90000"/>
+      </a:schemeClr>
+      <a:schemeClr val="accent6">
+        <a:tint val="40000"/>
+        <a:alpha val="90000"/>
+      </a:schemeClr>
+    </dgm:linClrLst>
+    <dgm:effectClrLst/>
+    <dgm:txLinClrLst/>
+    <dgm:txFillClrLst meth="repeat">
+      <a:schemeClr val="dk1"/>
+    </dgm:txFillClrLst>
+    <dgm:txEffectClrLst/>
+  </dgm:styleLbl>
+  <dgm:styleLbl name="alignAccFollowNode1">
+    <dgm:fillClrLst meth="repeat">
+      <a:schemeClr val="accent2">
+        <a:tint val="40000"/>
+        <a:alpha val="90000"/>
+      </a:schemeClr>
+      <a:schemeClr val="accent3">
+        <a:tint val="40000"/>
+        <a:alpha val="90000"/>
+      </a:schemeClr>
+      <a:schemeClr val="accent4">
+        <a:tint val="40000"/>
+        <a:alpha val="90000"/>
+      </a:schemeClr>
+      <a:schemeClr val="accent5">
+        <a:tint val="40000"/>
+        <a:alpha val="90000"/>
+      </a:schemeClr>
+      <a:schemeClr val="accent6">
+        <a:tint val="40000"/>
+        <a:alpha val="90000"/>
+      </a:schemeClr>
+    </dgm:fillClrLst>
+    <dgm:linClrLst meth="repeat">
+      <a:schemeClr val="accent2">
+        <a:tint val="40000"/>
+        <a:alpha val="90000"/>
+      </a:schemeClr>
+      <a:schemeClr val="accent3">
+        <a:tint val="40000"/>
+        <a:alpha val="90000"/>
+      </a:schemeClr>
+      <a:schemeClr val="accent4">
+        <a:tint val="40000"/>
+        <a:alpha val="90000"/>
+      </a:schemeClr>
+      <a:schemeClr val="accent5">
+        <a:tint val="40000"/>
+        <a:alpha val="90000"/>
+      </a:schemeClr>
+      <a:schemeClr val="accent6">
+        <a:tint val="40000"/>
+        <a:alpha val="90000"/>
+      </a:schemeClr>
+    </dgm:linClrLst>
+    <dgm:effectClrLst/>
+    <dgm:txLinClrLst/>
+    <dgm:txFillClrLst meth="repeat">
+      <a:schemeClr val="dk1"/>
+    </dgm:txFillClrLst>
+    <dgm:txEffectClrLst/>
+  </dgm:styleLbl>
+  <dgm:styleLbl name="bgAccFollowNode1">
+    <dgm:fillClrLst meth="repeat">
+      <a:schemeClr val="accent2">
+        <a:tint val="40000"/>
+        <a:alpha val="90000"/>
+      </a:schemeClr>
+      <a:schemeClr val="accent3">
+        <a:tint val="40000"/>
+        <a:alpha val="90000"/>
+      </a:schemeClr>
+      <a:schemeClr val="accent4">
+        <a:tint val="40000"/>
+        <a:alpha val="90000"/>
+      </a:schemeClr>
+      <a:schemeClr val="accent5">
+        <a:tint val="40000"/>
+        <a:alpha val="90000"/>
+      </a:schemeClr>
+      <a:schemeClr val="accent6">
+        <a:tint val="40000"/>
+        <a:alpha val="90000"/>
+      </a:schemeClr>
+    </dgm:fillClrLst>
+    <dgm:linClrLst meth="repeat">
+      <a:schemeClr val="accent2">
+        <a:tint val="40000"/>
+        <a:alpha val="90000"/>
+      </a:schemeClr>
+      <a:schemeClr val="accent3">
+        <a:tint val="40000"/>
+        <a:alpha val="90000"/>
+      </a:schemeClr>
+      <a:schemeClr val="accent4">
+        <a:tint val="40000"/>
+        <a:alpha val="90000"/>
+      </a:schemeClr>
+      <a:schemeClr val="accent5">
+        <a:tint val="40000"/>
+        <a:alpha val="90000"/>
+      </a:schemeClr>
+      <a:schemeClr val="accent6">
+        <a:tint val="40000"/>
+        <a:alpha val="90000"/>
+      </a:schemeClr>
+    </dgm:linClrLst>
+    <dgm:effectClrLst/>
+    <dgm:txLinClrLst/>
+    <dgm:txFillClrLst meth="repeat">
+      <a:schemeClr val="dk1"/>
+    </dgm:txFillClrLst>
+    <dgm:txEffectClrLst/>
+  </dgm:styleLbl>
+  <dgm:styleLbl name="fgAcc0">
+    <dgm:fillClrLst meth="repeat">
+      <a:schemeClr val="lt1">
+        <a:alpha val="90000"/>
+      </a:schemeClr>
+    </dgm:fillClrLst>
+    <dgm:linClrLst>
+      <a:schemeClr val="accent1"/>
+    </dgm:linClrLst>
+    <dgm:effectClrLst/>
+    <dgm:txLinClrLst/>
+    <dgm:txFillClrLst meth="repeat">
+      <a:schemeClr val="dk1"/>
+    </dgm:txFillClrLst>
+    <dgm:txEffectClrLst/>
+  </dgm:styleLbl>
+  <dgm:styleLbl name="fgAcc2">
+    <dgm:fillClrLst meth="repeat">
+      <a:schemeClr val="lt1">
+        <a:alpha val="90000"/>
+      </a:schemeClr>
+    </dgm:fillClrLst>
+    <dgm:linClrLst>
+      <a:schemeClr val="accent2"/>
+    </dgm:linClrLst>
+    <dgm:effectClrLst/>
+    <dgm:txLinClrLst/>
+    <dgm:txFillClrLst meth="repeat">
+      <a:schemeClr val="dk1"/>
+    </dgm:txFillClrLst>
+    <dgm:txEffectClrLst/>
+  </dgm:styleLbl>
+  <dgm:styleLbl name="fgAcc3">
+    <dgm:fillClrLst meth="repeat">
+      <a:schemeClr val="lt1">
+        <a:alpha val="90000"/>
+      </a:schemeClr>
+    </dgm:fillClrLst>
+    <dgm:linClrLst>
+      <a:schemeClr val="accent3"/>
+    </dgm:linClrLst>
+    <dgm:effectClrLst/>
+    <dgm:txLinClrLst/>
+    <dgm:txFillClrLst meth="repeat">
+      <a:schemeClr val="dk1"/>
+    </dgm:txFillClrLst>
+    <dgm:txEffectClrLst/>
+  </dgm:styleLbl>
+  <dgm:styleLbl name="fgAcc4">
+    <dgm:fillClrLst meth="repeat">
+      <a:schemeClr val="lt1">
+        <a:alpha val="90000"/>
+      </a:schemeClr>
+    </dgm:fillClrLst>
+    <dgm:linClrLst>
+      <a:schemeClr val="accent4"/>
+    </dgm:linClrLst>
+    <dgm:effectClrLst/>
+    <dgm:txLinClrLst/>
+    <dgm:txFillClrLst meth="repeat">
+      <a:schemeClr val="dk1"/>
+    </dgm:txFillClrLst>
+    <dgm:txEffectClrLst/>
+  </dgm:styleLbl>
+  <dgm:styleLbl name="bgShp">
+    <dgm:fillClrLst meth="repeat">
+      <a:schemeClr val="accent2"/>
+      <a:schemeClr val="accent3"/>
+      <a:schemeClr val="accent4"/>
+      <a:schemeClr val="accent5"/>
+      <a:schemeClr val="accent6"/>
+    </dgm:fillClrLst>
+    <dgm:linClrLst meth="repeat">
+      <a:schemeClr val="lt1">
+        <a:alpha val="0"/>
+      </a:schemeClr>
+    </dgm:linClrLst>
+    <dgm:effectClrLst/>
+    <dgm:txLinClrLst/>
+    <dgm:txFillClrLst/>
+    <dgm:txEffectClrLst/>
+  </dgm:styleLbl>
+  <dgm:styleLbl name="dkBgShp">
+    <dgm:fillClrLst meth="repeat">
+      <a:schemeClr val="accent2">
+        <a:shade val="90000"/>
+      </a:schemeClr>
+    </dgm:fillClrLst>
+    <dgm:linClrLst meth="repeat">
+      <a:schemeClr val="dk1"/>
+    </dgm:linClrLst>
+    <dgm:effectClrLst/>
+    <dgm:txLinClrLst/>
+    <dgm:txFillClrLst meth="repeat">
+      <a:schemeClr val="lt1"/>
+    </dgm:txFillClrLst>
+    <dgm:txEffectClrLst/>
+  </dgm:styleLbl>
+  <dgm:styleLbl name="trBgShp">
+    <dgm:fillClrLst meth="repeat">
+      <a:schemeClr val="accent1">
+        <a:tint val="50000"/>
+        <a:alpha val="40000"/>
+      </a:schemeClr>
+    </dgm:fillClrLst>
+    <dgm:linClrLst meth="repeat">
+      <a:schemeClr val="accent2"/>
+    </dgm:linClrLst>
+    <dgm:effectClrLst/>
+    <dgm:txLinClrLst/>
+    <dgm:txFillClrLst meth="repeat">
+      <a:schemeClr val="lt1"/>
+    </dgm:txFillClrLst>
+    <dgm:txEffectClrLst/>
+  </dgm:styleLbl>
+  <dgm:styleLbl name="fgShp">
+    <dgm:fillClrLst meth="repeat">
+      <a:schemeClr val="accent2">
+        <a:tint val="40000"/>
+      </a:schemeClr>
+    </dgm:fillClrLst>
+    <dgm:linClrLst meth="repeat">
+      <a:schemeClr val="lt1"/>
+    </dgm:linClrLst>
+    <dgm:effectClrLst/>
+    <dgm:txLinClrLst/>
+    <dgm:txFillClrLst meth="repeat">
+      <a:schemeClr val="dk1"/>
+    </dgm:txFillClrLst>
+    <dgm:txEffectClrLst/>
+  </dgm:styleLbl>
+  <dgm:styleLbl name="revTx">
+    <dgm:fillClrLst meth="repeat">
+      <a:schemeClr val="lt1">
+        <a:alpha val="0"/>
+      </a:schemeClr>
+    </dgm:fillClrLst>
+    <dgm:linClrLst meth="repeat">
+      <a:schemeClr val="dk1">
+        <a:alpha val="0"/>
+      </a:schemeClr>
+    </dgm:linClrLst>
+    <dgm:effectClrLst/>
+    <dgm:txLinClrLst/>
+    <dgm:txFillClrLst meth="repeat">
+      <a:schemeClr val="tx1"/>
+    </dgm:txFillClrLst>
+    <dgm:txEffectClrLst/>
+  </dgm:styleLbl>
+</dgm:colorsDef>
+</file>
+
+<file path=ppt/diagrams/data1.xml><?xml version="1.0" encoding="utf-8"?>
+<dgm:dataModel xmlns:dgm="http://schemas.openxmlformats.org/drawingml/2006/diagram" xmlns:a="http://schemas.openxmlformats.org/drawingml/2006/main">
+  <dgm:ptLst>
+    <dgm:pt modelId="{B2067236-16B7-4180-8157-BAF3FFF5E954}" type="doc">
+      <dgm:prSet loTypeId="urn:microsoft.com/office/officeart/2018/5/layout/IconCircleLabelList" loCatId="icon" qsTypeId="urn:microsoft.com/office/officeart/2005/8/quickstyle/simple1" qsCatId="simple" csTypeId="urn:microsoft.com/office/officeart/2018/5/colors/Iconchunking_neutralicon_colorful1" csCatId="colorful" phldr="1"/>
+      <dgm:spPr/>
+      <dgm:t>
+        <a:bodyPr/>
+        <a:lstStyle/>
+        <a:p>
+          <a:endParaRPr lang="en-US"/>
+        </a:p>
+      </dgm:t>
+    </dgm:pt>
+    <dgm:pt modelId="{14785294-CD83-4B7B-8C7D-A8381134AF70}">
+      <dgm:prSet/>
+      <dgm:spPr/>
+      <dgm:t>
+        <a:bodyPr/>
+        <a:lstStyle/>
+        <a:p>
+          <a:pPr>
+            <a:defRPr cap="all"/>
+          </a:pPr>
+          <a:r>
+            <a:rPr lang="en-US" dirty="0" err="1"/>
+            <a:t>Healtcare</a:t>
+          </a:r>
+          <a:endParaRPr lang="en-US" dirty="0"/>
+        </a:p>
+      </dgm:t>
+    </dgm:pt>
+    <dgm:pt modelId="{64F00B54-5F49-4BD2-A844-C05465C9846E}" type="parTrans" cxnId="{3870A825-9FEF-44C3-842D-E241DBF667D0}">
+      <dgm:prSet/>
+      <dgm:spPr/>
+      <dgm:t>
+        <a:bodyPr/>
+        <a:lstStyle/>
+        <a:p>
+          <a:endParaRPr lang="en-US"/>
+        </a:p>
+      </dgm:t>
+    </dgm:pt>
+    <dgm:pt modelId="{2C782226-E681-4C7E-96EA-EED1DD586033}" type="sibTrans" cxnId="{3870A825-9FEF-44C3-842D-E241DBF667D0}">
+      <dgm:prSet/>
+      <dgm:spPr/>
+      <dgm:t>
+        <a:bodyPr/>
+        <a:lstStyle/>
+        <a:p>
+          <a:endParaRPr lang="en-US"/>
+        </a:p>
+      </dgm:t>
+    </dgm:pt>
+    <dgm:pt modelId="{59E34F7D-EE54-47A6-AA55-88DEEA298A14}">
+      <dgm:prSet/>
+      <dgm:spPr/>
+      <dgm:t>
+        <a:bodyPr/>
+        <a:lstStyle/>
+        <a:p>
+          <a:pPr>
+            <a:defRPr cap="all"/>
+          </a:pPr>
+          <a:r>
+            <a:rPr lang="en-US"/>
+            <a:t>Assembly Work</a:t>
+          </a:r>
+        </a:p>
+      </dgm:t>
+    </dgm:pt>
+    <dgm:pt modelId="{CC2F7DBE-1386-4DA1-9E7D-D14FCC8FD754}" type="parTrans" cxnId="{B6964563-E3E6-409A-992E-5E3DEB0ED20D}">
+      <dgm:prSet/>
+      <dgm:spPr/>
+      <dgm:t>
+        <a:bodyPr/>
+        <a:lstStyle/>
+        <a:p>
+          <a:endParaRPr lang="en-US"/>
+        </a:p>
+      </dgm:t>
+    </dgm:pt>
+    <dgm:pt modelId="{F4F7CCBC-9EFE-4261-9DFF-99EDD47BFC57}" type="sibTrans" cxnId="{B6964563-E3E6-409A-992E-5E3DEB0ED20D}">
+      <dgm:prSet/>
+      <dgm:spPr/>
+      <dgm:t>
+        <a:bodyPr/>
+        <a:lstStyle/>
+        <a:p>
+          <a:endParaRPr lang="en-US"/>
+        </a:p>
+      </dgm:t>
+    </dgm:pt>
+    <dgm:pt modelId="{3BC9030C-8353-40EE-B5F4-29D9124AFB81}">
+      <dgm:prSet/>
+      <dgm:spPr/>
+      <dgm:t>
+        <a:bodyPr/>
+        <a:lstStyle/>
+        <a:p>
+          <a:pPr>
+            <a:defRPr cap="all"/>
+          </a:pPr>
+          <a:r>
+            <a:rPr lang="en-US" dirty="0"/>
+            <a:t>Fruit Gathering</a:t>
+          </a:r>
+        </a:p>
+      </dgm:t>
+    </dgm:pt>
+    <dgm:pt modelId="{88F06710-281F-48BB-BFC7-B515A1AA6991}" type="parTrans" cxnId="{F00588FB-681F-4503-BD49-FE95D46E593B}">
+      <dgm:prSet/>
+      <dgm:spPr/>
+      <dgm:t>
+        <a:bodyPr/>
+        <a:lstStyle/>
+        <a:p>
+          <a:endParaRPr lang="en-US"/>
+        </a:p>
+      </dgm:t>
+    </dgm:pt>
+    <dgm:pt modelId="{DFE29E12-D90F-4FFA-A8DB-AFB3E30166C3}" type="sibTrans" cxnId="{F00588FB-681F-4503-BD49-FE95D46E593B}">
+      <dgm:prSet/>
+      <dgm:spPr/>
+      <dgm:t>
+        <a:bodyPr/>
+        <a:lstStyle/>
+        <a:p>
+          <a:endParaRPr lang="en-US"/>
+        </a:p>
+      </dgm:t>
+    </dgm:pt>
+    <dgm:pt modelId="{6318C7A0-960F-4410-A7E4-5A5158D39E01}" type="pres">
+      <dgm:prSet presAssocID="{B2067236-16B7-4180-8157-BAF3FFF5E954}" presName="root" presStyleCnt="0">
+        <dgm:presLayoutVars>
+          <dgm:dir/>
+          <dgm:resizeHandles val="exact"/>
+        </dgm:presLayoutVars>
+      </dgm:prSet>
+      <dgm:spPr/>
+    </dgm:pt>
+    <dgm:pt modelId="{ACF3D3FD-7838-46F6-BCF9-5C588940A7E6}" type="pres">
+      <dgm:prSet presAssocID="{14785294-CD83-4B7B-8C7D-A8381134AF70}" presName="compNode" presStyleCnt="0"/>
+      <dgm:spPr/>
+    </dgm:pt>
+    <dgm:pt modelId="{E8F2F353-9B31-4B4E-AACF-A66FD31D2A77}" type="pres">
+      <dgm:prSet presAssocID="{14785294-CD83-4B7B-8C7D-A8381134AF70}" presName="iconBgRect" presStyleLbl="bgShp" presStyleIdx="0" presStyleCnt="3"/>
+      <dgm:spPr/>
+    </dgm:pt>
+    <dgm:pt modelId="{E9955553-03D8-46EA-84F2-D161AFD8EE30}" type="pres">
+      <dgm:prSet presAssocID="{14785294-CD83-4B7B-8C7D-A8381134AF70}" presName="iconRect" presStyleLbl="node1" presStyleIdx="0" presStyleCnt="3"/>
+      <dgm:spPr>
+        <a:blipFill>
+          <a:blip xmlns:r="http://schemas.openxmlformats.org/officeDocument/2006/relationships" r:embed="rId1">
+            <a:extLst>
+              <a:ext uri="{28A0092B-C50C-407E-A947-70E740481C1C}">
+                <a14:useLocalDpi xmlns:a14="http://schemas.microsoft.com/office/drawing/2010/main" val="0"/>
+              </a:ext>
+              <a:ext uri="{96DAC541-7B7A-43D3-8B79-37D633B846F1}">
+                <asvg:svgBlip xmlns:asvg="http://schemas.microsoft.com/office/drawing/2016/SVG/main" r:embed="rId2"/>
+              </a:ext>
+            </a:extLst>
+          </a:blip>
+          <a:stretch>
+            <a:fillRect/>
+          </a:stretch>
+        </a:blipFill>
+        <a:ln>
+          <a:noFill/>
+        </a:ln>
+      </dgm:spPr>
+      <dgm:extLst>
+        <a:ext uri="{E40237B7-FDA0-4F09-8148-C483321AD2D9}">
+          <dgm14:cNvPr xmlns:dgm14="http://schemas.microsoft.com/office/drawing/2010/diagram" id="0" name="" descr="Nål"/>
+        </a:ext>
+      </dgm:extLst>
+    </dgm:pt>
+    <dgm:pt modelId="{ED709953-C2F3-4B37-B6C1-2BE13F64708D}" type="pres">
+      <dgm:prSet presAssocID="{14785294-CD83-4B7B-8C7D-A8381134AF70}" presName="spaceRect" presStyleCnt="0"/>
+      <dgm:spPr/>
+    </dgm:pt>
+    <dgm:pt modelId="{0C992BB3-146C-48FD-A473-715D5228582F}" type="pres">
+      <dgm:prSet presAssocID="{14785294-CD83-4B7B-8C7D-A8381134AF70}" presName="textRect" presStyleLbl="revTx" presStyleIdx="0" presStyleCnt="3">
+        <dgm:presLayoutVars>
+          <dgm:chMax val="1"/>
+          <dgm:chPref val="1"/>
+        </dgm:presLayoutVars>
+      </dgm:prSet>
+      <dgm:spPr/>
+    </dgm:pt>
+    <dgm:pt modelId="{2FA1FE7C-6132-4D39-BC0D-855C9311E9D3}" type="pres">
+      <dgm:prSet presAssocID="{2C782226-E681-4C7E-96EA-EED1DD586033}" presName="sibTrans" presStyleCnt="0"/>
+      <dgm:spPr/>
+    </dgm:pt>
+    <dgm:pt modelId="{D9729065-D603-40BE-A291-F4D0307214E5}" type="pres">
+      <dgm:prSet presAssocID="{59E34F7D-EE54-47A6-AA55-88DEEA298A14}" presName="compNode" presStyleCnt="0"/>
+      <dgm:spPr/>
+    </dgm:pt>
+    <dgm:pt modelId="{386392D8-0EEC-496F-9141-CED68CAB9051}" type="pres">
+      <dgm:prSet presAssocID="{59E34F7D-EE54-47A6-AA55-88DEEA298A14}" presName="iconBgRect" presStyleLbl="bgShp" presStyleIdx="1" presStyleCnt="3"/>
+      <dgm:spPr/>
+    </dgm:pt>
+    <dgm:pt modelId="{791AEA01-E494-4389-BA2C-4619EDFAADB2}" type="pres">
+      <dgm:prSet presAssocID="{59E34F7D-EE54-47A6-AA55-88DEEA298A14}" presName="iconRect" presStyleLbl="node1" presStyleIdx="1" presStyleCnt="3"/>
+      <dgm:spPr>
+        <a:blipFill>
+          <a:blip xmlns:r="http://schemas.openxmlformats.org/officeDocument/2006/relationships" r:embed="rId3">
+            <a:extLst>
+              <a:ext uri="{28A0092B-C50C-407E-A947-70E740481C1C}">
+                <a14:useLocalDpi xmlns:a14="http://schemas.microsoft.com/office/drawing/2010/main" val="0"/>
+              </a:ext>
+              <a:ext uri="{96DAC541-7B7A-43D3-8B79-37D633B846F1}">
+                <asvg:svgBlip xmlns:asvg="http://schemas.microsoft.com/office/drawing/2016/SVG/main" r:embed="rId4"/>
+              </a:ext>
+            </a:extLst>
+          </a:blip>
+          <a:stretch>
+            <a:fillRect/>
+          </a:stretch>
+        </a:blipFill>
+        <a:ln>
+          <a:noFill/>
+        </a:ln>
+      </dgm:spPr>
+      <dgm:extLst>
+        <a:ext uri="{E40237B7-FDA0-4F09-8148-C483321AD2D9}">
+          <dgm14:cNvPr xmlns:dgm14="http://schemas.microsoft.com/office/drawing/2010/diagram" id="0" name="" descr="Fabrik"/>
+        </a:ext>
+      </dgm:extLst>
+    </dgm:pt>
+    <dgm:pt modelId="{3C00D119-3F2A-413A-9798-95D269C76147}" type="pres">
+      <dgm:prSet presAssocID="{59E34F7D-EE54-47A6-AA55-88DEEA298A14}" presName="spaceRect" presStyleCnt="0"/>
+      <dgm:spPr/>
+    </dgm:pt>
+    <dgm:pt modelId="{94522DB0-91DA-4870-A515-E0DE7F758F40}" type="pres">
+      <dgm:prSet presAssocID="{59E34F7D-EE54-47A6-AA55-88DEEA298A14}" presName="textRect" presStyleLbl="revTx" presStyleIdx="1" presStyleCnt="3">
+        <dgm:presLayoutVars>
+          <dgm:chMax val="1"/>
+          <dgm:chPref val="1"/>
+        </dgm:presLayoutVars>
+      </dgm:prSet>
+      <dgm:spPr/>
+    </dgm:pt>
+    <dgm:pt modelId="{802F7B2B-628B-4EEC-9338-A7AE6B604707}" type="pres">
+      <dgm:prSet presAssocID="{F4F7CCBC-9EFE-4261-9DFF-99EDD47BFC57}" presName="sibTrans" presStyleCnt="0"/>
+      <dgm:spPr/>
+    </dgm:pt>
+    <dgm:pt modelId="{75DAC1A8-8275-4A16-8E0E-604BF5022037}" type="pres">
+      <dgm:prSet presAssocID="{3BC9030C-8353-40EE-B5F4-29D9124AFB81}" presName="compNode" presStyleCnt="0"/>
+      <dgm:spPr/>
+    </dgm:pt>
+    <dgm:pt modelId="{5C3FFA50-6B0E-4409-8758-EC0893E1E7AA}" type="pres">
+      <dgm:prSet presAssocID="{3BC9030C-8353-40EE-B5F4-29D9124AFB81}" presName="iconBgRect" presStyleLbl="bgShp" presStyleIdx="2" presStyleCnt="3"/>
+      <dgm:spPr/>
+    </dgm:pt>
+    <dgm:pt modelId="{EE0D7C99-1032-4C81-8600-A9DD5258AFD7}" type="pres">
+      <dgm:prSet presAssocID="{3BC9030C-8353-40EE-B5F4-29D9124AFB81}" presName="iconRect" presStyleLbl="node1" presStyleIdx="2" presStyleCnt="3"/>
+      <dgm:spPr>
+        <a:blipFill>
+          <a:blip xmlns:r="http://schemas.openxmlformats.org/officeDocument/2006/relationships" r:embed="rId5">
+            <a:extLst>
+              <a:ext uri="{28A0092B-C50C-407E-A947-70E740481C1C}">
+                <a14:useLocalDpi xmlns:a14="http://schemas.microsoft.com/office/drawing/2010/main" val="0"/>
+              </a:ext>
+              <a:ext uri="{96DAC541-7B7A-43D3-8B79-37D633B846F1}">
+                <asvg:svgBlip xmlns:asvg="http://schemas.microsoft.com/office/drawing/2016/SVG/main" r:embed="rId6"/>
+              </a:ext>
+            </a:extLst>
+          </a:blip>
+          <a:stretch>
+            <a:fillRect/>
+          </a:stretch>
+        </a:blipFill>
+        <a:ln>
+          <a:noFill/>
+        </a:ln>
+      </dgm:spPr>
+      <dgm:extLst>
+        <a:ext uri="{E40237B7-FDA0-4F09-8148-C483321AD2D9}">
+          <dgm14:cNvPr xmlns:dgm14="http://schemas.microsoft.com/office/drawing/2010/diagram" id="0" name="" descr="Fruit Bowl"/>
+        </a:ext>
+      </dgm:extLst>
+    </dgm:pt>
+    <dgm:pt modelId="{E6793EDF-0485-4567-B82E-6D6C34BA9AA0}" type="pres">
+      <dgm:prSet presAssocID="{3BC9030C-8353-40EE-B5F4-29D9124AFB81}" presName="spaceRect" presStyleCnt="0"/>
+      <dgm:spPr/>
+    </dgm:pt>
+    <dgm:pt modelId="{2B9613FF-0341-44E9-8E41-7FDAB0FC2FC7}" type="pres">
+      <dgm:prSet presAssocID="{3BC9030C-8353-40EE-B5F4-29D9124AFB81}" presName="textRect" presStyleLbl="revTx" presStyleIdx="2" presStyleCnt="3">
+        <dgm:presLayoutVars>
+          <dgm:chMax val="1"/>
+          <dgm:chPref val="1"/>
+        </dgm:presLayoutVars>
+      </dgm:prSet>
+      <dgm:spPr/>
+    </dgm:pt>
+  </dgm:ptLst>
+  <dgm:cxnLst>
+    <dgm:cxn modelId="{ED0ACB08-B173-41CA-BF47-66039F093E33}" type="presOf" srcId="{59E34F7D-EE54-47A6-AA55-88DEEA298A14}" destId="{94522DB0-91DA-4870-A515-E0DE7F758F40}" srcOrd="0" destOrd="0" presId="urn:microsoft.com/office/officeart/2018/5/layout/IconCircleLabelList"/>
+    <dgm:cxn modelId="{3870A825-9FEF-44C3-842D-E241DBF667D0}" srcId="{B2067236-16B7-4180-8157-BAF3FFF5E954}" destId="{14785294-CD83-4B7B-8C7D-A8381134AF70}" srcOrd="0" destOrd="0" parTransId="{64F00B54-5F49-4BD2-A844-C05465C9846E}" sibTransId="{2C782226-E681-4C7E-96EA-EED1DD586033}"/>
+    <dgm:cxn modelId="{E77D2D43-54B5-4AED-8E4E-9C06ABC33096}" type="presOf" srcId="{B2067236-16B7-4180-8157-BAF3FFF5E954}" destId="{6318C7A0-960F-4410-A7E4-5A5158D39E01}" srcOrd="0" destOrd="0" presId="urn:microsoft.com/office/officeart/2018/5/layout/IconCircleLabelList"/>
+    <dgm:cxn modelId="{B6964563-E3E6-409A-992E-5E3DEB0ED20D}" srcId="{B2067236-16B7-4180-8157-BAF3FFF5E954}" destId="{59E34F7D-EE54-47A6-AA55-88DEEA298A14}" srcOrd="1" destOrd="0" parTransId="{CC2F7DBE-1386-4DA1-9E7D-D14FCC8FD754}" sibTransId="{F4F7CCBC-9EFE-4261-9DFF-99EDD47BFC57}"/>
+    <dgm:cxn modelId="{D98EF69A-4C9F-4518-AF2D-5A8060802352}" type="presOf" srcId="{14785294-CD83-4B7B-8C7D-A8381134AF70}" destId="{0C992BB3-146C-48FD-A473-715D5228582F}" srcOrd="0" destOrd="0" presId="urn:microsoft.com/office/officeart/2018/5/layout/IconCircleLabelList"/>
+    <dgm:cxn modelId="{5B42D99F-F3BF-459D-9FED-04F15DC5B93F}" type="presOf" srcId="{3BC9030C-8353-40EE-B5F4-29D9124AFB81}" destId="{2B9613FF-0341-44E9-8E41-7FDAB0FC2FC7}" srcOrd="0" destOrd="0" presId="urn:microsoft.com/office/officeart/2018/5/layout/IconCircleLabelList"/>
+    <dgm:cxn modelId="{F00588FB-681F-4503-BD49-FE95D46E593B}" srcId="{B2067236-16B7-4180-8157-BAF3FFF5E954}" destId="{3BC9030C-8353-40EE-B5F4-29D9124AFB81}" srcOrd="2" destOrd="0" parTransId="{88F06710-281F-48BB-BFC7-B515A1AA6991}" sibTransId="{DFE29E12-D90F-4FFA-A8DB-AFB3E30166C3}"/>
+    <dgm:cxn modelId="{6E41083B-50A8-4254-B777-36FDFDFF998F}" type="presParOf" srcId="{6318C7A0-960F-4410-A7E4-5A5158D39E01}" destId="{ACF3D3FD-7838-46F6-BCF9-5C588940A7E6}" srcOrd="0" destOrd="0" presId="urn:microsoft.com/office/officeart/2018/5/layout/IconCircleLabelList"/>
+    <dgm:cxn modelId="{B76592AE-F8FA-4768-BB14-1A004C16303D}" type="presParOf" srcId="{ACF3D3FD-7838-46F6-BCF9-5C588940A7E6}" destId="{E8F2F353-9B31-4B4E-AACF-A66FD31D2A77}" srcOrd="0" destOrd="0" presId="urn:microsoft.com/office/officeart/2018/5/layout/IconCircleLabelList"/>
+    <dgm:cxn modelId="{785DC813-CBCA-4362-8EDD-B012425D36F8}" type="presParOf" srcId="{ACF3D3FD-7838-46F6-BCF9-5C588940A7E6}" destId="{E9955553-03D8-46EA-84F2-D161AFD8EE30}" srcOrd="1" destOrd="0" presId="urn:microsoft.com/office/officeart/2018/5/layout/IconCircleLabelList"/>
+    <dgm:cxn modelId="{93E76A0F-D237-4BC0-AABE-C02898BF9990}" type="presParOf" srcId="{ACF3D3FD-7838-46F6-BCF9-5C588940A7E6}" destId="{ED709953-C2F3-4B37-B6C1-2BE13F64708D}" srcOrd="2" destOrd="0" presId="urn:microsoft.com/office/officeart/2018/5/layout/IconCircleLabelList"/>
+    <dgm:cxn modelId="{CC75FE4C-2288-4274-8537-A0DC369B934D}" type="presParOf" srcId="{ACF3D3FD-7838-46F6-BCF9-5C588940A7E6}" destId="{0C992BB3-146C-48FD-A473-715D5228582F}" srcOrd="3" destOrd="0" presId="urn:microsoft.com/office/officeart/2018/5/layout/IconCircleLabelList"/>
+    <dgm:cxn modelId="{C6B972EA-105C-40A5-A494-0EF291717818}" type="presParOf" srcId="{6318C7A0-960F-4410-A7E4-5A5158D39E01}" destId="{2FA1FE7C-6132-4D39-BC0D-855C9311E9D3}" srcOrd="1" destOrd="0" presId="urn:microsoft.com/office/officeart/2018/5/layout/IconCircleLabelList"/>
+    <dgm:cxn modelId="{800A9923-4A02-488A-BFE5-9F40FA4EA995}" type="presParOf" srcId="{6318C7A0-960F-4410-A7E4-5A5158D39E01}" destId="{D9729065-D603-40BE-A291-F4D0307214E5}" srcOrd="2" destOrd="0" presId="urn:microsoft.com/office/officeart/2018/5/layout/IconCircleLabelList"/>
+    <dgm:cxn modelId="{E93EEC29-DC82-4E7A-9B96-05BF11C207FC}" type="presParOf" srcId="{D9729065-D603-40BE-A291-F4D0307214E5}" destId="{386392D8-0EEC-496F-9141-CED68CAB9051}" srcOrd="0" destOrd="0" presId="urn:microsoft.com/office/officeart/2018/5/layout/IconCircleLabelList"/>
+    <dgm:cxn modelId="{996ACBD4-1E8D-40AF-A1EE-97BE2C1A1C17}" type="presParOf" srcId="{D9729065-D603-40BE-A291-F4D0307214E5}" destId="{791AEA01-E494-4389-BA2C-4619EDFAADB2}" srcOrd="1" destOrd="0" presId="urn:microsoft.com/office/officeart/2018/5/layout/IconCircleLabelList"/>
+    <dgm:cxn modelId="{2C9E01DF-A8F9-4036-AC72-137B26585C06}" type="presParOf" srcId="{D9729065-D603-40BE-A291-F4D0307214E5}" destId="{3C00D119-3F2A-413A-9798-95D269C76147}" srcOrd="2" destOrd="0" presId="urn:microsoft.com/office/officeart/2018/5/layout/IconCircleLabelList"/>
+    <dgm:cxn modelId="{49DF1087-8603-4F9F-A254-B7F1DB6FA843}" type="presParOf" srcId="{D9729065-D603-40BE-A291-F4D0307214E5}" destId="{94522DB0-91DA-4870-A515-E0DE7F758F40}" srcOrd="3" destOrd="0" presId="urn:microsoft.com/office/officeart/2018/5/layout/IconCircleLabelList"/>
+    <dgm:cxn modelId="{44964B40-B86C-42B6-B559-F35EFB5FC363}" type="presParOf" srcId="{6318C7A0-960F-4410-A7E4-5A5158D39E01}" destId="{802F7B2B-628B-4EEC-9338-A7AE6B604707}" srcOrd="3" destOrd="0" presId="urn:microsoft.com/office/officeart/2018/5/layout/IconCircleLabelList"/>
+    <dgm:cxn modelId="{F63DFCBC-974C-4297-9130-8A4A95DBD87E}" type="presParOf" srcId="{6318C7A0-960F-4410-A7E4-5A5158D39E01}" destId="{75DAC1A8-8275-4A16-8E0E-604BF5022037}" srcOrd="4" destOrd="0" presId="urn:microsoft.com/office/officeart/2018/5/layout/IconCircleLabelList"/>
+    <dgm:cxn modelId="{B79D032A-657D-4245-BD6F-EF8CEDAF5E49}" type="presParOf" srcId="{75DAC1A8-8275-4A16-8E0E-604BF5022037}" destId="{5C3FFA50-6B0E-4409-8758-EC0893E1E7AA}" srcOrd="0" destOrd="0" presId="urn:microsoft.com/office/officeart/2018/5/layout/IconCircleLabelList"/>
+    <dgm:cxn modelId="{C0240546-CECD-422E-AA52-6708F76E3975}" type="presParOf" srcId="{75DAC1A8-8275-4A16-8E0E-604BF5022037}" destId="{EE0D7C99-1032-4C81-8600-A9DD5258AFD7}" srcOrd="1" destOrd="0" presId="urn:microsoft.com/office/officeart/2018/5/layout/IconCircleLabelList"/>
+    <dgm:cxn modelId="{0AFB982A-20C4-4A26-8D80-8EF60CE85536}" type="presParOf" srcId="{75DAC1A8-8275-4A16-8E0E-604BF5022037}" destId="{E6793EDF-0485-4567-B82E-6D6C34BA9AA0}" srcOrd="2" destOrd="0" presId="urn:microsoft.com/office/officeart/2018/5/layout/IconCircleLabelList"/>
+    <dgm:cxn modelId="{17A2AB13-1730-44EB-95AC-3AFB0DA7846F}" type="presParOf" srcId="{75DAC1A8-8275-4A16-8E0E-604BF5022037}" destId="{2B9613FF-0341-44E9-8E41-7FDAB0FC2FC7}" srcOrd="3" destOrd="0" presId="urn:microsoft.com/office/officeart/2018/5/layout/IconCircleLabelList"/>
+  </dgm:cxnLst>
+  <dgm:bg/>
+  <dgm:whole/>
+  <dgm:extLst>
+    <a:ext uri="http://schemas.microsoft.com/office/drawing/2008/diagram">
+      <dsp:dataModelExt xmlns:dsp="http://schemas.microsoft.com/office/drawing/2008/diagram" relId="rId8" minVer="http://schemas.openxmlformats.org/drawingml/2006/diagram"/>
+    </a:ext>
+  </dgm:extLst>
+</dgm:dataModel>
+</file>
+
+<file path=ppt/diagrams/drawing1.xml><?xml version="1.0" encoding="utf-8"?>
+<dsp:drawing xmlns:dgm="http://schemas.openxmlformats.org/drawingml/2006/diagram" xmlns:dsp="http://schemas.microsoft.com/office/drawing/2008/diagram" xmlns:a="http://schemas.openxmlformats.org/drawingml/2006/main">
+  <dsp:spTree>
+    <dsp:nvGrpSpPr>
+      <dsp:cNvPr id="0" name=""/>
+      <dsp:cNvGrpSpPr/>
+    </dsp:nvGrpSpPr>
+    <dsp:grpSpPr/>
+    <dsp:sp modelId="{E8F2F353-9B31-4B4E-AACF-A66FD31D2A77}">
+      <dsp:nvSpPr>
+        <dsp:cNvPr id="0" name=""/>
+        <dsp:cNvSpPr/>
+      </dsp:nvSpPr>
+      <dsp:spPr>
+        <a:xfrm>
+          <a:off x="616949" y="256422"/>
+          <a:ext cx="1818562" cy="1818562"/>
+        </a:xfrm>
+        <a:prstGeom prst="ellipse">
+          <a:avLst/>
+        </a:prstGeom>
+        <a:solidFill>
+          <a:schemeClr val="accent2">
+            <a:hueOff val="0"/>
+            <a:satOff val="0"/>
+            <a:lumOff val="0"/>
+            <a:alphaOff val="0"/>
+          </a:schemeClr>
+        </a:solidFill>
+        <a:ln>
+          <a:noFill/>
+        </a:ln>
+        <a:effectLst/>
+      </dsp:spPr>
+      <dsp:style>
+        <a:lnRef idx="0">
+          <a:scrgbClr r="0" g="0" b="0"/>
+        </a:lnRef>
+        <a:fillRef idx="1">
+          <a:scrgbClr r="0" g="0" b="0"/>
+        </a:fillRef>
+        <a:effectRef idx="0">
+          <a:scrgbClr r="0" g="0" b="0"/>
+        </a:effectRef>
+        <a:fontRef idx="minor"/>
+      </dsp:style>
+    </dsp:sp>
+    <dsp:sp modelId="{E9955553-03D8-46EA-84F2-D161AFD8EE30}">
+      <dsp:nvSpPr>
+        <dsp:cNvPr id="0" name=""/>
+        <dsp:cNvSpPr/>
+      </dsp:nvSpPr>
+      <dsp:spPr>
+        <a:xfrm>
+          <a:off x="1004512" y="643984"/>
+          <a:ext cx="1043437" cy="1043437"/>
+        </a:xfrm>
+        <a:prstGeom prst="rect">
+          <a:avLst/>
+        </a:prstGeom>
+        <a:blipFill>
+          <a:blip xmlns:r="http://schemas.openxmlformats.org/officeDocument/2006/relationships" r:embed="rId1">
+            <a:extLst>
+              <a:ext uri="{28A0092B-C50C-407E-A947-70E740481C1C}">
+                <a14:useLocalDpi xmlns:a14="http://schemas.microsoft.com/office/drawing/2010/main" val="0"/>
+              </a:ext>
+              <a:ext uri="{96DAC541-7B7A-43D3-8B79-37D633B846F1}">
+                <asvg:svgBlip xmlns:asvg="http://schemas.microsoft.com/office/drawing/2016/SVG/main" r:embed="rId2"/>
+              </a:ext>
+            </a:extLst>
+          </a:blip>
+          <a:stretch>
+            <a:fillRect/>
+          </a:stretch>
+        </a:blipFill>
+        <a:ln w="12700" cap="flat" cmpd="sng" algn="ctr">
+          <a:noFill/>
+          <a:prstDash val="solid"/>
+        </a:ln>
+        <a:effectLst/>
+      </dsp:spPr>
+      <dsp:style>
+        <a:lnRef idx="2">
+          <a:scrgbClr r="0" g="0" b="0"/>
+        </a:lnRef>
+        <a:fillRef idx="1">
+          <a:scrgbClr r="0" g="0" b="0"/>
+        </a:fillRef>
+        <a:effectRef idx="0">
+          <a:scrgbClr r="0" g="0" b="0"/>
+        </a:effectRef>
+        <a:fontRef idx="minor">
+          <a:schemeClr val="lt1"/>
+        </a:fontRef>
+      </dsp:style>
+    </dsp:sp>
+    <dsp:sp modelId="{0C992BB3-146C-48FD-A473-715D5228582F}">
+      <dsp:nvSpPr>
+        <dsp:cNvPr id="0" name=""/>
+        <dsp:cNvSpPr/>
+      </dsp:nvSpPr>
+      <dsp:spPr>
+        <a:xfrm>
+          <a:off x="35606" y="2641422"/>
+          <a:ext cx="2981250" cy="720000"/>
+        </a:xfrm>
+        <a:prstGeom prst="rect">
+          <a:avLst/>
+        </a:prstGeom>
+        <a:noFill/>
+        <a:ln>
+          <a:noFill/>
+        </a:ln>
+        <a:effectLst/>
+      </dsp:spPr>
+      <dsp:style>
+        <a:lnRef idx="0">
+          <a:scrgbClr r="0" g="0" b="0"/>
+        </a:lnRef>
+        <a:fillRef idx="0">
+          <a:scrgbClr r="0" g="0" b="0"/>
+        </a:fillRef>
+        <a:effectRef idx="0">
+          <a:scrgbClr r="0" g="0" b="0"/>
+        </a:effectRef>
+        <a:fontRef idx="minor"/>
+      </dsp:style>
+      <dsp:txBody>
+        <a:bodyPr spcFirstLastPara="0" vert="horz" wrap="square" lIns="0" tIns="0" rIns="0" bIns="0" numCol="1" spcCol="1270" anchor="t" anchorCtr="0">
+          <a:noAutofit/>
+        </a:bodyPr>
+        <a:lstStyle/>
+        <a:p>
+          <a:pPr marL="0" lvl="0" indent="0" algn="ctr" defTabSz="1155700">
+            <a:lnSpc>
+              <a:spcPct val="90000"/>
+            </a:lnSpc>
+            <a:spcBef>
+              <a:spcPct val="0"/>
+            </a:spcBef>
+            <a:spcAft>
+              <a:spcPct val="35000"/>
+            </a:spcAft>
+            <a:buNone/>
+            <a:defRPr cap="all"/>
+          </a:pPr>
+          <a:r>
+            <a:rPr lang="en-US" sz="2600" kern="1200" dirty="0" err="1"/>
+            <a:t>Healtcare</a:t>
+          </a:r>
+          <a:endParaRPr lang="en-US" sz="2600" kern="1200" dirty="0"/>
+        </a:p>
+      </dsp:txBody>
+      <dsp:txXfrm>
+        <a:off x="35606" y="2641422"/>
+        <a:ext cx="2981250" cy="720000"/>
+      </dsp:txXfrm>
+    </dsp:sp>
+    <dsp:sp modelId="{386392D8-0EEC-496F-9141-CED68CAB9051}">
+      <dsp:nvSpPr>
+        <dsp:cNvPr id="0" name=""/>
+        <dsp:cNvSpPr/>
+      </dsp:nvSpPr>
+      <dsp:spPr>
+        <a:xfrm>
+          <a:off x="4119918" y="256422"/>
+          <a:ext cx="1818562" cy="1818562"/>
+        </a:xfrm>
+        <a:prstGeom prst="ellipse">
+          <a:avLst/>
+        </a:prstGeom>
+        <a:solidFill>
+          <a:schemeClr val="accent3">
+            <a:hueOff val="0"/>
+            <a:satOff val="0"/>
+            <a:lumOff val="0"/>
+            <a:alphaOff val="0"/>
+          </a:schemeClr>
+        </a:solidFill>
+        <a:ln>
+          <a:noFill/>
+        </a:ln>
+        <a:effectLst/>
+      </dsp:spPr>
+      <dsp:style>
+        <a:lnRef idx="0">
+          <a:scrgbClr r="0" g="0" b="0"/>
+        </a:lnRef>
+        <a:fillRef idx="1">
+          <a:scrgbClr r="0" g="0" b="0"/>
+        </a:fillRef>
+        <a:effectRef idx="0">
+          <a:scrgbClr r="0" g="0" b="0"/>
+        </a:effectRef>
+        <a:fontRef idx="minor"/>
+      </dsp:style>
+    </dsp:sp>
+    <dsp:sp modelId="{791AEA01-E494-4389-BA2C-4619EDFAADB2}">
+      <dsp:nvSpPr>
+        <dsp:cNvPr id="0" name=""/>
+        <dsp:cNvSpPr/>
+      </dsp:nvSpPr>
+      <dsp:spPr>
+        <a:xfrm>
+          <a:off x="4507481" y="643984"/>
+          <a:ext cx="1043437" cy="1043437"/>
+        </a:xfrm>
+        <a:prstGeom prst="rect">
+          <a:avLst/>
+        </a:prstGeom>
+        <a:blipFill>
+          <a:blip xmlns:r="http://schemas.openxmlformats.org/officeDocument/2006/relationships" r:embed="rId3">
+            <a:extLst>
+              <a:ext uri="{28A0092B-C50C-407E-A947-70E740481C1C}">
+                <a14:useLocalDpi xmlns:a14="http://schemas.microsoft.com/office/drawing/2010/main" val="0"/>
+              </a:ext>
+              <a:ext uri="{96DAC541-7B7A-43D3-8B79-37D633B846F1}">
+                <asvg:svgBlip xmlns:asvg="http://schemas.microsoft.com/office/drawing/2016/SVG/main" r:embed="rId4"/>
+              </a:ext>
+            </a:extLst>
+          </a:blip>
+          <a:stretch>
+            <a:fillRect/>
+          </a:stretch>
+        </a:blipFill>
+        <a:ln w="12700" cap="flat" cmpd="sng" algn="ctr">
+          <a:noFill/>
+          <a:prstDash val="solid"/>
+        </a:ln>
+        <a:effectLst/>
+      </dsp:spPr>
+      <dsp:style>
+        <a:lnRef idx="2">
+          <a:scrgbClr r="0" g="0" b="0"/>
+        </a:lnRef>
+        <a:fillRef idx="1">
+          <a:scrgbClr r="0" g="0" b="0"/>
+        </a:fillRef>
+        <a:effectRef idx="0">
+          <a:scrgbClr r="0" g="0" b="0"/>
+        </a:effectRef>
+        <a:fontRef idx="minor">
+          <a:schemeClr val="lt1"/>
+        </a:fontRef>
+      </dsp:style>
+    </dsp:sp>
+    <dsp:sp modelId="{94522DB0-91DA-4870-A515-E0DE7F758F40}">
+      <dsp:nvSpPr>
+        <dsp:cNvPr id="0" name=""/>
+        <dsp:cNvSpPr/>
+      </dsp:nvSpPr>
+      <dsp:spPr>
+        <a:xfrm>
+          <a:off x="3538574" y="2641422"/>
+          <a:ext cx="2981250" cy="720000"/>
+        </a:xfrm>
+        <a:prstGeom prst="rect">
+          <a:avLst/>
+        </a:prstGeom>
+        <a:noFill/>
+        <a:ln>
+          <a:noFill/>
+        </a:ln>
+        <a:effectLst/>
+      </dsp:spPr>
+      <dsp:style>
+        <a:lnRef idx="0">
+          <a:scrgbClr r="0" g="0" b="0"/>
+        </a:lnRef>
+        <a:fillRef idx="0">
+          <a:scrgbClr r="0" g="0" b="0"/>
+        </a:fillRef>
+        <a:effectRef idx="0">
+          <a:scrgbClr r="0" g="0" b="0"/>
+        </a:effectRef>
+        <a:fontRef idx="minor"/>
+      </dsp:style>
+      <dsp:txBody>
+        <a:bodyPr spcFirstLastPara="0" vert="horz" wrap="square" lIns="0" tIns="0" rIns="0" bIns="0" numCol="1" spcCol="1270" anchor="t" anchorCtr="0">
+          <a:noAutofit/>
+        </a:bodyPr>
+        <a:lstStyle/>
+        <a:p>
+          <a:pPr marL="0" lvl="0" indent="0" algn="ctr" defTabSz="1155700">
+            <a:lnSpc>
+              <a:spcPct val="90000"/>
+            </a:lnSpc>
+            <a:spcBef>
+              <a:spcPct val="0"/>
+            </a:spcBef>
+            <a:spcAft>
+              <a:spcPct val="35000"/>
+            </a:spcAft>
+            <a:buNone/>
+            <a:defRPr cap="all"/>
+          </a:pPr>
+          <a:r>
+            <a:rPr lang="en-US" sz="2600" kern="1200"/>
+            <a:t>Assembly Work</a:t>
+          </a:r>
+        </a:p>
+      </dsp:txBody>
+      <dsp:txXfrm>
+        <a:off x="3538574" y="2641422"/>
+        <a:ext cx="2981250" cy="720000"/>
+      </dsp:txXfrm>
+    </dsp:sp>
+    <dsp:sp modelId="{5C3FFA50-6B0E-4409-8758-EC0893E1E7AA}">
+      <dsp:nvSpPr>
+        <dsp:cNvPr id="0" name=""/>
+        <dsp:cNvSpPr/>
+      </dsp:nvSpPr>
+      <dsp:spPr>
+        <a:xfrm>
+          <a:off x="7622887" y="256422"/>
+          <a:ext cx="1818562" cy="1818562"/>
+        </a:xfrm>
+        <a:prstGeom prst="ellipse">
+          <a:avLst/>
+        </a:prstGeom>
+        <a:solidFill>
+          <a:schemeClr val="accent4">
+            <a:hueOff val="0"/>
+            <a:satOff val="0"/>
+            <a:lumOff val="0"/>
+            <a:alphaOff val="0"/>
+          </a:schemeClr>
+        </a:solidFill>
+        <a:ln>
+          <a:noFill/>
+        </a:ln>
+        <a:effectLst/>
+      </dsp:spPr>
+      <dsp:style>
+        <a:lnRef idx="0">
+          <a:scrgbClr r="0" g="0" b="0"/>
+        </a:lnRef>
+        <a:fillRef idx="1">
+          <a:scrgbClr r="0" g="0" b="0"/>
+        </a:fillRef>
+        <a:effectRef idx="0">
+          <a:scrgbClr r="0" g="0" b="0"/>
+        </a:effectRef>
+        <a:fontRef idx="minor"/>
+      </dsp:style>
+    </dsp:sp>
+    <dsp:sp modelId="{EE0D7C99-1032-4C81-8600-A9DD5258AFD7}">
+      <dsp:nvSpPr>
+        <dsp:cNvPr id="0" name=""/>
+        <dsp:cNvSpPr/>
+      </dsp:nvSpPr>
+      <dsp:spPr>
+        <a:xfrm>
+          <a:off x="8010450" y="643984"/>
+          <a:ext cx="1043437" cy="1043437"/>
+        </a:xfrm>
+        <a:prstGeom prst="rect">
+          <a:avLst/>
+        </a:prstGeom>
+        <a:blipFill>
+          <a:blip xmlns:r="http://schemas.openxmlformats.org/officeDocument/2006/relationships" r:embed="rId5">
+            <a:extLst>
+              <a:ext uri="{28A0092B-C50C-407E-A947-70E740481C1C}">
+                <a14:useLocalDpi xmlns:a14="http://schemas.microsoft.com/office/drawing/2010/main" val="0"/>
+              </a:ext>
+              <a:ext uri="{96DAC541-7B7A-43D3-8B79-37D633B846F1}">
+                <asvg:svgBlip xmlns:asvg="http://schemas.microsoft.com/office/drawing/2016/SVG/main" r:embed="rId6"/>
+              </a:ext>
+            </a:extLst>
+          </a:blip>
+          <a:stretch>
+            <a:fillRect/>
+          </a:stretch>
+        </a:blipFill>
+        <a:ln w="12700" cap="flat" cmpd="sng" algn="ctr">
+          <a:noFill/>
+          <a:prstDash val="solid"/>
+        </a:ln>
+        <a:effectLst/>
+      </dsp:spPr>
+      <dsp:style>
+        <a:lnRef idx="2">
+          <a:scrgbClr r="0" g="0" b="0"/>
+        </a:lnRef>
+        <a:fillRef idx="1">
+          <a:scrgbClr r="0" g="0" b="0"/>
+        </a:fillRef>
+        <a:effectRef idx="0">
+          <a:scrgbClr r="0" g="0" b="0"/>
+        </a:effectRef>
+        <a:fontRef idx="minor">
+          <a:schemeClr val="lt1"/>
+        </a:fontRef>
+      </dsp:style>
+    </dsp:sp>
+    <dsp:sp modelId="{2B9613FF-0341-44E9-8E41-7FDAB0FC2FC7}">
+      <dsp:nvSpPr>
+        <dsp:cNvPr id="0" name=""/>
+        <dsp:cNvSpPr/>
+      </dsp:nvSpPr>
+      <dsp:spPr>
+        <a:xfrm>
+          <a:off x="7041543" y="2641422"/>
+          <a:ext cx="2981250" cy="720000"/>
+        </a:xfrm>
+        <a:prstGeom prst="rect">
+          <a:avLst/>
+        </a:prstGeom>
+        <a:noFill/>
+        <a:ln>
+          <a:noFill/>
+        </a:ln>
+        <a:effectLst/>
+      </dsp:spPr>
+      <dsp:style>
+        <a:lnRef idx="0">
+          <a:scrgbClr r="0" g="0" b="0"/>
+        </a:lnRef>
+        <a:fillRef idx="0">
+          <a:scrgbClr r="0" g="0" b="0"/>
+        </a:fillRef>
+        <a:effectRef idx="0">
+          <a:scrgbClr r="0" g="0" b="0"/>
+        </a:effectRef>
+        <a:fontRef idx="minor"/>
+      </dsp:style>
+      <dsp:txBody>
+        <a:bodyPr spcFirstLastPara="0" vert="horz" wrap="square" lIns="0" tIns="0" rIns="0" bIns="0" numCol="1" spcCol="1270" anchor="t" anchorCtr="0">
+          <a:noAutofit/>
+        </a:bodyPr>
+        <a:lstStyle/>
+        <a:p>
+          <a:pPr marL="0" lvl="0" indent="0" algn="ctr" defTabSz="1155700">
+            <a:lnSpc>
+              <a:spcPct val="90000"/>
+            </a:lnSpc>
+            <a:spcBef>
+              <a:spcPct val="0"/>
+            </a:spcBef>
+            <a:spcAft>
+              <a:spcPct val="35000"/>
+            </a:spcAft>
+            <a:buNone/>
+            <a:defRPr cap="all"/>
+          </a:pPr>
+          <a:r>
+            <a:rPr lang="en-US" sz="2600" kern="1200" dirty="0"/>
+            <a:t>Fruit Gathering</a:t>
+          </a:r>
+        </a:p>
+      </dsp:txBody>
+      <dsp:txXfrm>
+        <a:off x="7041543" y="2641422"/>
+        <a:ext cx="2981250" cy="720000"/>
+      </dsp:txXfrm>
+    </dsp:sp>
+  </dsp:spTree>
+</dsp:drawing>
+</file>
+
+<file path=ppt/diagrams/layout1.xml><?xml version="1.0" encoding="utf-8"?>
+<dgm:layoutDef xmlns:dgm="http://schemas.openxmlformats.org/drawingml/2006/diagram" xmlns:a="http://schemas.openxmlformats.org/drawingml/2006/main" uniqueId="urn:microsoft.com/office/officeart/2018/5/layout/IconCircleLabelList">
+  <dgm:title val="Icon Circle Label List"/>
+  <dgm:desc val="Use to show non-sequential or grouped chunks of information accompanied by a related visuals. Works best with icons or small pictures with short text captions."/>
+  <dgm:catLst>
+    <dgm:cat type="icon" pri="500"/>
+  </dgm:catLst>
+  <dgm:sampData useDef="1">
+    <dgm:dataModel>
+      <dgm:ptLst/>
+      <dgm:bg/>
+      <dgm:whole/>
+    </dgm:dataModel>
+  </dgm:sampData>
+  <dgm:styleData useDef="1">
+    <dgm:dataModel>
+      <dgm:ptLst/>
+      <dgm:bg/>
+      <dgm:whole/>
+    </dgm:dataModel>
+  </dgm:styleData>
+  <dgm:clrData useDef="1">
+    <dgm:dataModel>
+      <dgm:ptLst/>
+      <dgm:bg/>
+      <dgm:whole/>
+    </dgm:dataModel>
+  </dgm:clrData>
+  <dgm:layoutNode name="root">
+    <dgm:varLst>
+      <dgm:dir/>
+      <dgm:resizeHandles val="exact"/>
+    </dgm:varLst>
+    <dgm:choose name="Name0">
+      <dgm:if name="Name1" axis="self" func="var" arg="dir" op="equ" val="norm">
+        <dgm:alg type="snake">
+          <dgm:param type="grDir" val="tL"/>
+          <dgm:param type="flowDir" val="row"/>
+          <dgm:param type="contDir" val="sameDir"/>
+          <dgm:param type="off" val="ctr"/>
+          <dgm:param type="vertAlign" val="mid"/>
+          <dgm:param type="horzAlign" val="ctr"/>
+        </dgm:alg>
+      </dgm:if>
+      <dgm:else name="Name2">
+        <dgm:alg type="snake">
+          <dgm:param type="grDir" val="tR"/>
+          <dgm:param type="flowDir" val="row"/>
+          <dgm:param type="contDir" val="sameDir"/>
+          <dgm:param type="off" val="ctr"/>
+          <dgm:param type="vertAlign" val="mid"/>
+          <dgm:param type="horzAlign" val="ctr"/>
+        </dgm:alg>
+      </dgm:else>
+    </dgm:choose>
+    <dgm:shape xmlns:r="http://schemas.openxmlformats.org/officeDocument/2006/relationships" r:blip="">
+      <dgm:adjLst/>
+    </dgm:shape>
+    <dgm:presOf/>
+    <dgm:choose name="Name3">
+      <dgm:if name="Name4" axis="ch" ptType="node" func="cnt" op="lte" val="2">
+        <dgm:constrLst>
+          <dgm:constr type="h" for="ch" forName="compNode" refType="h" fact="0.4"/>
+          <dgm:constr type="w" for="ch" forName="compNode" val="100"/>
+          <dgm:constr type="w" for="ch" forName="sibTrans" refType="w" refFor="ch" refForName="compNode" fact="0.175"/>
+          <dgm:constr type="sp" refType="w" refFor="ch" refForName="compNode" op="equ" fact="0.25"/>
+          <dgm:constr type="primFontSz" for="des" ptType="node" op="equ" val="44"/>
+          <dgm:constr type="h" for="des" forName="compNode" op="equ"/>
+          <dgm:constr type="h" for="des" forName="textRect" op="equ"/>
+        </dgm:constrLst>
+      </dgm:if>
+      <dgm:if name="Name5" axis="ch" ptType="node" func="cnt" op="lte" val="3">
+        <dgm:constrLst>
+          <dgm:constr type="h" for="ch" forName="compNode" refType="h" fact="0.4"/>
+          <dgm:constr type="w" for="ch" forName="compNode" val="100"/>
+          <dgm:constr type="w" for="ch" forName="sibTrans" refType="w" refFor="ch" refForName="compNode" fact="0.175"/>
+          <dgm:constr type="sp" refType="w" refFor="ch" refForName="compNode" op="equ" fact="0.25"/>
+          <dgm:constr type="primFontSz" for="des" ptType="node" op="equ" val="40"/>
+          <dgm:constr type="h" for="des" forName="compNode" op="equ"/>
+          <dgm:constr type="h" for="des" forName="textRect" op="equ"/>
+        </dgm:constrLst>
+      </dgm:if>
+      <dgm:if name="Name6" axis="ch" ptType="node" func="cnt" op="lte" val="4">
+        <dgm:constrLst>
+          <dgm:constr type="h" for="ch" forName="compNode" refType="h" fact="0.4"/>
+          <dgm:constr type="w" for="ch" forName="compNode" refType="w"/>
+          <dgm:constr type="w" for="ch" forName="sibTrans" refType="w" refFor="ch" refForName="compNode" fact="0.175"/>
+          <dgm:constr type="sp" refType="w" refFor="ch" refForName="compNode" op="equ" fact="0.25"/>
+          <dgm:constr type="primFontSz" for="des" ptType="node" op="equ" val="32"/>
+          <dgm:constr type="h" for="des" forName="compNode" op="equ"/>
+          <dgm:constr type="h" for="des" forName="textRect" op="equ"/>
+        </dgm:constrLst>
+      </dgm:if>
+      <dgm:else name="Name7">
+        <dgm:constrLst>
+          <dgm:constr type="h" for="ch" forName="compNode" refType="h" fact="0.4"/>
+          <dgm:constr type="w" for="ch" forName="compNode" refType="w"/>
+          <dgm:constr type="w" for="ch" forName="sibTrans" refType="w" refFor="ch" refForName="compNode" fact="0.175"/>
+          <dgm:constr type="sp" refType="w" refFor="ch" refForName="compNode" op="equ" fact="0.25"/>
+          <dgm:constr type="primFontSz" for="des" ptType="node" op="equ" val="24"/>
+          <dgm:constr type="h" for="des" forName="compNode" op="equ"/>
+          <dgm:constr type="h" for="des" forName="textRect" op="equ"/>
+        </dgm:constrLst>
+      </dgm:else>
+    </dgm:choose>
+    <dgm:ruleLst>
+      <dgm:rule type="w" for="ch" forName="compNode" val="50" fact="NaN" max="NaN"/>
+    </dgm:ruleLst>
+    <dgm:forEach name="Name8" axis="ch" ptType="node">
+      <dgm:layoutNode name="compNode">
+        <dgm:alg type="composite"/>
+        <dgm:shape xmlns:r="http://schemas.openxmlformats.org/officeDocument/2006/relationships" r:blip="">
+          <dgm:adjLst/>
+        </dgm:shape>
+        <dgm:presOf axis="self"/>
+        <dgm:constrLst>
+          <dgm:constr type="w" for="ch" forName="iconBgRect" refType="w" fact="0.61"/>
+          <dgm:constr type="h" for="ch" forName="iconBgRect" refType="w" refFor="ch" refForName="iconBgRect"/>
+          <dgm:constr type="t" for="ch" forName="iconBgRect"/>
+          <dgm:constr type="ctrX" for="ch" forName="iconBgRect" refType="w" fact="0.5"/>
+          <dgm:constr type="w" for="ch" forName="iconRect" refType="w" fact="0.35"/>
+          <dgm:constr type="h" for="ch" forName="iconRect" refType="w" refFor="ch" refForName="iconRect"/>
+          <dgm:constr type="ctrX" for="ch" forName="iconRect" refType="ctrX" refFor="ch" refForName="iconBgRect"/>
+          <dgm:constr type="ctrY" for="ch" forName="iconRect" refType="ctrY" refFor="ch" refForName="iconBgRect"/>
+          <dgm:constr type="h" for="ch" forName="spaceRect" refType="w" fact="0.19"/>
+          <dgm:constr type="w" for="ch" forName="spaceRect" refType="w"/>
+          <dgm:constr type="l" for="ch" forName="spaceRect"/>
+          <dgm:constr type="t" for="ch" forName="spaceRect" refType="b" refFor="ch" refForName="iconBgRect"/>
+          <dgm:constr type="h" for="ch" forName="textRect" val="20"/>
+          <dgm:constr type="w" for="ch" forName="textRect" refType="w"/>
+          <dgm:constr type="l" for="ch" forName="textRect"/>
+          <dgm:constr type="t" for="ch" forName="textRect" refType="b" refFor="ch" refForName="spaceRect"/>
+        </dgm:constrLst>
+        <dgm:ruleLst>
+          <dgm:rule type="h" val="INF" fact="NaN" max="NaN"/>
+        </dgm:ruleLst>
+        <dgm:layoutNode name="iconBgRect" styleLbl="bgShp">
+          <dgm:alg type="sp"/>
+          <dgm:shape xmlns:r="http://schemas.openxmlformats.org/officeDocument/2006/relationships" type="ellipse" r:blip="">
+            <dgm:adjLst/>
+          </dgm:shape>
+          <dgm:presOf/>
+          <dgm:constrLst/>
+          <dgm:ruleLst/>
+        </dgm:layoutNode>
+        <dgm:layoutNode name="iconRect" styleLbl="node1">
+          <dgm:alg type="sp"/>
+          <dgm:shape xmlns:r="http://schemas.openxmlformats.org/officeDocument/2006/relationships" type="rect" r:blip="" blipPhldr="1">
+            <dgm:adjLst/>
+          </dgm:shape>
+          <dgm:presOf/>
+          <dgm:constrLst/>
+          <dgm:ruleLst/>
+        </dgm:layoutNode>
+        <dgm:layoutNode name="spaceRect">
+          <dgm:alg type="sp"/>
+          <dgm:shape xmlns:r="http://schemas.openxmlformats.org/officeDocument/2006/relationships" r:blip="">
+            <dgm:adjLst/>
+          </dgm:shape>
+          <dgm:presOf/>
+          <dgm:constrLst/>
+          <dgm:ruleLst/>
+        </dgm:layoutNode>
+        <dgm:layoutNode name="textRect" styleLbl="revTx">
+          <dgm:varLst>
+            <dgm:chMax val="1"/>
+            <dgm:chPref val="1"/>
+          </dgm:varLst>
+          <dgm:alg type="tx">
+            <dgm:param type="txAnchorVert" val="t"/>
+          </dgm:alg>
+          <dgm:shape xmlns:r="http://schemas.openxmlformats.org/officeDocument/2006/relationships" type="rect" r:blip="">
+            <dgm:adjLst/>
+          </dgm:shape>
+          <dgm:presOf axis="self" ptType="node"/>
+          <dgm:constrLst>
+            <dgm:constr type="lMarg"/>
+            <dgm:constr type="rMarg"/>
+            <dgm:constr type="tMarg"/>
+            <dgm:constr type="bMarg"/>
+          </dgm:constrLst>
+          <dgm:ruleLst>
+            <dgm:rule type="primFontSz" val="11" fact="NaN" max="NaN"/>
+            <dgm:rule type="h" val="INF" fact="NaN" max="NaN"/>
+          </dgm:ruleLst>
+        </dgm:layoutNode>
+      </dgm:layoutNode>
+      <dgm:forEach name="Name9" axis="followSib" ptType="sibTrans" cnt="1">
+        <dgm:layoutNode name="sibTrans">
+          <dgm:alg type="sp"/>
+          <dgm:shape xmlns:r="http://schemas.openxmlformats.org/officeDocument/2006/relationships" r:blip="">
+            <dgm:adjLst/>
+          </dgm:shape>
+          <dgm:presOf axis="self"/>
+          <dgm:constrLst/>
+          <dgm:ruleLst/>
+        </dgm:layoutNode>
+      </dgm:forEach>
+    </dgm:forEach>
+  </dgm:layoutNode>
+  <dgm:extLst>
+    <a:ext uri="{68A01E43-0DF5-4B5B-8FA6-DAF915123BFB}">
+      <dgm1612:lstStyle xmlns:dgm1612="http://schemas.microsoft.com/office/drawing/2016/12/diagram">
+        <a:lvl1pPr>
+          <a:lnSpc>
+            <a:spcPct val="100000"/>
+          </a:lnSpc>
+          <a:defRPr cap="all"/>
+        </a:lvl1pPr>
+      </dgm1612:lstStyle>
+    </a:ext>
+  </dgm:extLst>
+</dgm:layoutDef>
+</file>
+
+<file path=ppt/diagrams/quickStyle1.xml><?xml version="1.0" encoding="utf-8"?>
+<dgm:styleDef xmlns:dgm="http://schemas.openxmlformats.org/drawingml/2006/diagram" xmlns:a="http://schemas.openxmlformats.org/drawingml/2006/main" uniqueId="urn:microsoft.com/office/officeart/2005/8/quickstyle/simple1">
+  <dgm:title val=""/>
+  <dgm:desc val=""/>
+  <dgm:catLst>
+    <dgm:cat type="simple" pri="10100"/>
+  </dgm:catLst>
+  <dgm:scene3d>
+    <a:camera prst="orthographicFront"/>
+    <a:lightRig rig="threePt" dir="t"/>
+  </dgm:scene3d>
+  <dgm:styleLbl name="node0">
+    <dgm:scene3d>
+      <a:camera prst="orthographicFront"/>
+      <a:lightRig rig="threePt" dir="t"/>
+    </dgm:scene3d>
+    <dgm:sp3d/>
+    <dgm:txPr/>
+    <dgm:style>
+      <a:lnRef idx="2">
+        <a:scrgbClr r="0" g="0" b="0"/>
+      </a:lnRef>
+      <a:fillRef idx="1">
+        <a:scrgbClr r="0" g="0" b="0"/>
+      </a:fillRef>
+      <a:effectRef idx="0">
+        <a:scrgbClr r="0" g="0" b="0"/>
+      </a:effectRef>
+      <a:fontRef idx="minor">
+        <a:schemeClr val="lt1"/>
+      </a:fontRef>
+    </dgm:style>
+  </dgm:styleLbl>
+  <dgm:styleLbl name="lnNode1">
+    <dgm:scene3d>
+      <a:camera prst="orthographicFront"/>
+      <a:lightRig rig="threePt" dir="t"/>
+    </dgm:scene3d>
+    <dgm:sp3d/>
+    <dgm:txPr/>
+    <dgm:style>
+      <a:lnRef idx="2">
+        <a:scrgbClr r="0" g="0" b="0"/>
+      </a:lnRef>
+      <a:fillRef idx="1">
+        <a:scrgbClr r="0" g="0" b="0"/>
+      </a:fillRef>
+      <a:effectRef idx="0">
+        <a:scrgbClr r="0" g="0" b="0"/>
+      </a:effectRef>
+      <a:fontRef idx="minor">
+        <a:schemeClr val="lt1"/>
+      </a:fontRef>
+    </dgm:style>
+  </dgm:styleLbl>
+  <dgm:styleLbl name="vennNode1">
+    <dgm:scene3d>
+      <a:camera prst="orthographicFront"/>
+      <a:lightRig rig="threePt" dir="t"/>
+    </dgm:scene3d>
+    <dgm:sp3d/>
+    <dgm:txPr/>
+    <dgm:style>
+      <a:lnRef idx="2">
+        <a:scrgbClr r="0" g="0" b="0"/>
+      </a:lnRef>
+      <a:fillRef idx="1">
+        <a:scrgbClr r="0" g="0" b="0"/>
+      </a:fillRef>
+      <a:effectRef idx="0">
+        <a:scrgbClr r="0" g="0" b="0"/>
+      </a:effectRef>
+      <a:fontRef idx="minor">
+        <a:schemeClr val="tx1"/>
+      </a:fontRef>
+    </dgm:style>
+  </dgm:styleLbl>
+  <dgm:styleLbl name="alignNode1">
+    <dgm:scene3d>
+      <a:camera prst="orthographicFront"/>
+      <a:lightRig rig="threePt" dir="t"/>
+    </dgm:scene3d>
+    <dgm:sp3d/>
+    <dgm:txPr/>
+    <dgm:style>
+      <a:lnRef idx="2">
+        <a:scrgbClr r="0" g="0" b="0"/>
+      </a:lnRef>
+      <a:fillRef idx="1">
+        <a:scrgbClr r="0" g="0" b="0"/>
+      </a:fillRef>
+      <a:effectRef idx="0">
+        <a:scrgbClr r="0" g="0" b="0"/>
+      </a:effectRef>
+      <a:fontRef idx="minor">
+        <a:schemeClr val="lt1"/>
+      </a:fontRef>
+    </dgm:style>
+  </dgm:styleLbl>
+  <dgm:styleLbl name="node1">
+    <dgm:scene3d>
+      <a:camera prst="orthographicFront"/>
+      <a:lightRig rig="threePt" dir="t"/>
+    </dgm:scene3d>
+    <dgm:sp3d/>
+    <dgm:txPr/>
+    <dgm:style>
+      <a:lnRef idx="2">
+        <a:scrgbClr r="0" g="0" b="0"/>
+      </a:lnRef>
+      <a:fillRef idx="1">
+        <a:scrgbClr r="0" g="0" b="0"/>
+      </a:fillRef>
+      <a:effectRef idx="0">
+        <a:scrgbClr r="0" g="0" b="0"/>
+      </a:effectRef>
+      <a:fontRef idx="minor">
+        <a:schemeClr val="lt1"/>
+      </a:fontRef>
+    </dgm:style>
+  </dgm:styleLbl>
+  <dgm:styleLbl name="node2">
+    <dgm:scene3d>
+      <a:camera prst="orthographicFront"/>
+      <a:lightRig rig="threePt" dir="t"/>
+    </dgm:scene3d>
+    <dgm:sp3d/>
+    <dgm:txPr/>
+    <dgm:style>
+      <a:lnRef idx="2">
+        <a:scrgbClr r="0" g="0" b="0"/>
+      </a:lnRef>
+      <a:fillRef idx="1">
+        <a:scrgbClr r="0" g="0" b="0"/>
+      </a:fillRef>
+      <a:effectRef idx="0">
+        <a:scrgbClr r="0" g="0" b="0"/>
+      </a:effectRef>
+      <a:fontRef idx="minor">
+        <a:schemeClr val="lt1"/>
+      </a:fontRef>
+    </dgm:style>
+  </dgm:styleLbl>
+  <dgm:styleLbl name="node3">
+    <dgm:scene3d>
+      <a:camera prst="orthographicFront"/>
+      <a:lightRig rig="threePt" dir="t"/>
+    </dgm:scene3d>
+    <dgm:sp3d/>
+    <dgm:txPr/>
+    <dgm:style>
+      <a:lnRef idx="2">
+        <a:scrgbClr r="0" g="0" b="0"/>
+      </a:lnRef>
+      <a:fillRef idx="1">
+        <a:scrgbClr r="0" g="0" b="0"/>
+      </a:fillRef>
+      <a:effectRef idx="0">
+        <a:scrgbClr r="0" g="0" b="0"/>
+      </a:effectRef>
+      <a:fontRef idx="minor">
+        <a:schemeClr val="lt1"/>
+      </a:fontRef>
+    </dgm:style>
+  </dgm:styleLbl>
+  <dgm:styleLbl name="node4">
+    <dgm:scene3d>
+      <a:camera prst="orthographicFront"/>
+      <a:lightRig rig="threePt" dir="t"/>
+    </dgm:scene3d>
+    <dgm:sp3d/>
+    <dgm:txPr/>
+    <dgm:style>
+      <a:lnRef idx="2">
+        <a:scrgbClr r="0" g="0" b="0"/>
+      </a:lnRef>
+      <a:fillRef idx="1">
+        <a:scrgbClr r="0" g="0" b="0"/>
+      </a:fillRef>
+      <a:effectRef idx="0">
+        <a:scrgbClr r="0" g="0" b="0"/>
+      </a:effectRef>
+      <a:fontRef idx="minor">
+        <a:schemeClr val="lt1"/>
+      </a:fontRef>
+    </dgm:style>
+  </dgm:styleLbl>
+  <dgm:styleLbl name="fgImgPlace1">
+    <dgm:scene3d>
+      <a:camera prst="orthographicFront"/>
+      <a:lightRig rig="threePt" dir="t"/>
+    </dgm:scene3d>
+    <dgm:sp3d/>
+    <dgm:txPr/>
+    <dgm:style>
+      <a:lnRef idx="2">
+        <a:scrgbClr r="0" g="0" b="0"/>
+      </a:lnRef>
+      <a:fillRef idx="1">
+        <a:scrgbClr r="0" g="0" b="0"/>
+      </a:fillRef>
+      <a:effectRef idx="0">
+        <a:scrgbClr r="0" g="0" b="0"/>
+      </a:effectRef>
+      <a:fontRef idx="minor"/>
+    </dgm:style>
+  </dgm:styleLbl>
+  <dgm:styleLbl name="alignImgPlace1">
+    <dgm:scene3d>
+      <a:camera prst="orthographicFront"/>
+      <a:lightRig rig="threePt" dir="t"/>
+    </dgm:scene3d>
+    <dgm:sp3d/>
+    <dgm:txPr/>
+    <dgm:style>
+      <a:lnRef idx="2">
+        <a:scrgbClr r="0" g="0" b="0"/>
+      </a:lnRef>
+      <a:fillRef idx="1">
+        <a:scrgbClr r="0" g="0" b="0"/>
+      </a:fillRef>
+      <a:effectRef idx="0">
+        <a:scrgbClr r="0" g="0" b="0"/>
+      </a:effectRef>
+      <a:fontRef idx="minor"/>
+    </dgm:style>
+  </dgm:styleLbl>
+  <dgm:styleLbl name="bgImgPlace1">
+    <dgm:scene3d>
+      <a:camera prst="orthographicFront"/>
+      <a:lightRig rig="threePt" dir="t"/>
+    </dgm:scene3d>
+    <dgm:sp3d/>
+    <dgm:txPr/>
+    <dgm:style>
+      <a:lnRef idx="2">
+        <a:scrgbClr r="0" g="0" b="0"/>
+      </a:lnRef>
+      <a:fillRef idx="1">
+        <a:scrgbClr r="0" g="0" b="0"/>
+      </a:fillRef>
+      <a:effectRef idx="0">
+        <a:scrgbClr r="0" g="0" b="0"/>
+      </a:effectRef>
+      <a:fontRef idx="minor"/>
+    </dgm:style>
+  </dgm:styleLbl>
+  <dgm:styleLbl name="sibTrans2D1">
+    <dgm:scene3d>
+      <a:camera prst="orthographicFront"/>
+      <a:lightRig rig="threePt" dir="t"/>
+    </dgm:scene3d>
+    <dgm:sp3d/>
+    <dgm:txPr/>
+    <dgm:style>
+      <a:lnRef idx="0">
+        <a:scrgbClr r="0" g="0" b="0"/>
+      </a:lnRef>
+      <a:fillRef idx="1">
+        <a:scrgbClr r="0" g="0" b="0"/>
+      </a:fillRef>
+      <a:effectRef idx="0">
+        <a:scrgbClr r="0" g="0" b="0"/>
+      </a:effectRef>
+      <a:fontRef idx="minor">
+        <a:schemeClr val="lt1"/>
+      </a:fontRef>
+    </dgm:style>
+  </dgm:styleLbl>
+  <dgm:styleLbl name="fgSibTrans2D1">
+    <dgm:scene3d>
+      <a:camera prst="orthographicFront"/>
+      <a:lightRig rig="threePt" dir="t"/>
+    </dgm:scene3d>
+    <dgm:sp3d/>
+    <dgm:txPr/>
+    <dgm:style>
+      <a:lnRef idx="0">
+        <a:scrgbClr r="0" g="0" b="0"/>
+      </a:lnRef>
+      <a:fillRef idx="1">
+        <a:scrgbClr r="0" g="0" b="0"/>
+      </a:fillRef>
+      <a:effectRef idx="0">
+        <a:scrgbClr r="0" g="0" b="0"/>
+      </a:effectRef>
+      <a:fontRef idx="minor">
+        <a:schemeClr val="lt1"/>
+      </a:fontRef>
+    </dgm:style>
+  </dgm:styleLbl>
+  <dgm:styleLbl name="bgSibTrans2D1">
+    <dgm:scene3d>
+      <a:camera prst="orthographicFront"/>
+      <a:lightRig rig="threePt" dir="t"/>
+    </dgm:scene3d>
+    <dgm:sp3d/>
+    <dgm:txPr/>
+    <dgm:style>
+      <a:lnRef idx="0">
+        <a:scrgbClr r="0" g="0" b="0"/>
+      </a:lnRef>
+      <a:fillRef idx="1">
+        <a:scrgbClr r="0" g="0" b="0"/>
+      </a:fillRef>
+      <a:effectRef idx="0">
+        <a:scrgbClr r="0" g="0" b="0"/>
+      </a:effectRef>
+      <a:fontRef idx="minor">
+        <a:schemeClr val="lt1"/>
+      </a:fontRef>
+    </dgm:style>
+  </dgm:styleLbl>
+  <dgm:styleLbl name="sibTrans1D1">
+    <dgm:scene3d>
+      <a:camera prst="orthographicFront"/>
+      <a:lightRig rig="threePt" dir="t"/>
+    </dgm:scene3d>
+    <dgm:sp3d/>
+    <dgm:txPr/>
+    <dgm:style>
+      <a:lnRef idx="1">
+        <a:scrgbClr r="0" g="0" b="0"/>
+      </a:lnRef>
+      <a:fillRef idx="0">
+        <a:scrgbClr r="0" g="0" b="0"/>
+      </a:fillRef>
+      <a:effectRef idx="0">
+        <a:scrgbClr r="0" g="0" b="0"/>
+      </a:effectRef>
+      <a:fontRef idx="minor"/>
+    </dgm:style>
+  </dgm:styleLbl>
+  <dgm:styleLbl name="callout">
+    <dgm:scene3d>
+      <a:camera prst="orthographicFront"/>
+      <a:lightRig rig="threePt" dir="t"/>
+    </dgm:scene3d>
+    <dgm:sp3d/>
+    <dgm:txPr/>
+    <dgm:style>
+      <a:lnRef idx="2">
+        <a:scrgbClr r="0" g="0" b="0"/>
+      </a:lnRef>
+      <a:fillRef idx="1">
+        <a:scrgbClr r="0" g="0" b="0"/>
+      </a:fillRef>
+      <a:effectRef idx="0">
+        <a:scrgbClr r="0" g="0" b="0"/>
+      </a:effectRef>
+      <a:fontRef idx="minor"/>
+    </dgm:style>
+  </dgm:styleLbl>
+  <dgm:styleLbl name="asst0">
+    <dgm:scene3d>
+      <a:camera prst="orthographicFront"/>
+      <a:lightRig rig="threePt" dir="t"/>
+    </dgm:scene3d>
+    <dgm:sp3d/>
+    <dgm:txPr/>
+    <dgm:style>
+      <a:lnRef idx="2">
+        <a:scrgbClr r="0" g="0" b="0"/>
+      </a:lnRef>
+      <a:fillRef idx="1">
+        <a:scrgbClr r="0" g="0" b="0"/>
+      </a:fillRef>
+      <a:effectRef idx="0">
+        <a:scrgbClr r="0" g="0" b="0"/>
+      </a:effectRef>
+      <a:fontRef idx="minor">
+        <a:schemeClr val="lt1"/>
+      </a:fontRef>
+    </dgm:style>
+  </dgm:styleLbl>
+  <dgm:styleLbl name="asst1">
+    <dgm:scene3d>
+      <a:camera prst="orthographicFront"/>
+      <a:lightRig rig="threePt" dir="t"/>
+    </dgm:scene3d>
+    <dgm:sp3d/>
+    <dgm:txPr/>
+    <dgm:style>
+      <a:lnRef idx="2">
+        <a:scrgbClr r="0" g="0" b="0"/>
+      </a:lnRef>
+      <a:fillRef idx="1">
+        <a:scrgbClr r="0" g="0" b="0"/>
+      </a:fillRef>
+      <a:effectRef idx="0">
+        <a:scrgbClr r="0" g="0" b="0"/>
+      </a:effectRef>
+      <a:fontRef idx="minor">
+        <a:schemeClr val="lt1"/>
+      </a:fontRef>
+    </dgm:style>
+  </dgm:styleLbl>
+  <dgm:styleLbl name="asst2">
+    <dgm:scene3d>
+      <a:camera prst="orthographicFront"/>
+      <a:lightRig rig="threePt" dir="t"/>
+    </dgm:scene3d>
+    <dgm:sp3d/>
+    <dgm:txPr/>
+    <dgm:style>
+      <a:lnRef idx="2">
+        <a:scrgbClr r="0" g="0" b="0"/>
+      </a:lnRef>
+      <a:fillRef idx="1">
+        <a:scrgbClr r="0" g="0" b="0"/>
+      </a:fillRef>
+      <a:effectRef idx="0">
+        <a:scrgbClr r="0" g="0" b="0"/>
+      </a:effectRef>
+      <a:fontRef idx="minor">
+        <a:schemeClr val="lt1"/>
+      </a:fontRef>
+    </dgm:style>
+  </dgm:styleLbl>
+  <dgm:styleLbl name="asst3">
+    <dgm:scene3d>
+      <a:camera prst="orthographicFront"/>
+      <a:lightRig rig="threePt" dir="t"/>
+    </dgm:scene3d>
+    <dgm:sp3d/>
+    <dgm:txPr/>
+    <dgm:style>
+      <a:lnRef idx="2">
+        <a:scrgbClr r="0" g="0" b="0"/>
+      </a:lnRef>
+      <a:fillRef idx="1">
+        <a:scrgbClr r="0" g="0" b="0"/>
+      </a:fillRef>
+      <a:effectRef idx="0">
+        <a:scrgbClr r="0" g="0" b="0"/>
+      </a:effectRef>
+      <a:fontRef idx="minor">
+        <a:schemeClr val="lt1"/>
+      </a:fontRef>
+    </dgm:style>
+  </dgm:styleLbl>
+  <dgm:styleLbl name="asst4">
+    <dgm:scene3d>
+      <a:camera prst="orthographicFront"/>
+      <a:lightRig rig="threePt" dir="t"/>
+    </dgm:scene3d>
+    <dgm:sp3d/>
+    <dgm:txPr/>
+    <dgm:style>
+      <a:lnRef idx="2">
+        <a:scrgbClr r="0" g="0" b="0"/>
+      </a:lnRef>
+      <a:fillRef idx="1">
+        <a:scrgbClr r="0" g="0" b="0"/>
+      </a:fillRef>
+      <a:effectRef idx="0">
+        <a:scrgbClr r="0" g="0" b="0"/>
+      </a:effectRef>
+      <a:fontRef idx="minor">
+        <a:schemeClr val="lt1"/>
+      </a:fontRef>
+    </dgm:style>
+  </dgm:styleLbl>
+  <dgm:styleLbl name="parChTrans2D1">
+    <dgm:scene3d>
+      <a:camera prst="orthographicFront"/>
+      <a:lightRig rig="threePt" dir="t"/>
+    </dgm:scene3d>
+    <dgm:sp3d/>
+    <dgm:txPr/>
+    <dgm:style>
+      <a:lnRef idx="2">
+        <a:scrgbClr r="0" g="0" b="0"/>
+      </a:lnRef>
+      <a:fillRef idx="1">
+        <a:scrgbClr r="0" g="0" b="0"/>
+      </a:fillRef>
+      <a:effectRef idx="0">
+        <a:scrgbClr r="0" g="0" b="0"/>
+      </a:effectRef>
+      <a:fontRef idx="minor">
+        <a:schemeClr val="lt1"/>
+      </a:fontRef>
+    </dgm:style>
+  </dgm:styleLbl>
+  <dgm:styleLbl name="parChTrans2D2">
+    <dgm:scene3d>
+      <a:camera prst="orthographicFront"/>
+      <a:lightRig rig="threePt" dir="t"/>
+    </dgm:scene3d>
+    <dgm:sp3d/>
+    <dgm:txPr/>
+    <dgm:style>
+      <a:lnRef idx="2">
+        <a:scrgbClr r="0" g="0" b="0"/>
+      </a:lnRef>
+      <a:fillRef idx="1">
+        <a:scrgbClr r="0" g="0" b="0"/>
+      </a:fillRef>
+      <a:effectRef idx="0">
+        <a:scrgbClr r="0" g="0" b="0"/>
+      </a:effectRef>
+      <a:fontRef idx="minor">
+        <a:schemeClr val="lt1"/>
+      </a:fontRef>
+    </dgm:style>
+  </dgm:styleLbl>
+  <dgm:styleLbl name="parChTrans2D3">
+    <dgm:scene3d>
+      <a:camera prst="orthographicFront"/>
+      <a:lightRig rig="threePt" dir="t"/>
+    </dgm:scene3d>
+    <dgm:sp3d/>
+    <dgm:txPr/>
+    <dgm:style>
+      <a:lnRef idx="2">
+        <a:scrgbClr r="0" g="0" b="0"/>
+      </a:lnRef>
+      <a:fillRef idx="1">
+        <a:scrgbClr r="0" g="0" b="0"/>
+      </a:fillRef>
+      <a:effectRef idx="0">
+        <a:scrgbClr r="0" g="0" b="0"/>
+      </a:effectRef>
+      <a:fontRef idx="minor">
+        <a:schemeClr val="lt1"/>
+      </a:fontRef>
+    </dgm:style>
+  </dgm:styleLbl>
+  <dgm:styleLbl name="parChTrans2D4">
+    <dgm:scene3d>
+      <a:camera prst="orthographicFront"/>
+      <a:lightRig rig="threePt" dir="t"/>
+    </dgm:scene3d>
+    <dgm:sp3d/>
+    <dgm:txPr/>
+    <dgm:style>
+      <a:lnRef idx="2">
+        <a:scrgbClr r="0" g="0" b="0"/>
+      </a:lnRef>
+      <a:fillRef idx="1">
+        <a:scrgbClr r="0" g="0" b="0"/>
+      </a:fillRef>
+      <a:effectRef idx="0">
+        <a:scrgbClr r="0" g="0" b="0"/>
+      </a:effectRef>
+      <a:fontRef idx="minor">
+        <a:schemeClr val="lt1"/>
+      </a:fontRef>
+    </dgm:style>
+  </dgm:styleLbl>
+  <dgm:styleLbl name="parChTrans1D1">
+    <dgm:scene3d>
+      <a:camera prst="orthographicFront"/>
+      <a:lightRig rig="threePt" dir="t"/>
+    </dgm:scene3d>
+    <dgm:sp3d/>
+    <dgm:txPr/>
+    <dgm:style>
+      <a:lnRef idx="2">
+        <a:scrgbClr r="0" g="0" b="0"/>
+      </a:lnRef>
+      <a:fillRef idx="0">
+        <a:scrgbClr r="0" g="0" b="0"/>
+      </a:fillRef>
+      <a:effectRef idx="0">
+        <a:scrgbClr r="0" g="0" b="0"/>
+      </a:effectRef>
+      <a:fontRef idx="minor"/>
+    </dgm:style>
+  </dgm:styleLbl>
+  <dgm:styleLbl name="parChTrans1D2">
+    <dgm:scene3d>
+      <a:camera prst="orthographicFront"/>
+      <a:lightRig rig="threePt" dir="t"/>
+    </dgm:scene3d>
+    <dgm:sp3d/>
+    <dgm:txPr/>
+    <dgm:style>
+      <a:lnRef idx="2">
+        <a:scrgbClr r="0" g="0" b="0"/>
+      </a:lnRef>
+      <a:fillRef idx="0">
+        <a:scrgbClr r="0" g="0" b="0"/>
+      </a:fillRef>
+      <a:effectRef idx="0">
+        <a:scrgbClr r="0" g="0" b="0"/>
+      </a:effectRef>
+      <a:fontRef idx="minor"/>
+    </dgm:style>
+  </dgm:styleLbl>
+  <dgm:styleLbl name="parChTrans1D3">
+    <dgm:scene3d>
+      <a:camera prst="orthographicFront"/>
+      <a:lightRig rig="threePt" dir="t"/>
+    </dgm:scene3d>
+    <dgm:sp3d/>
+    <dgm:txPr/>
+    <dgm:style>
+      <a:lnRef idx="2">
+        <a:scrgbClr r="0" g="0" b="0"/>
+      </a:lnRef>
+      <a:fillRef idx="0">
+        <a:scrgbClr r="0" g="0" b="0"/>
+      </a:fillRef>
+      <a:effectRef idx="0">
+        <a:scrgbClr r="0" g="0" b="0"/>
+      </a:effectRef>
+      <a:fontRef idx="minor"/>
+    </dgm:style>
+  </dgm:styleLbl>
+  <dgm:styleLbl name="parChTrans1D4">
+    <dgm:scene3d>
+      <a:camera prst="orthographicFront"/>
+      <a:lightRig rig="threePt" dir="t"/>
+    </dgm:scene3d>
+    <dgm:sp3d/>
+    <dgm:txPr/>
+    <dgm:style>
+      <a:lnRef idx="2">
+        <a:scrgbClr r="0" g="0" b="0"/>
+      </a:lnRef>
+      <a:fillRef idx="0">
+        <a:scrgbClr r="0" g="0" b="0"/>
+      </a:fillRef>
+      <a:effectRef idx="0">
+        <a:scrgbClr r="0" g="0" b="0"/>
+      </a:effectRef>
+      <a:fontRef idx="minor"/>
+    </dgm:style>
+  </dgm:styleLbl>
+  <dgm:styleLbl name="fgAcc1">
+    <dgm:scene3d>
+      <a:camera prst="orthographicFront"/>
+      <a:lightRig rig="threePt" dir="t"/>
+    </dgm:scene3d>
+    <dgm:sp3d/>
+    <dgm:txPr/>
+    <dgm:style>
+      <a:lnRef idx="2">
+        <a:scrgbClr r="0" g="0" b="0"/>
+      </a:lnRef>
+      <a:fillRef idx="1">
+        <a:scrgbClr r="0" g="0" b="0"/>
+      </a:fillRef>
+      <a:effectRef idx="0">
+        <a:scrgbClr r="0" g="0" b="0"/>
+      </a:effectRef>
+      <a:fontRef idx="minor"/>
+    </dgm:style>
+  </dgm:styleLbl>
+  <dgm:styleLbl name="conFgAcc1">
+    <dgm:scene3d>
+      <a:camera prst="orthographicFront"/>
+      <a:lightRig rig="threePt" dir="t"/>
+    </dgm:scene3d>
+    <dgm:sp3d/>
+    <dgm:txPr/>
+    <dgm:style>
+      <a:lnRef idx="2">
+        <a:scrgbClr r="0" g="0" b="0"/>
+      </a:lnRef>
+      <a:fillRef idx="1">
+        <a:scrgbClr r="0" g="0" b="0"/>
+      </a:fillRef>
+      <a:effectRef idx="0">
+        <a:scrgbClr r="0" g="0" b="0"/>
+      </a:effectRef>
+      <a:fontRef idx="minor"/>
+    </dgm:style>
+  </dgm:styleLbl>
+  <dgm:styleLbl name="alignAcc1">
+    <dgm:scene3d>
+      <a:camera prst="orthographicFront"/>
+      <a:lightRig rig="threePt" dir="t"/>
+    </dgm:scene3d>
+    <dgm:sp3d/>
+    <dgm:txPr/>
+    <dgm:style>
+      <a:lnRef idx="2">
+        <a:scrgbClr r="0" g="0" b="0"/>
+      </a:lnRef>
+      <a:fillRef idx="1">
+        <a:scrgbClr r="0" g="0" b="0"/>
+      </a:fillRef>
+      <a:effectRef idx="0">
+        <a:scrgbClr r="0" g="0" b="0"/>
+      </a:effectRef>
+      <a:fontRef idx="minor"/>
+    </dgm:style>
+  </dgm:styleLbl>
+  <dgm:styleLbl name="trAlignAcc1">
+    <dgm:scene3d>
+      <a:camera prst="orthographicFront"/>
+      <a:lightRig rig="threePt" dir="t"/>
+    </dgm:scene3d>
+    <dgm:sp3d/>
+    <dgm:txPr/>
+    <dgm:style>
+      <a:lnRef idx="1">
+        <a:scrgbClr r="0" g="0" b="0"/>
+      </a:lnRef>
+      <a:fillRef idx="1">
+        <a:scrgbClr r="0" g="0" b="0"/>
+      </a:fillRef>
+      <a:effectRef idx="0">
+        <a:scrgbClr r="0" g="0" b="0"/>
+      </a:effectRef>
+      <a:fontRef idx="minor"/>
+    </dgm:style>
+  </dgm:styleLbl>
+  <dgm:styleLbl name="bgAcc1">
+    <dgm:scene3d>
+      <a:camera prst="orthographicFront"/>
+      <a:lightRig rig="threePt" dir="t"/>
+    </dgm:scene3d>
+    <dgm:sp3d/>
+    <dgm:txPr/>
+    <dgm:style>
+      <a:lnRef idx="2">
+        <a:scrgbClr r="0" g="0" b="0"/>
+      </a:lnRef>
+      <a:fillRef idx="1">
+        <a:scrgbClr r="0" g="0" b="0"/>
+      </a:fillRef>
+      <a:effectRef idx="0">
+        <a:scrgbClr r="0" g="0" b="0"/>
+      </a:effectRef>
+      <a:fontRef idx="minor"/>
+    </dgm:style>
+  </dgm:styleLbl>
+  <dgm:styleLbl name="solidFgAcc1">
+    <dgm:scene3d>
+      <a:camera prst="orthographicFront"/>
+      <a:lightRig rig="threePt" dir="t"/>
+    </dgm:scene3d>
+    <dgm:sp3d/>
+    <dgm:txPr/>
+    <dgm:style>
+      <a:lnRef idx="2">
+        <a:scrgbClr r="0" g="0" b="0"/>
+      </a:lnRef>
+      <a:fillRef idx="1">
+        <a:scrgbClr r="0" g="0" b="0"/>
+      </a:fillRef>
+      <a:effectRef idx="0">
+        <a:scrgbClr r="0" g="0" b="0"/>
+      </a:effectRef>
+      <a:fontRef idx="minor"/>
+    </dgm:style>
+  </dgm:styleLbl>
+  <dgm:styleLbl name="solidAlignAcc1">
+    <dgm:scene3d>
+      <a:camera prst="orthographicFront"/>
+      <a:lightRig rig="threePt" dir="t"/>
+    </dgm:scene3d>
+    <dgm:sp3d/>
+    <dgm:txPr/>
+    <dgm:style>
+      <a:lnRef idx="2">
+        <a:scrgbClr r="0" g="0" b="0"/>
+      </a:lnRef>
+      <a:fillRef idx="1">
+        <a:scrgbClr r="0" g="0" b="0"/>
+      </a:fillRef>
+      <a:effectRef idx="0">
+        <a:scrgbClr r="0" g="0" b="0"/>
+      </a:effectRef>
+      <a:fontRef idx="minor"/>
+    </dgm:style>
+  </dgm:styleLbl>
+  <dgm:styleLbl name="solidBgAcc1">
+    <dgm:scene3d>
+      <a:camera prst="orthographicFront"/>
+      <a:lightRig rig="threePt" dir="t"/>
+    </dgm:scene3d>
+    <dgm:sp3d/>
+    <dgm:txPr/>
+    <dgm:style>
+      <a:lnRef idx="2">
+        <a:scrgbClr r="0" g="0" b="0"/>
+      </a:lnRef>
+      <a:fillRef idx="1">
+        <a:scrgbClr r="0" g="0" b="0"/>
+      </a:fillRef>
+      <a:effectRef idx="0">
+        <a:scrgbClr r="0" g="0" b="0"/>
+      </a:effectRef>
+      <a:fontRef idx="minor"/>
+    </dgm:style>
+  </dgm:styleLbl>
+  <dgm:styleLbl name="fgAccFollowNode1">
+    <dgm:scene3d>
+      <a:camera prst="orthographicFront"/>
+      <a:lightRig rig="threePt" dir="t"/>
+    </dgm:scene3d>
+    <dgm:sp3d/>
+    <dgm:txPr/>
+    <dgm:style>
+      <a:lnRef idx="2">
+        <a:scrgbClr r="0" g="0" b="0"/>
+      </a:lnRef>
+      <a:fillRef idx="1">
+        <a:scrgbClr r="0" g="0" b="0"/>
+      </a:fillRef>
+      <a:effectRef idx="0">
+        <a:scrgbClr r="0" g="0" b="0"/>
+      </a:effectRef>
+      <a:fontRef idx="minor"/>
+    </dgm:style>
+  </dgm:styleLbl>
+  <dgm:styleLbl name="alignAccFollowNode1">
+    <dgm:scene3d>
+      <a:camera prst="orthographicFront"/>
+      <a:lightRig rig="threePt" dir="t"/>
+    </dgm:scene3d>
+    <dgm:sp3d/>
+    <dgm:txPr/>
+    <dgm:style>
+      <a:lnRef idx="2">
+        <a:scrgbClr r="0" g="0" b="0"/>
+      </a:lnRef>
+      <a:fillRef idx="1">
+        <a:scrgbClr r="0" g="0" b="0"/>
+      </a:fillRef>
+      <a:effectRef idx="0">
+        <a:scrgbClr r="0" g="0" b="0"/>
+      </a:effectRef>
+      <a:fontRef idx="minor"/>
+    </dgm:style>
+  </dgm:styleLbl>
+  <dgm:styleLbl name="bgAccFollowNode1">
+    <dgm:scene3d>
+      <a:camera prst="orthographicFront"/>
+      <a:lightRig rig="threePt" dir="t"/>
+    </dgm:scene3d>
+    <dgm:sp3d/>
+    <dgm:txPr/>
+    <dgm:style>
+      <a:lnRef idx="2">
+        <a:scrgbClr r="0" g="0" b="0"/>
+      </a:lnRef>
+      <a:fillRef idx="1">
+        <a:scrgbClr r="0" g="0" b="0"/>
+      </a:fillRef>
+      <a:effectRef idx="0">
+        <a:scrgbClr r="0" g="0" b="0"/>
+      </a:effectRef>
+      <a:fontRef idx="minor"/>
+    </dgm:style>
+  </dgm:styleLbl>
+  <dgm:styleLbl name="fgAcc0">
+    <dgm:scene3d>
+      <a:camera prst="orthographicFront"/>
+      <a:lightRig rig="threePt" dir="t"/>
+    </dgm:scene3d>
+    <dgm:sp3d/>
+    <dgm:txPr/>
+    <dgm:style>
+      <a:lnRef idx="2">
+        <a:scrgbClr r="0" g="0" b="0"/>
+      </a:lnRef>
+      <a:fillRef idx="1">
+        <a:scrgbClr r="0" g="0" b="0"/>
+      </a:fillRef>
+      <a:effectRef idx="0">
+        <a:scrgbClr r="0" g="0" b="0"/>
+      </a:effectRef>
+      <a:fontRef idx="minor"/>
+    </dgm:style>
+  </dgm:styleLbl>
+  <dgm:styleLbl name="fgAcc2">
+    <dgm:scene3d>
+      <a:camera prst="orthographicFront"/>
+      <a:lightRig rig="threePt" dir="t"/>
+    </dgm:scene3d>
+    <dgm:sp3d/>
+    <dgm:txPr/>
+    <dgm:style>
+      <a:lnRef idx="2">
+        <a:scrgbClr r="0" g="0" b="0"/>
+      </a:lnRef>
+      <a:fillRef idx="1">
+        <a:scrgbClr r="0" g="0" b="0"/>
+      </a:fillRef>
+      <a:effectRef idx="0">
+        <a:scrgbClr r="0" g="0" b="0"/>
+      </a:effectRef>
+      <a:fontRef idx="minor"/>
+    </dgm:style>
+  </dgm:styleLbl>
+  <dgm:styleLbl name="fgAcc3">
+    <dgm:scene3d>
+      <a:camera prst="orthographicFront"/>
+      <a:lightRig rig="threePt" dir="t"/>
+    </dgm:scene3d>
+    <dgm:sp3d/>
+    <dgm:txPr/>
+    <dgm:style>
+      <a:lnRef idx="2">
+        <a:scrgbClr r="0" g="0" b="0"/>
+      </a:lnRef>
+      <a:fillRef idx="1">
+        <a:scrgbClr r="0" g="0" b="0"/>
+      </a:fillRef>
+      <a:effectRef idx="0">
+        <a:scrgbClr r="0" g="0" b="0"/>
+      </a:effectRef>
+      <a:fontRef idx="minor"/>
+    </dgm:style>
+  </dgm:styleLbl>
+  <dgm:styleLbl name="fgAcc4">
+    <dgm:scene3d>
+      <a:camera prst="orthographicFront"/>
+      <a:lightRig rig="threePt" dir="t"/>
+    </dgm:scene3d>
+    <dgm:sp3d/>
+    <dgm:txPr/>
+    <dgm:style>
+      <a:lnRef idx="2">
+        <a:scrgbClr r="0" g="0" b="0"/>
+      </a:lnRef>
+      <a:fillRef idx="1">
+        <a:scrgbClr r="0" g="0" b="0"/>
+      </a:fillRef>
+      <a:effectRef idx="0">
+        <a:scrgbClr r="0" g="0" b="0"/>
+      </a:effectRef>
+      <a:fontRef idx="minor"/>
+    </dgm:style>
+  </dgm:styleLbl>
+  <dgm:styleLbl name="bgShp">
+    <dgm:scene3d>
+      <a:camera prst="orthographicFront"/>
+      <a:lightRig rig="threePt" dir="t"/>
+    </dgm:scene3d>
+    <dgm:sp3d/>
+    <dgm:txPr/>
+    <dgm:style>
+      <a:lnRef idx="0">
+        <a:scrgbClr r="0" g="0" b="0"/>
+      </a:lnRef>
+      <a:fillRef idx="1">
+        <a:scrgbClr r="0" g="0" b="0"/>
+      </a:fillRef>
+      <a:effectRef idx="0">
+        <a:scrgbClr r="0" g="0" b="0"/>
+      </a:effectRef>
+      <a:fontRef idx="minor"/>
+    </dgm:style>
+  </dgm:styleLbl>
+  <dgm:styleLbl name="dkBgShp">
+    <dgm:scene3d>
+      <a:camera prst="orthographicFront"/>
+      <a:lightRig rig="threePt" dir="t"/>
+    </dgm:scene3d>
+    <dgm:sp3d/>
+    <dgm:txPr/>
+    <dgm:style>
+      <a:lnRef idx="0">
+        <a:scrgbClr r="0" g="0" b="0"/>
+      </a:lnRef>
+      <a:fillRef idx="1">
+        <a:scrgbClr r="0" g="0" b="0"/>
+      </a:fillRef>
+      <a:effectRef idx="0">
+        <a:scrgbClr r="0" g="0" b="0"/>
+      </a:effectRef>
+      <a:fontRef idx="minor"/>
+    </dgm:style>
+  </dgm:styleLbl>
+  <dgm:styleLbl name="trBgShp">
+    <dgm:scene3d>
+      <a:camera prst="orthographicFront"/>
+      <a:lightRig rig="threePt" dir="t"/>
+    </dgm:scene3d>
+    <dgm:sp3d/>
+    <dgm:txPr/>
+    <dgm:style>
+      <a:lnRef idx="0">
+        <a:scrgbClr r="0" g="0" b="0"/>
+      </a:lnRef>
+      <a:fillRef idx="1">
+        <a:scrgbClr r="0" g="0" b="0"/>
+      </a:fillRef>
+      <a:effectRef idx="0">
+        <a:scrgbClr r="0" g="0" b="0"/>
+      </a:effectRef>
+      <a:fontRef idx="minor"/>
+    </dgm:style>
+  </dgm:styleLbl>
+  <dgm:styleLbl name="fgShp">
+    <dgm:scene3d>
+      <a:camera prst="orthographicFront"/>
+      <a:lightRig rig="threePt" dir="t"/>
+    </dgm:scene3d>
+    <dgm:sp3d/>
+    <dgm:txPr/>
+    <dgm:style>
+      <a:lnRef idx="2">
+        <a:scrgbClr r="0" g="0" b="0"/>
+      </a:lnRef>
+      <a:fillRef idx="1">
+        <a:scrgbClr r="0" g="0" b="0"/>
+      </a:fillRef>
+      <a:effectRef idx="0">
+        <a:scrgbClr r="0" g="0" b="0"/>
+      </a:effectRef>
+      <a:fontRef idx="minor"/>
+    </dgm:style>
+  </dgm:styleLbl>
+  <dgm:styleLbl name="revTx">
+    <dgm:scene3d>
+      <a:camera prst="orthographicFront"/>
+      <a:lightRig rig="threePt" dir="t"/>
+    </dgm:scene3d>
+    <dgm:sp3d/>
+    <dgm:txPr/>
+    <dgm:style>
+      <a:lnRef idx="0">
+        <a:scrgbClr r="0" g="0" b="0"/>
+      </a:lnRef>
+      <a:fillRef idx="0">
+        <a:scrgbClr r="0" g="0" b="0"/>
+      </a:fillRef>
+      <a:effectRef idx="0">
+        <a:scrgbClr r="0" g="0" b="0"/>
+      </a:effectRef>
+      <a:fontRef idx="minor"/>
+    </dgm:style>
+  </dgm:styleLbl>
+</dgm:styleDef>
 </file>
 
 <file path=ppt/slideLayouts/slideLayout1.xml><?xml version="1.0" encoding="utf-8"?>
@@ -4100,6 +7066,112 @@
 </p:sld>
 </file>
 
+<file path=ppt/slides/slide10.xml><?xml version="1.0" encoding="utf-8"?>
+<p:sld xmlns:a="http://schemas.openxmlformats.org/drawingml/2006/main" xmlns:r="http://schemas.openxmlformats.org/officeDocument/2006/relationships" xmlns:p="http://schemas.openxmlformats.org/presentationml/2006/main">
+  <p:cSld>
+    <p:spTree>
+      <p:nvGrpSpPr>
+        <p:cNvPr id="1" name=""/>
+        <p:cNvGrpSpPr/>
+        <p:nvPr/>
+      </p:nvGrpSpPr>
+      <p:grpSpPr>
+        <a:xfrm>
+          <a:off x="0" y="0"/>
+          <a:ext cx="0" cy="0"/>
+          <a:chOff x="0" y="0"/>
+          <a:chExt cx="0" cy="0"/>
+        </a:xfrm>
+      </p:grpSpPr>
+      <p:sp>
+        <p:nvSpPr>
+          <p:cNvPr id="2" name="Title 1">
+            <a:extLst>
+              <a:ext uri="{FF2B5EF4-FFF2-40B4-BE49-F238E27FC236}">
+                <a16:creationId xmlns:a16="http://schemas.microsoft.com/office/drawing/2014/main" id="{B9A06D55-A465-C93F-B526-2EAA0C6BDA28}"/>
+              </a:ext>
+            </a:extLst>
+          </p:cNvPr>
+          <p:cNvSpPr>
+            <a:spLocks noGrp="1"/>
+          </p:cNvSpPr>
+          <p:nvPr>
+            <p:ph type="title"/>
+          </p:nvPr>
+        </p:nvSpPr>
+        <p:spPr/>
+        <p:txBody>
+          <a:bodyPr/>
+          <a:lstStyle/>
+          <a:p>
+            <a:r>
+              <a:rPr lang="en-US"/>
+              <a:t>Research Questions / Plan for future</a:t>
+            </a:r>
+            <a:endParaRPr lang="sv-SE" dirty="0"/>
+          </a:p>
+        </p:txBody>
+      </p:sp>
+      <p:sp>
+        <p:nvSpPr>
+          <p:cNvPr id="3" name="Content Placeholder 2">
+            <a:extLst>
+              <a:ext uri="{FF2B5EF4-FFF2-40B4-BE49-F238E27FC236}">
+                <a16:creationId xmlns:a16="http://schemas.microsoft.com/office/drawing/2014/main" id="{1139C13A-F384-5706-84B7-6FC41ACA84C1}"/>
+              </a:ext>
+            </a:extLst>
+          </p:cNvPr>
+          <p:cNvSpPr>
+            <a:spLocks noGrp="1"/>
+          </p:cNvSpPr>
+          <p:nvPr>
+            <p:ph idx="1"/>
+          </p:nvPr>
+        </p:nvSpPr>
+        <p:spPr/>
+        <p:txBody>
+          <a:bodyPr/>
+          <a:lstStyle/>
+          <a:p>
+            <a:r>
+              <a:rPr lang="en-US" dirty="0"/>
+              <a:t>Can we make it attached to arm? </a:t>
+            </a:r>
+          </a:p>
+          <a:p>
+            <a:r>
+              <a:rPr lang="en-US" dirty="0"/>
+              <a:t>Can we make it run with less lag? </a:t>
+            </a:r>
+          </a:p>
+          <a:p>
+            <a:r>
+              <a:rPr lang="en-US" dirty="0"/>
+              <a:t>Can we go both backwards, forwards and rest? </a:t>
+            </a:r>
+          </a:p>
+          <a:p>
+            <a:r>
+              <a:rPr lang="en-US" dirty="0"/>
+              <a:t>Can we make it go at variable speeds?</a:t>
+            </a:r>
+            <a:endParaRPr lang="sv-SE" dirty="0"/>
+          </a:p>
+        </p:txBody>
+      </p:sp>
+    </p:spTree>
+    <p:extLst>
+      <p:ext uri="{BB962C8B-B14F-4D97-AF65-F5344CB8AC3E}">
+        <p14:creationId xmlns:p14="http://schemas.microsoft.com/office/powerpoint/2010/main" val="264222137"/>
+      </p:ext>
+    </p:extLst>
+  </p:cSld>
+  <p:clrMapOvr>
+    <a:masterClrMapping/>
+  </p:clrMapOvr>
+</p:sld>
+</file>
+
 <file path=ppt/slides/slide2.xml><?xml version="1.0" encoding="utf-8"?>
 <p:sld xmlns:a="http://schemas.openxmlformats.org/drawingml/2006/main" xmlns:r="http://schemas.openxmlformats.org/officeDocument/2006/relationships" xmlns:p="http://schemas.openxmlformats.org/presentationml/2006/main">
   <p:cSld>
@@ -4704,35 +7776,6 @@
             </a:r>
           </a:p>
           <a:p>
-            <a:r>
-              <a:rPr lang="en-US" dirty="0"/>
-              <a:t>Old sensor</a:t>
-            </a:r>
-          </a:p>
-          <a:p>
-            <a:r>
-              <a:rPr lang="en-US" dirty="0"/>
-              <a:t>Shimmer 3</a:t>
-            </a:r>
-          </a:p>
-          <a:p>
-            <a:r>
-              <a:rPr lang="en-US" dirty="0"/>
-              <a:t>New Sensor</a:t>
-            </a:r>
-          </a:p>
-          <a:p>
-            <a:r>
-              <a:rPr lang="en-US" dirty="0"/>
-              <a:t>Advancer technology </a:t>
-            </a:r>
-            <a:r>
-              <a:rPr lang="en-US" dirty="0" err="1"/>
-              <a:t>myoware</a:t>
-            </a:r>
-            <a:endParaRPr lang="en-US" dirty="0"/>
-          </a:p>
-          <a:p>
             <a:endParaRPr lang="en-US" dirty="0"/>
           </a:p>
         </p:txBody>
@@ -4917,6 +7960,819 @@
       </p:grpSpPr>
       <p:sp>
         <p:nvSpPr>
+          <p:cNvPr id="2" name="Rubrik 1">
+            <a:extLst>
+              <a:ext uri="{FF2B5EF4-FFF2-40B4-BE49-F238E27FC236}">
+                <a16:creationId xmlns:a16="http://schemas.microsoft.com/office/drawing/2014/main" id="{017D3469-B2A8-2AAC-7994-B06771F6E26D}"/>
+              </a:ext>
+            </a:extLst>
+          </p:cNvPr>
+          <p:cNvSpPr>
+            <a:spLocks noGrp="1"/>
+          </p:cNvSpPr>
+          <p:nvPr>
+            <p:ph type="title"/>
+          </p:nvPr>
+        </p:nvSpPr>
+        <p:spPr/>
+        <p:txBody>
+          <a:bodyPr/>
+          <a:lstStyle/>
+          <a:p>
+            <a:r>
+              <a:rPr lang="sv-SE" dirty="0"/>
+              <a:t>EMG Sensors</a:t>
+            </a:r>
+          </a:p>
+        </p:txBody>
+      </p:sp>
+      <p:sp>
+        <p:nvSpPr>
+          <p:cNvPr id="3" name="Platshållare för innehåll 2">
+            <a:extLst>
+              <a:ext uri="{FF2B5EF4-FFF2-40B4-BE49-F238E27FC236}">
+                <a16:creationId xmlns:a16="http://schemas.microsoft.com/office/drawing/2014/main" id="{EC4FBB7D-B098-4395-FA8D-1823BC4CEA7B}"/>
+              </a:ext>
+            </a:extLst>
+          </p:cNvPr>
+          <p:cNvSpPr>
+            <a:spLocks noGrp="1"/>
+          </p:cNvSpPr>
+          <p:nvPr>
+            <p:ph idx="1"/>
+          </p:nvPr>
+        </p:nvSpPr>
+        <p:spPr/>
+        <p:txBody>
+          <a:bodyPr/>
+          <a:lstStyle/>
+          <a:p>
+            <a:endParaRPr lang="sv-SE" dirty="0"/>
+          </a:p>
+        </p:txBody>
+      </p:sp>
+    </p:spTree>
+    <p:extLst>
+      <p:ext uri="{BB962C8B-B14F-4D97-AF65-F5344CB8AC3E}">
+        <p14:creationId xmlns:p14="http://schemas.microsoft.com/office/powerpoint/2010/main" val="2655784508"/>
+      </p:ext>
+    </p:extLst>
+  </p:cSld>
+  <p:clrMapOvr>
+    <a:masterClrMapping/>
+  </p:clrMapOvr>
+</p:sld>
+</file>
+
+<file path=ppt/slides/slide5.xml><?xml version="1.0" encoding="utf-8"?>
+<p:sld xmlns:a="http://schemas.openxmlformats.org/drawingml/2006/main" xmlns:r="http://schemas.openxmlformats.org/officeDocument/2006/relationships" xmlns:p="http://schemas.openxmlformats.org/presentationml/2006/main">
+  <p:cSld>
+    <p:bg>
+      <p:bgPr>
+        <a:solidFill>
+          <a:schemeClr val="bg1"/>
+        </a:solidFill>
+        <a:effectLst/>
+      </p:bgPr>
+    </p:bg>
+    <p:spTree>
+      <p:nvGrpSpPr>
+        <p:cNvPr id="1" name=""/>
+        <p:cNvGrpSpPr/>
+        <p:nvPr/>
+      </p:nvGrpSpPr>
+      <p:grpSpPr>
+        <a:xfrm>
+          <a:off x="0" y="0"/>
+          <a:ext cx="0" cy="0"/>
+          <a:chOff x="0" y="0"/>
+          <a:chExt cx="0" cy="0"/>
+        </a:xfrm>
+      </p:grpSpPr>
+      <p:sp>
+        <p:nvSpPr>
+          <p:cNvPr id="2" name="Rubrik 1">
+            <a:extLst>
+              <a:ext uri="{FF2B5EF4-FFF2-40B4-BE49-F238E27FC236}">
+                <a16:creationId xmlns:a16="http://schemas.microsoft.com/office/drawing/2014/main" id="{7F35AD80-EB4A-BB0D-FBEC-C46DAC0CCBD1}"/>
+              </a:ext>
+            </a:extLst>
+          </p:cNvPr>
+          <p:cNvSpPr>
+            <a:spLocks noGrp="1"/>
+          </p:cNvSpPr>
+          <p:nvPr>
+            <p:ph type="title"/>
+          </p:nvPr>
+        </p:nvSpPr>
+        <p:spPr>
+          <a:xfrm>
+            <a:off x="1069848" y="798394"/>
+            <a:ext cx="4730451" cy="1637730"/>
+          </a:xfrm>
+        </p:spPr>
+        <p:txBody>
+          <a:bodyPr>
+            <a:normAutofit/>
+          </a:bodyPr>
+          <a:lstStyle/>
+          <a:p>
+            <a:r>
+              <a:rPr lang="sv-SE" sz="4400"/>
+              <a:t>Shimmer 3</a:t>
+            </a:r>
+          </a:p>
+        </p:txBody>
+      </p:sp>
+      <p:sp>
+        <p:nvSpPr>
+          <p:cNvPr id="28" name="Content Placeholder 8">
+            <a:extLst>
+              <a:ext uri="{FF2B5EF4-FFF2-40B4-BE49-F238E27FC236}">
+                <a16:creationId xmlns:a16="http://schemas.microsoft.com/office/drawing/2014/main" id="{F9499650-F80C-2DEC-D04D-6B135EBA9E78}"/>
+              </a:ext>
+            </a:extLst>
+          </p:cNvPr>
+          <p:cNvSpPr>
+            <a:spLocks noGrp="1"/>
+          </p:cNvSpPr>
+          <p:nvPr>
+            <p:ph idx="1"/>
+          </p:nvPr>
+        </p:nvSpPr>
+        <p:spPr>
+          <a:xfrm>
+            <a:off x="1069848" y="2578608"/>
+            <a:ext cx="4730451" cy="3593592"/>
+          </a:xfrm>
+        </p:spPr>
+        <p:txBody>
+          <a:bodyPr>
+            <a:normAutofit/>
+          </a:bodyPr>
+          <a:lstStyle/>
+          <a:p>
+            <a:r>
+              <a:rPr lang="en-US" sz="1800" dirty="0"/>
+              <a:t>Old sensor</a:t>
+            </a:r>
+          </a:p>
+          <a:p>
+            <a:endParaRPr lang="en-US" sz="1800" dirty="0"/>
+          </a:p>
+        </p:txBody>
+      </p:sp>
+      <p:sp>
+        <p:nvSpPr>
+          <p:cNvPr id="35" name="Freeform: Shape 34">
+            <a:extLst>
+              <a:ext uri="{FF2B5EF4-FFF2-40B4-BE49-F238E27FC236}">
+                <a16:creationId xmlns:a16="http://schemas.microsoft.com/office/drawing/2014/main" id="{B16070FD-9EB8-4AC8-A8E2-267228385B79}"/>
+              </a:ext>
+              <a:ext uri="{C183D7F6-B498-43B3-948B-1728B52AA6E4}">
+                <adec:decorative xmlns:adec="http://schemas.microsoft.com/office/drawing/2017/decorative" val="1"/>
+              </a:ext>
+            </a:extLst>
+          </p:cNvPr>
+          <p:cNvSpPr>
+            <a:spLocks noGrp="1" noRot="1" noChangeAspect="1" noMove="1" noResize="1" noEditPoints="1" noAdjustHandles="1" noChangeArrowheads="1" noChangeShapeType="1" noTextEdit="1"/>
+          </p:cNvSpPr>
+          <p:nvPr>
+            <p:extLst>
+              <p:ext uri="{386F3935-93C4-4BCD-93E2-E3B085C9AB24}">
+                <p16:designElem xmlns:p16="http://schemas.microsoft.com/office/powerpoint/2015/main" val="1"/>
+              </p:ext>
+            </p:extLst>
+          </p:nvPr>
+        </p:nvSpPr>
+        <p:spPr>
+          <a:xfrm>
+            <a:off x="5913124" y="0"/>
+            <a:ext cx="6278877" cy="6858000"/>
+          </a:xfrm>
+          <a:custGeom>
+            <a:avLst/>
+            <a:gdLst>
+              <a:gd name="connsiteX0" fmla="*/ 45571 w 6278877"/>
+              <a:gd name="connsiteY0" fmla="*/ 0 h 6858000"/>
+              <a:gd name="connsiteX1" fmla="*/ 6278877 w 6278877"/>
+              <a:gd name="connsiteY1" fmla="*/ 0 h 6858000"/>
+              <a:gd name="connsiteX2" fmla="*/ 6278877 w 6278877"/>
+              <a:gd name="connsiteY2" fmla="*/ 6858000 h 6858000"/>
+              <a:gd name="connsiteX3" fmla="*/ 3292307 w 6278877"/>
+              <a:gd name="connsiteY3" fmla="*/ 6858000 h 6858000"/>
+              <a:gd name="connsiteX4" fmla="*/ 3181525 w 6278877"/>
+              <a:gd name="connsiteY4" fmla="*/ 6786980 h 6858000"/>
+              <a:gd name="connsiteX5" fmla="*/ 0 w 6278877"/>
+              <a:gd name="connsiteY5" fmla="*/ 803252 h 6858000"/>
+              <a:gd name="connsiteX6" fmla="*/ 37255 w 6278877"/>
+              <a:gd name="connsiteY6" fmla="*/ 65445 h 6858000"/>
+            </a:gdLst>
+            <a:ahLst/>
+            <a:cxnLst>
+              <a:cxn ang="0">
+                <a:pos x="connsiteX0" y="connsiteY0"/>
+              </a:cxn>
+              <a:cxn ang="0">
+                <a:pos x="connsiteX1" y="connsiteY1"/>
+              </a:cxn>
+              <a:cxn ang="0">
+                <a:pos x="connsiteX2" y="connsiteY2"/>
+              </a:cxn>
+              <a:cxn ang="0">
+                <a:pos x="connsiteX3" y="connsiteY3"/>
+              </a:cxn>
+              <a:cxn ang="0">
+                <a:pos x="connsiteX4" y="connsiteY4"/>
+              </a:cxn>
+              <a:cxn ang="0">
+                <a:pos x="connsiteX5" y="connsiteY5"/>
+              </a:cxn>
+              <a:cxn ang="0">
+                <a:pos x="connsiteX6" y="connsiteY6"/>
+              </a:cxn>
+            </a:cxnLst>
+            <a:rect l="l" t="t" r="r" b="b"/>
+            <a:pathLst>
+              <a:path w="6278877" h="6858000">
+                <a:moveTo>
+                  <a:pt x="45571" y="0"/>
+                </a:moveTo>
+                <a:lnTo>
+                  <a:pt x="6278877" y="0"/>
+                </a:lnTo>
+                <a:lnTo>
+                  <a:pt x="6278877" y="6858000"/>
+                </a:lnTo>
+                <a:lnTo>
+                  <a:pt x="3292307" y="6858000"/>
+                </a:lnTo>
+                <a:lnTo>
+                  <a:pt x="3181525" y="6786980"/>
+                </a:lnTo>
+                <a:cubicBezTo>
+                  <a:pt x="1262020" y="5490189"/>
+                  <a:pt x="0" y="3294101"/>
+                  <a:pt x="0" y="803252"/>
+                </a:cubicBezTo>
+                <a:cubicBezTo>
+                  <a:pt x="0" y="554167"/>
+                  <a:pt x="12619" y="308030"/>
+                  <a:pt x="37255" y="65445"/>
+                </a:cubicBezTo>
+                <a:close/>
+              </a:path>
+            </a:pathLst>
+          </a:custGeom>
+          <a:solidFill>
+            <a:schemeClr val="tx2">
+              <a:lumMod val="50000"/>
+            </a:schemeClr>
+          </a:solidFill>
+          <a:ln>
+            <a:noFill/>
+          </a:ln>
+        </p:spPr>
+        <p:style>
+          <a:lnRef idx="2">
+            <a:schemeClr val="accent1">
+              <a:shade val="50000"/>
+            </a:schemeClr>
+          </a:lnRef>
+          <a:fillRef idx="1">
+            <a:schemeClr val="accent1"/>
+          </a:fillRef>
+          <a:effectRef idx="0">
+            <a:schemeClr val="accent1"/>
+          </a:effectRef>
+          <a:fontRef idx="minor">
+            <a:schemeClr val="lt1"/>
+          </a:fontRef>
+        </p:style>
+        <p:txBody>
+          <a:bodyPr wrap="square" rtlCol="0" anchor="ctr">
+            <a:noAutofit/>
+          </a:bodyPr>
+          <a:lstStyle/>
+          <a:p>
+            <a:pPr algn="ctr"/>
+            <a:endParaRPr lang="en-US"/>
+          </a:p>
+        </p:txBody>
+      </p:sp>
+      <p:pic>
+        <p:nvPicPr>
+          <p:cNvPr id="5" name="Platshållare för innehåll 4">
+            <a:extLst>
+              <a:ext uri="{FF2B5EF4-FFF2-40B4-BE49-F238E27FC236}">
+                <a16:creationId xmlns:a16="http://schemas.microsoft.com/office/drawing/2014/main" id="{B146C841-7173-8315-8156-DD7C2BE3B2F1}"/>
+              </a:ext>
+            </a:extLst>
+          </p:cNvPr>
+          <p:cNvPicPr>
+            <a:picLocks noChangeAspect="1"/>
+          </p:cNvPicPr>
+          <p:nvPr/>
+        </p:nvPicPr>
+        <p:blipFill>
+          <a:blip r:embed="rId2"/>
+          <a:stretch>
+            <a:fillRect/>
+          </a:stretch>
+        </p:blipFill>
+        <p:spPr>
+          <a:xfrm>
+            <a:off x="8726175" y="964745"/>
+            <a:ext cx="2070963" cy="4263748"/>
+          </a:xfrm>
+          <a:prstGeom prst="rect">
+            <a:avLst/>
+          </a:prstGeom>
+        </p:spPr>
+      </p:pic>
+    </p:spTree>
+    <p:extLst>
+      <p:ext uri="{BB962C8B-B14F-4D97-AF65-F5344CB8AC3E}">
+        <p14:creationId xmlns:p14="http://schemas.microsoft.com/office/powerpoint/2010/main" val="2537610560"/>
+      </p:ext>
+    </p:extLst>
+  </p:cSld>
+  <p:clrMapOvr>
+    <a:masterClrMapping/>
+  </p:clrMapOvr>
+</p:sld>
+</file>
+
+<file path=ppt/slides/slide6.xml><?xml version="1.0" encoding="utf-8"?>
+<p:sld xmlns:a="http://schemas.openxmlformats.org/drawingml/2006/main" xmlns:r="http://schemas.openxmlformats.org/officeDocument/2006/relationships" xmlns:p="http://schemas.openxmlformats.org/presentationml/2006/main">
+  <p:cSld>
+    <p:bg>
+      <p:bgPr>
+        <a:solidFill>
+          <a:schemeClr val="bg1"/>
+        </a:solidFill>
+        <a:effectLst/>
+      </p:bgPr>
+    </p:bg>
+    <p:spTree>
+      <p:nvGrpSpPr>
+        <p:cNvPr id="1" name=""/>
+        <p:cNvGrpSpPr/>
+        <p:nvPr/>
+      </p:nvGrpSpPr>
+      <p:grpSpPr>
+        <a:xfrm>
+          <a:off x="0" y="0"/>
+          <a:ext cx="0" cy="0"/>
+          <a:chOff x="0" y="0"/>
+          <a:chExt cx="0" cy="0"/>
+        </a:xfrm>
+      </p:grpSpPr>
+      <p:sp>
+        <p:nvSpPr>
+          <p:cNvPr id="31" name="Rectangle 30">
+            <a:extLst>
+              <a:ext uri="{FF2B5EF4-FFF2-40B4-BE49-F238E27FC236}">
+                <a16:creationId xmlns:a16="http://schemas.microsoft.com/office/drawing/2014/main" id="{F3AF35CD-DA30-4E34-B0F3-32C27766DA05}"/>
+              </a:ext>
+              <a:ext uri="{C183D7F6-B498-43B3-948B-1728B52AA6E4}">
+                <adec:decorative xmlns:adec="http://schemas.microsoft.com/office/drawing/2017/decorative" val="1"/>
+              </a:ext>
+            </a:extLst>
+          </p:cNvPr>
+          <p:cNvSpPr>
+            <a:spLocks noGrp="1" noRot="1" noChangeAspect="1" noMove="1" noResize="1" noEditPoints="1" noAdjustHandles="1" noChangeArrowheads="1" noChangeShapeType="1" noTextEdit="1"/>
+          </p:cNvSpPr>
+          <p:nvPr>
+            <p:extLst>
+              <p:ext uri="{386F3935-93C4-4BCD-93E2-E3B085C9AB24}">
+                <p16:designElem xmlns:p16="http://schemas.microsoft.com/office/powerpoint/2015/main" val="1"/>
+              </p:ext>
+            </p:extLst>
+          </p:nvPr>
+        </p:nvSpPr>
+        <p:spPr>
+          <a:xfrm>
+            <a:off x="7836310" y="0"/>
+            <a:ext cx="4355689" cy="6857999"/>
+          </a:xfrm>
+          <a:prstGeom prst="rect">
+            <a:avLst/>
+          </a:prstGeom>
+          <a:blipFill dpi="0" rotWithShape="1">
+            <a:blip r:embed="rId2">
+              <a:alphaModFix amt="60000"/>
+              <a:lum bright="70000" contrast="-70000"/>
+              <a:extLst>
+                <a:ext uri="{BEBA8EAE-BF5A-486C-A8C5-ECC9F3942E4B}">
+                  <a14:imgProps xmlns:a14="http://schemas.microsoft.com/office/drawing/2010/main">
+                    <a14:imgLayer r:embed="rId3">
+                      <a14:imgEffect>
+                        <a14:sharpenSoften amount="61000"/>
+                      </a14:imgEffect>
+                    </a14:imgLayer>
+                  </a14:imgProps>
+                </a:ext>
+                <a:ext uri="{28A0092B-C50C-407E-A947-70E740481C1C}">
+                  <a14:useLocalDpi xmlns:a14="http://schemas.microsoft.com/office/drawing/2010/main" val="0"/>
+                </a:ext>
+              </a:extLst>
+            </a:blip>
+            <a:srcRect/>
+            <a:tile tx="0" ty="-704850" sx="92000" sy="89000" flip="xy" algn="ctr"/>
+          </a:blipFill>
+          <a:ln>
+            <a:noFill/>
+          </a:ln>
+        </p:spPr>
+        <p:style>
+          <a:lnRef idx="2">
+            <a:schemeClr val="accent1">
+              <a:shade val="50000"/>
+            </a:schemeClr>
+          </a:lnRef>
+          <a:fillRef idx="1">
+            <a:schemeClr val="accent1"/>
+          </a:fillRef>
+          <a:effectRef idx="0">
+            <a:schemeClr val="accent1"/>
+          </a:effectRef>
+          <a:fontRef idx="minor">
+            <a:schemeClr val="lt1"/>
+          </a:fontRef>
+        </p:style>
+        <p:txBody>
+          <a:bodyPr rtlCol="0" anchor="ctr"/>
+          <a:lstStyle/>
+          <a:p>
+            <a:pPr algn="ctr"/>
+            <a:endParaRPr lang="en-US"/>
+          </a:p>
+        </p:txBody>
+      </p:sp>
+      <p:sp>
+        <p:nvSpPr>
+          <p:cNvPr id="2" name="Rubrik 1">
+            <a:extLst>
+              <a:ext uri="{FF2B5EF4-FFF2-40B4-BE49-F238E27FC236}">
+                <a16:creationId xmlns:a16="http://schemas.microsoft.com/office/drawing/2014/main" id="{11E05DE6-6347-FF2E-A3C0-CB1D8E75606D}"/>
+              </a:ext>
+            </a:extLst>
+          </p:cNvPr>
+          <p:cNvSpPr>
+            <a:spLocks noGrp="1"/>
+          </p:cNvSpPr>
+          <p:nvPr>
+            <p:ph type="title"/>
+          </p:nvPr>
+        </p:nvSpPr>
+        <p:spPr>
+          <a:xfrm>
+            <a:off x="8156350" y="484632"/>
+            <a:ext cx="3544035" cy="1609344"/>
+          </a:xfrm>
+          <a:ln>
+            <a:noFill/>
+          </a:ln>
+        </p:spPr>
+        <p:txBody>
+          <a:bodyPr>
+            <a:normAutofit/>
+          </a:bodyPr>
+          <a:lstStyle/>
+          <a:p>
+            <a:r>
+              <a:rPr lang="sv-SE" sz="3200"/>
+              <a:t>Myoware 1.0</a:t>
+            </a:r>
+          </a:p>
+        </p:txBody>
+      </p:sp>
+      <p:pic>
+        <p:nvPicPr>
+          <p:cNvPr id="5" name="Platshållare för innehåll 4" descr="En bild som visar Accessoar, person, handled, inomhus&#10;&#10;Automatiskt genererad beskrivning">
+            <a:extLst>
+              <a:ext uri="{FF2B5EF4-FFF2-40B4-BE49-F238E27FC236}">
+                <a16:creationId xmlns:a16="http://schemas.microsoft.com/office/drawing/2014/main" id="{A91F0DD6-B8E0-1EE7-0300-397A28EFE524}"/>
+              </a:ext>
+            </a:extLst>
+          </p:cNvPr>
+          <p:cNvPicPr>
+            <a:picLocks noChangeAspect="1"/>
+          </p:cNvPicPr>
+          <p:nvPr/>
+        </p:nvPicPr>
+        <p:blipFill rotWithShape="1">
+          <a:blip r:embed="rId4">
+            <a:extLst>
+              <a:ext uri="{28A0092B-C50C-407E-A947-70E740481C1C}">
+                <a14:useLocalDpi xmlns:a14="http://schemas.microsoft.com/office/drawing/2010/main" val="0"/>
+              </a:ext>
+            </a:extLst>
+          </a:blip>
+          <a:srcRect b="2502"/>
+          <a:stretch/>
+        </p:blipFill>
+        <p:spPr>
+          <a:xfrm>
+            <a:off x="633999" y="792039"/>
+            <a:ext cx="6882269" cy="5284182"/>
+          </a:xfrm>
+          <a:prstGeom prst="rect">
+            <a:avLst/>
+          </a:prstGeom>
+        </p:spPr>
+      </p:pic>
+      <p:sp>
+        <p:nvSpPr>
+          <p:cNvPr id="9" name="Content Placeholder 8">
+            <a:extLst>
+              <a:ext uri="{FF2B5EF4-FFF2-40B4-BE49-F238E27FC236}">
+                <a16:creationId xmlns:a16="http://schemas.microsoft.com/office/drawing/2014/main" id="{6A33368C-B70B-59BD-F73D-5CB097B74BF9}"/>
+              </a:ext>
+            </a:extLst>
+          </p:cNvPr>
+          <p:cNvSpPr>
+            <a:spLocks noGrp="1"/>
+          </p:cNvSpPr>
+          <p:nvPr>
+            <p:ph idx="1"/>
+          </p:nvPr>
+        </p:nvSpPr>
+        <p:spPr>
+          <a:xfrm>
+            <a:off x="8156351" y="2121408"/>
+            <a:ext cx="3544034" cy="4050792"/>
+          </a:xfrm>
+        </p:spPr>
+        <p:txBody>
+          <a:bodyPr>
+            <a:normAutofit/>
+          </a:bodyPr>
+          <a:lstStyle/>
+          <a:p>
+            <a:r>
+              <a:rPr lang="en-US" sz="1600" dirty="0"/>
+              <a:t>Advancer technology</a:t>
+            </a:r>
+          </a:p>
+          <a:p>
+            <a:r>
+              <a:rPr lang="en-US" sz="1600" dirty="0"/>
+              <a:t>New sensor</a:t>
+            </a:r>
+          </a:p>
+          <a:p>
+            <a:r>
+              <a:rPr lang="en-US" sz="1600" dirty="0"/>
+              <a:t>LED Indicator for muscle activation</a:t>
+            </a:r>
+          </a:p>
+          <a:p>
+            <a:endParaRPr lang="en-US" sz="1600" dirty="0"/>
+          </a:p>
+          <a:p>
+            <a:pPr marL="0" indent="0">
+              <a:buNone/>
+            </a:pPr>
+            <a:endParaRPr lang="en-US" sz="1600" dirty="0"/>
+          </a:p>
+        </p:txBody>
+      </p:sp>
+      <p:grpSp>
+        <p:nvGrpSpPr>
+          <p:cNvPr id="33" name="Group 32">
+            <a:extLst>
+              <a:ext uri="{FF2B5EF4-FFF2-40B4-BE49-F238E27FC236}">
+                <a16:creationId xmlns:a16="http://schemas.microsoft.com/office/drawing/2014/main" id="{BCFC42DC-2C46-47C4-BC61-530557385DBD}"/>
+              </a:ext>
+              <a:ext uri="{C183D7F6-B498-43B3-948B-1728B52AA6E4}">
+                <adec:decorative xmlns:adec="http://schemas.microsoft.com/office/drawing/2017/decorative" val="1"/>
+              </a:ext>
+            </a:extLst>
+          </p:cNvPr>
+          <p:cNvGrpSpPr>
+            <a:grpSpLocks noGrp="1" noUngrp="1" noRot="1" noChangeAspect="1" noMove="1" noResize="1"/>
+          </p:cNvGrpSpPr>
+          <p:nvPr>
+            <p:extLst>
+              <p:ext uri="{386F3935-93C4-4BCD-93E2-E3B085C9AB24}">
+                <p16:designElem xmlns:p16="http://schemas.microsoft.com/office/powerpoint/2015/main" val="1"/>
+              </p:ext>
+            </p:extLst>
+          </p:nvPr>
+        </p:nvGrpSpPr>
+        <p:grpSpPr>
+          <a:xfrm>
+            <a:off x="11401725" y="6229681"/>
+            <a:ext cx="457200" cy="457200"/>
+            <a:chOff x="11361456" y="6195813"/>
+            <a:chExt cx="548640" cy="548640"/>
+          </a:xfrm>
+        </p:grpSpPr>
+        <p:sp>
+          <p:nvSpPr>
+            <p:cNvPr id="34" name="Oval 33">
+              <a:extLst>
+                <a:ext uri="{FF2B5EF4-FFF2-40B4-BE49-F238E27FC236}">
+                  <a16:creationId xmlns:a16="http://schemas.microsoft.com/office/drawing/2014/main" id="{54B91A37-AA1F-4966-8ACF-93023547DA92}"/>
+                </a:ext>
+                <a:ext uri="{C183D7F6-B498-43B3-948B-1728B52AA6E4}">
+                  <adec:decorative xmlns:adec="http://schemas.microsoft.com/office/drawing/2017/decorative" val="1"/>
+                </a:ext>
+              </a:extLst>
+            </p:cNvPr>
+            <p:cNvSpPr/>
+            <p:nvPr>
+              <p:extLst>
+                <p:ext uri="{386F3935-93C4-4BCD-93E2-E3B085C9AB24}">
+                  <p16:designElem xmlns:p16="http://schemas.microsoft.com/office/powerpoint/2015/main" val="1"/>
+                </p:ext>
+              </p:extLst>
+            </p:nvPr>
+          </p:nvSpPr>
+          <p:spPr>
+            <a:xfrm>
+              <a:off x="11361456" y="6195813"/>
+              <a:ext cx="548640" cy="548640"/>
+            </a:xfrm>
+            <a:prstGeom prst="ellipse">
+              <a:avLst/>
+            </a:prstGeom>
+            <a:blipFill dpi="0" rotWithShape="1">
+              <a:blip r:embed="rId5">
+                <a:duotone>
+                  <a:schemeClr val="accent1">
+                    <a:shade val="45000"/>
+                    <a:satMod val="135000"/>
+                  </a:schemeClr>
+                  <a:prstClr val="white"/>
+                </a:duotone>
+              </a:blip>
+              <a:srcRect/>
+              <a:tile tx="50800" ty="0" sx="85000" sy="85000" flip="none" algn="tl"/>
+            </a:blipFill>
+            <a:ln w="25400" cap="flat" cmpd="sng" algn="ctr">
+              <a:noFill/>
+              <a:prstDash val="solid"/>
+            </a:ln>
+            <a:effectLst/>
+          </p:spPr>
+          <p:txBody>
+            <a:bodyPr lIns="0" tIns="0" rIns="0" bIns="0" rtlCol="0" anchor="ctr"/>
+            <a:lstStyle/>
+            <a:p>
+              <a:pPr marL="0" marR="0" lvl="0" indent="0" algn="ctr" defTabSz="914400" eaLnBrk="1" fontAlgn="auto" latinLnBrk="0" hangingPunct="1">
+                <a:lnSpc>
+                  <a:spcPct val="100000"/>
+                </a:lnSpc>
+                <a:spcBef>
+                  <a:spcPts val="0"/>
+                </a:spcBef>
+                <a:spcAft>
+                  <a:spcPts val="0"/>
+                </a:spcAft>
+                <a:buClrTx/>
+                <a:buSzTx/>
+                <a:buFontTx/>
+                <a:buNone/>
+                <a:tabLst/>
+                <a:defRPr/>
+              </a:pPr>
+              <a:endParaRPr kumimoji="0" lang="en-US" sz="2000" b="0" i="0" u="none" strike="noStrike" kern="0" cap="none" spc="0" normalizeH="0" baseline="0" noProof="0" dirty="0">
+                <a:ln>
+                  <a:noFill/>
+                </a:ln>
+                <a:solidFill>
+                  <a:prstClr val="white"/>
+                </a:solidFill>
+                <a:effectLst/>
+                <a:uLnTx/>
+                <a:uFillTx/>
+                <a:latin typeface="Rockwell Extra Bold" pitchFamily="18" charset="0"/>
+                <a:ea typeface="+mn-ea"/>
+                <a:cs typeface="+mn-cs"/>
+              </a:endParaRPr>
+            </a:p>
+          </p:txBody>
+        </p:sp>
+        <p:sp>
+          <p:nvSpPr>
+            <p:cNvPr id="35" name="Oval 34">
+              <a:extLst>
+                <a:ext uri="{FF2B5EF4-FFF2-40B4-BE49-F238E27FC236}">
+                  <a16:creationId xmlns:a16="http://schemas.microsoft.com/office/drawing/2014/main" id="{17B17AC5-0931-432F-9A4A-DDCFAA010ABC}"/>
+                </a:ext>
+                <a:ext uri="{C183D7F6-B498-43B3-948B-1728B52AA6E4}">
+                  <adec:decorative xmlns:adec="http://schemas.microsoft.com/office/drawing/2017/decorative" val="1"/>
+                </a:ext>
+              </a:extLst>
+            </p:cNvPr>
+            <p:cNvSpPr/>
+            <p:nvPr>
+              <p:extLst>
+                <p:ext uri="{386F3935-93C4-4BCD-93E2-E3B085C9AB24}">
+                  <p16:designElem xmlns:p16="http://schemas.microsoft.com/office/powerpoint/2015/main" val="1"/>
+                </p:ext>
+              </p:extLst>
+            </p:nvPr>
+          </p:nvSpPr>
+          <p:spPr>
+            <a:xfrm>
+              <a:off x="11396488" y="6230844"/>
+              <a:ext cx="478576" cy="478578"/>
+            </a:xfrm>
+            <a:prstGeom prst="ellipse">
+              <a:avLst/>
+            </a:prstGeom>
+            <a:noFill/>
+            <a:ln w="12700" cap="flat" cmpd="sng" algn="ctr">
+              <a:solidFill>
+                <a:srgbClr val="FFFFFF"/>
+              </a:solidFill>
+              <a:prstDash val="solid"/>
+            </a:ln>
+            <a:effectLst/>
+          </p:spPr>
+          <p:txBody>
+            <a:bodyPr rtlCol="0" anchor="ctr"/>
+            <a:lstStyle/>
+            <a:p>
+              <a:pPr marL="0" marR="0" lvl="0" indent="0" algn="ctr" defTabSz="914400" eaLnBrk="1" fontAlgn="auto" latinLnBrk="0" hangingPunct="1">
+                <a:lnSpc>
+                  <a:spcPct val="100000"/>
+                </a:lnSpc>
+                <a:spcBef>
+                  <a:spcPts val="0"/>
+                </a:spcBef>
+                <a:spcAft>
+                  <a:spcPts val="0"/>
+                </a:spcAft>
+                <a:buClrTx/>
+                <a:buSzTx/>
+                <a:buFontTx/>
+                <a:buNone/>
+                <a:tabLst/>
+                <a:defRPr/>
+              </a:pPr>
+              <a:endParaRPr kumimoji="0" lang="en-US" sz="1800" b="0" i="0" u="none" strike="noStrike" kern="0" cap="none" spc="0" normalizeH="0" baseline="0" noProof="0" dirty="0">
+                <a:ln>
+                  <a:noFill/>
+                </a:ln>
+                <a:solidFill>
+                  <a:prstClr val="white"/>
+                </a:solidFill>
+                <a:effectLst/>
+                <a:uLnTx/>
+                <a:uFillTx/>
+                <a:latin typeface="Calibri"/>
+                <a:ea typeface="+mn-ea"/>
+                <a:cs typeface="+mn-cs"/>
+              </a:endParaRPr>
+            </a:p>
+          </p:txBody>
+        </p:sp>
+      </p:grpSp>
+    </p:spTree>
+    <p:extLst>
+      <p:ext uri="{BB962C8B-B14F-4D97-AF65-F5344CB8AC3E}">
+        <p14:creationId xmlns:p14="http://schemas.microsoft.com/office/powerpoint/2010/main" val="3702835027"/>
+      </p:ext>
+    </p:extLst>
+  </p:cSld>
+  <p:clrMapOvr>
+    <a:masterClrMapping/>
+  </p:clrMapOvr>
+</p:sld>
+</file>
+
+<file path=ppt/slides/slide7.xml><?xml version="1.0" encoding="utf-8"?>
+<p:sld xmlns:a="http://schemas.openxmlformats.org/drawingml/2006/main" xmlns:r="http://schemas.openxmlformats.org/officeDocument/2006/relationships" xmlns:p="http://schemas.openxmlformats.org/presentationml/2006/main">
+  <p:cSld>
+    <p:bg>
+      <p:bgPr>
+        <a:solidFill>
+          <a:schemeClr val="bg1"/>
+        </a:solidFill>
+        <a:effectLst/>
+      </p:bgPr>
+    </p:bg>
+    <p:spTree>
+      <p:nvGrpSpPr>
+        <p:cNvPr id="1" name=""/>
+        <p:cNvGrpSpPr/>
+        <p:nvPr/>
+      </p:nvGrpSpPr>
+      <p:grpSpPr>
+        <a:xfrm>
+          <a:off x="0" y="0"/>
+          <a:ext cx="0" cy="0"/>
+          <a:chOff x="0" y="0"/>
+          <a:chExt cx="0" cy="0"/>
+        </a:xfrm>
+      </p:grpSpPr>
+      <p:sp>
+        <p:nvSpPr>
           <p:cNvPr id="2" name="Title 1">
             <a:extLst>
               <a:ext uri="{FF2B5EF4-FFF2-40B4-BE49-F238E27FC236}">
@@ -4931,14 +8787,21 @@
             <p:ph type="title"/>
           </p:nvPr>
         </p:nvSpPr>
-        <p:spPr/>
+        <p:spPr>
+          <a:xfrm>
+            <a:off x="1069848" y="484632"/>
+            <a:ext cx="10058400" cy="1609344"/>
+          </a:xfrm>
+        </p:spPr>
         <p:txBody>
-          <a:bodyPr/>
+          <a:bodyPr>
+            <a:normAutofit/>
+          </a:bodyPr>
           <a:lstStyle/>
           <a:p>
             <a:r>
-              <a:rPr lang="en-US"/>
-              <a:t>Static Struggles/Introduction</a:t>
+              <a:rPr lang="en-US" dirty="0"/>
+              <a:t>Static Struggles workout</a:t>
             </a:r>
             <a:endParaRPr lang="sv-SE" dirty="0"/>
           </a:p>
@@ -4946,45 +8809,117 @@
       </p:sp>
       <p:sp>
         <p:nvSpPr>
-          <p:cNvPr id="3" name="Content Placeholder 2">
+          <p:cNvPr id="14" name="Rectangle 13">
             <a:extLst>
               <a:ext uri="{FF2B5EF4-FFF2-40B4-BE49-F238E27FC236}">
-                <a16:creationId xmlns:a16="http://schemas.microsoft.com/office/drawing/2014/main" id="{A6F63E42-D07B-1C40-E563-7D8B4C57173E}"/>
+                <a16:creationId xmlns:a16="http://schemas.microsoft.com/office/drawing/2014/main" id="{3FD711E9-7F79-40A9-8D9E-4AE293C154A5}"/>
+              </a:ext>
+              <a:ext uri="{C183D7F6-B498-43B3-948B-1728B52AA6E4}">
+                <adec:decorative xmlns:adec="http://schemas.microsoft.com/office/drawing/2017/decorative" val="1"/>
               </a:ext>
             </a:extLst>
           </p:cNvPr>
           <p:cNvSpPr>
-            <a:spLocks noGrp="1"/>
+            <a:spLocks noGrp="1" noRot="1" noChangeAspect="1" noMove="1" noResize="1" noEditPoints="1" noAdjustHandles="1" noChangeArrowheads="1" noChangeShapeType="1" noTextEdit="1"/>
           </p:cNvSpPr>
           <p:nvPr>
-            <p:ph idx="1"/>
+            <p:extLst>
+              <p:ext uri="{386F3935-93C4-4BCD-93E2-E3B085C9AB24}">
+                <p16:designElem xmlns:p16="http://schemas.microsoft.com/office/powerpoint/2015/main" val="1"/>
+              </p:ext>
+            </p:extLst>
           </p:nvPr>
         </p:nvSpPr>
-        <p:spPr/>
+        <p:spPr>
+          <a:xfrm>
+            <a:off x="1066800" y="2013293"/>
+            <a:ext cx="10058400" cy="80683"/>
+          </a:xfrm>
+          <a:prstGeom prst="rect">
+            <a:avLst/>
+          </a:prstGeom>
+          <a:blipFill dpi="0" rotWithShape="1">
+            <a:blip r:embed="rId2">
+              <a:alphaModFix amt="85000"/>
+              <a:lum bright="70000" contrast="-70000"/>
+              <a:extLst>
+                <a:ext uri="{BEBA8EAE-BF5A-486C-A8C5-ECC9F3942E4B}">
+                  <a14:imgProps xmlns:a14="http://schemas.microsoft.com/office/drawing/2010/main">
+                    <a14:imgLayer r:embed="rId3">
+                      <a14:imgEffect>
+                        <a14:sharpenSoften amount="61000"/>
+                      </a14:imgEffect>
+                    </a14:imgLayer>
+                  </a14:imgProps>
+                </a:ext>
+                <a:ext uri="{28A0092B-C50C-407E-A947-70E740481C1C}">
+                  <a14:useLocalDpi xmlns:a14="http://schemas.microsoft.com/office/drawing/2010/main" val="0"/>
+                </a:ext>
+              </a:extLst>
+            </a:blip>
+            <a:srcRect/>
+            <a:tile tx="0" ty="-762000" sx="92000" sy="89000" flip="xy" algn="ctr"/>
+          </a:blipFill>
+          <a:ln>
+            <a:noFill/>
+          </a:ln>
+        </p:spPr>
+        <p:style>
+          <a:lnRef idx="2">
+            <a:schemeClr val="accent1">
+              <a:shade val="50000"/>
+            </a:schemeClr>
+          </a:lnRef>
+          <a:fillRef idx="1">
+            <a:schemeClr val="accent1"/>
+          </a:fillRef>
+          <a:effectRef idx="0">
+            <a:schemeClr val="accent1"/>
+          </a:effectRef>
+          <a:fontRef idx="minor">
+            <a:schemeClr val="lt1"/>
+          </a:fontRef>
+        </p:style>
         <p:txBody>
-          <a:bodyPr/>
+          <a:bodyPr rtlCol="0" anchor="ctr"/>
           <a:lstStyle/>
           <a:p>
-            <a:r>
-              <a:rPr lang="en-US"/>
-              <a:t>Operations</a:t>
-            </a:r>
-          </a:p>
-          <a:p>
-            <a:r>
-              <a:rPr lang="en-US"/>
-              <a:t>Assembly Work</a:t>
-            </a:r>
-          </a:p>
-          <a:p>
-            <a:r>
-              <a:rPr lang="en-US"/>
-              <a:t>Fruit Gathering</a:t>
-            </a:r>
-            <a:endParaRPr lang="sv-SE" dirty="0"/>
+            <a:pPr algn="ctr"/>
+            <a:endParaRPr lang="en-US"/>
           </a:p>
         </p:txBody>
       </p:sp>
+      <p:graphicFrame>
+        <p:nvGraphicFramePr>
+          <p:cNvPr id="5" name="Content Placeholder 2">
+            <a:extLst>
+              <a:ext uri="{FF2B5EF4-FFF2-40B4-BE49-F238E27FC236}">
+                <a16:creationId xmlns:a16="http://schemas.microsoft.com/office/drawing/2014/main" id="{61EEF85C-D34C-9782-71C4-35D56323C86E}"/>
+              </a:ext>
+            </a:extLst>
+          </p:cNvPr>
+          <p:cNvGraphicFramePr>
+            <a:graphicFrameLocks noGrp="1"/>
+          </p:cNvGraphicFramePr>
+          <p:nvPr>
+            <p:ph idx="1"/>
+            <p:extLst>
+              <p:ext uri="{D42A27DB-BD31-4B8C-83A1-F6EECF244321}">
+                <p14:modId xmlns:p14="http://schemas.microsoft.com/office/powerpoint/2010/main" val="1103118285"/>
+              </p:ext>
+            </p:extLst>
+          </p:nvPr>
+        </p:nvGraphicFramePr>
+        <p:xfrm>
+          <a:off x="1069975" y="2385390"/>
+          <a:ext cx="10058400" cy="3617845"/>
+        </p:xfrm>
+        <a:graphic>
+          <a:graphicData uri="http://schemas.openxmlformats.org/drawingml/2006/diagram">
+            <dgm:relIds xmlns:dgm="http://schemas.openxmlformats.org/drawingml/2006/diagram" xmlns:r="http://schemas.openxmlformats.org/officeDocument/2006/relationships" r:dm="rId4" r:lo="rId5" r:qs="rId6" r:cs="rId7"/>
+          </a:graphicData>
+        </a:graphic>
+      </p:graphicFrame>
     </p:spTree>
     <p:extLst>
       <p:ext uri="{BB962C8B-B14F-4D97-AF65-F5344CB8AC3E}">
@@ -4998,7 +8933,7 @@
 </p:sld>
 </file>
 
-<file path=ppt/slides/slide5.xml><?xml version="1.0" encoding="utf-8"?>
+<file path=ppt/slides/slide8.xml><?xml version="1.0" encoding="utf-8"?>
 <p:sld xmlns:a="http://schemas.openxmlformats.org/drawingml/2006/main" xmlns:r="http://schemas.openxmlformats.org/officeDocument/2006/relationships" xmlns:p="http://schemas.openxmlformats.org/presentationml/2006/main">
   <p:cSld>
     <p:spTree>
@@ -5104,7 +9039,7 @@
 </p:sld>
 </file>
 
-<file path=ppt/slides/slide6.xml><?xml version="1.0" encoding="utf-8"?>
+<file path=ppt/slides/slide9.xml><?xml version="1.0" encoding="utf-8"?>
 <p:sld xmlns:a="http://schemas.openxmlformats.org/drawingml/2006/main" xmlns:r="http://schemas.openxmlformats.org/officeDocument/2006/relationships" xmlns:p="http://schemas.openxmlformats.org/presentationml/2006/main">
   <p:cSld>
     <p:spTree>
@@ -5275,112 +9210,6 @@
     <p:extLst>
       <p:ext uri="{BB962C8B-B14F-4D97-AF65-F5344CB8AC3E}">
         <p14:creationId xmlns:p14="http://schemas.microsoft.com/office/powerpoint/2010/main" val="1570380145"/>
-      </p:ext>
-    </p:extLst>
-  </p:cSld>
-  <p:clrMapOvr>
-    <a:masterClrMapping/>
-  </p:clrMapOvr>
-</p:sld>
-</file>
-
-<file path=ppt/slides/slide7.xml><?xml version="1.0" encoding="utf-8"?>
-<p:sld xmlns:a="http://schemas.openxmlformats.org/drawingml/2006/main" xmlns:r="http://schemas.openxmlformats.org/officeDocument/2006/relationships" xmlns:p="http://schemas.openxmlformats.org/presentationml/2006/main">
-  <p:cSld>
-    <p:spTree>
-      <p:nvGrpSpPr>
-        <p:cNvPr id="1" name=""/>
-        <p:cNvGrpSpPr/>
-        <p:nvPr/>
-      </p:nvGrpSpPr>
-      <p:grpSpPr>
-        <a:xfrm>
-          <a:off x="0" y="0"/>
-          <a:ext cx="0" cy="0"/>
-          <a:chOff x="0" y="0"/>
-          <a:chExt cx="0" cy="0"/>
-        </a:xfrm>
-      </p:grpSpPr>
-      <p:sp>
-        <p:nvSpPr>
-          <p:cNvPr id="2" name="Title 1">
-            <a:extLst>
-              <a:ext uri="{FF2B5EF4-FFF2-40B4-BE49-F238E27FC236}">
-                <a16:creationId xmlns:a16="http://schemas.microsoft.com/office/drawing/2014/main" id="{B9A06D55-A465-C93F-B526-2EAA0C6BDA28}"/>
-              </a:ext>
-            </a:extLst>
-          </p:cNvPr>
-          <p:cNvSpPr>
-            <a:spLocks noGrp="1"/>
-          </p:cNvSpPr>
-          <p:nvPr>
-            <p:ph type="title"/>
-          </p:nvPr>
-        </p:nvSpPr>
-        <p:spPr/>
-        <p:txBody>
-          <a:bodyPr/>
-          <a:lstStyle/>
-          <a:p>
-            <a:r>
-              <a:rPr lang="en-US"/>
-              <a:t>Research Questions / Plan for future</a:t>
-            </a:r>
-            <a:endParaRPr lang="sv-SE" dirty="0"/>
-          </a:p>
-        </p:txBody>
-      </p:sp>
-      <p:sp>
-        <p:nvSpPr>
-          <p:cNvPr id="3" name="Content Placeholder 2">
-            <a:extLst>
-              <a:ext uri="{FF2B5EF4-FFF2-40B4-BE49-F238E27FC236}">
-                <a16:creationId xmlns:a16="http://schemas.microsoft.com/office/drawing/2014/main" id="{1139C13A-F384-5706-84B7-6FC41ACA84C1}"/>
-              </a:ext>
-            </a:extLst>
-          </p:cNvPr>
-          <p:cNvSpPr>
-            <a:spLocks noGrp="1"/>
-          </p:cNvSpPr>
-          <p:nvPr>
-            <p:ph idx="1"/>
-          </p:nvPr>
-        </p:nvSpPr>
-        <p:spPr/>
-        <p:txBody>
-          <a:bodyPr/>
-          <a:lstStyle/>
-          <a:p>
-            <a:r>
-              <a:rPr lang="en-US" dirty="0"/>
-              <a:t>Can we make it attached to arm? </a:t>
-            </a:r>
-          </a:p>
-          <a:p>
-            <a:r>
-              <a:rPr lang="en-US" dirty="0"/>
-              <a:t>Can we make it run with less lag? </a:t>
-            </a:r>
-          </a:p>
-          <a:p>
-            <a:r>
-              <a:rPr lang="en-US" dirty="0"/>
-              <a:t>Can we go both backwards, forwards and rest? </a:t>
-            </a:r>
-          </a:p>
-          <a:p>
-            <a:r>
-              <a:rPr lang="en-US" dirty="0"/>
-              <a:t>Can we make it go at variable speeds?</a:t>
-            </a:r>
-            <a:endParaRPr lang="sv-SE" dirty="0"/>
-          </a:p>
-        </p:txBody>
-      </p:sp>
-    </p:spTree>
-    <p:extLst>
-      <p:ext uri="{BB962C8B-B14F-4D97-AF65-F5344CB8AC3E}">
-        <p14:creationId xmlns:p14="http://schemas.microsoft.com/office/powerpoint/2010/main" val="264222137"/>
       </p:ext>
     </p:extLst>
   </p:cSld>
